--- a/Going Green Presentation.pptx
+++ b/Going Green Presentation.pptx
@@ -5,19 +5,29 @@
     <p:sldMasterId id="2147483648" r:id="rId5"/>
   </p:sldMasterIdLst>
   <p:notesMasterIdLst>
-    <p:notesMasterId r:id="rId13"/>
+    <p:notesMasterId r:id="rId23"/>
   </p:notesMasterIdLst>
   <p:handoutMasterIdLst>
-    <p:handoutMasterId r:id="rId14"/>
+    <p:handoutMasterId r:id="rId24"/>
   </p:handoutMasterIdLst>
   <p:sldIdLst>
     <p:sldId id="315" r:id="rId6"/>
     <p:sldId id="282" r:id="rId7"/>
-    <p:sldId id="346" r:id="rId8"/>
-    <p:sldId id="374" r:id="rId9"/>
-    <p:sldId id="257" r:id="rId10"/>
-    <p:sldId id="354" r:id="rId11"/>
-    <p:sldId id="364" r:id="rId12"/>
+    <p:sldId id="354" r:id="rId8"/>
+    <p:sldId id="365" r:id="rId9"/>
+    <p:sldId id="366" r:id="rId10"/>
+    <p:sldId id="367" r:id="rId11"/>
+    <p:sldId id="368" r:id="rId12"/>
+    <p:sldId id="369" r:id="rId13"/>
+    <p:sldId id="370" r:id="rId14"/>
+    <p:sldId id="371" r:id="rId15"/>
+    <p:sldId id="372" r:id="rId16"/>
+    <p:sldId id="373" r:id="rId17"/>
+    <p:sldId id="374" r:id="rId18"/>
+    <p:sldId id="375" r:id="rId19"/>
+    <p:sldId id="376" r:id="rId20"/>
+    <p:sldId id="377" r:id="rId21"/>
+    <p:sldId id="364" r:id="rId22"/>
   </p:sldIdLst>
   <p:sldSz cx="9144000" cy="6858000" type="screen4x3"/>
   <p:notesSz cx="6858000" cy="9144000"/>
@@ -870,7 +880,7 @@
           </a:bodyPr>
           <a:lstStyle/>
           <a:p>
-            <a:endParaRPr lang="en-US" dirty="0"/>
+            <a:endParaRPr lang="en-US"/>
           </a:p>
         </p:txBody>
       </p:sp>
@@ -894,7 +904,7 @@
               <a:pPr/>
               <a:t>3</a:t>
             </a:fld>
-            <a:endParaRPr lang="en-US" dirty="0"/>
+            <a:endParaRPr lang="en-US"/>
           </a:p>
         </p:txBody>
       </p:sp>
@@ -974,253 +984,7 @@
             <a:fld id="{20B9C825-F38E-45BB-92C1-043DE61C9183}" type="slidenum">
               <a:rPr lang="en-US" smtClean="0"/>
               <a:pPr/>
-              <a:t>4</a:t>
-            </a:fld>
-            <a:endParaRPr lang="en-US" dirty="0"/>
-          </a:p>
-        </p:txBody>
-      </p:sp>
-    </p:spTree>
-  </p:cSld>
-  <p:clrMapOvr>
-    <a:masterClrMapping/>
-  </p:clrMapOvr>
-</p:notes>
-</file>
-
-<file path=ppt/notesSlides/notesSlide5.xml><?xml version="1.0" encoding="utf-8"?>
-<p:notes xmlns:a="http://schemas.openxmlformats.org/drawingml/2006/main" xmlns:r="http://schemas.openxmlformats.org/officeDocument/2006/relationships" xmlns:p="http://schemas.openxmlformats.org/presentationml/2006/main">
-  <p:cSld>
-    <p:spTree>
-      <p:nvGrpSpPr>
-        <p:cNvPr id="1" name=""/>
-        <p:cNvGrpSpPr/>
-        <p:nvPr/>
-      </p:nvGrpSpPr>
-      <p:grpSpPr>
-        <a:xfrm>
-          <a:off x="0" y="0"/>
-          <a:ext cx="0" cy="0"/>
-          <a:chOff x="0" y="0"/>
-          <a:chExt cx="0" cy="0"/>
-        </a:xfrm>
-      </p:grpSpPr>
-      <p:sp>
-        <p:nvSpPr>
-          <p:cNvPr id="2" name="Slide Image Placeholder 1"/>
-          <p:cNvSpPr>
-            <a:spLocks noGrp="1" noRot="1" noChangeAspect="1"/>
-          </p:cNvSpPr>
-          <p:nvPr>
-            <p:ph type="sldImg"/>
-          </p:nvPr>
-        </p:nvSpPr>
-        <p:spPr/>
-      </p:sp>
-      <p:sp>
-        <p:nvSpPr>
-          <p:cNvPr id="3" name="Notes Placeholder 2"/>
-          <p:cNvSpPr>
-            <a:spLocks noGrp="1"/>
-          </p:cNvSpPr>
-          <p:nvPr>
-            <p:ph type="body" idx="1"/>
-          </p:nvPr>
-        </p:nvSpPr>
-        <p:spPr/>
-        <p:txBody>
-          <a:bodyPr>
-            <a:normAutofit/>
-          </a:bodyPr>
-          <a:lstStyle/>
-          <a:p>
-            <a:endParaRPr lang="en-US" dirty="0"/>
-          </a:p>
-        </p:txBody>
-      </p:sp>
-      <p:sp>
-        <p:nvSpPr>
-          <p:cNvPr id="4" name="Slide Number Placeholder 3"/>
-          <p:cNvSpPr>
-            <a:spLocks noGrp="1"/>
-          </p:cNvSpPr>
-          <p:nvPr>
-            <p:ph type="sldNum" sz="quarter" idx="10"/>
-          </p:nvPr>
-        </p:nvSpPr>
-        <p:spPr/>
-        <p:txBody>
-          <a:bodyPr/>
-          <a:lstStyle/>
-          <a:p>
-            <a:fld id="{20B9C825-F38E-45BB-92C1-043DE61C9183}" type="slidenum">
-              <a:rPr lang="en-US" smtClean="0"/>
-              <a:pPr/>
-              <a:t>5</a:t>
-            </a:fld>
-            <a:endParaRPr lang="en-US" dirty="0"/>
-          </a:p>
-        </p:txBody>
-      </p:sp>
-    </p:spTree>
-  </p:cSld>
-  <p:clrMapOvr>
-    <a:masterClrMapping/>
-  </p:clrMapOvr>
-</p:notes>
-</file>
-
-<file path=ppt/notesSlides/notesSlide6.xml><?xml version="1.0" encoding="utf-8"?>
-<p:notes xmlns:a="http://schemas.openxmlformats.org/drawingml/2006/main" xmlns:r="http://schemas.openxmlformats.org/officeDocument/2006/relationships" xmlns:p="http://schemas.openxmlformats.org/presentationml/2006/main">
-  <p:cSld>
-    <p:spTree>
-      <p:nvGrpSpPr>
-        <p:cNvPr id="1" name=""/>
-        <p:cNvGrpSpPr/>
-        <p:nvPr/>
-      </p:nvGrpSpPr>
-      <p:grpSpPr>
-        <a:xfrm>
-          <a:off x="0" y="0"/>
-          <a:ext cx="0" cy="0"/>
-          <a:chOff x="0" y="0"/>
-          <a:chExt cx="0" cy="0"/>
-        </a:xfrm>
-      </p:grpSpPr>
-      <p:sp>
-        <p:nvSpPr>
-          <p:cNvPr id="2" name="Slide Image Placeholder 1"/>
-          <p:cNvSpPr>
-            <a:spLocks noGrp="1" noRot="1" noChangeAspect="1"/>
-          </p:cNvSpPr>
-          <p:nvPr>
-            <p:ph type="sldImg"/>
-          </p:nvPr>
-        </p:nvSpPr>
-        <p:spPr/>
-      </p:sp>
-      <p:sp>
-        <p:nvSpPr>
-          <p:cNvPr id="3" name="Notes Placeholder 2"/>
-          <p:cNvSpPr>
-            <a:spLocks noGrp="1"/>
-          </p:cNvSpPr>
-          <p:nvPr>
-            <p:ph type="body" idx="1"/>
-          </p:nvPr>
-        </p:nvSpPr>
-        <p:spPr/>
-        <p:txBody>
-          <a:bodyPr>
-            <a:normAutofit/>
-          </a:bodyPr>
-          <a:lstStyle/>
-          <a:p>
-            <a:endParaRPr lang="en-US"/>
-          </a:p>
-        </p:txBody>
-      </p:sp>
-      <p:sp>
-        <p:nvSpPr>
-          <p:cNvPr id="4" name="Slide Number Placeholder 3"/>
-          <p:cNvSpPr>
-            <a:spLocks noGrp="1"/>
-          </p:cNvSpPr>
-          <p:nvPr>
-            <p:ph type="sldNum" sz="quarter" idx="10"/>
-          </p:nvPr>
-        </p:nvSpPr>
-        <p:spPr/>
-        <p:txBody>
-          <a:bodyPr/>
-          <a:lstStyle/>
-          <a:p>
-            <a:fld id="{20B9C825-F38E-45BB-92C1-043DE61C9183}" type="slidenum">
-              <a:rPr lang="en-US" smtClean="0"/>
-              <a:pPr/>
-              <a:t>6</a:t>
-            </a:fld>
-            <a:endParaRPr lang="en-US"/>
-          </a:p>
-        </p:txBody>
-      </p:sp>
-    </p:spTree>
-  </p:cSld>
-  <p:clrMapOvr>
-    <a:masterClrMapping/>
-  </p:clrMapOvr>
-</p:notes>
-</file>
-
-<file path=ppt/notesSlides/notesSlide7.xml><?xml version="1.0" encoding="utf-8"?>
-<p:notes xmlns:a="http://schemas.openxmlformats.org/drawingml/2006/main" xmlns:r="http://schemas.openxmlformats.org/officeDocument/2006/relationships" xmlns:p="http://schemas.openxmlformats.org/presentationml/2006/main">
-  <p:cSld>
-    <p:spTree>
-      <p:nvGrpSpPr>
-        <p:cNvPr id="1" name=""/>
-        <p:cNvGrpSpPr/>
-        <p:nvPr/>
-      </p:nvGrpSpPr>
-      <p:grpSpPr>
-        <a:xfrm>
-          <a:off x="0" y="0"/>
-          <a:ext cx="0" cy="0"/>
-          <a:chOff x="0" y="0"/>
-          <a:chExt cx="0" cy="0"/>
-        </a:xfrm>
-      </p:grpSpPr>
-      <p:sp>
-        <p:nvSpPr>
-          <p:cNvPr id="2" name="Slide Image Placeholder 1"/>
-          <p:cNvSpPr>
-            <a:spLocks noGrp="1" noRot="1" noChangeAspect="1"/>
-          </p:cNvSpPr>
-          <p:nvPr>
-            <p:ph type="sldImg"/>
-          </p:nvPr>
-        </p:nvSpPr>
-        <p:spPr/>
-      </p:sp>
-      <p:sp>
-        <p:nvSpPr>
-          <p:cNvPr id="3" name="Notes Placeholder 2"/>
-          <p:cNvSpPr>
-            <a:spLocks noGrp="1"/>
-          </p:cNvSpPr>
-          <p:nvPr>
-            <p:ph type="body" idx="1"/>
-          </p:nvPr>
-        </p:nvSpPr>
-        <p:spPr/>
-        <p:txBody>
-          <a:bodyPr>
-            <a:normAutofit/>
-          </a:bodyPr>
-          <a:lstStyle/>
-          <a:p>
-            <a:endParaRPr lang="en-US"/>
-          </a:p>
-        </p:txBody>
-      </p:sp>
-      <p:sp>
-        <p:nvSpPr>
-          <p:cNvPr id="4" name="Slide Number Placeholder 3"/>
-          <p:cNvSpPr>
-            <a:spLocks noGrp="1"/>
-          </p:cNvSpPr>
-          <p:nvPr>
-            <p:ph type="sldNum" sz="quarter" idx="10"/>
-          </p:nvPr>
-        </p:nvSpPr>
-        <p:spPr/>
-        <p:txBody>
-          <a:bodyPr/>
-          <a:lstStyle/>
-          <a:p>
-            <a:fld id="{20B9C825-F38E-45BB-92C1-043DE61C9183}" type="slidenum">
-              <a:rPr lang="en-US" smtClean="0"/>
-              <a:pPr/>
-              <a:t>7</a:t>
+              <a:t>17</a:t>
             </a:fld>
             <a:endParaRPr lang="en-US" dirty="0"/>
           </a:p>
@@ -45890,6 +45654,1030 @@
 </p:sld>
 </file>
 
+<file path=ppt/slides/slide10.xml><?xml version="1.0" encoding="utf-8"?>
+<p:sld xmlns:a="http://schemas.openxmlformats.org/drawingml/2006/main" xmlns:r="http://schemas.openxmlformats.org/officeDocument/2006/relationships" xmlns:p="http://schemas.openxmlformats.org/presentationml/2006/main">
+  <p:cSld>
+    <p:spTree>
+      <p:nvGrpSpPr>
+        <p:cNvPr id="1" name=""/>
+        <p:cNvGrpSpPr/>
+        <p:nvPr/>
+      </p:nvGrpSpPr>
+      <p:grpSpPr>
+        <a:xfrm>
+          <a:off x="0" y="0"/>
+          <a:ext cx="0" cy="0"/>
+          <a:chOff x="0" y="0"/>
+          <a:chExt cx="0" cy="0"/>
+        </a:xfrm>
+      </p:grpSpPr>
+      <p:sp>
+        <p:nvSpPr>
+          <p:cNvPr id="2" name="Slide Number Placeholder 1"/>
+          <p:cNvSpPr>
+            <a:spLocks noGrp="1"/>
+          </p:cNvSpPr>
+          <p:nvPr>
+            <p:ph type="sldNum" sz="quarter" idx="12"/>
+          </p:nvPr>
+        </p:nvSpPr>
+        <p:spPr/>
+        <p:txBody>
+          <a:bodyPr/>
+          <a:lstStyle/>
+          <a:p>
+            <a:fld id="{525A3C56-E491-49B2-93F3-63532DF516BC}" type="slidenum">
+              <a:rPr lang="en-US" smtClean="0"/>
+              <a:pPr/>
+              <a:t>10</a:t>
+            </a:fld>
+            <a:endParaRPr lang="en-US" dirty="0"/>
+          </a:p>
+        </p:txBody>
+      </p:sp>
+      <p:sp>
+        <p:nvSpPr>
+          <p:cNvPr id="3" name="Title 2"/>
+          <p:cNvSpPr>
+            <a:spLocks noGrp="1"/>
+          </p:cNvSpPr>
+          <p:nvPr>
+            <p:ph type="title"/>
+          </p:nvPr>
+        </p:nvSpPr>
+        <p:spPr/>
+        <p:txBody>
+          <a:bodyPr/>
+          <a:lstStyle/>
+          <a:p>
+            <a:r>
+              <a:rPr lang="en-US" dirty="0" smtClean="0"/>
+              <a:t>Search Menu Continued</a:t>
+            </a:r>
+            <a:endParaRPr lang="en-US" dirty="0"/>
+          </a:p>
+        </p:txBody>
+      </p:sp>
+      <p:sp>
+        <p:nvSpPr>
+          <p:cNvPr id="4" name="Content Placeholder 3"/>
+          <p:cNvSpPr>
+            <a:spLocks noGrp="1"/>
+          </p:cNvSpPr>
+          <p:nvPr>
+            <p:ph sz="quarter" idx="17"/>
+          </p:nvPr>
+        </p:nvSpPr>
+        <p:spPr/>
+        <p:txBody>
+          <a:bodyPr/>
+          <a:lstStyle/>
+          <a:p>
+            <a:endParaRPr lang="en-US" dirty="0"/>
+          </a:p>
+        </p:txBody>
+      </p:sp>
+      <p:sp>
+        <p:nvSpPr>
+          <p:cNvPr id="5" name="Content Placeholder 4"/>
+          <p:cNvSpPr>
+            <a:spLocks noGrp="1"/>
+          </p:cNvSpPr>
+          <p:nvPr>
+            <p:ph sz="quarter" idx="23"/>
+          </p:nvPr>
+        </p:nvSpPr>
+        <p:spPr/>
+        <p:txBody>
+          <a:bodyPr/>
+          <a:lstStyle/>
+          <a:p>
+            <a:endParaRPr lang="en-US"/>
+          </a:p>
+        </p:txBody>
+      </p:sp>
+      <p:pic>
+        <p:nvPicPr>
+          <p:cNvPr id="6146" name="Picture 2"/>
+          <p:cNvPicPr>
+            <a:picLocks noChangeAspect="1" noChangeArrowheads="1"/>
+          </p:cNvPicPr>
+          <p:nvPr/>
+        </p:nvPicPr>
+        <p:blipFill>
+          <a:blip r:embed="rId2">
+            <a:extLst>
+              <a:ext uri="{28A0092B-C50C-407E-A947-70E740481C1C}">
+                <a14:useLocalDpi xmlns:a14="http://schemas.microsoft.com/office/drawing/2010/main" val="0"/>
+              </a:ext>
+            </a:extLst>
+          </a:blip>
+          <a:srcRect/>
+          <a:stretch>
+            <a:fillRect/>
+          </a:stretch>
+        </p:blipFill>
+        <p:spPr bwMode="auto">
+          <a:xfrm>
+            <a:off x="428206" y="1016948"/>
+            <a:ext cx="7480185" cy="5721083"/>
+          </a:xfrm>
+          <a:prstGeom prst="rect">
+            <a:avLst/>
+          </a:prstGeom>
+          <a:noFill/>
+          <a:ln>
+            <a:noFill/>
+          </a:ln>
+          <a:extLst>
+            <a:ext uri="{909E8E84-426E-40DD-AFC4-6F175D3DCCD1}">
+              <a14:hiddenFill xmlns:a14="http://schemas.microsoft.com/office/drawing/2010/main">
+                <a:solidFill>
+                  <a:schemeClr val="accent1"/>
+                </a:solidFill>
+              </a14:hiddenFill>
+            </a:ext>
+            <a:ext uri="{91240B29-F687-4F45-9708-019B960494DF}">
+              <a14:hiddenLine xmlns:a14="http://schemas.microsoft.com/office/drawing/2010/main" w="9525">
+                <a:solidFill>
+                  <a:schemeClr val="tx1"/>
+                </a:solidFill>
+                <a:miter lim="800000"/>
+                <a:headEnd/>
+                <a:tailEnd/>
+              </a14:hiddenLine>
+            </a:ext>
+          </a:extLst>
+        </p:spPr>
+      </p:pic>
+      <p:pic>
+        <p:nvPicPr>
+          <p:cNvPr id="6147" name="Picture 3"/>
+          <p:cNvPicPr>
+            <a:picLocks noChangeAspect="1" noChangeArrowheads="1"/>
+          </p:cNvPicPr>
+          <p:nvPr/>
+        </p:nvPicPr>
+        <p:blipFill>
+          <a:blip r:embed="rId3" cstate="print">
+            <a:extLst>
+              <a:ext uri="{28A0092B-C50C-407E-A947-70E740481C1C}">
+                <a14:useLocalDpi xmlns:a14="http://schemas.microsoft.com/office/drawing/2010/main" val="0"/>
+              </a:ext>
+            </a:extLst>
+          </a:blip>
+          <a:srcRect/>
+          <a:stretch>
+            <a:fillRect/>
+          </a:stretch>
+        </p:blipFill>
+        <p:spPr bwMode="auto">
+          <a:xfrm>
+            <a:off x="4631821" y="302589"/>
+            <a:ext cx="913406" cy="620029"/>
+          </a:xfrm>
+          <a:prstGeom prst="rect">
+            <a:avLst/>
+          </a:prstGeom>
+          <a:noFill/>
+          <a:ln>
+            <a:noFill/>
+          </a:ln>
+          <a:extLst>
+            <a:ext uri="{909E8E84-426E-40DD-AFC4-6F175D3DCCD1}">
+              <a14:hiddenFill xmlns:a14="http://schemas.microsoft.com/office/drawing/2010/main">
+                <a:solidFill>
+                  <a:schemeClr val="accent1"/>
+                </a:solidFill>
+              </a14:hiddenFill>
+            </a:ext>
+            <a:ext uri="{91240B29-F687-4F45-9708-019B960494DF}">
+              <a14:hiddenLine xmlns:a14="http://schemas.microsoft.com/office/drawing/2010/main" w="9525">
+                <a:solidFill>
+                  <a:schemeClr val="tx1"/>
+                </a:solidFill>
+                <a:miter lim="800000"/>
+                <a:headEnd/>
+                <a:tailEnd/>
+              </a14:hiddenLine>
+            </a:ext>
+          </a:extLst>
+        </p:spPr>
+      </p:pic>
+    </p:spTree>
+    <p:extLst>
+      <p:ext uri="{BB962C8B-B14F-4D97-AF65-F5344CB8AC3E}">
+        <p14:creationId xmlns:p14="http://schemas.microsoft.com/office/powerpoint/2010/main" val="3001074435"/>
+      </p:ext>
+    </p:extLst>
+  </p:cSld>
+  <p:clrMapOvr>
+    <a:masterClrMapping/>
+  </p:clrMapOvr>
+</p:sld>
+</file>
+
+<file path=ppt/slides/slide11.xml><?xml version="1.0" encoding="utf-8"?>
+<p:sld xmlns:a="http://schemas.openxmlformats.org/drawingml/2006/main" xmlns:r="http://schemas.openxmlformats.org/officeDocument/2006/relationships" xmlns:p="http://schemas.openxmlformats.org/presentationml/2006/main">
+  <p:cSld>
+    <p:spTree>
+      <p:nvGrpSpPr>
+        <p:cNvPr id="1" name=""/>
+        <p:cNvGrpSpPr/>
+        <p:nvPr/>
+      </p:nvGrpSpPr>
+      <p:grpSpPr>
+        <a:xfrm>
+          <a:off x="0" y="0"/>
+          <a:ext cx="0" cy="0"/>
+          <a:chOff x="0" y="0"/>
+          <a:chExt cx="0" cy="0"/>
+        </a:xfrm>
+      </p:grpSpPr>
+      <p:sp>
+        <p:nvSpPr>
+          <p:cNvPr id="2" name="Slide Number Placeholder 1"/>
+          <p:cNvSpPr>
+            <a:spLocks noGrp="1"/>
+          </p:cNvSpPr>
+          <p:nvPr>
+            <p:ph type="sldNum" sz="quarter" idx="12"/>
+          </p:nvPr>
+        </p:nvSpPr>
+        <p:spPr/>
+        <p:txBody>
+          <a:bodyPr/>
+          <a:lstStyle/>
+          <a:p>
+            <a:fld id="{525A3C56-E491-49B2-93F3-63532DF516BC}" type="slidenum">
+              <a:rPr lang="en-US" smtClean="0"/>
+              <a:pPr/>
+              <a:t>11</a:t>
+            </a:fld>
+            <a:endParaRPr lang="en-US" dirty="0"/>
+          </a:p>
+        </p:txBody>
+      </p:sp>
+      <p:sp>
+        <p:nvSpPr>
+          <p:cNvPr id="3" name="Title 2"/>
+          <p:cNvSpPr>
+            <a:spLocks noGrp="1"/>
+          </p:cNvSpPr>
+          <p:nvPr>
+            <p:ph type="title"/>
+          </p:nvPr>
+        </p:nvSpPr>
+        <p:spPr/>
+        <p:txBody>
+          <a:bodyPr/>
+          <a:lstStyle/>
+          <a:p>
+            <a:r>
+              <a:rPr lang="en-US" dirty="0" smtClean="0"/>
+              <a:t>Create Pickup Grou</a:t>
+            </a:r>
+            <a:r>
+              <a:rPr lang="en-US" dirty="0"/>
+              <a:t>p</a:t>
+            </a:r>
+          </a:p>
+        </p:txBody>
+      </p:sp>
+      <p:sp>
+        <p:nvSpPr>
+          <p:cNvPr id="4" name="Content Placeholder 3"/>
+          <p:cNvSpPr>
+            <a:spLocks noGrp="1"/>
+          </p:cNvSpPr>
+          <p:nvPr>
+            <p:ph sz="quarter" idx="17"/>
+          </p:nvPr>
+        </p:nvSpPr>
+        <p:spPr/>
+        <p:txBody>
+          <a:bodyPr/>
+          <a:lstStyle/>
+          <a:p>
+            <a:endParaRPr lang="en-US"/>
+          </a:p>
+        </p:txBody>
+      </p:sp>
+      <p:sp>
+        <p:nvSpPr>
+          <p:cNvPr id="5" name="Content Placeholder 4"/>
+          <p:cNvSpPr>
+            <a:spLocks noGrp="1"/>
+          </p:cNvSpPr>
+          <p:nvPr>
+            <p:ph sz="quarter" idx="23"/>
+          </p:nvPr>
+        </p:nvSpPr>
+        <p:spPr/>
+        <p:txBody>
+          <a:bodyPr/>
+          <a:lstStyle/>
+          <a:p>
+            <a:endParaRPr lang="en-US"/>
+          </a:p>
+        </p:txBody>
+      </p:sp>
+      <p:pic>
+        <p:nvPicPr>
+          <p:cNvPr id="7170" name="Picture 2"/>
+          <p:cNvPicPr>
+            <a:picLocks noChangeAspect="1" noChangeArrowheads="1"/>
+          </p:cNvPicPr>
+          <p:nvPr/>
+        </p:nvPicPr>
+        <p:blipFill>
+          <a:blip r:embed="rId2">
+            <a:extLst>
+              <a:ext uri="{28A0092B-C50C-407E-A947-70E740481C1C}">
+                <a14:useLocalDpi xmlns:a14="http://schemas.microsoft.com/office/drawing/2010/main" val="0"/>
+              </a:ext>
+            </a:extLst>
+          </a:blip>
+          <a:srcRect/>
+          <a:stretch>
+            <a:fillRect/>
+          </a:stretch>
+        </p:blipFill>
+        <p:spPr bwMode="auto">
+          <a:xfrm>
+            <a:off x="403969" y="1290415"/>
+            <a:ext cx="7211936" cy="5355439"/>
+          </a:xfrm>
+          <a:prstGeom prst="rect">
+            <a:avLst/>
+          </a:prstGeom>
+          <a:noFill/>
+          <a:ln>
+            <a:noFill/>
+          </a:ln>
+          <a:extLst>
+            <a:ext uri="{909E8E84-426E-40DD-AFC4-6F175D3DCCD1}">
+              <a14:hiddenFill xmlns:a14="http://schemas.microsoft.com/office/drawing/2010/main">
+                <a:solidFill>
+                  <a:schemeClr val="accent1"/>
+                </a:solidFill>
+              </a14:hiddenFill>
+            </a:ext>
+            <a:ext uri="{91240B29-F687-4F45-9708-019B960494DF}">
+              <a14:hiddenLine xmlns:a14="http://schemas.microsoft.com/office/drawing/2010/main" w="9525">
+                <a:solidFill>
+                  <a:schemeClr val="tx1"/>
+                </a:solidFill>
+                <a:miter lim="800000"/>
+                <a:headEnd/>
+                <a:tailEnd/>
+              </a14:hiddenLine>
+            </a:ext>
+          </a:extLst>
+        </p:spPr>
+      </p:pic>
+      <p:pic>
+        <p:nvPicPr>
+          <p:cNvPr id="7171" name="Picture 3"/>
+          <p:cNvPicPr>
+            <a:picLocks noChangeAspect="1" noChangeArrowheads="1"/>
+          </p:cNvPicPr>
+          <p:nvPr/>
+        </p:nvPicPr>
+        <p:blipFill>
+          <a:blip r:embed="rId3" cstate="print">
+            <a:extLst>
+              <a:ext uri="{28A0092B-C50C-407E-A947-70E740481C1C}">
+                <a14:useLocalDpi xmlns:a14="http://schemas.microsoft.com/office/drawing/2010/main" val="0"/>
+              </a:ext>
+            </a:extLst>
+          </a:blip>
+          <a:srcRect/>
+          <a:stretch>
+            <a:fillRect/>
+          </a:stretch>
+        </p:blipFill>
+        <p:spPr bwMode="auto">
+          <a:xfrm>
+            <a:off x="4107424" y="454220"/>
+            <a:ext cx="905827" cy="502908"/>
+          </a:xfrm>
+          <a:prstGeom prst="rect">
+            <a:avLst/>
+          </a:prstGeom>
+          <a:noFill/>
+          <a:ln>
+            <a:noFill/>
+          </a:ln>
+          <a:extLst>
+            <a:ext uri="{909E8E84-426E-40DD-AFC4-6F175D3DCCD1}">
+              <a14:hiddenFill xmlns:a14="http://schemas.microsoft.com/office/drawing/2010/main">
+                <a:solidFill>
+                  <a:schemeClr val="accent1"/>
+                </a:solidFill>
+              </a14:hiddenFill>
+            </a:ext>
+            <a:ext uri="{91240B29-F687-4F45-9708-019B960494DF}">
+              <a14:hiddenLine xmlns:a14="http://schemas.microsoft.com/office/drawing/2010/main" w="9525">
+                <a:solidFill>
+                  <a:schemeClr val="tx1"/>
+                </a:solidFill>
+                <a:miter lim="800000"/>
+                <a:headEnd/>
+                <a:tailEnd/>
+              </a14:hiddenLine>
+            </a:ext>
+          </a:extLst>
+        </p:spPr>
+      </p:pic>
+    </p:spTree>
+    <p:extLst>
+      <p:ext uri="{BB962C8B-B14F-4D97-AF65-F5344CB8AC3E}">
+        <p14:creationId xmlns:p14="http://schemas.microsoft.com/office/powerpoint/2010/main" val="3135650445"/>
+      </p:ext>
+    </p:extLst>
+  </p:cSld>
+  <p:clrMapOvr>
+    <a:masterClrMapping/>
+  </p:clrMapOvr>
+</p:sld>
+</file>
+
+<file path=ppt/slides/slide12.xml><?xml version="1.0" encoding="utf-8"?>
+<p:sld xmlns:a="http://schemas.openxmlformats.org/drawingml/2006/main" xmlns:r="http://schemas.openxmlformats.org/officeDocument/2006/relationships" xmlns:p="http://schemas.openxmlformats.org/presentationml/2006/main">
+  <p:cSld>
+    <p:spTree>
+      <p:nvGrpSpPr>
+        <p:cNvPr id="1" name=""/>
+        <p:cNvGrpSpPr/>
+        <p:nvPr/>
+      </p:nvGrpSpPr>
+      <p:grpSpPr>
+        <a:xfrm>
+          <a:off x="0" y="0"/>
+          <a:ext cx="0" cy="0"/>
+          <a:chOff x="0" y="0"/>
+          <a:chExt cx="0" cy="0"/>
+        </a:xfrm>
+      </p:grpSpPr>
+      <p:sp>
+        <p:nvSpPr>
+          <p:cNvPr id="2" name="Slide Number Placeholder 1"/>
+          <p:cNvSpPr>
+            <a:spLocks noGrp="1"/>
+          </p:cNvSpPr>
+          <p:nvPr>
+            <p:ph type="sldNum" sz="quarter" idx="12"/>
+          </p:nvPr>
+        </p:nvSpPr>
+        <p:spPr/>
+        <p:txBody>
+          <a:bodyPr/>
+          <a:lstStyle/>
+          <a:p>
+            <a:fld id="{525A3C56-E491-49B2-93F3-63532DF516BC}" type="slidenum">
+              <a:rPr lang="en-US" smtClean="0"/>
+              <a:pPr/>
+              <a:t>12</a:t>
+            </a:fld>
+            <a:endParaRPr lang="en-US" dirty="0"/>
+          </a:p>
+        </p:txBody>
+      </p:sp>
+      <p:sp>
+        <p:nvSpPr>
+          <p:cNvPr id="3" name="Title 2"/>
+          <p:cNvSpPr>
+            <a:spLocks noGrp="1"/>
+          </p:cNvSpPr>
+          <p:nvPr>
+            <p:ph type="title"/>
+          </p:nvPr>
+        </p:nvSpPr>
+        <p:spPr/>
+        <p:txBody>
+          <a:bodyPr/>
+          <a:lstStyle/>
+          <a:p>
+            <a:r>
+              <a:rPr lang="en-US" dirty="0" smtClean="0"/>
+              <a:t>Notifications </a:t>
+            </a:r>
+            <a:endParaRPr lang="en-US" dirty="0"/>
+          </a:p>
+        </p:txBody>
+      </p:sp>
+      <p:sp>
+        <p:nvSpPr>
+          <p:cNvPr id="4" name="Content Placeholder 3"/>
+          <p:cNvSpPr>
+            <a:spLocks noGrp="1"/>
+          </p:cNvSpPr>
+          <p:nvPr>
+            <p:ph sz="quarter" idx="17"/>
+          </p:nvPr>
+        </p:nvSpPr>
+        <p:spPr/>
+        <p:txBody>
+          <a:bodyPr/>
+          <a:lstStyle/>
+          <a:p>
+            <a:endParaRPr lang="en-US"/>
+          </a:p>
+        </p:txBody>
+      </p:sp>
+      <p:sp>
+        <p:nvSpPr>
+          <p:cNvPr id="5" name="Content Placeholder 4"/>
+          <p:cNvSpPr>
+            <a:spLocks noGrp="1"/>
+          </p:cNvSpPr>
+          <p:nvPr>
+            <p:ph sz="quarter" idx="23"/>
+          </p:nvPr>
+        </p:nvSpPr>
+        <p:spPr/>
+        <p:txBody>
+          <a:bodyPr/>
+          <a:lstStyle/>
+          <a:p>
+            <a:endParaRPr lang="en-US"/>
+          </a:p>
+        </p:txBody>
+      </p:sp>
+      <p:pic>
+        <p:nvPicPr>
+          <p:cNvPr id="8194" name="Picture 2"/>
+          <p:cNvPicPr>
+            <a:picLocks noChangeAspect="1" noChangeArrowheads="1"/>
+          </p:cNvPicPr>
+          <p:nvPr/>
+        </p:nvPicPr>
+        <p:blipFill>
+          <a:blip r:embed="rId2" cstate="print">
+            <a:extLst>
+              <a:ext uri="{28A0092B-C50C-407E-A947-70E740481C1C}">
+                <a14:useLocalDpi xmlns:a14="http://schemas.microsoft.com/office/drawing/2010/main" val="0"/>
+              </a:ext>
+            </a:extLst>
+          </a:blip>
+          <a:srcRect/>
+          <a:stretch>
+            <a:fillRect/>
+          </a:stretch>
+        </p:blipFill>
+        <p:spPr bwMode="auto">
+          <a:xfrm>
+            <a:off x="2677810" y="427870"/>
+            <a:ext cx="504571" cy="460893"/>
+          </a:xfrm>
+          <a:prstGeom prst="rect">
+            <a:avLst/>
+          </a:prstGeom>
+          <a:noFill/>
+          <a:ln>
+            <a:noFill/>
+          </a:ln>
+          <a:extLst>
+            <a:ext uri="{909E8E84-426E-40DD-AFC4-6F175D3DCCD1}">
+              <a14:hiddenFill xmlns:a14="http://schemas.microsoft.com/office/drawing/2010/main">
+                <a:solidFill>
+                  <a:schemeClr val="accent1"/>
+                </a:solidFill>
+              </a14:hiddenFill>
+            </a:ext>
+            <a:ext uri="{91240B29-F687-4F45-9708-019B960494DF}">
+              <a14:hiddenLine xmlns:a14="http://schemas.microsoft.com/office/drawing/2010/main" w="9525">
+                <a:solidFill>
+                  <a:schemeClr val="tx1"/>
+                </a:solidFill>
+                <a:miter lim="800000"/>
+                <a:headEnd/>
+                <a:tailEnd/>
+              </a14:hiddenLine>
+            </a:ext>
+          </a:extLst>
+        </p:spPr>
+      </p:pic>
+      <p:pic>
+        <p:nvPicPr>
+          <p:cNvPr id="8195" name="Picture 3"/>
+          <p:cNvPicPr>
+            <a:picLocks noChangeAspect="1" noChangeArrowheads="1"/>
+          </p:cNvPicPr>
+          <p:nvPr/>
+        </p:nvPicPr>
+        <p:blipFill>
+          <a:blip r:embed="rId3">
+            <a:extLst>
+              <a:ext uri="{28A0092B-C50C-407E-A947-70E740481C1C}">
+                <a14:useLocalDpi xmlns:a14="http://schemas.microsoft.com/office/drawing/2010/main" val="0"/>
+              </a:ext>
+            </a:extLst>
+          </a:blip>
+          <a:srcRect/>
+          <a:stretch>
+            <a:fillRect/>
+          </a:stretch>
+        </p:blipFill>
+        <p:spPr bwMode="auto">
+          <a:xfrm>
+            <a:off x="4858165" y="1179319"/>
+            <a:ext cx="2693083" cy="5162298"/>
+          </a:xfrm>
+          <a:prstGeom prst="rect">
+            <a:avLst/>
+          </a:prstGeom>
+          <a:noFill/>
+          <a:ln>
+            <a:noFill/>
+          </a:ln>
+          <a:extLst>
+            <a:ext uri="{909E8E84-426E-40DD-AFC4-6F175D3DCCD1}">
+              <a14:hiddenFill xmlns:a14="http://schemas.microsoft.com/office/drawing/2010/main">
+                <a:solidFill>
+                  <a:schemeClr val="accent1"/>
+                </a:solidFill>
+              </a14:hiddenFill>
+            </a:ext>
+            <a:ext uri="{91240B29-F687-4F45-9708-019B960494DF}">
+              <a14:hiddenLine xmlns:a14="http://schemas.microsoft.com/office/drawing/2010/main" w="9525">
+                <a:solidFill>
+                  <a:schemeClr val="tx1"/>
+                </a:solidFill>
+                <a:miter lim="800000"/>
+                <a:headEnd/>
+                <a:tailEnd/>
+              </a14:hiddenLine>
+            </a:ext>
+          </a:extLst>
+        </p:spPr>
+      </p:pic>
+    </p:spTree>
+    <p:extLst>
+      <p:ext uri="{BB962C8B-B14F-4D97-AF65-F5344CB8AC3E}">
+        <p14:creationId xmlns:p14="http://schemas.microsoft.com/office/powerpoint/2010/main" val="4249789598"/>
+      </p:ext>
+    </p:extLst>
+  </p:cSld>
+  <p:clrMapOvr>
+    <a:masterClrMapping/>
+  </p:clrMapOvr>
+</p:sld>
+</file>
+
+<file path=ppt/slides/slide13.xml><?xml version="1.0" encoding="utf-8"?>
+<p:sld xmlns:a="http://schemas.openxmlformats.org/drawingml/2006/main" xmlns:r="http://schemas.openxmlformats.org/officeDocument/2006/relationships" xmlns:p="http://schemas.openxmlformats.org/presentationml/2006/main">
+  <p:cSld>
+    <p:spTree>
+      <p:nvGrpSpPr>
+        <p:cNvPr id="1" name=""/>
+        <p:cNvGrpSpPr/>
+        <p:nvPr/>
+      </p:nvGrpSpPr>
+      <p:grpSpPr>
+        <a:xfrm>
+          <a:off x="0" y="0"/>
+          <a:ext cx="0" cy="0"/>
+          <a:chOff x="0" y="0"/>
+          <a:chExt cx="0" cy="0"/>
+        </a:xfrm>
+      </p:grpSpPr>
+      <p:sp>
+        <p:nvSpPr>
+          <p:cNvPr id="2" name="Title 1"/>
+          <p:cNvSpPr>
+            <a:spLocks noGrp="1"/>
+          </p:cNvSpPr>
+          <p:nvPr>
+            <p:ph type="ctrTitle"/>
+          </p:nvPr>
+        </p:nvSpPr>
+        <p:spPr/>
+        <p:txBody>
+          <a:bodyPr/>
+          <a:lstStyle/>
+          <a:p>
+            <a:r>
+              <a:rPr lang="en-US" dirty="0" smtClean="0"/>
+              <a:t>UML Diagram</a:t>
+            </a:r>
+            <a:endParaRPr lang="en-US" dirty="0"/>
+          </a:p>
+        </p:txBody>
+      </p:sp>
+      <p:sp>
+        <p:nvSpPr>
+          <p:cNvPr id="3" name="Subtitle 2"/>
+          <p:cNvSpPr>
+            <a:spLocks noGrp="1"/>
+          </p:cNvSpPr>
+          <p:nvPr>
+            <p:ph type="subTitle" idx="1"/>
+          </p:nvPr>
+        </p:nvSpPr>
+        <p:spPr/>
+        <p:txBody>
+          <a:bodyPr/>
+          <a:lstStyle/>
+          <a:p>
+            <a:endParaRPr lang="en-US" dirty="0"/>
+          </a:p>
+        </p:txBody>
+      </p:sp>
+    </p:spTree>
+    <p:extLst>
+      <p:ext uri="{BB962C8B-B14F-4D97-AF65-F5344CB8AC3E}">
+        <p14:creationId xmlns:p14="http://schemas.microsoft.com/office/powerpoint/2010/main" val="2325453167"/>
+      </p:ext>
+    </p:extLst>
+  </p:cSld>
+  <p:clrMapOvr>
+    <a:masterClrMapping/>
+  </p:clrMapOvr>
+</p:sld>
+</file>
+
+<file path=ppt/slides/slide14.xml><?xml version="1.0" encoding="utf-8"?>
+<p:sld xmlns:a="http://schemas.openxmlformats.org/drawingml/2006/main" xmlns:r="http://schemas.openxmlformats.org/officeDocument/2006/relationships" xmlns:p="http://schemas.openxmlformats.org/presentationml/2006/main">
+  <p:cSld>
+    <p:spTree>
+      <p:nvGrpSpPr>
+        <p:cNvPr id="1" name=""/>
+        <p:cNvGrpSpPr/>
+        <p:nvPr/>
+      </p:nvGrpSpPr>
+      <p:grpSpPr>
+        <a:xfrm>
+          <a:off x="0" y="0"/>
+          <a:ext cx="0" cy="0"/>
+          <a:chOff x="0" y="0"/>
+          <a:chExt cx="0" cy="0"/>
+        </a:xfrm>
+      </p:grpSpPr>
+      <p:sp>
+        <p:nvSpPr>
+          <p:cNvPr id="2" name="Title 1"/>
+          <p:cNvSpPr>
+            <a:spLocks noGrp="1"/>
+          </p:cNvSpPr>
+          <p:nvPr>
+            <p:ph type="ctrTitle"/>
+          </p:nvPr>
+        </p:nvSpPr>
+        <p:spPr/>
+        <p:txBody>
+          <a:bodyPr/>
+          <a:lstStyle/>
+          <a:p>
+            <a:r>
+              <a:rPr lang="en-US" dirty="0" smtClean="0"/>
+              <a:t>Flowchart</a:t>
+            </a:r>
+            <a:endParaRPr lang="en-US" dirty="0"/>
+          </a:p>
+        </p:txBody>
+      </p:sp>
+      <p:sp>
+        <p:nvSpPr>
+          <p:cNvPr id="3" name="Subtitle 2"/>
+          <p:cNvSpPr>
+            <a:spLocks noGrp="1"/>
+          </p:cNvSpPr>
+          <p:nvPr>
+            <p:ph type="subTitle" idx="1"/>
+          </p:nvPr>
+        </p:nvSpPr>
+        <p:spPr/>
+        <p:txBody>
+          <a:bodyPr/>
+          <a:lstStyle/>
+          <a:p>
+            <a:endParaRPr lang="en-US"/>
+          </a:p>
+        </p:txBody>
+      </p:sp>
+    </p:spTree>
+    <p:extLst>
+      <p:ext uri="{BB962C8B-B14F-4D97-AF65-F5344CB8AC3E}">
+        <p14:creationId xmlns:p14="http://schemas.microsoft.com/office/powerpoint/2010/main" val="497764405"/>
+      </p:ext>
+    </p:extLst>
+  </p:cSld>
+  <p:clrMapOvr>
+    <a:masterClrMapping/>
+  </p:clrMapOvr>
+</p:sld>
+</file>
+
+<file path=ppt/slides/slide15.xml><?xml version="1.0" encoding="utf-8"?>
+<p:sld xmlns:a="http://schemas.openxmlformats.org/drawingml/2006/main" xmlns:r="http://schemas.openxmlformats.org/officeDocument/2006/relationships" xmlns:p="http://schemas.openxmlformats.org/presentationml/2006/main">
+  <p:cSld>
+    <p:spTree>
+      <p:nvGrpSpPr>
+        <p:cNvPr id="1" name=""/>
+        <p:cNvGrpSpPr/>
+        <p:nvPr/>
+      </p:nvGrpSpPr>
+      <p:grpSpPr>
+        <a:xfrm>
+          <a:off x="0" y="0"/>
+          <a:ext cx="0" cy="0"/>
+          <a:chOff x="0" y="0"/>
+          <a:chExt cx="0" cy="0"/>
+        </a:xfrm>
+      </p:grpSpPr>
+      <p:sp>
+        <p:nvSpPr>
+          <p:cNvPr id="2" name="Title 1"/>
+          <p:cNvSpPr>
+            <a:spLocks noGrp="1"/>
+          </p:cNvSpPr>
+          <p:nvPr>
+            <p:ph type="ctrTitle"/>
+          </p:nvPr>
+        </p:nvSpPr>
+        <p:spPr/>
+        <p:txBody>
+          <a:bodyPr/>
+          <a:lstStyle/>
+          <a:p>
+            <a:r>
+              <a:rPr lang="en-US" dirty="0"/>
+              <a:t>Pseudo code</a:t>
+            </a:r>
+          </a:p>
+        </p:txBody>
+      </p:sp>
+      <p:sp>
+        <p:nvSpPr>
+          <p:cNvPr id="3" name="Subtitle 2"/>
+          <p:cNvSpPr>
+            <a:spLocks noGrp="1"/>
+          </p:cNvSpPr>
+          <p:nvPr>
+            <p:ph type="subTitle" idx="1"/>
+          </p:nvPr>
+        </p:nvSpPr>
+        <p:spPr/>
+        <p:txBody>
+          <a:bodyPr/>
+          <a:lstStyle/>
+          <a:p>
+            <a:endParaRPr lang="en-US"/>
+          </a:p>
+        </p:txBody>
+      </p:sp>
+    </p:spTree>
+    <p:extLst>
+      <p:ext uri="{BB962C8B-B14F-4D97-AF65-F5344CB8AC3E}">
+        <p14:creationId xmlns:p14="http://schemas.microsoft.com/office/powerpoint/2010/main" val="3957081804"/>
+      </p:ext>
+    </p:extLst>
+  </p:cSld>
+  <p:clrMapOvr>
+    <a:masterClrMapping/>
+  </p:clrMapOvr>
+</p:sld>
+</file>
+
+<file path=ppt/slides/slide16.xml><?xml version="1.0" encoding="utf-8"?>
+<p:sld xmlns:a="http://schemas.openxmlformats.org/drawingml/2006/main" xmlns:r="http://schemas.openxmlformats.org/officeDocument/2006/relationships" xmlns:p="http://schemas.openxmlformats.org/presentationml/2006/main">
+  <p:cSld>
+    <p:spTree>
+      <p:nvGrpSpPr>
+        <p:cNvPr id="1" name=""/>
+        <p:cNvGrpSpPr/>
+        <p:nvPr/>
+      </p:nvGrpSpPr>
+      <p:grpSpPr>
+        <a:xfrm>
+          <a:off x="0" y="0"/>
+          <a:ext cx="0" cy="0"/>
+          <a:chOff x="0" y="0"/>
+          <a:chExt cx="0" cy="0"/>
+        </a:xfrm>
+      </p:grpSpPr>
+      <p:sp>
+        <p:nvSpPr>
+          <p:cNvPr id="2" name="Title 1"/>
+          <p:cNvSpPr>
+            <a:spLocks noGrp="1"/>
+          </p:cNvSpPr>
+          <p:nvPr>
+            <p:ph type="ctrTitle"/>
+          </p:nvPr>
+        </p:nvSpPr>
+        <p:spPr/>
+        <p:txBody>
+          <a:bodyPr/>
+          <a:lstStyle/>
+          <a:p>
+            <a:r>
+              <a:rPr lang="en-US" dirty="0"/>
+              <a:t>Future </a:t>
+            </a:r>
+            <a:r>
+              <a:rPr lang="en-US" dirty="0" smtClean="0"/>
+              <a:t>Work</a:t>
+            </a:r>
+            <a:endParaRPr lang="en-US" dirty="0"/>
+          </a:p>
+        </p:txBody>
+      </p:sp>
+      <p:sp>
+        <p:nvSpPr>
+          <p:cNvPr id="3" name="Subtitle 2"/>
+          <p:cNvSpPr>
+            <a:spLocks noGrp="1"/>
+          </p:cNvSpPr>
+          <p:nvPr>
+            <p:ph type="subTitle" idx="1"/>
+          </p:nvPr>
+        </p:nvSpPr>
+        <p:spPr/>
+        <p:txBody>
+          <a:bodyPr/>
+          <a:lstStyle/>
+          <a:p>
+            <a:endParaRPr lang="en-US" dirty="0"/>
+          </a:p>
+        </p:txBody>
+      </p:sp>
+    </p:spTree>
+    <p:extLst>
+      <p:ext uri="{BB962C8B-B14F-4D97-AF65-F5344CB8AC3E}">
+        <p14:creationId xmlns:p14="http://schemas.microsoft.com/office/powerpoint/2010/main" val="641882928"/>
+      </p:ext>
+    </p:extLst>
+  </p:cSld>
+  <p:clrMapOvr>
+    <a:masterClrMapping/>
+  </p:clrMapOvr>
+</p:sld>
+</file>
+
+<file path=ppt/slides/slide17.xml><?xml version="1.0" encoding="utf-8"?>
+<p:sld xmlns:a="http://schemas.openxmlformats.org/drawingml/2006/main" xmlns:r="http://schemas.openxmlformats.org/officeDocument/2006/relationships" xmlns:p="http://schemas.openxmlformats.org/presentationml/2006/main">
+  <p:cSld>
+    <p:spTree>
+      <p:nvGrpSpPr>
+        <p:cNvPr id="1" name=""/>
+        <p:cNvGrpSpPr/>
+        <p:nvPr/>
+      </p:nvGrpSpPr>
+      <p:grpSpPr>
+        <a:xfrm>
+          <a:off x="0" y="0"/>
+          <a:ext cx="0" cy="0"/>
+          <a:chOff x="0" y="0"/>
+          <a:chExt cx="0" cy="0"/>
+        </a:xfrm>
+      </p:grpSpPr>
+      <p:sp>
+        <p:nvSpPr>
+          <p:cNvPr id="2" name="Title 1"/>
+          <p:cNvSpPr>
+            <a:spLocks noGrp="1"/>
+          </p:cNvSpPr>
+          <p:nvPr>
+            <p:ph type="ctrTitle"/>
+          </p:nvPr>
+        </p:nvSpPr>
+        <p:spPr/>
+        <p:txBody>
+          <a:bodyPr>
+            <a:normAutofit/>
+          </a:bodyPr>
+          <a:lstStyle/>
+          <a:p>
+            <a:r>
+              <a:rPr lang="en-US" dirty="0" smtClean="0"/>
+              <a:t>Questions?</a:t>
+            </a:r>
+            <a:endParaRPr lang="en-US" sz="2800" dirty="0">
+              <a:solidFill>
+                <a:schemeClr val="tx1"/>
+              </a:solidFill>
+            </a:endParaRPr>
+          </a:p>
+        </p:txBody>
+      </p:sp>
+    </p:spTree>
+  </p:cSld>
+  <p:clrMapOvr>
+    <a:masterClrMapping/>
+  </p:clrMapOvr>
+  <p:timing>
+    <p:tnLst>
+      <p:par>
+        <p:cTn id="1" dur="indefinite" restart="never" nodeType="tmRoot"/>
+      </p:par>
+    </p:tnLst>
+  </p:timing>
+</p:sld>
+</file>
+
 <file path=ppt/slides/slide2.xml><?xml version="1.0" encoding="utf-8"?>
 <p:sld xmlns:a="http://schemas.openxmlformats.org/drawingml/2006/main" xmlns:r="http://schemas.openxmlformats.org/officeDocument/2006/relationships" xmlns:p="http://schemas.openxmlformats.org/presentationml/2006/main">
   <p:cSld>
@@ -45977,11 +46765,7 @@
             </a:pPr>
             <a:r>
               <a:rPr lang="en-US" dirty="0" smtClean="0"/>
-              <a:t>Assumptions </a:t>
-            </a:r>
-            <a:r>
-              <a:rPr lang="en-US" smtClean="0"/>
-              <a:t>and Constraints </a:t>
+              <a:t>Assumptions and Constraints </a:t>
             </a:r>
             <a:endParaRPr lang="en-US" dirty="0" smtClean="0"/>
           </a:p>
@@ -46037,93 +46821,17 @@
               <a:rPr lang="en-US" dirty="0" smtClean="0"/>
               <a:t>Testing</a:t>
             </a:r>
-            <a:endParaRPr lang="en-US" dirty="0" smtClean="0"/>
           </a:p>
           <a:p>
-            <a:endParaRPr lang="en-US" dirty="0"/>
-          </a:p>
-        </p:txBody>
-      </p:sp>
-      <p:sp>
-        <p:nvSpPr>
-          <p:cNvPr id="6" name="Content Placeholder 5"/>
-          <p:cNvSpPr>
-            <a:spLocks noGrp="1"/>
-          </p:cNvSpPr>
-          <p:nvPr>
-            <p:ph sz="quarter" idx="23"/>
-          </p:nvPr>
-        </p:nvSpPr>
-        <p:spPr>
-          <a:xfrm>
-            <a:off x="4536316" y="1275371"/>
-            <a:ext cx="3956050" cy="4886325"/>
-          </a:xfrm>
-        </p:spPr>
-        <p:txBody>
-          <a:bodyPr/>
-          <a:lstStyle/>
-          <a:p>
+            <a:pPr marL="342900" indent="-342900">
+              <a:buFont typeface="Arial" panose="020B0604020202020204" pitchFamily="34" charset="0"/>
+              <a:buChar char="•"/>
+            </a:pPr>
             <a:r>
               <a:rPr lang="en-US" dirty="0" smtClean="0"/>
-              <a:t>Agenda Title 08</a:t>
+              <a:t>Future Work</a:t>
             </a:r>
-          </a:p>
-          <a:p>
-            <a:r>
-              <a:rPr lang="en-US" dirty="0" smtClean="0"/>
-              <a:t>Agenda Title 09</a:t>
-            </a:r>
-          </a:p>
-          <a:p>
-            <a:r>
-              <a:rPr lang="en-US" dirty="0" smtClean="0"/>
-              <a:t>Agenda Title 10</a:t>
-            </a:r>
-          </a:p>
-          <a:p>
-            <a:r>
-              <a:rPr lang="en-US" dirty="0" smtClean="0">
-                <a:solidFill>
-                  <a:schemeClr val="tx2"/>
-                </a:solidFill>
-              </a:rPr>
-              <a:t>Coffee Break</a:t>
-            </a:r>
-          </a:p>
-          <a:p>
-            <a:r>
-              <a:rPr lang="en-US" dirty="0" smtClean="0"/>
-              <a:t>Agenda Title 11</a:t>
-            </a:r>
-          </a:p>
-          <a:p>
-            <a:r>
-              <a:rPr lang="en-US" dirty="0" smtClean="0"/>
-              <a:t>Agenda Title 12</a:t>
-            </a:r>
-          </a:p>
-          <a:p>
-            <a:r>
-              <a:rPr lang="en-US" dirty="0" smtClean="0"/>
-              <a:t>Agenda Title 13</a:t>
-            </a:r>
-          </a:p>
-          <a:p>
-            <a:r>
-              <a:rPr lang="en-US" dirty="0" smtClean="0"/>
-              <a:t>Agenda Title 14</a:t>
-            </a:r>
-          </a:p>
-          <a:p>
-            <a:r>
-              <a:rPr lang="en-US" dirty="0" smtClean="0">
-                <a:solidFill>
-                  <a:schemeClr val="tx2"/>
-                </a:solidFill>
-              </a:rPr>
-              <a:t>Coffee Break</a:t>
-            </a:r>
+            <a:endParaRPr lang="en-US" dirty="0" smtClean="0"/>
           </a:p>
           <a:p>
             <a:endParaRPr lang="en-US" dirty="0"/>
@@ -46151,6 +46859,25 @@
               <a:t>2</a:t>
             </a:fld>
             <a:endParaRPr lang="en-US" dirty="0"/>
+          </a:p>
+        </p:txBody>
+      </p:sp>
+      <p:sp>
+        <p:nvSpPr>
+          <p:cNvPr id="4" name="Content Placeholder 3"/>
+          <p:cNvSpPr>
+            <a:spLocks noGrp="1"/>
+          </p:cNvSpPr>
+          <p:nvPr>
+            <p:ph sz="quarter" idx="23"/>
+          </p:nvPr>
+        </p:nvSpPr>
+        <p:spPr/>
+        <p:txBody>
+          <a:bodyPr/>
+          <a:lstStyle/>
+          <a:p>
+            <a:endParaRPr lang="en-US"/>
           </a:p>
         </p:txBody>
       </p:sp>
@@ -46188,12 +46915,12 @@
       </p:grpSpPr>
       <p:sp>
         <p:nvSpPr>
-          <p:cNvPr id="8" name="Title 7"/>
+          <p:cNvPr id="2" name="Title 1"/>
           <p:cNvSpPr>
             <a:spLocks noGrp="1"/>
           </p:cNvSpPr>
           <p:nvPr>
-            <p:ph type="title"/>
+            <p:ph type="ctrTitle"/>
           </p:nvPr>
         </p:nvSpPr>
         <p:spPr/>
@@ -46203,7 +46930,7 @@
           <a:p>
             <a:r>
               <a:rPr lang="en-US" dirty="0" smtClean="0"/>
-              <a:t>Standard text slide</a:t>
+              <a:t>App Design</a:t>
             </a:r>
             <a:endParaRPr lang="en-US" dirty="0"/>
           </a:p>
@@ -46211,12 +46938,12 @@
       </p:sp>
       <p:sp>
         <p:nvSpPr>
-          <p:cNvPr id="4" name="Content Placeholder 3"/>
+          <p:cNvPr id="16" name="Subtitle 15"/>
           <p:cNvSpPr>
             <a:spLocks noGrp="1"/>
           </p:cNvSpPr>
           <p:nvPr>
-            <p:ph sz="quarter" idx="17"/>
+            <p:ph type="subTitle" idx="1"/>
           </p:nvPr>
         </p:nvSpPr>
         <p:spPr/>
@@ -46225,101 +46952,10 @@
           <a:lstStyle/>
           <a:p>
             <a:r>
-              <a:rPr lang="en-US" dirty="0" smtClean="0"/>
-              <a:t>Please note: To insert a bullet point, do not use </a:t>
+              <a:rPr lang="en-US" sz="1200" dirty="0" smtClean="0"/>
+              <a:t>Overview, Login, Create New Account, Home Page, Search Menu, Create Pickup group, Notifications</a:t>
             </a:r>
-            <a:r>
-              <a:rPr lang="en-US" smtClean="0"/>
-              <a:t>the “Bullets” </a:t>
-            </a:r>
-            <a:r>
-              <a:rPr lang="en-US" dirty="0" smtClean="0"/>
-              <a:t>icon </a:t>
-            </a:r>
-            <a:br>
-              <a:rPr lang="en-US" dirty="0" smtClean="0"/>
-            </a:br>
-            <a:r>
-              <a:rPr lang="en-US" dirty="0" smtClean="0"/>
-              <a:t>on the toolbar, but rather </a:t>
-            </a:r>
-            <a:r>
-              <a:rPr lang="en-US" smtClean="0"/>
-              <a:t>the “Increase List Level” or “Indent” </a:t>
-            </a:r>
-            <a:r>
-              <a:rPr lang="en-US" dirty="0" smtClean="0"/>
-              <a:t>icon, which will give you both the correct bullet and indent.</a:t>
-            </a:r>
-          </a:p>
-          <a:p>
-            <a:endParaRPr lang="en-US" dirty="0" smtClean="0"/>
-          </a:p>
-          <a:p>
-            <a:pPr lvl="1"/>
-            <a:r>
-              <a:rPr lang="en-US" dirty="0" smtClean="0"/>
-              <a:t>First level of sub-information - Increase list level1</a:t>
-            </a:r>
-          </a:p>
-          <a:p>
-            <a:pPr lvl="1"/>
-            <a:r>
-              <a:rPr lang="en-US" dirty="0" smtClean="0"/>
-              <a:t>First level of sub-information - Increase list level1</a:t>
-            </a:r>
-          </a:p>
-          <a:p>
-            <a:pPr lvl="1"/>
-            <a:r>
-              <a:rPr lang="en-US" dirty="0" smtClean="0"/>
-              <a:t>First level of sub-information - Increase list level1</a:t>
-            </a:r>
-          </a:p>
-          <a:p>
-            <a:pPr lvl="2"/>
-            <a:r>
-              <a:rPr lang="en-US" dirty="0" smtClean="0"/>
-              <a:t>Second level of sub-information - Increase list level2</a:t>
-            </a:r>
-          </a:p>
-          <a:p>
-            <a:pPr lvl="3"/>
-            <a:r>
-              <a:rPr lang="en-US" dirty="0" smtClean="0"/>
-              <a:t>Third level of sub-information - Increase list level3</a:t>
-            </a:r>
-          </a:p>
-          <a:p>
-            <a:pPr lvl="4"/>
-            <a:r>
-              <a:rPr lang="en-US" dirty="0" smtClean="0"/>
-              <a:t>Fourth level of sub-information - Increase list level4</a:t>
-            </a:r>
-          </a:p>
-        </p:txBody>
-      </p:sp>
-      <p:sp>
-        <p:nvSpPr>
-          <p:cNvPr id="5" name="Slide Number Placeholder 4"/>
-          <p:cNvSpPr>
-            <a:spLocks noGrp="1"/>
-          </p:cNvSpPr>
-          <p:nvPr>
-            <p:ph type="sldNum" sz="quarter" idx="12"/>
-          </p:nvPr>
-        </p:nvSpPr>
-        <p:spPr/>
-        <p:txBody>
-          <a:bodyPr/>
-          <a:lstStyle/>
-          <a:p>
-            <a:fld id="{525A3C56-E491-49B2-93F3-63532DF516BC}" type="slidenum">
-              <a:rPr lang="en-US" smtClean="0"/>
-              <a:pPr/>
-              <a:t>3</a:t>
-            </a:fld>
-            <a:endParaRPr lang="en-US" dirty="0"/>
+            <a:endParaRPr lang="en-US" sz="1200" dirty="0"/>
           </a:p>
         </p:txBody>
       </p:sp>
@@ -46357,7 +46993,7 @@
       </p:grpSpPr>
       <p:sp>
         <p:nvSpPr>
-          <p:cNvPr id="6" name="Title 5"/>
+          <p:cNvPr id="2" name="Title 1"/>
           <p:cNvSpPr>
             <a:spLocks noGrp="1"/>
           </p:cNvSpPr>
@@ -46372,7 +47008,7 @@
           <a:p>
             <a:r>
               <a:rPr lang="en-US" dirty="0" smtClean="0"/>
-              <a:t>Our color palette</a:t>
+              <a:t>Overview</a:t>
             </a:r>
             <a:endParaRPr lang="en-US" dirty="0"/>
           </a:p>
@@ -46380,7 +47016,7 @@
       </p:sp>
       <p:sp>
         <p:nvSpPr>
-          <p:cNvPr id="2" name="Slide Number Placeholder 1"/>
+          <p:cNvPr id="3" name="Slide Number Placeholder 2"/>
           <p:cNvSpPr>
             <a:spLocks noGrp="1"/>
           </p:cNvSpPr>
@@ -46402,1420 +47038,46 @@
           </a:p>
         </p:txBody>
       </p:sp>
-      <p:sp>
-        <p:nvSpPr>
-          <p:cNvPr id="7" name="TextBox 6"/>
-          <p:cNvSpPr txBox="1"/>
+      <p:pic>
+        <p:nvPicPr>
+          <p:cNvPr id="4" name="Picture 3"/>
+          <p:cNvPicPr>
+            <a:picLocks noChangeAspect="1"/>
+          </p:cNvPicPr>
           <p:nvPr/>
-        </p:nvSpPr>
+        </p:nvPicPr>
+        <p:blipFill>
+          <a:blip r:embed="rId2" cstate="print">
+            <a:extLst>
+              <a:ext uri="{28A0092B-C50C-407E-A947-70E740481C1C}">
+                <a14:useLocalDpi xmlns:a14="http://schemas.microsoft.com/office/drawing/2010/main" val="0"/>
+              </a:ext>
+            </a:extLst>
+          </a:blip>
+          <a:stretch>
+            <a:fillRect/>
+          </a:stretch>
+        </p:blipFill>
         <p:spPr>
           <a:xfrm>
-            <a:off x="447675" y="1270797"/>
-            <a:ext cx="1451679" cy="369332"/>
+            <a:off x="59821" y="1056600"/>
+            <a:ext cx="9144000" cy="5411372"/>
           </a:xfrm>
           <a:prstGeom prst="rect">
             <a:avLst/>
           </a:prstGeom>
-          <a:noFill/>
         </p:spPr>
-        <p:txBody>
-          <a:bodyPr wrap="none" lIns="0" tIns="0" rIns="0" bIns="0" rtlCol="0">
-            <a:noAutofit/>
-          </a:bodyPr>
-          <a:lstStyle/>
-          <a:p>
-            <a:r>
-              <a:rPr lang="en-US" dirty="0" smtClean="0">
-                <a:solidFill>
-                  <a:srgbClr val="991F3D"/>
-                </a:solidFill>
-                <a:latin typeface="Arial" pitchFamily="34" charset="0"/>
-                <a:cs typeface="Arial" pitchFamily="34" charset="0"/>
-              </a:rPr>
-              <a:t>Primary color</a:t>
-            </a:r>
-            <a:endParaRPr lang="en-US" dirty="0">
-              <a:solidFill>
-                <a:srgbClr val="991F3D"/>
-              </a:solidFill>
-              <a:latin typeface="Arial" pitchFamily="34" charset="0"/>
-              <a:cs typeface="Arial" pitchFamily="34" charset="0"/>
-            </a:endParaRPr>
-          </a:p>
-        </p:txBody>
-      </p:sp>
-      <p:sp>
-        <p:nvSpPr>
-          <p:cNvPr id="8" name="TextBox 7"/>
-          <p:cNvSpPr txBox="1"/>
-          <p:nvPr/>
-        </p:nvSpPr>
-        <p:spPr>
-          <a:xfrm>
-            <a:off x="447675" y="2697956"/>
-            <a:ext cx="1921039" cy="369332"/>
-          </a:xfrm>
-          <a:prstGeom prst="rect">
-            <a:avLst/>
-          </a:prstGeom>
-          <a:noFill/>
-        </p:spPr>
-        <p:txBody>
-          <a:bodyPr wrap="none" lIns="0" tIns="0" rIns="0" bIns="0" rtlCol="0">
-            <a:noAutofit/>
-          </a:bodyPr>
-          <a:lstStyle/>
-          <a:p>
-            <a:r>
-              <a:rPr lang="en-US" dirty="0" smtClean="0">
-                <a:solidFill>
-                  <a:srgbClr val="991F3D"/>
-                </a:solidFill>
-                <a:latin typeface="Arial" pitchFamily="34" charset="0"/>
-                <a:cs typeface="Arial" pitchFamily="34" charset="0"/>
-              </a:rPr>
-              <a:t>Secondary colors</a:t>
-            </a:r>
-          </a:p>
-        </p:txBody>
-      </p:sp>
-      <p:grpSp>
-        <p:nvGrpSpPr>
-          <p:cNvPr id="3" name="Group 8"/>
-          <p:cNvGrpSpPr/>
-          <p:nvPr/>
-        </p:nvGrpSpPr>
-        <p:grpSpPr>
-          <a:xfrm>
-            <a:off x="447675" y="1693262"/>
-            <a:ext cx="2330048" cy="840038"/>
-            <a:chOff x="447675" y="1936740"/>
-            <a:chExt cx="2330048" cy="840038"/>
-          </a:xfrm>
-        </p:grpSpPr>
-        <p:sp>
-          <p:nvSpPr>
-            <p:cNvPr id="10" name="Rectangle 9"/>
-            <p:cNvSpPr/>
-            <p:nvPr/>
-          </p:nvSpPr>
-          <p:spPr>
-            <a:xfrm>
-              <a:off x="447675" y="1936740"/>
-              <a:ext cx="766740" cy="766740"/>
-            </a:xfrm>
-            <a:prstGeom prst="rect">
-              <a:avLst/>
-            </a:prstGeom>
-            <a:solidFill>
-              <a:srgbClr val="E31937"/>
-            </a:solidFill>
-            <a:ln>
-              <a:noFill/>
-            </a:ln>
-          </p:spPr>
-          <p:style>
-            <a:lnRef idx="2">
-              <a:schemeClr val="accent1">
-                <a:shade val="50000"/>
-              </a:schemeClr>
-            </a:lnRef>
-            <a:fillRef idx="1">
-              <a:schemeClr val="accent1"/>
-            </a:fillRef>
-            <a:effectRef idx="0">
-              <a:schemeClr val="accent1"/>
-            </a:effectRef>
-            <a:fontRef idx="minor">
-              <a:schemeClr val="lt1"/>
-            </a:fontRef>
-          </p:style>
-          <p:txBody>
-            <a:bodyPr lIns="0" tIns="0" rIns="0" bIns="0" rtlCol="0" anchor="ctr">
-              <a:noAutofit/>
-            </a:bodyPr>
-            <a:lstStyle/>
-            <a:p>
-              <a:pPr algn="ctr"/>
-              <a:endParaRPr lang="en-US" dirty="0">
-                <a:latin typeface="Arial" pitchFamily="34" charset="0"/>
-              </a:endParaRPr>
-            </a:p>
-          </p:txBody>
-        </p:sp>
-        <p:sp>
-          <p:nvSpPr>
-            <p:cNvPr id="11" name="TextBox 10"/>
-            <p:cNvSpPr txBox="1"/>
-            <p:nvPr/>
-          </p:nvSpPr>
-          <p:spPr>
-            <a:xfrm>
-              <a:off x="1438254" y="1936740"/>
-              <a:ext cx="1339469" cy="840038"/>
-            </a:xfrm>
-            <a:prstGeom prst="rect">
-              <a:avLst/>
-            </a:prstGeom>
-            <a:noFill/>
-          </p:spPr>
-          <p:txBody>
-            <a:bodyPr wrap="square" lIns="0" tIns="0" rIns="0" bIns="0" rtlCol="0">
-              <a:noAutofit/>
-            </a:bodyPr>
-            <a:lstStyle/>
-            <a:p>
-              <a:pPr>
-                <a:lnSpc>
-                  <a:spcPct val="120000"/>
-                </a:lnSpc>
-              </a:pPr>
-              <a:r>
-                <a:rPr lang="en-US" sz="1100" b="1" dirty="0" smtClean="0">
-                  <a:latin typeface="Arial" pitchFamily="34" charset="0"/>
-                  <a:cs typeface="Arial" pitchFamily="34" charset="0"/>
-                </a:rPr>
-                <a:t>CGI Red (Cherry) </a:t>
-              </a:r>
-            </a:p>
-            <a:p>
-              <a:pPr>
-                <a:lnSpc>
-                  <a:spcPct val="120000"/>
-                </a:lnSpc>
-              </a:pPr>
-              <a:r>
-                <a:rPr lang="en-US" sz="1100" dirty="0" smtClean="0">
-                  <a:latin typeface="Arial" pitchFamily="34" charset="0"/>
-                  <a:cs typeface="Arial" pitchFamily="34" charset="0"/>
-                </a:rPr>
-                <a:t>R - 227</a:t>
-              </a:r>
-            </a:p>
-            <a:p>
-              <a:pPr>
-                <a:lnSpc>
-                  <a:spcPct val="120000"/>
-                </a:lnSpc>
-              </a:pPr>
-              <a:r>
-                <a:rPr lang="en-US" sz="1100" dirty="0" smtClean="0">
-                  <a:latin typeface="Arial" pitchFamily="34" charset="0"/>
-                  <a:cs typeface="Arial" pitchFamily="34" charset="0"/>
-                </a:rPr>
-                <a:t>G - 25</a:t>
-              </a:r>
-            </a:p>
-            <a:p>
-              <a:pPr>
-                <a:lnSpc>
-                  <a:spcPct val="120000"/>
-                </a:lnSpc>
-              </a:pPr>
-              <a:r>
-                <a:rPr lang="en-US" sz="1100" dirty="0" smtClean="0">
-                  <a:latin typeface="Arial" pitchFamily="34" charset="0"/>
-                  <a:cs typeface="Arial" pitchFamily="34" charset="0"/>
-                </a:rPr>
-                <a:t>B - 55</a:t>
-              </a:r>
-              <a:endParaRPr lang="en-US" sz="1100" dirty="0">
-                <a:latin typeface="Arial" pitchFamily="34" charset="0"/>
-                <a:cs typeface="Arial" pitchFamily="34" charset="0"/>
-              </a:endParaRPr>
-            </a:p>
-          </p:txBody>
-        </p:sp>
-      </p:grpSp>
-      <p:grpSp>
-        <p:nvGrpSpPr>
-          <p:cNvPr id="4" name="Group 11"/>
-          <p:cNvGrpSpPr/>
-          <p:nvPr/>
-        </p:nvGrpSpPr>
-        <p:grpSpPr>
-          <a:xfrm>
-            <a:off x="447675" y="3150797"/>
-            <a:ext cx="2330048" cy="840038"/>
-            <a:chOff x="447675" y="3429000"/>
-            <a:chExt cx="2330048" cy="840038"/>
-          </a:xfrm>
-        </p:grpSpPr>
-        <p:sp>
-          <p:nvSpPr>
-            <p:cNvPr id="13" name="Rectangle 12"/>
-            <p:cNvSpPr/>
-            <p:nvPr/>
-          </p:nvSpPr>
-          <p:spPr>
-            <a:xfrm>
-              <a:off x="447675" y="3429000"/>
-              <a:ext cx="766740" cy="766740"/>
-            </a:xfrm>
-            <a:prstGeom prst="rect">
-              <a:avLst/>
-            </a:prstGeom>
-            <a:solidFill>
-              <a:srgbClr val="991F3D"/>
-            </a:solidFill>
-            <a:ln>
-              <a:noFill/>
-            </a:ln>
-          </p:spPr>
-          <p:style>
-            <a:lnRef idx="2">
-              <a:schemeClr val="accent1">
-                <a:shade val="50000"/>
-              </a:schemeClr>
-            </a:lnRef>
-            <a:fillRef idx="1">
-              <a:schemeClr val="accent1"/>
-            </a:fillRef>
-            <a:effectRef idx="0">
-              <a:schemeClr val="accent1"/>
-            </a:effectRef>
-            <a:fontRef idx="minor">
-              <a:schemeClr val="lt1"/>
-            </a:fontRef>
-          </p:style>
-          <p:txBody>
-            <a:bodyPr lIns="0" tIns="0" rIns="0" bIns="0" rtlCol="0" anchor="ctr">
-              <a:noAutofit/>
-            </a:bodyPr>
-            <a:lstStyle/>
-            <a:p>
-              <a:pPr algn="ctr"/>
-              <a:endParaRPr lang="en-US" dirty="0">
-                <a:latin typeface="Arial" pitchFamily="34" charset="0"/>
-              </a:endParaRPr>
-            </a:p>
-          </p:txBody>
-        </p:sp>
-        <p:sp>
-          <p:nvSpPr>
-            <p:cNvPr id="14" name="TextBox 13"/>
-            <p:cNvSpPr txBox="1"/>
-            <p:nvPr/>
-          </p:nvSpPr>
-          <p:spPr>
-            <a:xfrm>
-              <a:off x="1438254" y="3429000"/>
-              <a:ext cx="1339469" cy="840038"/>
-            </a:xfrm>
-            <a:prstGeom prst="rect">
-              <a:avLst/>
-            </a:prstGeom>
-            <a:noFill/>
-          </p:spPr>
-          <p:txBody>
-            <a:bodyPr wrap="square" lIns="0" tIns="0" rIns="0" bIns="0" rtlCol="0">
-              <a:noAutofit/>
-            </a:bodyPr>
-            <a:lstStyle/>
-            <a:p>
-              <a:pPr>
-                <a:lnSpc>
-                  <a:spcPct val="120000"/>
-                </a:lnSpc>
-              </a:pPr>
-              <a:r>
-                <a:rPr lang="en-US" sz="1100" b="1" dirty="0" smtClean="0">
-                  <a:latin typeface="Arial" pitchFamily="34" charset="0"/>
-                  <a:cs typeface="Arial" pitchFamily="34" charset="0"/>
-                </a:rPr>
-                <a:t>CGI Beet </a:t>
-              </a:r>
-            </a:p>
-            <a:p>
-              <a:pPr>
-                <a:lnSpc>
-                  <a:spcPct val="120000"/>
-                </a:lnSpc>
-              </a:pPr>
-              <a:r>
-                <a:rPr lang="en-US" sz="1100" dirty="0" smtClean="0">
-                  <a:latin typeface="Arial" pitchFamily="34" charset="0"/>
-                  <a:cs typeface="Arial" pitchFamily="34" charset="0"/>
-                </a:rPr>
-                <a:t>R - 153</a:t>
-              </a:r>
-            </a:p>
-            <a:p>
-              <a:pPr>
-                <a:lnSpc>
-                  <a:spcPct val="120000"/>
-                </a:lnSpc>
-              </a:pPr>
-              <a:r>
-                <a:rPr lang="en-US" sz="1100" dirty="0" smtClean="0">
-                  <a:latin typeface="Arial" pitchFamily="34" charset="0"/>
-                  <a:cs typeface="Arial" pitchFamily="34" charset="0"/>
-                </a:rPr>
-                <a:t>G - 31</a:t>
-              </a:r>
-            </a:p>
-            <a:p>
-              <a:pPr>
-                <a:lnSpc>
-                  <a:spcPct val="120000"/>
-                </a:lnSpc>
-              </a:pPr>
-              <a:r>
-                <a:rPr lang="en-US" sz="1100" dirty="0" smtClean="0">
-                  <a:latin typeface="Arial" pitchFamily="34" charset="0"/>
-                  <a:cs typeface="Arial" pitchFamily="34" charset="0"/>
-                </a:rPr>
-                <a:t>B - 61</a:t>
-              </a:r>
-              <a:endParaRPr lang="en-US" sz="1100" dirty="0">
-                <a:latin typeface="Arial" pitchFamily="34" charset="0"/>
-                <a:cs typeface="Arial" pitchFamily="34" charset="0"/>
-              </a:endParaRPr>
-            </a:p>
-          </p:txBody>
-        </p:sp>
-      </p:grpSp>
-      <p:grpSp>
-        <p:nvGrpSpPr>
-          <p:cNvPr id="5" name="Group 14"/>
-          <p:cNvGrpSpPr/>
-          <p:nvPr/>
-        </p:nvGrpSpPr>
-        <p:grpSpPr>
-          <a:xfrm>
-            <a:off x="447675" y="4123347"/>
-            <a:ext cx="2330048" cy="840038"/>
-            <a:chOff x="447675" y="4436276"/>
-            <a:chExt cx="2330048" cy="840038"/>
-          </a:xfrm>
-        </p:grpSpPr>
-        <p:sp>
-          <p:nvSpPr>
-            <p:cNvPr id="16" name="Rectangle 15"/>
-            <p:cNvSpPr/>
-            <p:nvPr/>
-          </p:nvSpPr>
-          <p:spPr>
-            <a:xfrm>
-              <a:off x="447675" y="4436276"/>
-              <a:ext cx="766740" cy="766740"/>
-            </a:xfrm>
-            <a:prstGeom prst="rect">
-              <a:avLst/>
-            </a:prstGeom>
-            <a:solidFill>
-              <a:srgbClr val="FF6A00"/>
-            </a:solidFill>
-            <a:ln>
-              <a:noFill/>
-            </a:ln>
-          </p:spPr>
-          <p:style>
-            <a:lnRef idx="2">
-              <a:schemeClr val="accent1">
-                <a:shade val="50000"/>
-              </a:schemeClr>
-            </a:lnRef>
-            <a:fillRef idx="1">
-              <a:schemeClr val="accent1"/>
-            </a:fillRef>
-            <a:effectRef idx="0">
-              <a:schemeClr val="accent1"/>
-            </a:effectRef>
-            <a:fontRef idx="minor">
-              <a:schemeClr val="lt1"/>
-            </a:fontRef>
-          </p:style>
-          <p:txBody>
-            <a:bodyPr lIns="0" tIns="0" rIns="0" bIns="0" rtlCol="0" anchor="ctr">
-              <a:noAutofit/>
-            </a:bodyPr>
-            <a:lstStyle/>
-            <a:p>
-              <a:pPr algn="ctr"/>
-              <a:endParaRPr lang="en-US" dirty="0">
-                <a:latin typeface="Arial" pitchFamily="34" charset="0"/>
-              </a:endParaRPr>
-            </a:p>
-          </p:txBody>
-        </p:sp>
-        <p:sp>
-          <p:nvSpPr>
-            <p:cNvPr id="17" name="TextBox 16"/>
-            <p:cNvSpPr txBox="1"/>
-            <p:nvPr/>
-          </p:nvSpPr>
-          <p:spPr>
-            <a:xfrm>
-              <a:off x="1438254" y="4436276"/>
-              <a:ext cx="1339469" cy="840038"/>
-            </a:xfrm>
-            <a:prstGeom prst="rect">
-              <a:avLst/>
-            </a:prstGeom>
-            <a:noFill/>
-          </p:spPr>
-          <p:txBody>
-            <a:bodyPr wrap="square" lIns="0" tIns="0" rIns="0" bIns="0" rtlCol="0">
-              <a:noAutofit/>
-            </a:bodyPr>
-            <a:lstStyle/>
-            <a:p>
-              <a:pPr>
-                <a:lnSpc>
-                  <a:spcPct val="120000"/>
-                </a:lnSpc>
-              </a:pPr>
-              <a:r>
-                <a:rPr lang="en-US" sz="1100" b="1" dirty="0" smtClean="0">
-                  <a:latin typeface="Arial" pitchFamily="34" charset="0"/>
-                  <a:cs typeface="Arial" pitchFamily="34" charset="0"/>
-                </a:rPr>
-                <a:t>CGI Pumpkin </a:t>
-              </a:r>
-            </a:p>
-            <a:p>
-              <a:pPr>
-                <a:lnSpc>
-                  <a:spcPct val="120000"/>
-                </a:lnSpc>
-              </a:pPr>
-              <a:r>
-                <a:rPr lang="en-US" sz="1100" dirty="0" smtClean="0">
-                  <a:latin typeface="Arial" pitchFamily="34" charset="0"/>
-                  <a:cs typeface="Arial" pitchFamily="34" charset="0"/>
-                </a:rPr>
-                <a:t>R - 255</a:t>
-              </a:r>
-            </a:p>
-            <a:p>
-              <a:pPr>
-                <a:lnSpc>
-                  <a:spcPct val="120000"/>
-                </a:lnSpc>
-              </a:pPr>
-              <a:r>
-                <a:rPr lang="en-US" sz="1100" dirty="0" smtClean="0">
-                  <a:latin typeface="Arial" pitchFamily="34" charset="0"/>
-                  <a:cs typeface="Arial" pitchFamily="34" charset="0"/>
-                </a:rPr>
-                <a:t>G - 106</a:t>
-              </a:r>
-            </a:p>
-            <a:p>
-              <a:pPr>
-                <a:lnSpc>
-                  <a:spcPct val="120000"/>
-                </a:lnSpc>
-              </a:pPr>
-              <a:r>
-                <a:rPr lang="en-US" sz="1100" dirty="0" smtClean="0">
-                  <a:latin typeface="Arial" pitchFamily="34" charset="0"/>
-                  <a:cs typeface="Arial" pitchFamily="34" charset="0"/>
-                </a:rPr>
-                <a:t>B - 0</a:t>
-              </a:r>
-              <a:endParaRPr lang="en-US" sz="1100" dirty="0">
-                <a:latin typeface="Arial" pitchFamily="34" charset="0"/>
-                <a:cs typeface="Arial" pitchFamily="34" charset="0"/>
-              </a:endParaRPr>
-            </a:p>
-          </p:txBody>
-        </p:sp>
-      </p:grpSp>
-      <p:grpSp>
-        <p:nvGrpSpPr>
-          <p:cNvPr id="9" name="Group 17"/>
-          <p:cNvGrpSpPr/>
-          <p:nvPr/>
-        </p:nvGrpSpPr>
-        <p:grpSpPr>
-          <a:xfrm>
-            <a:off x="447675" y="5095898"/>
-            <a:ext cx="2330048" cy="840038"/>
-            <a:chOff x="447675" y="5443551"/>
-            <a:chExt cx="2330048" cy="840038"/>
-          </a:xfrm>
-        </p:grpSpPr>
-        <p:sp>
-          <p:nvSpPr>
-            <p:cNvPr id="19" name="Rectangle 18"/>
-            <p:cNvSpPr/>
-            <p:nvPr/>
-          </p:nvSpPr>
-          <p:spPr>
-            <a:xfrm>
-              <a:off x="447675" y="5443551"/>
-              <a:ext cx="766740" cy="766740"/>
-            </a:xfrm>
-            <a:prstGeom prst="rect">
-              <a:avLst/>
-            </a:prstGeom>
-            <a:solidFill>
-              <a:srgbClr val="F2A200"/>
-            </a:solidFill>
-            <a:ln>
-              <a:noFill/>
-            </a:ln>
-          </p:spPr>
-          <p:style>
-            <a:lnRef idx="2">
-              <a:schemeClr val="accent1">
-                <a:shade val="50000"/>
-              </a:schemeClr>
-            </a:lnRef>
-            <a:fillRef idx="1">
-              <a:schemeClr val="accent1"/>
-            </a:fillRef>
-            <a:effectRef idx="0">
-              <a:schemeClr val="accent1"/>
-            </a:effectRef>
-            <a:fontRef idx="minor">
-              <a:schemeClr val="lt1"/>
-            </a:fontRef>
-          </p:style>
-          <p:txBody>
-            <a:bodyPr lIns="0" tIns="0" rIns="0" bIns="0" rtlCol="0" anchor="ctr">
-              <a:noAutofit/>
-            </a:bodyPr>
-            <a:lstStyle/>
-            <a:p>
-              <a:pPr algn="ctr"/>
-              <a:endParaRPr lang="en-US" dirty="0">
-                <a:latin typeface="Arial" pitchFamily="34" charset="0"/>
-              </a:endParaRPr>
-            </a:p>
-          </p:txBody>
-        </p:sp>
-        <p:sp>
-          <p:nvSpPr>
-            <p:cNvPr id="20" name="TextBox 19"/>
-            <p:cNvSpPr txBox="1"/>
-            <p:nvPr/>
-          </p:nvSpPr>
-          <p:spPr>
-            <a:xfrm>
-              <a:off x="1438254" y="5443551"/>
-              <a:ext cx="1339469" cy="840038"/>
-            </a:xfrm>
-            <a:prstGeom prst="rect">
-              <a:avLst/>
-            </a:prstGeom>
-            <a:noFill/>
-          </p:spPr>
-          <p:txBody>
-            <a:bodyPr wrap="square" lIns="0" tIns="0" rIns="0" bIns="0" rtlCol="0">
-              <a:noAutofit/>
-            </a:bodyPr>
-            <a:lstStyle/>
-            <a:p>
-              <a:pPr>
-                <a:lnSpc>
-                  <a:spcPct val="120000"/>
-                </a:lnSpc>
-              </a:pPr>
-              <a:r>
-                <a:rPr lang="en-US" sz="1100" b="1" dirty="0" smtClean="0">
-                  <a:latin typeface="Arial" pitchFamily="34" charset="0"/>
-                  <a:cs typeface="Arial" pitchFamily="34" charset="0"/>
-                </a:rPr>
-                <a:t>CGI Honey  </a:t>
-              </a:r>
-            </a:p>
-            <a:p>
-              <a:pPr>
-                <a:lnSpc>
-                  <a:spcPct val="120000"/>
-                </a:lnSpc>
-              </a:pPr>
-              <a:r>
-                <a:rPr lang="en-US" sz="1100" dirty="0" smtClean="0">
-                  <a:latin typeface="Arial" pitchFamily="34" charset="0"/>
-                  <a:cs typeface="Arial" pitchFamily="34" charset="0"/>
-                </a:rPr>
-                <a:t>R - 242</a:t>
-              </a:r>
-            </a:p>
-            <a:p>
-              <a:pPr>
-                <a:lnSpc>
-                  <a:spcPct val="120000"/>
-                </a:lnSpc>
-              </a:pPr>
-              <a:r>
-                <a:rPr lang="en-US" sz="1100" dirty="0" smtClean="0">
-                  <a:latin typeface="Arial" pitchFamily="34" charset="0"/>
-                  <a:cs typeface="Arial" pitchFamily="34" charset="0"/>
-                </a:rPr>
-                <a:t>G - 162</a:t>
-              </a:r>
-            </a:p>
-            <a:p>
-              <a:pPr>
-                <a:lnSpc>
-                  <a:spcPct val="120000"/>
-                </a:lnSpc>
-              </a:pPr>
-              <a:r>
-                <a:rPr lang="en-US" sz="1100" dirty="0" smtClean="0">
-                  <a:latin typeface="Arial" pitchFamily="34" charset="0"/>
-                  <a:cs typeface="Arial" pitchFamily="34" charset="0"/>
-                </a:rPr>
-                <a:t>B - 0</a:t>
-              </a:r>
-              <a:endParaRPr lang="en-US" sz="1100" dirty="0">
-                <a:latin typeface="Arial" pitchFamily="34" charset="0"/>
-                <a:cs typeface="Arial" pitchFamily="34" charset="0"/>
-              </a:endParaRPr>
-            </a:p>
-          </p:txBody>
-        </p:sp>
-      </p:grpSp>
-      <p:grpSp>
-        <p:nvGrpSpPr>
-          <p:cNvPr id="12" name="Group 20"/>
-          <p:cNvGrpSpPr/>
-          <p:nvPr/>
-        </p:nvGrpSpPr>
-        <p:grpSpPr>
-          <a:xfrm>
-            <a:off x="2523905" y="3165245"/>
-            <a:ext cx="2384051" cy="840038"/>
-            <a:chOff x="4646613" y="3429000"/>
-            <a:chExt cx="2384051" cy="840038"/>
-          </a:xfrm>
-        </p:grpSpPr>
-        <p:sp>
-          <p:nvSpPr>
-            <p:cNvPr id="22" name="Rectangle 21"/>
-            <p:cNvSpPr/>
-            <p:nvPr/>
-          </p:nvSpPr>
-          <p:spPr>
-            <a:xfrm>
-              <a:off x="4646613" y="3429000"/>
-              <a:ext cx="766740" cy="766740"/>
-            </a:xfrm>
-            <a:prstGeom prst="rect">
-              <a:avLst/>
-            </a:prstGeom>
-            <a:solidFill>
-              <a:srgbClr val="A5ACB0"/>
-            </a:solidFill>
-            <a:ln>
-              <a:noFill/>
-            </a:ln>
-          </p:spPr>
-          <p:style>
-            <a:lnRef idx="2">
-              <a:schemeClr val="accent1">
-                <a:shade val="50000"/>
-              </a:schemeClr>
-            </a:lnRef>
-            <a:fillRef idx="1">
-              <a:schemeClr val="accent1"/>
-            </a:fillRef>
-            <a:effectRef idx="0">
-              <a:schemeClr val="accent1"/>
-            </a:effectRef>
-            <a:fontRef idx="minor">
-              <a:schemeClr val="lt1"/>
-            </a:fontRef>
-          </p:style>
-          <p:txBody>
-            <a:bodyPr lIns="0" tIns="0" rIns="0" bIns="0" rtlCol="0" anchor="ctr">
-              <a:noAutofit/>
-            </a:bodyPr>
-            <a:lstStyle/>
-            <a:p>
-              <a:pPr algn="ctr"/>
-              <a:endParaRPr lang="en-US" dirty="0">
-                <a:latin typeface="Arial" pitchFamily="34" charset="0"/>
-              </a:endParaRPr>
-            </a:p>
-          </p:txBody>
-        </p:sp>
-        <p:sp>
-          <p:nvSpPr>
-            <p:cNvPr id="23" name="TextBox 22"/>
-            <p:cNvSpPr txBox="1"/>
-            <p:nvPr/>
-          </p:nvSpPr>
-          <p:spPr>
-            <a:xfrm>
-              <a:off x="5691195" y="3429000"/>
-              <a:ext cx="1339469" cy="840038"/>
-            </a:xfrm>
-            <a:prstGeom prst="rect">
-              <a:avLst/>
-            </a:prstGeom>
-            <a:noFill/>
-          </p:spPr>
-          <p:txBody>
-            <a:bodyPr wrap="square" lIns="0" tIns="0" rIns="0" bIns="0" rtlCol="0">
-              <a:noAutofit/>
-            </a:bodyPr>
-            <a:lstStyle/>
-            <a:p>
-              <a:pPr>
-                <a:lnSpc>
-                  <a:spcPct val="120000"/>
-                </a:lnSpc>
-              </a:pPr>
-              <a:r>
-                <a:rPr lang="en-US" sz="1100" b="1" dirty="0" smtClean="0">
-                  <a:latin typeface="Arial" pitchFamily="34" charset="0"/>
-                  <a:cs typeface="Arial" pitchFamily="34" charset="0"/>
-                </a:rPr>
-                <a:t>CGI Cloud</a:t>
-              </a:r>
-            </a:p>
-            <a:p>
-              <a:pPr>
-                <a:lnSpc>
-                  <a:spcPct val="120000"/>
-                </a:lnSpc>
-              </a:pPr>
-              <a:r>
-                <a:rPr lang="en-US" sz="1100" dirty="0" smtClean="0">
-                  <a:latin typeface="Arial" pitchFamily="34" charset="0"/>
-                  <a:cs typeface="Arial" pitchFamily="34" charset="0"/>
-                </a:rPr>
-                <a:t>R - 165</a:t>
-              </a:r>
-            </a:p>
-            <a:p>
-              <a:pPr>
-                <a:lnSpc>
-                  <a:spcPct val="120000"/>
-                </a:lnSpc>
-              </a:pPr>
-              <a:r>
-                <a:rPr lang="en-US" sz="1100" dirty="0" smtClean="0">
-                  <a:latin typeface="Arial" pitchFamily="34" charset="0"/>
-                  <a:cs typeface="Arial" pitchFamily="34" charset="0"/>
-                </a:rPr>
-                <a:t>G - 172</a:t>
-              </a:r>
-            </a:p>
-            <a:p>
-              <a:pPr>
-                <a:lnSpc>
-                  <a:spcPct val="120000"/>
-                </a:lnSpc>
-              </a:pPr>
-              <a:r>
-                <a:rPr lang="en-US" sz="1100" dirty="0" smtClean="0">
-                  <a:latin typeface="Arial" pitchFamily="34" charset="0"/>
-                  <a:cs typeface="Arial" pitchFamily="34" charset="0"/>
-                </a:rPr>
-                <a:t>B - 176</a:t>
-              </a:r>
-              <a:endParaRPr lang="en-US" sz="1100" dirty="0">
-                <a:latin typeface="Arial" pitchFamily="34" charset="0"/>
-                <a:cs typeface="Arial" pitchFamily="34" charset="0"/>
-              </a:endParaRPr>
-            </a:p>
-          </p:txBody>
-        </p:sp>
-      </p:grpSp>
-      <p:grpSp>
-        <p:nvGrpSpPr>
-          <p:cNvPr id="15" name="Group 23"/>
-          <p:cNvGrpSpPr/>
-          <p:nvPr/>
-        </p:nvGrpSpPr>
-        <p:grpSpPr>
-          <a:xfrm>
-            <a:off x="2523905" y="4137795"/>
-            <a:ext cx="2384051" cy="840038"/>
-            <a:chOff x="4646613" y="4436276"/>
-            <a:chExt cx="2384051" cy="840038"/>
-          </a:xfrm>
-        </p:grpSpPr>
-        <p:sp>
-          <p:nvSpPr>
-            <p:cNvPr id="25" name="Rectangle 24"/>
-            <p:cNvSpPr/>
-            <p:nvPr/>
-          </p:nvSpPr>
-          <p:spPr>
-            <a:xfrm>
-              <a:off x="4646613" y="4436276"/>
-              <a:ext cx="766740" cy="766740"/>
-            </a:xfrm>
-            <a:prstGeom prst="rect">
-              <a:avLst/>
-            </a:prstGeom>
-            <a:solidFill>
-              <a:srgbClr val="A1C4D0"/>
-            </a:solidFill>
-            <a:ln>
-              <a:noFill/>
-            </a:ln>
-          </p:spPr>
-          <p:style>
-            <a:lnRef idx="2">
-              <a:schemeClr val="accent1">
-                <a:shade val="50000"/>
-              </a:schemeClr>
-            </a:lnRef>
-            <a:fillRef idx="1">
-              <a:schemeClr val="accent1"/>
-            </a:fillRef>
-            <a:effectRef idx="0">
-              <a:schemeClr val="accent1"/>
-            </a:effectRef>
-            <a:fontRef idx="minor">
-              <a:schemeClr val="lt1"/>
-            </a:fontRef>
-          </p:style>
-          <p:txBody>
-            <a:bodyPr lIns="0" tIns="0" rIns="0" bIns="0" rtlCol="0" anchor="ctr">
-              <a:noAutofit/>
-            </a:bodyPr>
-            <a:lstStyle/>
-            <a:p>
-              <a:pPr algn="ctr"/>
-              <a:endParaRPr lang="en-US" dirty="0">
-                <a:latin typeface="Arial" pitchFamily="34" charset="0"/>
-              </a:endParaRPr>
-            </a:p>
-          </p:txBody>
-        </p:sp>
-        <p:sp>
-          <p:nvSpPr>
-            <p:cNvPr id="26" name="TextBox 25"/>
-            <p:cNvSpPr txBox="1"/>
-            <p:nvPr/>
-          </p:nvSpPr>
-          <p:spPr>
-            <a:xfrm>
-              <a:off x="5691195" y="4436276"/>
-              <a:ext cx="1339469" cy="840038"/>
-            </a:xfrm>
-            <a:prstGeom prst="rect">
-              <a:avLst/>
-            </a:prstGeom>
-            <a:noFill/>
-          </p:spPr>
-          <p:txBody>
-            <a:bodyPr wrap="square" lIns="0" tIns="0" rIns="0" bIns="0" rtlCol="0">
-              <a:noAutofit/>
-            </a:bodyPr>
-            <a:lstStyle/>
-            <a:p>
-              <a:pPr>
-                <a:lnSpc>
-                  <a:spcPct val="120000"/>
-                </a:lnSpc>
-              </a:pPr>
-              <a:r>
-                <a:rPr lang="en-US" sz="1100" b="1" dirty="0" smtClean="0">
-                  <a:latin typeface="Arial" pitchFamily="34" charset="0"/>
-                  <a:cs typeface="Arial" pitchFamily="34" charset="0"/>
-                </a:rPr>
-                <a:t>CGI Ice</a:t>
-              </a:r>
-            </a:p>
-            <a:p>
-              <a:pPr>
-                <a:lnSpc>
-                  <a:spcPct val="120000"/>
-                </a:lnSpc>
-              </a:pPr>
-              <a:r>
-                <a:rPr lang="en-US" sz="1100" dirty="0" smtClean="0">
-                  <a:latin typeface="Arial" pitchFamily="34" charset="0"/>
-                  <a:cs typeface="Arial" pitchFamily="34" charset="0"/>
-                </a:rPr>
-                <a:t>R - 161</a:t>
-              </a:r>
-            </a:p>
-            <a:p>
-              <a:pPr>
-                <a:lnSpc>
-                  <a:spcPct val="120000"/>
-                </a:lnSpc>
-              </a:pPr>
-              <a:r>
-                <a:rPr lang="en-US" sz="1100" dirty="0" smtClean="0">
-                  <a:latin typeface="Arial" pitchFamily="34" charset="0"/>
-                  <a:cs typeface="Arial" pitchFamily="34" charset="0"/>
-                </a:rPr>
-                <a:t>G - 196</a:t>
-              </a:r>
-            </a:p>
-            <a:p>
-              <a:pPr>
-                <a:lnSpc>
-                  <a:spcPct val="120000"/>
-                </a:lnSpc>
-              </a:pPr>
-              <a:r>
-                <a:rPr lang="en-US" sz="1100" dirty="0" smtClean="0">
-                  <a:latin typeface="Arial" pitchFamily="34" charset="0"/>
-                  <a:cs typeface="Arial" pitchFamily="34" charset="0"/>
-                </a:rPr>
-                <a:t>B - 208</a:t>
-              </a:r>
-              <a:endParaRPr lang="en-US" sz="1100" dirty="0">
-                <a:latin typeface="Arial" pitchFamily="34" charset="0"/>
-                <a:cs typeface="Arial" pitchFamily="34" charset="0"/>
-              </a:endParaRPr>
-            </a:p>
-          </p:txBody>
-        </p:sp>
-      </p:grpSp>
-      <p:sp>
-        <p:nvSpPr>
-          <p:cNvPr id="27" name="TextBox 26"/>
-          <p:cNvSpPr txBox="1"/>
-          <p:nvPr/>
-        </p:nvSpPr>
-        <p:spPr>
-          <a:xfrm>
-            <a:off x="4762500" y="2697956"/>
-            <a:ext cx="2846614" cy="369332"/>
-          </a:xfrm>
-          <a:prstGeom prst="rect">
-            <a:avLst/>
-          </a:prstGeom>
-          <a:noFill/>
-        </p:spPr>
-        <p:txBody>
-          <a:bodyPr wrap="none" lIns="0" tIns="0" rIns="0" bIns="0" rtlCol="0">
-            <a:noAutofit/>
-          </a:bodyPr>
-          <a:lstStyle/>
-          <a:p>
-            <a:r>
-              <a:rPr lang="en-US" dirty="0" smtClean="0">
-                <a:solidFill>
-                  <a:srgbClr val="991F3D"/>
-                </a:solidFill>
-                <a:latin typeface="Arial" pitchFamily="34" charset="0"/>
-                <a:cs typeface="Arial" pitchFamily="34" charset="0"/>
-              </a:rPr>
-              <a:t>Additional chart colors</a:t>
-            </a:r>
-          </a:p>
-        </p:txBody>
-      </p:sp>
-      <p:grpSp>
-        <p:nvGrpSpPr>
-          <p:cNvPr id="28" name="Group 11"/>
-          <p:cNvGrpSpPr/>
-          <p:nvPr/>
-        </p:nvGrpSpPr>
-        <p:grpSpPr>
-          <a:xfrm>
-            <a:off x="4762500" y="3150797"/>
-            <a:ext cx="2330048" cy="840038"/>
-            <a:chOff x="447675" y="3429000"/>
-            <a:chExt cx="2330048" cy="840038"/>
-          </a:xfrm>
-        </p:grpSpPr>
-        <p:sp>
-          <p:nvSpPr>
-            <p:cNvPr id="29" name="Rectangle 28"/>
-            <p:cNvSpPr/>
-            <p:nvPr/>
-          </p:nvSpPr>
-          <p:spPr>
-            <a:xfrm>
-              <a:off x="447675" y="3429000"/>
-              <a:ext cx="766740" cy="766740"/>
-            </a:xfrm>
-            <a:prstGeom prst="rect">
-              <a:avLst/>
-            </a:prstGeom>
-            <a:solidFill>
-              <a:srgbClr val="E67386"/>
-            </a:solidFill>
-            <a:ln>
-              <a:noFill/>
-            </a:ln>
-          </p:spPr>
-          <p:style>
-            <a:lnRef idx="2">
-              <a:schemeClr val="accent1">
-                <a:shade val="50000"/>
-              </a:schemeClr>
-            </a:lnRef>
-            <a:fillRef idx="1">
-              <a:schemeClr val="accent1"/>
-            </a:fillRef>
-            <a:effectRef idx="0">
-              <a:schemeClr val="accent1"/>
-            </a:effectRef>
-            <a:fontRef idx="minor">
-              <a:schemeClr val="lt1"/>
-            </a:fontRef>
-          </p:style>
-          <p:txBody>
-            <a:bodyPr lIns="0" tIns="0" rIns="0" bIns="0" rtlCol="0" anchor="ctr">
-              <a:noAutofit/>
-            </a:bodyPr>
-            <a:lstStyle/>
-            <a:p>
-              <a:pPr algn="ctr"/>
-              <a:endParaRPr lang="en-US" dirty="0">
-                <a:latin typeface="Arial" pitchFamily="34" charset="0"/>
-              </a:endParaRPr>
-            </a:p>
-          </p:txBody>
-        </p:sp>
-        <p:sp>
-          <p:nvSpPr>
-            <p:cNvPr id="30" name="TextBox 29"/>
-            <p:cNvSpPr txBox="1"/>
-            <p:nvPr/>
-          </p:nvSpPr>
-          <p:spPr>
-            <a:xfrm>
-              <a:off x="1438254" y="3429000"/>
-              <a:ext cx="1339469" cy="840038"/>
-            </a:xfrm>
-            <a:prstGeom prst="rect">
-              <a:avLst/>
-            </a:prstGeom>
-            <a:noFill/>
-          </p:spPr>
-          <p:txBody>
-            <a:bodyPr wrap="square" lIns="0" tIns="0" rIns="0" bIns="0" rtlCol="0">
-              <a:noAutofit/>
-            </a:bodyPr>
-            <a:lstStyle/>
-            <a:p>
-              <a:pPr>
-                <a:lnSpc>
-                  <a:spcPct val="120000"/>
-                </a:lnSpc>
-              </a:pPr>
-              <a:r>
-                <a:rPr lang="en-US" sz="1100" dirty="0" smtClean="0">
-                  <a:latin typeface="Arial" pitchFamily="34" charset="0"/>
-                  <a:cs typeface="Arial" pitchFamily="34" charset="0"/>
-                </a:rPr>
-                <a:t>R - 230</a:t>
-              </a:r>
-            </a:p>
-            <a:p>
-              <a:pPr>
-                <a:lnSpc>
-                  <a:spcPct val="120000"/>
-                </a:lnSpc>
-              </a:pPr>
-              <a:r>
-                <a:rPr lang="en-US" sz="1100" dirty="0" smtClean="0">
-                  <a:latin typeface="Arial" pitchFamily="34" charset="0"/>
-                  <a:cs typeface="Arial" pitchFamily="34" charset="0"/>
-                </a:rPr>
-                <a:t>G - 115</a:t>
-              </a:r>
-            </a:p>
-            <a:p>
-              <a:pPr>
-                <a:lnSpc>
-                  <a:spcPct val="120000"/>
-                </a:lnSpc>
-              </a:pPr>
-              <a:r>
-                <a:rPr lang="en-US" sz="1100" dirty="0" smtClean="0">
-                  <a:latin typeface="Arial" pitchFamily="34" charset="0"/>
-                  <a:cs typeface="Arial" pitchFamily="34" charset="0"/>
-                </a:rPr>
-                <a:t>B - 134</a:t>
-              </a:r>
-              <a:endParaRPr lang="en-US" sz="1100" dirty="0">
-                <a:latin typeface="Arial" pitchFamily="34" charset="0"/>
-                <a:cs typeface="Arial" pitchFamily="34" charset="0"/>
-              </a:endParaRPr>
-            </a:p>
-          </p:txBody>
-        </p:sp>
-      </p:grpSp>
-      <p:grpSp>
-        <p:nvGrpSpPr>
-          <p:cNvPr id="31" name="Group 14"/>
-          <p:cNvGrpSpPr/>
-          <p:nvPr/>
-        </p:nvGrpSpPr>
-        <p:grpSpPr>
-          <a:xfrm>
-            <a:off x="4762500" y="4123347"/>
-            <a:ext cx="2330048" cy="840038"/>
-            <a:chOff x="447675" y="4436276"/>
-            <a:chExt cx="2330048" cy="840038"/>
-          </a:xfrm>
-        </p:grpSpPr>
-        <p:sp>
-          <p:nvSpPr>
-            <p:cNvPr id="32" name="Rectangle 31"/>
-            <p:cNvSpPr/>
-            <p:nvPr/>
-          </p:nvSpPr>
-          <p:spPr>
-            <a:xfrm>
-              <a:off x="447675" y="4436276"/>
-              <a:ext cx="766740" cy="766740"/>
-            </a:xfrm>
-            <a:prstGeom prst="rect">
-              <a:avLst/>
-            </a:prstGeom>
-            <a:solidFill>
-              <a:srgbClr val="FFAA99"/>
-            </a:solidFill>
-            <a:ln>
-              <a:noFill/>
-            </a:ln>
-          </p:spPr>
-          <p:style>
-            <a:lnRef idx="2">
-              <a:schemeClr val="accent1">
-                <a:shade val="50000"/>
-              </a:schemeClr>
-            </a:lnRef>
-            <a:fillRef idx="1">
-              <a:schemeClr val="accent1"/>
-            </a:fillRef>
-            <a:effectRef idx="0">
-              <a:schemeClr val="accent1"/>
-            </a:effectRef>
-            <a:fontRef idx="minor">
-              <a:schemeClr val="lt1"/>
-            </a:fontRef>
-          </p:style>
-          <p:txBody>
-            <a:bodyPr lIns="0" tIns="0" rIns="0" bIns="0" rtlCol="0" anchor="ctr">
-              <a:noAutofit/>
-            </a:bodyPr>
-            <a:lstStyle/>
-            <a:p>
-              <a:pPr algn="ctr"/>
-              <a:endParaRPr lang="en-US" dirty="0">
-                <a:latin typeface="Arial" pitchFamily="34" charset="0"/>
-              </a:endParaRPr>
-            </a:p>
-          </p:txBody>
-        </p:sp>
-        <p:sp>
-          <p:nvSpPr>
-            <p:cNvPr id="33" name="TextBox 32"/>
-            <p:cNvSpPr txBox="1"/>
-            <p:nvPr/>
-          </p:nvSpPr>
-          <p:spPr>
-            <a:xfrm>
-              <a:off x="1438254" y="4436276"/>
-              <a:ext cx="1339469" cy="840038"/>
-            </a:xfrm>
-            <a:prstGeom prst="rect">
-              <a:avLst/>
-            </a:prstGeom>
-            <a:noFill/>
-          </p:spPr>
-          <p:txBody>
-            <a:bodyPr wrap="square" lIns="0" tIns="0" rIns="0" bIns="0" rtlCol="0">
-              <a:noAutofit/>
-            </a:bodyPr>
-            <a:lstStyle/>
-            <a:p>
-              <a:pPr>
-                <a:lnSpc>
-                  <a:spcPct val="120000"/>
-                </a:lnSpc>
-              </a:pPr>
-              <a:r>
-                <a:rPr lang="en-US" sz="1100" dirty="0" smtClean="0">
-                  <a:latin typeface="Arial" pitchFamily="34" charset="0"/>
-                  <a:cs typeface="Arial" pitchFamily="34" charset="0"/>
-                </a:rPr>
-                <a:t>R - 255</a:t>
-              </a:r>
-            </a:p>
-            <a:p>
-              <a:pPr>
-                <a:lnSpc>
-                  <a:spcPct val="120000"/>
-                </a:lnSpc>
-              </a:pPr>
-              <a:r>
-                <a:rPr lang="en-US" sz="1100" dirty="0" smtClean="0">
-                  <a:latin typeface="Arial" pitchFamily="34" charset="0"/>
-                  <a:cs typeface="Arial" pitchFamily="34" charset="0"/>
-                </a:rPr>
-                <a:t>G - 170</a:t>
-              </a:r>
-            </a:p>
-            <a:p>
-              <a:pPr>
-                <a:lnSpc>
-                  <a:spcPct val="120000"/>
-                </a:lnSpc>
-              </a:pPr>
-              <a:r>
-                <a:rPr lang="en-US" sz="1100" dirty="0" smtClean="0">
-                  <a:latin typeface="Arial" pitchFamily="34" charset="0"/>
-                  <a:cs typeface="Arial" pitchFamily="34" charset="0"/>
-                </a:rPr>
-                <a:t>B - 153</a:t>
-              </a:r>
-              <a:endParaRPr lang="en-US" sz="1100" dirty="0">
-                <a:latin typeface="Arial" pitchFamily="34" charset="0"/>
-                <a:cs typeface="Arial" pitchFamily="34" charset="0"/>
-              </a:endParaRPr>
-            </a:p>
-          </p:txBody>
-        </p:sp>
-      </p:grpSp>
-      <p:grpSp>
-        <p:nvGrpSpPr>
-          <p:cNvPr id="34" name="Group 17"/>
-          <p:cNvGrpSpPr/>
-          <p:nvPr/>
-        </p:nvGrpSpPr>
-        <p:grpSpPr>
-          <a:xfrm>
-            <a:off x="4762500" y="5095898"/>
-            <a:ext cx="2330048" cy="840038"/>
-            <a:chOff x="447675" y="5443551"/>
-            <a:chExt cx="2330048" cy="840038"/>
-          </a:xfrm>
-        </p:grpSpPr>
-        <p:sp>
-          <p:nvSpPr>
-            <p:cNvPr id="35" name="Rectangle 34"/>
-            <p:cNvSpPr/>
-            <p:nvPr/>
-          </p:nvSpPr>
-          <p:spPr>
-            <a:xfrm>
-              <a:off x="447675" y="5443551"/>
-              <a:ext cx="766740" cy="766740"/>
-            </a:xfrm>
-            <a:prstGeom prst="rect">
-              <a:avLst/>
-            </a:prstGeom>
-            <a:solidFill>
-              <a:srgbClr val="FFD9B2"/>
-            </a:solidFill>
-            <a:ln>
-              <a:noFill/>
-            </a:ln>
-          </p:spPr>
-          <p:style>
-            <a:lnRef idx="2">
-              <a:schemeClr val="accent1">
-                <a:shade val="50000"/>
-              </a:schemeClr>
-            </a:lnRef>
-            <a:fillRef idx="1">
-              <a:schemeClr val="accent1"/>
-            </a:fillRef>
-            <a:effectRef idx="0">
-              <a:schemeClr val="accent1"/>
-            </a:effectRef>
-            <a:fontRef idx="minor">
-              <a:schemeClr val="lt1"/>
-            </a:fontRef>
-          </p:style>
-          <p:txBody>
-            <a:bodyPr lIns="0" tIns="0" rIns="0" bIns="0" rtlCol="0" anchor="ctr">
-              <a:noAutofit/>
-            </a:bodyPr>
-            <a:lstStyle/>
-            <a:p>
-              <a:pPr algn="ctr"/>
-              <a:endParaRPr lang="en-US" dirty="0">
-                <a:latin typeface="Arial" pitchFamily="34" charset="0"/>
-              </a:endParaRPr>
-            </a:p>
-          </p:txBody>
-        </p:sp>
-        <p:sp>
-          <p:nvSpPr>
-            <p:cNvPr id="36" name="TextBox 35"/>
-            <p:cNvSpPr txBox="1"/>
-            <p:nvPr/>
-          </p:nvSpPr>
-          <p:spPr>
-            <a:xfrm>
-              <a:off x="1438254" y="5443551"/>
-              <a:ext cx="1339469" cy="840038"/>
-            </a:xfrm>
-            <a:prstGeom prst="rect">
-              <a:avLst/>
-            </a:prstGeom>
-            <a:noFill/>
-          </p:spPr>
-          <p:txBody>
-            <a:bodyPr wrap="square" lIns="0" tIns="0" rIns="0" bIns="0" rtlCol="0">
-              <a:noAutofit/>
-            </a:bodyPr>
-            <a:lstStyle/>
-            <a:p>
-              <a:pPr>
-                <a:lnSpc>
-                  <a:spcPct val="120000"/>
-                </a:lnSpc>
-              </a:pPr>
-              <a:r>
-                <a:rPr lang="en-US" sz="1100" dirty="0" smtClean="0">
-                  <a:latin typeface="Arial" pitchFamily="34" charset="0"/>
-                  <a:cs typeface="Arial" pitchFamily="34" charset="0"/>
-                </a:rPr>
-                <a:t>R - 255</a:t>
-              </a:r>
-            </a:p>
-            <a:p>
-              <a:pPr>
-                <a:lnSpc>
-                  <a:spcPct val="120000"/>
-                </a:lnSpc>
-              </a:pPr>
-              <a:r>
-                <a:rPr lang="en-US" sz="1100" dirty="0" smtClean="0">
-                  <a:latin typeface="Arial" pitchFamily="34" charset="0"/>
-                  <a:cs typeface="Arial" pitchFamily="34" charset="0"/>
-                </a:rPr>
-                <a:t>G - 217</a:t>
-              </a:r>
-            </a:p>
-            <a:p>
-              <a:pPr>
-                <a:lnSpc>
-                  <a:spcPct val="120000"/>
-                </a:lnSpc>
-              </a:pPr>
-              <a:r>
-                <a:rPr lang="en-US" sz="1100" dirty="0" smtClean="0">
-                  <a:latin typeface="Arial" pitchFamily="34" charset="0"/>
-                  <a:cs typeface="Arial" pitchFamily="34" charset="0"/>
-                </a:rPr>
-                <a:t>B - 178</a:t>
-              </a:r>
-              <a:endParaRPr lang="en-US" sz="1100" dirty="0">
-                <a:latin typeface="Arial" pitchFamily="34" charset="0"/>
-                <a:cs typeface="Arial" pitchFamily="34" charset="0"/>
-              </a:endParaRPr>
-            </a:p>
-          </p:txBody>
-        </p:sp>
-      </p:grpSp>
+      </p:pic>
     </p:spTree>
+    <p:extLst>
+      <p:ext uri="{BB962C8B-B14F-4D97-AF65-F5344CB8AC3E}">
+        <p14:creationId xmlns:p14="http://schemas.microsoft.com/office/powerpoint/2010/main" val="3904269661"/>
+      </p:ext>
+    </p:extLst>
   </p:cSld>
   <p:clrMapOvr>
     <a:masterClrMapping/>
   </p:clrMapOvr>
-  <p:timing>
-    <p:tnLst>
-      <p:par>
-        <p:cTn id="1" dur="indefinite" restart="never" nodeType="tmRoot"/>
-      </p:par>
-    </p:tnLst>
-  </p:timing>
 </p:sld>
 </file>
 
@@ -47838,12 +47100,36 @@
       </p:grpSpPr>
       <p:sp>
         <p:nvSpPr>
-          <p:cNvPr id="2" name="Title 1"/>
+          <p:cNvPr id="3" name="Slide Number Placeholder 2"/>
           <p:cNvSpPr>
             <a:spLocks noGrp="1"/>
           </p:cNvSpPr>
           <p:nvPr>
-            <p:ph type="ctrTitle"/>
+            <p:ph type="sldNum" sz="quarter" idx="12"/>
+          </p:nvPr>
+        </p:nvSpPr>
+        <p:spPr/>
+        <p:txBody>
+          <a:bodyPr/>
+          <a:lstStyle/>
+          <a:p>
+            <a:fld id="{525A3C56-E491-49B2-93F3-63532DF516BC}" type="slidenum">
+              <a:rPr lang="en-US" smtClean="0"/>
+              <a:pPr/>
+              <a:t>5</a:t>
+            </a:fld>
+            <a:endParaRPr lang="en-US" dirty="0"/>
+          </a:p>
+        </p:txBody>
+      </p:sp>
+      <p:sp>
+        <p:nvSpPr>
+          <p:cNvPr id="4" name="Title 3"/>
+          <p:cNvSpPr>
+            <a:spLocks noGrp="1"/>
+          </p:cNvSpPr>
+          <p:nvPr>
+            <p:ph type="title"/>
           </p:nvPr>
         </p:nvSpPr>
         <p:spPr/>
@@ -47853,7 +47139,7 @@
           <a:p>
             <a:r>
               <a:rPr lang="en-US" dirty="0" smtClean="0"/>
-              <a:t>Divider slide – Option 1</a:t>
+              <a:t>Login </a:t>
             </a:r>
             <a:endParaRPr lang="en-US" dirty="0"/>
           </a:p>
@@ -47861,12 +47147,12 @@
       </p:sp>
       <p:sp>
         <p:nvSpPr>
-          <p:cNvPr id="16" name="Subtitle 15"/>
+          <p:cNvPr id="5" name="Content Placeholder 4"/>
           <p:cNvSpPr>
             <a:spLocks noGrp="1"/>
           </p:cNvSpPr>
           <p:nvPr>
-            <p:ph type="subTitle" idx="1"/>
+            <p:ph sz="quarter" idx="17"/>
           </p:nvPr>
         </p:nvSpPr>
         <p:spPr/>
@@ -47874,26 +47160,93 @@
           <a:bodyPr/>
           <a:lstStyle/>
           <a:p>
-            <a:r>
-              <a:rPr lang="en-US" dirty="0" smtClean="0"/>
-              <a:t>Subtitle if required</a:t>
-            </a:r>
             <a:endParaRPr lang="en-US" dirty="0"/>
           </a:p>
         </p:txBody>
       </p:sp>
+      <p:sp>
+        <p:nvSpPr>
+          <p:cNvPr id="6" name="Content Placeholder 5"/>
+          <p:cNvSpPr>
+            <a:spLocks noGrp="1"/>
+          </p:cNvSpPr>
+          <p:nvPr>
+            <p:ph sz="quarter" idx="23"/>
+          </p:nvPr>
+        </p:nvSpPr>
+        <p:spPr/>
+        <p:txBody>
+          <a:bodyPr/>
+          <a:lstStyle/>
+          <a:p>
+            <a:endParaRPr lang="en-US"/>
+          </a:p>
+        </p:txBody>
+      </p:sp>
+      <p:pic>
+        <p:nvPicPr>
+          <p:cNvPr id="1026" name="Picture 2"/>
+          <p:cNvPicPr>
+            <a:picLocks noChangeAspect="1" noChangeArrowheads="1"/>
+          </p:cNvPicPr>
+          <p:nvPr/>
+        </p:nvPicPr>
+        <p:blipFill>
+          <a:blip r:embed="rId2">
+            <a:extLst>
+              <a:ext uri="{28A0092B-C50C-407E-A947-70E740481C1C}">
+                <a14:useLocalDpi xmlns:a14="http://schemas.microsoft.com/office/drawing/2010/main" val="0"/>
+              </a:ext>
+            </a:extLst>
+          </a:blip>
+          <a:srcRect/>
+          <a:stretch>
+            <a:fillRect/>
+          </a:stretch>
+        </p:blipFill>
+        <p:spPr bwMode="auto">
+          <a:xfrm>
+            <a:off x="4700011" y="486829"/>
+            <a:ext cx="3162300" cy="6226175"/>
+          </a:xfrm>
+          <a:prstGeom prst="rect">
+            <a:avLst/>
+          </a:prstGeom>
+          <a:noFill/>
+          <a:ln>
+            <a:noFill/>
+          </a:ln>
+          <a:extLst>
+            <a:ext uri="{909E8E84-426E-40DD-AFC4-6F175D3DCCD1}">
+              <a14:hiddenFill xmlns:a14="http://schemas.microsoft.com/office/drawing/2010/main">
+                <a:solidFill>
+                  <a:schemeClr val="accent1"/>
+                </a:solidFill>
+              </a14:hiddenFill>
+            </a:ext>
+            <a:ext uri="{91240B29-F687-4F45-9708-019B960494DF}">
+              <a14:hiddenLine xmlns:a14="http://schemas.microsoft.com/office/drawing/2010/main" w="9525">
+                <a:solidFill>
+                  <a:schemeClr val="tx1"/>
+                </a:solidFill>
+                <a:miter lim="800000"/>
+                <a:headEnd/>
+                <a:tailEnd/>
+              </a14:hiddenLine>
+            </a:ext>
+          </a:extLst>
+        </p:spPr>
+      </p:pic>
     </p:spTree>
+    <p:extLst>
+      <p:ext uri="{BB962C8B-B14F-4D97-AF65-F5344CB8AC3E}">
+        <p14:creationId xmlns:p14="http://schemas.microsoft.com/office/powerpoint/2010/main" val="1383719726"/>
+      </p:ext>
+    </p:extLst>
   </p:cSld>
   <p:clrMapOvr>
     <a:masterClrMapping/>
   </p:clrMapOvr>
-  <p:timing>
-    <p:tnLst>
-      <p:par>
-        <p:cTn id="1" dur="indefinite" restart="never" nodeType="tmRoot"/>
-      </p:par>
-    </p:tnLst>
-  </p:timing>
 </p:sld>
 </file>
 
@@ -47916,12 +47269,36 @@
       </p:grpSpPr>
       <p:sp>
         <p:nvSpPr>
-          <p:cNvPr id="2" name="Title 1"/>
+          <p:cNvPr id="2" name="Slide Number Placeholder 1"/>
           <p:cNvSpPr>
             <a:spLocks noGrp="1"/>
           </p:cNvSpPr>
           <p:nvPr>
-            <p:ph type="ctrTitle"/>
+            <p:ph type="sldNum" sz="quarter" idx="12"/>
+          </p:nvPr>
+        </p:nvSpPr>
+        <p:spPr/>
+        <p:txBody>
+          <a:bodyPr/>
+          <a:lstStyle/>
+          <a:p>
+            <a:fld id="{525A3C56-E491-49B2-93F3-63532DF516BC}" type="slidenum">
+              <a:rPr lang="en-US" smtClean="0"/>
+              <a:pPr/>
+              <a:t>6</a:t>
+            </a:fld>
+            <a:endParaRPr lang="en-US" dirty="0"/>
+          </a:p>
+        </p:txBody>
+      </p:sp>
+      <p:sp>
+        <p:nvSpPr>
+          <p:cNvPr id="3" name="Title 2"/>
+          <p:cNvSpPr>
+            <a:spLocks noGrp="1"/>
+          </p:cNvSpPr>
+          <p:nvPr>
+            <p:ph type="title"/>
           </p:nvPr>
         </p:nvSpPr>
         <p:spPr/>
@@ -47931,7 +47308,7 @@
           <a:p>
             <a:r>
               <a:rPr lang="en-US" dirty="0" smtClean="0"/>
-              <a:t>Divider slide – Option 2</a:t>
+              <a:t>Create New Account</a:t>
             </a:r>
             <a:endParaRPr lang="en-US" dirty="0"/>
           </a:p>
@@ -47939,12 +47316,12 @@
       </p:sp>
       <p:sp>
         <p:nvSpPr>
-          <p:cNvPr id="16" name="Subtitle 15"/>
+          <p:cNvPr id="4" name="Content Placeholder 3"/>
           <p:cNvSpPr>
             <a:spLocks noGrp="1"/>
           </p:cNvSpPr>
           <p:nvPr>
-            <p:ph type="subTitle" idx="1"/>
+            <p:ph sz="quarter" idx="17"/>
           </p:nvPr>
         </p:nvSpPr>
         <p:spPr/>
@@ -47952,26 +47329,119 @@
           <a:bodyPr/>
           <a:lstStyle/>
           <a:p>
-            <a:r>
-              <a:rPr lang="en-US" smtClean="0"/>
-              <a:t>Subtitle if required</a:t>
-            </a:r>
-            <a:endParaRPr lang="en-US" dirty="0"/>
+            <a:endParaRPr lang="en-US"/>
           </a:p>
         </p:txBody>
       </p:sp>
+      <p:sp>
+        <p:nvSpPr>
+          <p:cNvPr id="5" name="Content Placeholder 4"/>
+          <p:cNvSpPr>
+            <a:spLocks noGrp="1"/>
+          </p:cNvSpPr>
+          <p:nvPr>
+            <p:ph sz="quarter" idx="23"/>
+          </p:nvPr>
+        </p:nvSpPr>
+        <p:spPr/>
+        <p:txBody>
+          <a:bodyPr/>
+          <a:lstStyle/>
+          <a:p>
+            <a:endParaRPr lang="en-US"/>
+          </a:p>
+        </p:txBody>
+      </p:sp>
+      <p:pic>
+        <p:nvPicPr>
+          <p:cNvPr id="2050" name="Picture 2"/>
+          <p:cNvPicPr>
+            <a:picLocks noChangeAspect="1" noChangeArrowheads="1"/>
+          </p:cNvPicPr>
+          <p:nvPr/>
+        </p:nvPicPr>
+        <p:blipFill>
+          <a:blip r:embed="rId2">
+            <a:extLst>
+              <a:ext uri="{BEBA8EAE-BF5A-486C-A8C5-ECC9F3942E4B}">
+                <a14:imgProps xmlns:a14="http://schemas.microsoft.com/office/drawing/2010/main">
+                  <a14:imgLayer r:embed="rId3">
+                    <a14:imgEffect>
+                      <a14:backgroundRemoval t="5131" b="98974" l="0" r="96728">
+                        <a14:foregroundMark x1="7988" y1="9350" x2="7026" y2="89168"/>
+                        <a14:foregroundMark x1="22137" y1="75941" x2="39750" y2="75485"/>
+                        <a14:foregroundMark x1="24639" y1="71038" x2="37921" y2="71038"/>
+                        <a14:foregroundMark x1="41001" y1="56670" x2="23484" y2="56670"/>
+                        <a14:foregroundMark x1="61501" y1="11403" x2="88932" y2="90536"/>
+                        <a14:foregroundMark x1="61694" y1="69783" x2="77093" y2="69555"/>
+                        <a14:foregroundMark x1="59095" y1="11859" x2="87680" y2="9350"/>
+                        <a14:foregroundMark x1="34456" y1="7982" x2="16362" y2="7982"/>
+                        <a14:backgroundMark x1="52069" y1="8666" x2="47931" y2="87685"/>
+                        <a14:backgroundMark x1="49471" y1="87571" x2="55438" y2="7754"/>
+                        <a14:backgroundMark x1="60924" y1="6499" x2="94899" y2="6727"/>
+                        <a14:backgroundMark x1="95765" y1="6271" x2="97979" y2="95895"/>
+                        <a14:backgroundMark x1="93263" y1="97035" x2="61213" y2="99088"/>
+                        <a14:backgroundMark x1="61309" y1="97605" x2="48027" y2="87229"/>
+                        <a14:backgroundMark x1="49278" y1="87913" x2="36959" y2="98404"/>
+                        <a14:backgroundMark x1="6545" y1="97263" x2="1155" y2="79590"/>
+                      </a14:backgroundRemoval>
+                    </a14:imgEffect>
+                  </a14:imgLayer>
+                </a14:imgProps>
+              </a:ext>
+              <a:ext uri="{28A0092B-C50C-407E-A947-70E740481C1C}">
+                <a14:useLocalDpi xmlns:a14="http://schemas.microsoft.com/office/drawing/2010/main" val="0"/>
+              </a:ext>
+            </a:extLst>
+          </a:blip>
+          <a:srcRect/>
+          <a:stretch>
+            <a:fillRect/>
+          </a:stretch>
+        </p:blipFill>
+        <p:spPr bwMode="auto">
+          <a:xfrm>
+            <a:off x="538386" y="478860"/>
+            <a:ext cx="7727920" cy="6522563"/>
+          </a:xfrm>
+          <a:prstGeom prst="rect">
+            <a:avLst/>
+          </a:prstGeom>
+          <a:noFill/>
+          <a:ln>
+            <a:noFill/>
+          </a:ln>
+          <a:extLst>
+            <a:ext uri="{909E8E84-426E-40DD-AFC4-6F175D3DCCD1}">
+              <a14:hiddenFill xmlns:a14="http://schemas.microsoft.com/office/drawing/2010/main">
+                <a:solidFill>
+                  <a:schemeClr val="accent1"/>
+                </a:solidFill>
+              </a14:hiddenFill>
+            </a:ext>
+            <a:ext uri="{91240B29-F687-4F45-9708-019B960494DF}">
+              <a14:hiddenLine xmlns:a14="http://schemas.microsoft.com/office/drawing/2010/main" w="9525">
+                <a:solidFill>
+                  <a:schemeClr val="tx1"/>
+                </a:solidFill>
+                <a:miter lim="800000"/>
+                <a:headEnd/>
+                <a:tailEnd/>
+              </a14:hiddenLine>
+            </a:ext>
+          </a:extLst>
+        </p:spPr>
+      </p:pic>
     </p:spTree>
+    <p:extLst>
+      <p:ext uri="{BB962C8B-B14F-4D97-AF65-F5344CB8AC3E}">
+        <p14:creationId xmlns:p14="http://schemas.microsoft.com/office/powerpoint/2010/main" val="832622584"/>
+      </p:ext>
+    </p:extLst>
   </p:cSld>
   <p:clrMapOvr>
     <a:masterClrMapping/>
   </p:clrMapOvr>
-  <p:timing>
-    <p:tnLst>
-      <p:par>
-        <p:cTn id="1" dur="indefinite" restart="never" nodeType="tmRoot"/>
-      </p:par>
-    </p:tnLst>
-  </p:timing>
 </p:sld>
 </file>
 
@@ -47994,56 +47464,707 @@
       </p:grpSpPr>
       <p:sp>
         <p:nvSpPr>
-          <p:cNvPr id="2" name="Title 1"/>
+          <p:cNvPr id="2" name="Slide Number Placeholder 1"/>
           <p:cNvSpPr>
             <a:spLocks noGrp="1"/>
           </p:cNvSpPr>
           <p:nvPr>
-            <p:ph type="ctrTitle"/>
+            <p:ph type="sldNum" sz="quarter" idx="12"/>
           </p:nvPr>
         </p:nvSpPr>
         <p:spPr/>
         <p:txBody>
-          <a:bodyPr>
-            <a:normAutofit fontScale="90000"/>
-          </a:bodyPr>
+          <a:bodyPr/>
+          <a:lstStyle/>
+          <a:p>
+            <a:fld id="{525A3C56-E491-49B2-93F3-63532DF516BC}" type="slidenum">
+              <a:rPr lang="en-US" smtClean="0"/>
+              <a:pPr/>
+              <a:t>7</a:t>
+            </a:fld>
+            <a:endParaRPr lang="en-US" dirty="0"/>
+          </a:p>
+        </p:txBody>
+      </p:sp>
+      <p:sp>
+        <p:nvSpPr>
+          <p:cNvPr id="3" name="Title 2"/>
+          <p:cNvSpPr>
+            <a:spLocks noGrp="1"/>
+          </p:cNvSpPr>
+          <p:nvPr>
+            <p:ph type="title"/>
+          </p:nvPr>
+        </p:nvSpPr>
+        <p:spPr/>
+        <p:txBody>
+          <a:bodyPr/>
           <a:lstStyle/>
           <a:p>
             <a:r>
               <a:rPr lang="en-US" dirty="0" smtClean="0"/>
-              <a:t>Our commitment to you</a:t>
+              <a:t>Home Page</a:t>
             </a:r>
-            <a:br>
-              <a:rPr lang="en-US" dirty="0" smtClean="0"/>
-            </a:br>
-            <a:r>
-              <a:rPr lang="en-US" sz="2800" dirty="0" smtClean="0">
+            <a:endParaRPr lang="en-US" dirty="0"/>
+          </a:p>
+        </p:txBody>
+      </p:sp>
+      <p:sp>
+        <p:nvSpPr>
+          <p:cNvPr id="4" name="Content Placeholder 3"/>
+          <p:cNvSpPr>
+            <a:spLocks noGrp="1"/>
+          </p:cNvSpPr>
+          <p:nvPr>
+            <p:ph sz="quarter" idx="17"/>
+          </p:nvPr>
+        </p:nvSpPr>
+        <p:spPr/>
+        <p:txBody>
+          <a:bodyPr/>
+          <a:lstStyle/>
+          <a:p>
+            <a:endParaRPr lang="en-US"/>
+          </a:p>
+        </p:txBody>
+      </p:sp>
+      <p:sp>
+        <p:nvSpPr>
+          <p:cNvPr id="5" name="Content Placeholder 4"/>
+          <p:cNvSpPr>
+            <a:spLocks noGrp="1"/>
+          </p:cNvSpPr>
+          <p:nvPr>
+            <p:ph sz="quarter" idx="23"/>
+          </p:nvPr>
+        </p:nvSpPr>
+        <p:spPr/>
+        <p:txBody>
+          <a:bodyPr/>
+          <a:lstStyle/>
+          <a:p>
+            <a:endParaRPr lang="en-US"/>
+          </a:p>
+        </p:txBody>
+      </p:sp>
+      <p:pic>
+        <p:nvPicPr>
+          <p:cNvPr id="3074" name="Picture 2"/>
+          <p:cNvPicPr>
+            <a:picLocks noChangeAspect="1" noChangeArrowheads="1"/>
+          </p:cNvPicPr>
+          <p:nvPr/>
+        </p:nvPicPr>
+        <p:blipFill>
+          <a:blip r:embed="rId2" cstate="print">
+            <a:extLst>
+              <a:ext uri="{28A0092B-C50C-407E-A947-70E740481C1C}">
+                <a14:useLocalDpi xmlns:a14="http://schemas.microsoft.com/office/drawing/2010/main" val="0"/>
+              </a:ext>
+            </a:extLst>
+          </a:blip>
+          <a:srcRect/>
+          <a:stretch>
+            <a:fillRect/>
+          </a:stretch>
+        </p:blipFill>
+        <p:spPr bwMode="auto">
+          <a:xfrm>
+            <a:off x="2751746" y="391035"/>
+            <a:ext cx="559927" cy="476492"/>
+          </a:xfrm>
+          <a:prstGeom prst="rect">
+            <a:avLst/>
+          </a:prstGeom>
+          <a:noFill/>
+          <a:ln>
+            <a:noFill/>
+          </a:ln>
+          <a:extLst>
+            <a:ext uri="{909E8E84-426E-40DD-AFC4-6F175D3DCCD1}">
+              <a14:hiddenFill xmlns:a14="http://schemas.microsoft.com/office/drawing/2010/main">
+                <a:solidFill>
+                  <a:schemeClr val="accent1"/>
+                </a:solidFill>
+              </a14:hiddenFill>
+            </a:ext>
+            <a:ext uri="{91240B29-F687-4F45-9708-019B960494DF}">
+              <a14:hiddenLine xmlns:a14="http://schemas.microsoft.com/office/drawing/2010/main" w="9525">
                 <a:solidFill>
                   <a:schemeClr val="tx1"/>
                 </a:solidFill>
-              </a:rPr>
-              <a:t>We approach every engagement with one objective in mind: to help clients succeed</a:t>
-            </a:r>
-            <a:endParaRPr lang="en-US" sz="2800" dirty="0">
-              <a:solidFill>
-                <a:schemeClr val="tx1"/>
-              </a:solidFill>
-            </a:endParaRPr>
-          </a:p>
-        </p:txBody>
-      </p:sp>
+                <a:miter lim="800000"/>
+                <a:headEnd/>
+                <a:tailEnd/>
+              </a14:hiddenLine>
+            </a:ext>
+          </a:extLst>
+        </p:spPr>
+      </p:pic>
+      <p:pic>
+        <p:nvPicPr>
+          <p:cNvPr id="3077" name="Picture 5"/>
+          <p:cNvPicPr>
+            <a:picLocks noChangeAspect="1" noChangeArrowheads="1"/>
+          </p:cNvPicPr>
+          <p:nvPr/>
+        </p:nvPicPr>
+        <p:blipFill>
+          <a:blip r:embed="rId3">
+            <a:extLst>
+              <a:ext uri="{28A0092B-C50C-407E-A947-70E740481C1C}">
+                <a14:useLocalDpi xmlns:a14="http://schemas.microsoft.com/office/drawing/2010/main" val="0"/>
+              </a:ext>
+            </a:extLst>
+          </a:blip>
+          <a:srcRect/>
+          <a:stretch>
+            <a:fillRect/>
+          </a:stretch>
+        </p:blipFill>
+        <p:spPr bwMode="auto">
+          <a:xfrm>
+            <a:off x="314474" y="940720"/>
+            <a:ext cx="3205146" cy="5798321"/>
+          </a:xfrm>
+          <a:prstGeom prst="rect">
+            <a:avLst/>
+          </a:prstGeom>
+          <a:noFill/>
+          <a:ln>
+            <a:noFill/>
+          </a:ln>
+          <a:extLst>
+            <a:ext uri="{909E8E84-426E-40DD-AFC4-6F175D3DCCD1}">
+              <a14:hiddenFill xmlns:a14="http://schemas.microsoft.com/office/drawing/2010/main">
+                <a:solidFill>
+                  <a:schemeClr val="accent1"/>
+                </a:solidFill>
+              </a14:hiddenFill>
+            </a:ext>
+            <a:ext uri="{91240B29-F687-4F45-9708-019B960494DF}">
+              <a14:hiddenLine xmlns:a14="http://schemas.microsoft.com/office/drawing/2010/main" w="9525">
+                <a:solidFill>
+                  <a:schemeClr val="tx1"/>
+                </a:solidFill>
+                <a:miter lim="800000"/>
+                <a:headEnd/>
+                <a:tailEnd/>
+              </a14:hiddenLine>
+            </a:ext>
+          </a:extLst>
+        </p:spPr>
+      </p:pic>
+      <p:pic>
+        <p:nvPicPr>
+          <p:cNvPr id="3078" name="Picture 6"/>
+          <p:cNvPicPr>
+            <a:picLocks noChangeAspect="1" noChangeArrowheads="1"/>
+          </p:cNvPicPr>
+          <p:nvPr/>
+        </p:nvPicPr>
+        <p:blipFill>
+          <a:blip r:embed="rId4">
+            <a:extLst>
+              <a:ext uri="{28A0092B-C50C-407E-A947-70E740481C1C}">
+                <a14:useLocalDpi xmlns:a14="http://schemas.microsoft.com/office/drawing/2010/main" val="0"/>
+              </a:ext>
+            </a:extLst>
+          </a:blip>
+          <a:srcRect/>
+          <a:stretch>
+            <a:fillRect/>
+          </a:stretch>
+        </p:blipFill>
+        <p:spPr bwMode="auto">
+          <a:xfrm>
+            <a:off x="4373995" y="940720"/>
+            <a:ext cx="3576161" cy="5974147"/>
+          </a:xfrm>
+          <a:prstGeom prst="rect">
+            <a:avLst/>
+          </a:prstGeom>
+          <a:noFill/>
+          <a:ln>
+            <a:noFill/>
+          </a:ln>
+          <a:extLst>
+            <a:ext uri="{909E8E84-426E-40DD-AFC4-6F175D3DCCD1}">
+              <a14:hiddenFill xmlns:a14="http://schemas.microsoft.com/office/drawing/2010/main">
+                <a:solidFill>
+                  <a:schemeClr val="accent1"/>
+                </a:solidFill>
+              </a14:hiddenFill>
+            </a:ext>
+            <a:ext uri="{91240B29-F687-4F45-9708-019B960494DF}">
+              <a14:hiddenLine xmlns:a14="http://schemas.microsoft.com/office/drawing/2010/main" w="9525">
+                <a:solidFill>
+                  <a:schemeClr val="tx1"/>
+                </a:solidFill>
+                <a:miter lim="800000"/>
+                <a:headEnd/>
+                <a:tailEnd/>
+              </a14:hiddenLine>
+            </a:ext>
+          </a:extLst>
+        </p:spPr>
+      </p:pic>
     </p:spTree>
+    <p:extLst>
+      <p:ext uri="{BB962C8B-B14F-4D97-AF65-F5344CB8AC3E}">
+        <p14:creationId xmlns:p14="http://schemas.microsoft.com/office/powerpoint/2010/main" val="3982539623"/>
+      </p:ext>
+    </p:extLst>
   </p:cSld>
   <p:clrMapOvr>
     <a:masterClrMapping/>
   </p:clrMapOvr>
-  <p:timing>
-    <p:tnLst>
-      <p:par>
-        <p:cTn id="1" dur="indefinite" restart="never" nodeType="tmRoot"/>
-      </p:par>
-    </p:tnLst>
-  </p:timing>
+</p:sld>
+</file>
+
+<file path=ppt/slides/slide8.xml><?xml version="1.0" encoding="utf-8"?>
+<p:sld xmlns:a="http://schemas.openxmlformats.org/drawingml/2006/main" xmlns:r="http://schemas.openxmlformats.org/officeDocument/2006/relationships" xmlns:p="http://schemas.openxmlformats.org/presentationml/2006/main">
+  <p:cSld>
+    <p:spTree>
+      <p:nvGrpSpPr>
+        <p:cNvPr id="1" name=""/>
+        <p:cNvGrpSpPr/>
+        <p:nvPr/>
+      </p:nvGrpSpPr>
+      <p:grpSpPr>
+        <a:xfrm>
+          <a:off x="0" y="0"/>
+          <a:ext cx="0" cy="0"/>
+          <a:chOff x="0" y="0"/>
+          <a:chExt cx="0" cy="0"/>
+        </a:xfrm>
+      </p:grpSpPr>
+      <p:sp>
+        <p:nvSpPr>
+          <p:cNvPr id="2" name="Slide Number Placeholder 1"/>
+          <p:cNvSpPr>
+            <a:spLocks noGrp="1"/>
+          </p:cNvSpPr>
+          <p:nvPr>
+            <p:ph type="sldNum" sz="quarter" idx="12"/>
+          </p:nvPr>
+        </p:nvSpPr>
+        <p:spPr/>
+        <p:txBody>
+          <a:bodyPr/>
+          <a:lstStyle/>
+          <a:p>
+            <a:fld id="{525A3C56-E491-49B2-93F3-63532DF516BC}" type="slidenum">
+              <a:rPr lang="en-US" smtClean="0"/>
+              <a:pPr/>
+              <a:t>8</a:t>
+            </a:fld>
+            <a:endParaRPr lang="en-US" dirty="0"/>
+          </a:p>
+        </p:txBody>
+      </p:sp>
+      <p:sp>
+        <p:nvSpPr>
+          <p:cNvPr id="3" name="Title 2"/>
+          <p:cNvSpPr>
+            <a:spLocks noGrp="1"/>
+          </p:cNvSpPr>
+          <p:nvPr>
+            <p:ph type="title"/>
+          </p:nvPr>
+        </p:nvSpPr>
+        <p:spPr/>
+        <p:txBody>
+          <a:bodyPr/>
+          <a:lstStyle/>
+          <a:p>
+            <a:r>
+              <a:rPr lang="en-US" dirty="0" smtClean="0"/>
+              <a:t>Home Page Continued</a:t>
+            </a:r>
+            <a:endParaRPr lang="en-US" dirty="0"/>
+          </a:p>
+        </p:txBody>
+      </p:sp>
+      <p:sp>
+        <p:nvSpPr>
+          <p:cNvPr id="4" name="Content Placeholder 3"/>
+          <p:cNvSpPr>
+            <a:spLocks noGrp="1"/>
+          </p:cNvSpPr>
+          <p:nvPr>
+            <p:ph sz="quarter" idx="17"/>
+          </p:nvPr>
+        </p:nvSpPr>
+        <p:spPr/>
+        <p:txBody>
+          <a:bodyPr/>
+          <a:lstStyle/>
+          <a:p>
+            <a:endParaRPr lang="en-US"/>
+          </a:p>
+        </p:txBody>
+      </p:sp>
+      <p:sp>
+        <p:nvSpPr>
+          <p:cNvPr id="5" name="Content Placeholder 4"/>
+          <p:cNvSpPr>
+            <a:spLocks noGrp="1"/>
+          </p:cNvSpPr>
+          <p:nvPr>
+            <p:ph sz="quarter" idx="23"/>
+          </p:nvPr>
+        </p:nvSpPr>
+        <p:spPr/>
+        <p:txBody>
+          <a:bodyPr/>
+          <a:lstStyle/>
+          <a:p>
+            <a:endParaRPr lang="en-US"/>
+          </a:p>
+        </p:txBody>
+      </p:sp>
+      <p:pic>
+        <p:nvPicPr>
+          <p:cNvPr id="4098" name="Picture 2"/>
+          <p:cNvPicPr>
+            <a:picLocks noChangeAspect="1" noChangeArrowheads="1"/>
+          </p:cNvPicPr>
+          <p:nvPr/>
+        </p:nvPicPr>
+        <p:blipFill>
+          <a:blip r:embed="rId2">
+            <a:extLst>
+              <a:ext uri="{28A0092B-C50C-407E-A947-70E740481C1C}">
+                <a14:useLocalDpi xmlns:a14="http://schemas.microsoft.com/office/drawing/2010/main" val="0"/>
+              </a:ext>
+            </a:extLst>
+          </a:blip>
+          <a:srcRect/>
+          <a:stretch>
+            <a:fillRect/>
+          </a:stretch>
+        </p:blipFill>
+        <p:spPr bwMode="auto">
+          <a:xfrm>
+            <a:off x="487110" y="869676"/>
+            <a:ext cx="7068723" cy="5899232"/>
+          </a:xfrm>
+          <a:prstGeom prst="rect">
+            <a:avLst/>
+          </a:prstGeom>
+          <a:noFill/>
+          <a:ln>
+            <a:noFill/>
+          </a:ln>
+          <a:extLst>
+            <a:ext uri="{909E8E84-426E-40DD-AFC4-6F175D3DCCD1}">
+              <a14:hiddenFill xmlns:a14="http://schemas.microsoft.com/office/drawing/2010/main">
+                <a:solidFill>
+                  <a:schemeClr val="accent1"/>
+                </a:solidFill>
+              </a14:hiddenFill>
+            </a:ext>
+            <a:ext uri="{91240B29-F687-4F45-9708-019B960494DF}">
+              <a14:hiddenLine xmlns:a14="http://schemas.microsoft.com/office/drawing/2010/main" w="9525">
+                <a:solidFill>
+                  <a:schemeClr val="tx1"/>
+                </a:solidFill>
+                <a:miter lim="800000"/>
+                <a:headEnd/>
+                <a:tailEnd/>
+              </a14:hiddenLine>
+            </a:ext>
+          </a:extLst>
+        </p:spPr>
+      </p:pic>
+      <p:pic>
+        <p:nvPicPr>
+          <p:cNvPr id="7" name="Picture 2"/>
+          <p:cNvPicPr>
+            <a:picLocks noChangeAspect="1" noChangeArrowheads="1"/>
+          </p:cNvPicPr>
+          <p:nvPr/>
+        </p:nvPicPr>
+        <p:blipFill>
+          <a:blip r:embed="rId3" cstate="print">
+            <a:extLst>
+              <a:ext uri="{28A0092B-C50C-407E-A947-70E740481C1C}">
+                <a14:useLocalDpi xmlns:a14="http://schemas.microsoft.com/office/drawing/2010/main" val="0"/>
+              </a:ext>
+            </a:extLst>
+          </a:blip>
+          <a:srcRect/>
+          <a:stretch>
+            <a:fillRect/>
+          </a:stretch>
+        </p:blipFill>
+        <p:spPr bwMode="auto">
+          <a:xfrm>
+            <a:off x="4469450" y="322669"/>
+            <a:ext cx="559927" cy="476492"/>
+          </a:xfrm>
+          <a:prstGeom prst="rect">
+            <a:avLst/>
+          </a:prstGeom>
+          <a:noFill/>
+          <a:ln>
+            <a:noFill/>
+          </a:ln>
+          <a:extLst>
+            <a:ext uri="{909E8E84-426E-40DD-AFC4-6F175D3DCCD1}">
+              <a14:hiddenFill xmlns:a14="http://schemas.microsoft.com/office/drawing/2010/main">
+                <a:solidFill>
+                  <a:schemeClr val="accent1"/>
+                </a:solidFill>
+              </a14:hiddenFill>
+            </a:ext>
+            <a:ext uri="{91240B29-F687-4F45-9708-019B960494DF}">
+              <a14:hiddenLine xmlns:a14="http://schemas.microsoft.com/office/drawing/2010/main" w="9525">
+                <a:solidFill>
+                  <a:schemeClr val="tx1"/>
+                </a:solidFill>
+                <a:miter lim="800000"/>
+                <a:headEnd/>
+                <a:tailEnd/>
+              </a14:hiddenLine>
+            </a:ext>
+          </a:extLst>
+        </p:spPr>
+      </p:pic>
+    </p:spTree>
+    <p:extLst>
+      <p:ext uri="{BB962C8B-B14F-4D97-AF65-F5344CB8AC3E}">
+        <p14:creationId xmlns:p14="http://schemas.microsoft.com/office/powerpoint/2010/main" val="405539131"/>
+      </p:ext>
+    </p:extLst>
+  </p:cSld>
+  <p:clrMapOvr>
+    <a:masterClrMapping/>
+  </p:clrMapOvr>
+</p:sld>
+</file>
+
+<file path=ppt/slides/slide9.xml><?xml version="1.0" encoding="utf-8"?>
+<p:sld xmlns:a="http://schemas.openxmlformats.org/drawingml/2006/main" xmlns:r="http://schemas.openxmlformats.org/officeDocument/2006/relationships" xmlns:p="http://schemas.openxmlformats.org/presentationml/2006/main">
+  <p:cSld>
+    <p:spTree>
+      <p:nvGrpSpPr>
+        <p:cNvPr id="1" name=""/>
+        <p:cNvGrpSpPr/>
+        <p:nvPr/>
+      </p:nvGrpSpPr>
+      <p:grpSpPr>
+        <a:xfrm>
+          <a:off x="0" y="0"/>
+          <a:ext cx="0" cy="0"/>
+          <a:chOff x="0" y="0"/>
+          <a:chExt cx="0" cy="0"/>
+        </a:xfrm>
+      </p:grpSpPr>
+      <p:sp>
+        <p:nvSpPr>
+          <p:cNvPr id="2" name="Slide Number Placeholder 1"/>
+          <p:cNvSpPr>
+            <a:spLocks noGrp="1"/>
+          </p:cNvSpPr>
+          <p:nvPr>
+            <p:ph type="sldNum" sz="quarter" idx="12"/>
+          </p:nvPr>
+        </p:nvSpPr>
+        <p:spPr/>
+        <p:txBody>
+          <a:bodyPr/>
+          <a:lstStyle/>
+          <a:p>
+            <a:fld id="{525A3C56-E491-49B2-93F3-63532DF516BC}" type="slidenum">
+              <a:rPr lang="en-US" smtClean="0"/>
+              <a:pPr/>
+              <a:t>9</a:t>
+            </a:fld>
+            <a:endParaRPr lang="en-US" dirty="0"/>
+          </a:p>
+        </p:txBody>
+      </p:sp>
+      <p:sp>
+        <p:nvSpPr>
+          <p:cNvPr id="3" name="Title 2"/>
+          <p:cNvSpPr>
+            <a:spLocks noGrp="1"/>
+          </p:cNvSpPr>
+          <p:nvPr>
+            <p:ph type="title"/>
+          </p:nvPr>
+        </p:nvSpPr>
+        <p:spPr/>
+        <p:txBody>
+          <a:bodyPr/>
+          <a:lstStyle/>
+          <a:p>
+            <a:r>
+              <a:rPr lang="en-US" dirty="0" smtClean="0"/>
+              <a:t>Search Menu</a:t>
+            </a:r>
+            <a:endParaRPr lang="en-US" dirty="0"/>
+          </a:p>
+        </p:txBody>
+      </p:sp>
+      <p:sp>
+        <p:nvSpPr>
+          <p:cNvPr id="4" name="Content Placeholder 3"/>
+          <p:cNvSpPr>
+            <a:spLocks noGrp="1"/>
+          </p:cNvSpPr>
+          <p:nvPr>
+            <p:ph sz="quarter" idx="17"/>
+          </p:nvPr>
+        </p:nvSpPr>
+        <p:spPr/>
+        <p:txBody>
+          <a:bodyPr/>
+          <a:lstStyle/>
+          <a:p>
+            <a:endParaRPr lang="en-US"/>
+          </a:p>
+        </p:txBody>
+      </p:sp>
+      <p:sp>
+        <p:nvSpPr>
+          <p:cNvPr id="5" name="Content Placeholder 4"/>
+          <p:cNvSpPr>
+            <a:spLocks noGrp="1"/>
+          </p:cNvSpPr>
+          <p:nvPr>
+            <p:ph sz="quarter" idx="23"/>
+          </p:nvPr>
+        </p:nvSpPr>
+        <p:spPr/>
+        <p:txBody>
+          <a:bodyPr/>
+          <a:lstStyle/>
+          <a:p>
+            <a:endParaRPr lang="en-US"/>
+          </a:p>
+        </p:txBody>
+      </p:sp>
+      <p:pic>
+        <p:nvPicPr>
+          <p:cNvPr id="5122" name="Picture 2"/>
+          <p:cNvPicPr>
+            <a:picLocks noChangeAspect="1" noChangeArrowheads="1"/>
+          </p:cNvPicPr>
+          <p:nvPr/>
+        </p:nvPicPr>
+        <p:blipFill>
+          <a:blip r:embed="rId2">
+            <a:extLst>
+              <a:ext uri="{28A0092B-C50C-407E-A947-70E740481C1C}">
+                <a14:useLocalDpi xmlns:a14="http://schemas.microsoft.com/office/drawing/2010/main" val="0"/>
+              </a:ext>
+            </a:extLst>
+          </a:blip>
+          <a:srcRect/>
+          <a:stretch>
+            <a:fillRect/>
+          </a:stretch>
+        </p:blipFill>
+        <p:spPr bwMode="auto">
+          <a:xfrm>
+            <a:off x="416226" y="1140329"/>
+            <a:ext cx="7367999" cy="5717671"/>
+          </a:xfrm>
+          <a:prstGeom prst="rect">
+            <a:avLst/>
+          </a:prstGeom>
+          <a:noFill/>
+          <a:ln>
+            <a:noFill/>
+          </a:ln>
+          <a:extLst>
+            <a:ext uri="{909E8E84-426E-40DD-AFC4-6F175D3DCCD1}">
+              <a14:hiddenFill xmlns:a14="http://schemas.microsoft.com/office/drawing/2010/main">
+                <a:solidFill>
+                  <a:schemeClr val="accent1"/>
+                </a:solidFill>
+              </a14:hiddenFill>
+            </a:ext>
+            <a:ext uri="{91240B29-F687-4F45-9708-019B960494DF}">
+              <a14:hiddenLine xmlns:a14="http://schemas.microsoft.com/office/drawing/2010/main" w="9525">
+                <a:solidFill>
+                  <a:schemeClr val="tx1"/>
+                </a:solidFill>
+                <a:miter lim="800000"/>
+                <a:headEnd/>
+                <a:tailEnd/>
+              </a14:hiddenLine>
+            </a:ext>
+          </a:extLst>
+        </p:spPr>
+      </p:pic>
+      <p:pic>
+        <p:nvPicPr>
+          <p:cNvPr id="5123" name="Picture 3"/>
+          <p:cNvPicPr>
+            <a:picLocks noChangeAspect="1" noChangeArrowheads="1"/>
+          </p:cNvPicPr>
+          <p:nvPr/>
+        </p:nvPicPr>
+        <p:blipFill>
+          <a:blip r:embed="rId3" cstate="print">
+            <a:extLst>
+              <a:ext uri="{28A0092B-C50C-407E-A947-70E740481C1C}">
+                <a14:useLocalDpi xmlns:a14="http://schemas.microsoft.com/office/drawing/2010/main" val="0"/>
+              </a:ext>
+            </a:extLst>
+          </a:blip>
+          <a:srcRect/>
+          <a:stretch>
+            <a:fillRect/>
+          </a:stretch>
+        </p:blipFill>
+        <p:spPr bwMode="auto">
+          <a:xfrm>
+            <a:off x="2803020" y="264920"/>
+            <a:ext cx="947590" cy="643233"/>
+          </a:xfrm>
+          <a:prstGeom prst="rect">
+            <a:avLst/>
+          </a:prstGeom>
+          <a:noFill/>
+          <a:ln>
+            <a:noFill/>
+          </a:ln>
+          <a:extLst>
+            <a:ext uri="{909E8E84-426E-40DD-AFC4-6F175D3DCCD1}">
+              <a14:hiddenFill xmlns:a14="http://schemas.microsoft.com/office/drawing/2010/main">
+                <a:solidFill>
+                  <a:schemeClr val="accent1"/>
+                </a:solidFill>
+              </a14:hiddenFill>
+            </a:ext>
+            <a:ext uri="{91240B29-F687-4F45-9708-019B960494DF}">
+              <a14:hiddenLine xmlns:a14="http://schemas.microsoft.com/office/drawing/2010/main" w="9525">
+                <a:solidFill>
+                  <a:schemeClr val="tx1"/>
+                </a:solidFill>
+                <a:miter lim="800000"/>
+                <a:headEnd/>
+                <a:tailEnd/>
+              </a14:hiddenLine>
+            </a:ext>
+          </a:extLst>
+        </p:spPr>
+      </p:pic>
+    </p:spTree>
+    <p:extLst>
+      <p:ext uri="{BB962C8B-B14F-4D97-AF65-F5344CB8AC3E}">
+        <p14:creationId xmlns:p14="http://schemas.microsoft.com/office/powerpoint/2010/main" val="3281891727"/>
+      </p:ext>
+    </p:extLst>
+  </p:cSld>
+  <p:clrMapOvr>
+    <a:masterClrMapping/>
+  </p:clrMapOvr>
 </p:sld>
 </file>
 

--- a/Going Green Presentation.pptx
+++ b/Going Green Presentation.pptx
@@ -5,29 +5,27 @@
     <p:sldMasterId id="2147483648" r:id="rId5"/>
   </p:sldMasterIdLst>
   <p:notesMasterIdLst>
-    <p:notesMasterId r:id="rId23"/>
+    <p:notesMasterId r:id="rId21"/>
   </p:notesMasterIdLst>
   <p:handoutMasterIdLst>
-    <p:handoutMasterId r:id="rId24"/>
+    <p:handoutMasterId r:id="rId22"/>
   </p:handoutMasterIdLst>
   <p:sldIdLst>
     <p:sldId id="315" r:id="rId6"/>
     <p:sldId id="282" r:id="rId7"/>
-    <p:sldId id="354" r:id="rId8"/>
-    <p:sldId id="365" r:id="rId9"/>
-    <p:sldId id="366" r:id="rId10"/>
-    <p:sldId id="367" r:id="rId11"/>
-    <p:sldId id="368" r:id="rId12"/>
-    <p:sldId id="369" r:id="rId13"/>
-    <p:sldId id="370" r:id="rId14"/>
-    <p:sldId id="371" r:id="rId15"/>
-    <p:sldId id="372" r:id="rId16"/>
-    <p:sldId id="373" r:id="rId17"/>
-    <p:sldId id="374" r:id="rId18"/>
-    <p:sldId id="375" r:id="rId19"/>
-    <p:sldId id="376" r:id="rId20"/>
-    <p:sldId id="377" r:id="rId21"/>
-    <p:sldId id="364" r:id="rId22"/>
+    <p:sldId id="365" r:id="rId8"/>
+    <p:sldId id="354" r:id="rId9"/>
+    <p:sldId id="378" r:id="rId10"/>
+    <p:sldId id="379" r:id="rId11"/>
+    <p:sldId id="380" r:id="rId12"/>
+    <p:sldId id="381" r:id="rId13"/>
+    <p:sldId id="366" r:id="rId14"/>
+    <p:sldId id="374" r:id="rId15"/>
+    <p:sldId id="375" r:id="rId16"/>
+    <p:sldId id="376" r:id="rId17"/>
+    <p:sldId id="382" r:id="rId18"/>
+    <p:sldId id="377" r:id="rId19"/>
+    <p:sldId id="364" r:id="rId20"/>
   </p:sldIdLst>
   <p:sldSz cx="9144000" cy="6858000" type="screen4x3"/>
   <p:notesSz cx="6858000" cy="9144000"/>
@@ -216,7 +214,7 @@
                 <a:latin typeface="Arial" pitchFamily="34" charset="0"/>
               </a:rPr>
               <a:pPr/>
-              <a:t>6/20/2014</a:t>
+              <a:t>6/25/2014</a:t>
             </a:fld>
             <a:endParaRPr lang="en-US" dirty="0">
               <a:latin typeface="Arial" pitchFamily="34" charset="0"/>
@@ -395,7 +393,7 @@
             <a:fld id="{B5D7A87D-1CDA-443F-BAE3-82C9C05446C3}" type="datetimeFigureOut">
               <a:rPr lang="en-US" smtClean="0"/>
               <a:pPr/>
-              <a:t>6/20/2014</a:t>
+              <a:t>6/25/2014</a:t>
             </a:fld>
             <a:endParaRPr lang="en-US" dirty="0"/>
           </a:p>
@@ -902,7 +900,7 @@
             <a:fld id="{20B9C825-F38E-45BB-92C1-043DE61C9183}" type="slidenum">
               <a:rPr lang="en-US" smtClean="0"/>
               <a:pPr/>
-              <a:t>3</a:t>
+              <a:t>4</a:t>
             </a:fld>
             <a:endParaRPr lang="en-US"/>
           </a:p>
@@ -984,7 +982,89 @@
             <a:fld id="{20B9C825-F38E-45BB-92C1-043DE61C9183}" type="slidenum">
               <a:rPr lang="en-US" smtClean="0"/>
               <a:pPr/>
-              <a:t>17</a:t>
+              <a:t>8</a:t>
+            </a:fld>
+            <a:endParaRPr lang="en-US"/>
+          </a:p>
+        </p:txBody>
+      </p:sp>
+    </p:spTree>
+  </p:cSld>
+  <p:clrMapOvr>
+    <a:masterClrMapping/>
+  </p:clrMapOvr>
+</p:notes>
+</file>
+
+<file path=ppt/notesSlides/notesSlide5.xml><?xml version="1.0" encoding="utf-8"?>
+<p:notes xmlns:a="http://schemas.openxmlformats.org/drawingml/2006/main" xmlns:r="http://schemas.openxmlformats.org/officeDocument/2006/relationships" xmlns:p="http://schemas.openxmlformats.org/presentationml/2006/main">
+  <p:cSld>
+    <p:spTree>
+      <p:nvGrpSpPr>
+        <p:cNvPr id="1" name=""/>
+        <p:cNvGrpSpPr/>
+        <p:nvPr/>
+      </p:nvGrpSpPr>
+      <p:grpSpPr>
+        <a:xfrm>
+          <a:off x="0" y="0"/>
+          <a:ext cx="0" cy="0"/>
+          <a:chOff x="0" y="0"/>
+          <a:chExt cx="0" cy="0"/>
+        </a:xfrm>
+      </p:grpSpPr>
+      <p:sp>
+        <p:nvSpPr>
+          <p:cNvPr id="2" name="Slide Image Placeholder 1"/>
+          <p:cNvSpPr>
+            <a:spLocks noGrp="1" noRot="1" noChangeAspect="1"/>
+          </p:cNvSpPr>
+          <p:nvPr>
+            <p:ph type="sldImg"/>
+          </p:nvPr>
+        </p:nvSpPr>
+        <p:spPr/>
+      </p:sp>
+      <p:sp>
+        <p:nvSpPr>
+          <p:cNvPr id="3" name="Notes Placeholder 2"/>
+          <p:cNvSpPr>
+            <a:spLocks noGrp="1"/>
+          </p:cNvSpPr>
+          <p:nvPr>
+            <p:ph type="body" idx="1"/>
+          </p:nvPr>
+        </p:nvSpPr>
+        <p:spPr/>
+        <p:txBody>
+          <a:bodyPr>
+            <a:normAutofit/>
+          </a:bodyPr>
+          <a:lstStyle/>
+          <a:p>
+            <a:endParaRPr lang="en-US"/>
+          </a:p>
+        </p:txBody>
+      </p:sp>
+      <p:sp>
+        <p:nvSpPr>
+          <p:cNvPr id="4" name="Slide Number Placeholder 3"/>
+          <p:cNvSpPr>
+            <a:spLocks noGrp="1"/>
+          </p:cNvSpPr>
+          <p:nvPr>
+            <p:ph type="sldNum" sz="quarter" idx="10"/>
+          </p:nvPr>
+        </p:nvSpPr>
+        <p:spPr/>
+        <p:txBody>
+          <a:bodyPr/>
+          <a:lstStyle/>
+          <a:p>
+            <a:fld id="{20B9C825-F38E-45BB-92C1-043DE61C9183}" type="slidenum">
+              <a:rPr lang="en-US" smtClean="0"/>
+              <a:pPr/>
+              <a:t>15</a:t>
             </a:fld>
             <a:endParaRPr lang="en-US" dirty="0"/>
           </a:p>
@@ -45614,24 +45694,14 @@
           <a:p>
             <a:r>
               <a:rPr lang="en-GB" dirty="0" smtClean="0"/>
-              <a:t>Chase Cupp, Chris Hewitt, </a:t>
+              <a:t>Chase Cupp, Chris Hewitt, Doug Murphy, Emanuel Smith</a:t>
             </a:r>
-            <a:r>
-              <a:rPr lang="en-GB" dirty="0" smtClean="0"/>
-              <a:t>Doug Murphy, </a:t>
-            </a:r>
-            <a:r>
-              <a:rPr lang="en-GB" dirty="0" smtClean="0"/>
-              <a:t>Emanuel Smith</a:t>
-            </a:r>
-            <a:endParaRPr lang="en-GB" dirty="0" smtClean="0"/>
           </a:p>
           <a:p>
             <a:r>
               <a:rPr lang="en-GB" dirty="0" smtClean="0"/>
               <a:t>6/26/14</a:t>
             </a:r>
-            <a:endParaRPr lang="en-GB" dirty="0" smtClean="0"/>
           </a:p>
           <a:p>
             <a:endParaRPr lang="en-US" dirty="0" smtClean="0"/>
@@ -45655,678 +45725,6 @@
 </file>
 
 <file path=ppt/slides/slide10.xml><?xml version="1.0" encoding="utf-8"?>
-<p:sld xmlns:a="http://schemas.openxmlformats.org/drawingml/2006/main" xmlns:r="http://schemas.openxmlformats.org/officeDocument/2006/relationships" xmlns:p="http://schemas.openxmlformats.org/presentationml/2006/main">
-  <p:cSld>
-    <p:spTree>
-      <p:nvGrpSpPr>
-        <p:cNvPr id="1" name=""/>
-        <p:cNvGrpSpPr/>
-        <p:nvPr/>
-      </p:nvGrpSpPr>
-      <p:grpSpPr>
-        <a:xfrm>
-          <a:off x="0" y="0"/>
-          <a:ext cx="0" cy="0"/>
-          <a:chOff x="0" y="0"/>
-          <a:chExt cx="0" cy="0"/>
-        </a:xfrm>
-      </p:grpSpPr>
-      <p:sp>
-        <p:nvSpPr>
-          <p:cNvPr id="2" name="Slide Number Placeholder 1"/>
-          <p:cNvSpPr>
-            <a:spLocks noGrp="1"/>
-          </p:cNvSpPr>
-          <p:nvPr>
-            <p:ph type="sldNum" sz="quarter" idx="12"/>
-          </p:nvPr>
-        </p:nvSpPr>
-        <p:spPr/>
-        <p:txBody>
-          <a:bodyPr/>
-          <a:lstStyle/>
-          <a:p>
-            <a:fld id="{525A3C56-E491-49B2-93F3-63532DF516BC}" type="slidenum">
-              <a:rPr lang="en-US" smtClean="0"/>
-              <a:pPr/>
-              <a:t>10</a:t>
-            </a:fld>
-            <a:endParaRPr lang="en-US" dirty="0"/>
-          </a:p>
-        </p:txBody>
-      </p:sp>
-      <p:sp>
-        <p:nvSpPr>
-          <p:cNvPr id="3" name="Title 2"/>
-          <p:cNvSpPr>
-            <a:spLocks noGrp="1"/>
-          </p:cNvSpPr>
-          <p:nvPr>
-            <p:ph type="title"/>
-          </p:nvPr>
-        </p:nvSpPr>
-        <p:spPr/>
-        <p:txBody>
-          <a:bodyPr/>
-          <a:lstStyle/>
-          <a:p>
-            <a:r>
-              <a:rPr lang="en-US" dirty="0" smtClean="0"/>
-              <a:t>Search Menu Continued</a:t>
-            </a:r>
-            <a:endParaRPr lang="en-US" dirty="0"/>
-          </a:p>
-        </p:txBody>
-      </p:sp>
-      <p:sp>
-        <p:nvSpPr>
-          <p:cNvPr id="4" name="Content Placeholder 3"/>
-          <p:cNvSpPr>
-            <a:spLocks noGrp="1"/>
-          </p:cNvSpPr>
-          <p:nvPr>
-            <p:ph sz="quarter" idx="17"/>
-          </p:nvPr>
-        </p:nvSpPr>
-        <p:spPr/>
-        <p:txBody>
-          <a:bodyPr/>
-          <a:lstStyle/>
-          <a:p>
-            <a:endParaRPr lang="en-US" dirty="0"/>
-          </a:p>
-        </p:txBody>
-      </p:sp>
-      <p:sp>
-        <p:nvSpPr>
-          <p:cNvPr id="5" name="Content Placeholder 4"/>
-          <p:cNvSpPr>
-            <a:spLocks noGrp="1"/>
-          </p:cNvSpPr>
-          <p:nvPr>
-            <p:ph sz="quarter" idx="23"/>
-          </p:nvPr>
-        </p:nvSpPr>
-        <p:spPr/>
-        <p:txBody>
-          <a:bodyPr/>
-          <a:lstStyle/>
-          <a:p>
-            <a:endParaRPr lang="en-US"/>
-          </a:p>
-        </p:txBody>
-      </p:sp>
-      <p:pic>
-        <p:nvPicPr>
-          <p:cNvPr id="6146" name="Picture 2"/>
-          <p:cNvPicPr>
-            <a:picLocks noChangeAspect="1" noChangeArrowheads="1"/>
-          </p:cNvPicPr>
-          <p:nvPr/>
-        </p:nvPicPr>
-        <p:blipFill>
-          <a:blip r:embed="rId2">
-            <a:extLst>
-              <a:ext uri="{28A0092B-C50C-407E-A947-70E740481C1C}">
-                <a14:useLocalDpi xmlns:a14="http://schemas.microsoft.com/office/drawing/2010/main" val="0"/>
-              </a:ext>
-            </a:extLst>
-          </a:blip>
-          <a:srcRect/>
-          <a:stretch>
-            <a:fillRect/>
-          </a:stretch>
-        </p:blipFill>
-        <p:spPr bwMode="auto">
-          <a:xfrm>
-            <a:off x="428206" y="1016948"/>
-            <a:ext cx="7480185" cy="5721083"/>
-          </a:xfrm>
-          <a:prstGeom prst="rect">
-            <a:avLst/>
-          </a:prstGeom>
-          <a:noFill/>
-          <a:ln>
-            <a:noFill/>
-          </a:ln>
-          <a:extLst>
-            <a:ext uri="{909E8E84-426E-40DD-AFC4-6F175D3DCCD1}">
-              <a14:hiddenFill xmlns:a14="http://schemas.microsoft.com/office/drawing/2010/main">
-                <a:solidFill>
-                  <a:schemeClr val="accent1"/>
-                </a:solidFill>
-              </a14:hiddenFill>
-            </a:ext>
-            <a:ext uri="{91240B29-F687-4F45-9708-019B960494DF}">
-              <a14:hiddenLine xmlns:a14="http://schemas.microsoft.com/office/drawing/2010/main" w="9525">
-                <a:solidFill>
-                  <a:schemeClr val="tx1"/>
-                </a:solidFill>
-                <a:miter lim="800000"/>
-                <a:headEnd/>
-                <a:tailEnd/>
-              </a14:hiddenLine>
-            </a:ext>
-          </a:extLst>
-        </p:spPr>
-      </p:pic>
-      <p:pic>
-        <p:nvPicPr>
-          <p:cNvPr id="6147" name="Picture 3"/>
-          <p:cNvPicPr>
-            <a:picLocks noChangeAspect="1" noChangeArrowheads="1"/>
-          </p:cNvPicPr>
-          <p:nvPr/>
-        </p:nvPicPr>
-        <p:blipFill>
-          <a:blip r:embed="rId3" cstate="print">
-            <a:extLst>
-              <a:ext uri="{28A0092B-C50C-407E-A947-70E740481C1C}">
-                <a14:useLocalDpi xmlns:a14="http://schemas.microsoft.com/office/drawing/2010/main" val="0"/>
-              </a:ext>
-            </a:extLst>
-          </a:blip>
-          <a:srcRect/>
-          <a:stretch>
-            <a:fillRect/>
-          </a:stretch>
-        </p:blipFill>
-        <p:spPr bwMode="auto">
-          <a:xfrm>
-            <a:off x="4631821" y="302589"/>
-            <a:ext cx="913406" cy="620029"/>
-          </a:xfrm>
-          <a:prstGeom prst="rect">
-            <a:avLst/>
-          </a:prstGeom>
-          <a:noFill/>
-          <a:ln>
-            <a:noFill/>
-          </a:ln>
-          <a:extLst>
-            <a:ext uri="{909E8E84-426E-40DD-AFC4-6F175D3DCCD1}">
-              <a14:hiddenFill xmlns:a14="http://schemas.microsoft.com/office/drawing/2010/main">
-                <a:solidFill>
-                  <a:schemeClr val="accent1"/>
-                </a:solidFill>
-              </a14:hiddenFill>
-            </a:ext>
-            <a:ext uri="{91240B29-F687-4F45-9708-019B960494DF}">
-              <a14:hiddenLine xmlns:a14="http://schemas.microsoft.com/office/drawing/2010/main" w="9525">
-                <a:solidFill>
-                  <a:schemeClr val="tx1"/>
-                </a:solidFill>
-                <a:miter lim="800000"/>
-                <a:headEnd/>
-                <a:tailEnd/>
-              </a14:hiddenLine>
-            </a:ext>
-          </a:extLst>
-        </p:spPr>
-      </p:pic>
-    </p:spTree>
-    <p:extLst>
-      <p:ext uri="{BB962C8B-B14F-4D97-AF65-F5344CB8AC3E}">
-        <p14:creationId xmlns:p14="http://schemas.microsoft.com/office/powerpoint/2010/main" val="3001074435"/>
-      </p:ext>
-    </p:extLst>
-  </p:cSld>
-  <p:clrMapOvr>
-    <a:masterClrMapping/>
-  </p:clrMapOvr>
-</p:sld>
-</file>
-
-<file path=ppt/slides/slide11.xml><?xml version="1.0" encoding="utf-8"?>
-<p:sld xmlns:a="http://schemas.openxmlformats.org/drawingml/2006/main" xmlns:r="http://schemas.openxmlformats.org/officeDocument/2006/relationships" xmlns:p="http://schemas.openxmlformats.org/presentationml/2006/main">
-  <p:cSld>
-    <p:spTree>
-      <p:nvGrpSpPr>
-        <p:cNvPr id="1" name=""/>
-        <p:cNvGrpSpPr/>
-        <p:nvPr/>
-      </p:nvGrpSpPr>
-      <p:grpSpPr>
-        <a:xfrm>
-          <a:off x="0" y="0"/>
-          <a:ext cx="0" cy="0"/>
-          <a:chOff x="0" y="0"/>
-          <a:chExt cx="0" cy="0"/>
-        </a:xfrm>
-      </p:grpSpPr>
-      <p:sp>
-        <p:nvSpPr>
-          <p:cNvPr id="2" name="Slide Number Placeholder 1"/>
-          <p:cNvSpPr>
-            <a:spLocks noGrp="1"/>
-          </p:cNvSpPr>
-          <p:nvPr>
-            <p:ph type="sldNum" sz="quarter" idx="12"/>
-          </p:nvPr>
-        </p:nvSpPr>
-        <p:spPr/>
-        <p:txBody>
-          <a:bodyPr/>
-          <a:lstStyle/>
-          <a:p>
-            <a:fld id="{525A3C56-E491-49B2-93F3-63532DF516BC}" type="slidenum">
-              <a:rPr lang="en-US" smtClean="0"/>
-              <a:pPr/>
-              <a:t>11</a:t>
-            </a:fld>
-            <a:endParaRPr lang="en-US" dirty="0"/>
-          </a:p>
-        </p:txBody>
-      </p:sp>
-      <p:sp>
-        <p:nvSpPr>
-          <p:cNvPr id="3" name="Title 2"/>
-          <p:cNvSpPr>
-            <a:spLocks noGrp="1"/>
-          </p:cNvSpPr>
-          <p:nvPr>
-            <p:ph type="title"/>
-          </p:nvPr>
-        </p:nvSpPr>
-        <p:spPr/>
-        <p:txBody>
-          <a:bodyPr/>
-          <a:lstStyle/>
-          <a:p>
-            <a:r>
-              <a:rPr lang="en-US" dirty="0" smtClean="0"/>
-              <a:t>Create Pickup Grou</a:t>
-            </a:r>
-            <a:r>
-              <a:rPr lang="en-US" dirty="0"/>
-              <a:t>p</a:t>
-            </a:r>
-          </a:p>
-        </p:txBody>
-      </p:sp>
-      <p:sp>
-        <p:nvSpPr>
-          <p:cNvPr id="4" name="Content Placeholder 3"/>
-          <p:cNvSpPr>
-            <a:spLocks noGrp="1"/>
-          </p:cNvSpPr>
-          <p:nvPr>
-            <p:ph sz="quarter" idx="17"/>
-          </p:nvPr>
-        </p:nvSpPr>
-        <p:spPr/>
-        <p:txBody>
-          <a:bodyPr/>
-          <a:lstStyle/>
-          <a:p>
-            <a:endParaRPr lang="en-US"/>
-          </a:p>
-        </p:txBody>
-      </p:sp>
-      <p:sp>
-        <p:nvSpPr>
-          <p:cNvPr id="5" name="Content Placeholder 4"/>
-          <p:cNvSpPr>
-            <a:spLocks noGrp="1"/>
-          </p:cNvSpPr>
-          <p:nvPr>
-            <p:ph sz="quarter" idx="23"/>
-          </p:nvPr>
-        </p:nvSpPr>
-        <p:spPr/>
-        <p:txBody>
-          <a:bodyPr/>
-          <a:lstStyle/>
-          <a:p>
-            <a:endParaRPr lang="en-US"/>
-          </a:p>
-        </p:txBody>
-      </p:sp>
-      <p:pic>
-        <p:nvPicPr>
-          <p:cNvPr id="7170" name="Picture 2"/>
-          <p:cNvPicPr>
-            <a:picLocks noChangeAspect="1" noChangeArrowheads="1"/>
-          </p:cNvPicPr>
-          <p:nvPr/>
-        </p:nvPicPr>
-        <p:blipFill>
-          <a:blip r:embed="rId2">
-            <a:extLst>
-              <a:ext uri="{28A0092B-C50C-407E-A947-70E740481C1C}">
-                <a14:useLocalDpi xmlns:a14="http://schemas.microsoft.com/office/drawing/2010/main" val="0"/>
-              </a:ext>
-            </a:extLst>
-          </a:blip>
-          <a:srcRect/>
-          <a:stretch>
-            <a:fillRect/>
-          </a:stretch>
-        </p:blipFill>
-        <p:spPr bwMode="auto">
-          <a:xfrm>
-            <a:off x="403969" y="1290415"/>
-            <a:ext cx="7211936" cy="5355439"/>
-          </a:xfrm>
-          <a:prstGeom prst="rect">
-            <a:avLst/>
-          </a:prstGeom>
-          <a:noFill/>
-          <a:ln>
-            <a:noFill/>
-          </a:ln>
-          <a:extLst>
-            <a:ext uri="{909E8E84-426E-40DD-AFC4-6F175D3DCCD1}">
-              <a14:hiddenFill xmlns:a14="http://schemas.microsoft.com/office/drawing/2010/main">
-                <a:solidFill>
-                  <a:schemeClr val="accent1"/>
-                </a:solidFill>
-              </a14:hiddenFill>
-            </a:ext>
-            <a:ext uri="{91240B29-F687-4F45-9708-019B960494DF}">
-              <a14:hiddenLine xmlns:a14="http://schemas.microsoft.com/office/drawing/2010/main" w="9525">
-                <a:solidFill>
-                  <a:schemeClr val="tx1"/>
-                </a:solidFill>
-                <a:miter lim="800000"/>
-                <a:headEnd/>
-                <a:tailEnd/>
-              </a14:hiddenLine>
-            </a:ext>
-          </a:extLst>
-        </p:spPr>
-      </p:pic>
-      <p:pic>
-        <p:nvPicPr>
-          <p:cNvPr id="7171" name="Picture 3"/>
-          <p:cNvPicPr>
-            <a:picLocks noChangeAspect="1" noChangeArrowheads="1"/>
-          </p:cNvPicPr>
-          <p:nvPr/>
-        </p:nvPicPr>
-        <p:blipFill>
-          <a:blip r:embed="rId3" cstate="print">
-            <a:extLst>
-              <a:ext uri="{28A0092B-C50C-407E-A947-70E740481C1C}">
-                <a14:useLocalDpi xmlns:a14="http://schemas.microsoft.com/office/drawing/2010/main" val="0"/>
-              </a:ext>
-            </a:extLst>
-          </a:blip>
-          <a:srcRect/>
-          <a:stretch>
-            <a:fillRect/>
-          </a:stretch>
-        </p:blipFill>
-        <p:spPr bwMode="auto">
-          <a:xfrm>
-            <a:off x="4107424" y="454220"/>
-            <a:ext cx="905827" cy="502908"/>
-          </a:xfrm>
-          <a:prstGeom prst="rect">
-            <a:avLst/>
-          </a:prstGeom>
-          <a:noFill/>
-          <a:ln>
-            <a:noFill/>
-          </a:ln>
-          <a:extLst>
-            <a:ext uri="{909E8E84-426E-40DD-AFC4-6F175D3DCCD1}">
-              <a14:hiddenFill xmlns:a14="http://schemas.microsoft.com/office/drawing/2010/main">
-                <a:solidFill>
-                  <a:schemeClr val="accent1"/>
-                </a:solidFill>
-              </a14:hiddenFill>
-            </a:ext>
-            <a:ext uri="{91240B29-F687-4F45-9708-019B960494DF}">
-              <a14:hiddenLine xmlns:a14="http://schemas.microsoft.com/office/drawing/2010/main" w="9525">
-                <a:solidFill>
-                  <a:schemeClr val="tx1"/>
-                </a:solidFill>
-                <a:miter lim="800000"/>
-                <a:headEnd/>
-                <a:tailEnd/>
-              </a14:hiddenLine>
-            </a:ext>
-          </a:extLst>
-        </p:spPr>
-      </p:pic>
-    </p:spTree>
-    <p:extLst>
-      <p:ext uri="{BB962C8B-B14F-4D97-AF65-F5344CB8AC3E}">
-        <p14:creationId xmlns:p14="http://schemas.microsoft.com/office/powerpoint/2010/main" val="3135650445"/>
-      </p:ext>
-    </p:extLst>
-  </p:cSld>
-  <p:clrMapOvr>
-    <a:masterClrMapping/>
-  </p:clrMapOvr>
-</p:sld>
-</file>
-
-<file path=ppt/slides/slide12.xml><?xml version="1.0" encoding="utf-8"?>
-<p:sld xmlns:a="http://schemas.openxmlformats.org/drawingml/2006/main" xmlns:r="http://schemas.openxmlformats.org/officeDocument/2006/relationships" xmlns:p="http://schemas.openxmlformats.org/presentationml/2006/main">
-  <p:cSld>
-    <p:spTree>
-      <p:nvGrpSpPr>
-        <p:cNvPr id="1" name=""/>
-        <p:cNvGrpSpPr/>
-        <p:nvPr/>
-      </p:nvGrpSpPr>
-      <p:grpSpPr>
-        <a:xfrm>
-          <a:off x="0" y="0"/>
-          <a:ext cx="0" cy="0"/>
-          <a:chOff x="0" y="0"/>
-          <a:chExt cx="0" cy="0"/>
-        </a:xfrm>
-      </p:grpSpPr>
-      <p:sp>
-        <p:nvSpPr>
-          <p:cNvPr id="2" name="Slide Number Placeholder 1"/>
-          <p:cNvSpPr>
-            <a:spLocks noGrp="1"/>
-          </p:cNvSpPr>
-          <p:nvPr>
-            <p:ph type="sldNum" sz="quarter" idx="12"/>
-          </p:nvPr>
-        </p:nvSpPr>
-        <p:spPr/>
-        <p:txBody>
-          <a:bodyPr/>
-          <a:lstStyle/>
-          <a:p>
-            <a:fld id="{525A3C56-E491-49B2-93F3-63532DF516BC}" type="slidenum">
-              <a:rPr lang="en-US" smtClean="0"/>
-              <a:pPr/>
-              <a:t>12</a:t>
-            </a:fld>
-            <a:endParaRPr lang="en-US" dirty="0"/>
-          </a:p>
-        </p:txBody>
-      </p:sp>
-      <p:sp>
-        <p:nvSpPr>
-          <p:cNvPr id="3" name="Title 2"/>
-          <p:cNvSpPr>
-            <a:spLocks noGrp="1"/>
-          </p:cNvSpPr>
-          <p:nvPr>
-            <p:ph type="title"/>
-          </p:nvPr>
-        </p:nvSpPr>
-        <p:spPr/>
-        <p:txBody>
-          <a:bodyPr/>
-          <a:lstStyle/>
-          <a:p>
-            <a:r>
-              <a:rPr lang="en-US" dirty="0" smtClean="0"/>
-              <a:t>Notifications </a:t>
-            </a:r>
-            <a:endParaRPr lang="en-US" dirty="0"/>
-          </a:p>
-        </p:txBody>
-      </p:sp>
-      <p:sp>
-        <p:nvSpPr>
-          <p:cNvPr id="4" name="Content Placeholder 3"/>
-          <p:cNvSpPr>
-            <a:spLocks noGrp="1"/>
-          </p:cNvSpPr>
-          <p:nvPr>
-            <p:ph sz="quarter" idx="17"/>
-          </p:nvPr>
-        </p:nvSpPr>
-        <p:spPr/>
-        <p:txBody>
-          <a:bodyPr/>
-          <a:lstStyle/>
-          <a:p>
-            <a:endParaRPr lang="en-US"/>
-          </a:p>
-        </p:txBody>
-      </p:sp>
-      <p:sp>
-        <p:nvSpPr>
-          <p:cNvPr id="5" name="Content Placeholder 4"/>
-          <p:cNvSpPr>
-            <a:spLocks noGrp="1"/>
-          </p:cNvSpPr>
-          <p:nvPr>
-            <p:ph sz="quarter" idx="23"/>
-          </p:nvPr>
-        </p:nvSpPr>
-        <p:spPr/>
-        <p:txBody>
-          <a:bodyPr/>
-          <a:lstStyle/>
-          <a:p>
-            <a:endParaRPr lang="en-US"/>
-          </a:p>
-        </p:txBody>
-      </p:sp>
-      <p:pic>
-        <p:nvPicPr>
-          <p:cNvPr id="8194" name="Picture 2"/>
-          <p:cNvPicPr>
-            <a:picLocks noChangeAspect="1" noChangeArrowheads="1"/>
-          </p:cNvPicPr>
-          <p:nvPr/>
-        </p:nvPicPr>
-        <p:blipFill>
-          <a:blip r:embed="rId2" cstate="print">
-            <a:extLst>
-              <a:ext uri="{28A0092B-C50C-407E-A947-70E740481C1C}">
-                <a14:useLocalDpi xmlns:a14="http://schemas.microsoft.com/office/drawing/2010/main" val="0"/>
-              </a:ext>
-            </a:extLst>
-          </a:blip>
-          <a:srcRect/>
-          <a:stretch>
-            <a:fillRect/>
-          </a:stretch>
-        </p:blipFill>
-        <p:spPr bwMode="auto">
-          <a:xfrm>
-            <a:off x="2677810" y="427870"/>
-            <a:ext cx="504571" cy="460893"/>
-          </a:xfrm>
-          <a:prstGeom prst="rect">
-            <a:avLst/>
-          </a:prstGeom>
-          <a:noFill/>
-          <a:ln>
-            <a:noFill/>
-          </a:ln>
-          <a:extLst>
-            <a:ext uri="{909E8E84-426E-40DD-AFC4-6F175D3DCCD1}">
-              <a14:hiddenFill xmlns:a14="http://schemas.microsoft.com/office/drawing/2010/main">
-                <a:solidFill>
-                  <a:schemeClr val="accent1"/>
-                </a:solidFill>
-              </a14:hiddenFill>
-            </a:ext>
-            <a:ext uri="{91240B29-F687-4F45-9708-019B960494DF}">
-              <a14:hiddenLine xmlns:a14="http://schemas.microsoft.com/office/drawing/2010/main" w="9525">
-                <a:solidFill>
-                  <a:schemeClr val="tx1"/>
-                </a:solidFill>
-                <a:miter lim="800000"/>
-                <a:headEnd/>
-                <a:tailEnd/>
-              </a14:hiddenLine>
-            </a:ext>
-          </a:extLst>
-        </p:spPr>
-      </p:pic>
-      <p:pic>
-        <p:nvPicPr>
-          <p:cNvPr id="8195" name="Picture 3"/>
-          <p:cNvPicPr>
-            <a:picLocks noChangeAspect="1" noChangeArrowheads="1"/>
-          </p:cNvPicPr>
-          <p:nvPr/>
-        </p:nvPicPr>
-        <p:blipFill>
-          <a:blip r:embed="rId3">
-            <a:extLst>
-              <a:ext uri="{28A0092B-C50C-407E-A947-70E740481C1C}">
-                <a14:useLocalDpi xmlns:a14="http://schemas.microsoft.com/office/drawing/2010/main" val="0"/>
-              </a:ext>
-            </a:extLst>
-          </a:blip>
-          <a:srcRect/>
-          <a:stretch>
-            <a:fillRect/>
-          </a:stretch>
-        </p:blipFill>
-        <p:spPr bwMode="auto">
-          <a:xfrm>
-            <a:off x="4858165" y="1179319"/>
-            <a:ext cx="2693083" cy="5162298"/>
-          </a:xfrm>
-          <a:prstGeom prst="rect">
-            <a:avLst/>
-          </a:prstGeom>
-          <a:noFill/>
-          <a:ln>
-            <a:noFill/>
-          </a:ln>
-          <a:extLst>
-            <a:ext uri="{909E8E84-426E-40DD-AFC4-6F175D3DCCD1}">
-              <a14:hiddenFill xmlns:a14="http://schemas.microsoft.com/office/drawing/2010/main">
-                <a:solidFill>
-                  <a:schemeClr val="accent1"/>
-                </a:solidFill>
-              </a14:hiddenFill>
-            </a:ext>
-            <a:ext uri="{91240B29-F687-4F45-9708-019B960494DF}">
-              <a14:hiddenLine xmlns:a14="http://schemas.microsoft.com/office/drawing/2010/main" w="9525">
-                <a:solidFill>
-                  <a:schemeClr val="tx1"/>
-                </a:solidFill>
-                <a:miter lim="800000"/>
-                <a:headEnd/>
-                <a:tailEnd/>
-              </a14:hiddenLine>
-            </a:ext>
-          </a:extLst>
-        </p:spPr>
-      </p:pic>
-    </p:spTree>
-    <p:extLst>
-      <p:ext uri="{BB962C8B-B14F-4D97-AF65-F5344CB8AC3E}">
-        <p14:creationId xmlns:p14="http://schemas.microsoft.com/office/powerpoint/2010/main" val="4249789598"/>
-      </p:ext>
-    </p:extLst>
-  </p:cSld>
-  <p:clrMapOvr>
-    <a:masterClrMapping/>
-  </p:clrMapOvr>
-</p:sld>
-</file>
-
-<file path=ppt/slides/slide13.xml><?xml version="1.0" encoding="utf-8"?>
 <p:sld xmlns:a="http://schemas.openxmlformats.org/drawingml/2006/main" xmlns:r="http://schemas.openxmlformats.org/officeDocument/2006/relationships" xmlns:p="http://schemas.openxmlformats.org/presentationml/2006/main">
   <p:cSld>
     <p:spTree>
@@ -46398,7 +45796,7 @@
 </p:sld>
 </file>
 
-<file path=ppt/slides/slide14.xml><?xml version="1.0" encoding="utf-8"?>
+<file path=ppt/slides/slide11.xml><?xml version="1.0" encoding="utf-8"?>
 <p:sld xmlns:a="http://schemas.openxmlformats.org/drawingml/2006/main" xmlns:r="http://schemas.openxmlformats.org/officeDocument/2006/relationships" xmlns:p="http://schemas.openxmlformats.org/presentationml/2006/main">
   <p:cSld>
     <p:spTree>
@@ -46470,7 +45868,7 @@
 </p:sld>
 </file>
 
-<file path=ppt/slides/slide15.xml><?xml version="1.0" encoding="utf-8"?>
+<file path=ppt/slides/slide12.xml><?xml version="1.0" encoding="utf-8"?>
 <p:sld xmlns:a="http://schemas.openxmlformats.org/drawingml/2006/main" xmlns:r="http://schemas.openxmlformats.org/officeDocument/2006/relationships" xmlns:p="http://schemas.openxmlformats.org/presentationml/2006/main">
   <p:cSld>
     <p:spTree>
@@ -46541,7 +45939,7 @@
 </p:sld>
 </file>
 
-<file path=ppt/slides/slide16.xml><?xml version="1.0" encoding="utf-8"?>
+<file path=ppt/slides/slide13.xml><?xml version="1.0" encoding="utf-8"?>
 <p:sld xmlns:a="http://schemas.openxmlformats.org/drawingml/2006/main" xmlns:r="http://schemas.openxmlformats.org/officeDocument/2006/relationships" xmlns:p="http://schemas.openxmlformats.org/presentationml/2006/main">
   <p:cSld>
     <p:spTree>
@@ -46574,25 +45972,51 @@
           <a:lstStyle/>
           <a:p>
             <a:r>
-              <a:rPr lang="en-US" dirty="0"/>
-              <a:t>Future </a:t>
-            </a:r>
-            <a:r>
               <a:rPr lang="en-US" dirty="0" smtClean="0"/>
-              <a:t>Work</a:t>
+              <a:t>Testing</a:t>
             </a:r>
             <a:endParaRPr lang="en-US" dirty="0"/>
           </a:p>
         </p:txBody>
       </p:sp>
+    </p:spTree>
+    <p:extLst>
+      <p:ext uri="{BB962C8B-B14F-4D97-AF65-F5344CB8AC3E}">
+        <p14:creationId xmlns:p14="http://schemas.microsoft.com/office/powerpoint/2010/main" val="1892290567"/>
+      </p:ext>
+    </p:extLst>
+  </p:cSld>
+  <p:clrMapOvr>
+    <a:masterClrMapping/>
+  </p:clrMapOvr>
+</p:sld>
+</file>
+
+<file path=ppt/slides/slide14.xml><?xml version="1.0" encoding="utf-8"?>
+<p:sld xmlns:a="http://schemas.openxmlformats.org/drawingml/2006/main" xmlns:r="http://schemas.openxmlformats.org/officeDocument/2006/relationships" xmlns:p="http://schemas.openxmlformats.org/presentationml/2006/main">
+  <p:cSld>
+    <p:spTree>
+      <p:nvGrpSpPr>
+        <p:cNvPr id="1" name=""/>
+        <p:cNvGrpSpPr/>
+        <p:nvPr/>
+      </p:nvGrpSpPr>
+      <p:grpSpPr>
+        <a:xfrm>
+          <a:off x="0" y="0"/>
+          <a:ext cx="0" cy="0"/>
+          <a:chOff x="0" y="0"/>
+          <a:chExt cx="0" cy="0"/>
+        </a:xfrm>
+      </p:grpSpPr>
       <p:sp>
         <p:nvSpPr>
-          <p:cNvPr id="3" name="Subtitle 2"/>
+          <p:cNvPr id="2" name="Title 1"/>
           <p:cNvSpPr>
             <a:spLocks noGrp="1"/>
           </p:cNvSpPr>
           <p:nvPr>
-            <p:ph type="subTitle" idx="1"/>
+            <p:ph type="ctrTitle"/>
           </p:nvPr>
         </p:nvSpPr>
         <p:spPr/>
@@ -46600,6 +46024,10 @@
           <a:bodyPr/>
           <a:lstStyle/>
           <a:p>
+            <a:r>
+              <a:rPr lang="en-US" dirty="0" smtClean="0"/>
+              <a:t>Review</a:t>
+            </a:r>
             <a:endParaRPr lang="en-US" dirty="0"/>
           </a:p>
         </p:txBody>
@@ -46617,7 +46045,7 @@
 </p:sld>
 </file>
 
-<file path=ppt/slides/slide17.xml><?xml version="1.0" encoding="utf-8"?>
+<file path=ppt/slides/slide15.xml><?xml version="1.0" encoding="utf-8"?>
 <p:sld xmlns:a="http://schemas.openxmlformats.org/drawingml/2006/main" xmlns:r="http://schemas.openxmlformats.org/officeDocument/2006/relationships" xmlns:p="http://schemas.openxmlformats.org/presentationml/2006/main">
   <p:cSld>
     <p:spTree>
@@ -46707,14 +46135,16 @@
         </p:nvSpPr>
         <p:spPr/>
         <p:txBody>
-          <a:bodyPr/>
+          <a:bodyPr>
+            <a:normAutofit/>
+          </a:bodyPr>
           <a:lstStyle/>
           <a:p>
             <a:r>
-              <a:rPr lang="en-US" dirty="0" smtClean="0"/>
-              <a:t>Table of Content</a:t>
+              <a:rPr lang="en-US" sz="4400" dirty="0" smtClean="0"/>
+              <a:t>Agenda</a:t>
             </a:r>
-            <a:endParaRPr lang="en-US" dirty="0"/>
+            <a:endParaRPr lang="en-US" sz="4400" dirty="0"/>
           </a:p>
         </p:txBody>
       </p:sp>
@@ -46730,111 +46160,97 @@
         </p:nvSpPr>
         <p:spPr>
           <a:xfrm>
-            <a:off x="457810" y="1241188"/>
+            <a:off x="509084" y="1343737"/>
             <a:ext cx="3956050" cy="4886325"/>
           </a:xfrm>
         </p:spPr>
         <p:txBody>
-          <a:bodyPr/>
+          <a:bodyPr>
+            <a:normAutofit/>
+          </a:bodyPr>
           <a:lstStyle/>
           <a:p>
-            <a:pPr marL="342900" indent="-342900">
+            <a:pPr marL="457200" indent="-457200">
               <a:buFont typeface="Arial" panose="020B0604020202020204" pitchFamily="34" charset="0"/>
               <a:buChar char="•"/>
             </a:pPr>
             <a:r>
-              <a:rPr lang="en-US" dirty="0" smtClean="0"/>
-              <a:t>Problem Statement</a:t>
+              <a:rPr lang="en-US" sz="2800" dirty="0" smtClean="0"/>
+              <a:t>Objective</a:t>
             </a:r>
-            <a:endParaRPr lang="en-US" dirty="0" smtClean="0"/>
+            <a:endParaRPr lang="en-US" sz="2800" dirty="0" smtClean="0"/>
           </a:p>
           <a:p>
-            <a:pPr marL="342900" indent="-342900">
+            <a:pPr marL="457200" indent="-457200">
               <a:buFont typeface="Arial" panose="020B0604020202020204" pitchFamily="34" charset="0"/>
               <a:buChar char="•"/>
             </a:pPr>
             <a:r>
-              <a:rPr lang="en-US" dirty="0" smtClean="0"/>
+              <a:rPr lang="en-US" sz="2800" dirty="0" smtClean="0"/>
               <a:t>Requirements </a:t>
             </a:r>
           </a:p>
           <a:p>
-            <a:pPr marL="342900" indent="-342900">
+            <a:pPr marL="457200" indent="-457200">
               <a:buFont typeface="Arial" panose="020B0604020202020204" pitchFamily="34" charset="0"/>
               <a:buChar char="•"/>
             </a:pPr>
             <a:r>
-              <a:rPr lang="en-US" dirty="0" smtClean="0"/>
-              <a:t>Assumptions and Constraints </a:t>
+              <a:rPr lang="en-US" sz="2800" dirty="0" smtClean="0"/>
+              <a:t>App </a:t>
             </a:r>
-            <a:endParaRPr lang="en-US" dirty="0" smtClean="0"/>
+            <a:r>
+              <a:rPr lang="en-US" sz="2800" dirty="0" smtClean="0"/>
+              <a:t>Design </a:t>
+            </a:r>
           </a:p>
           <a:p>
-            <a:pPr marL="342900" indent="-342900">
+            <a:pPr marL="457200" indent="-457200">
               <a:buFont typeface="Arial" panose="020B0604020202020204" pitchFamily="34" charset="0"/>
               <a:buChar char="•"/>
             </a:pPr>
             <a:r>
-              <a:rPr lang="en-US" dirty="0" smtClean="0"/>
-              <a:t>App Design </a:t>
+              <a:rPr lang="en-US" sz="2800" dirty="0" smtClean="0"/>
+              <a:t>UML</a:t>
             </a:r>
           </a:p>
           <a:p>
-            <a:pPr marL="342900" indent="-342900">
+            <a:pPr marL="457200" indent="-457200">
               <a:buFont typeface="Arial" panose="020B0604020202020204" pitchFamily="34" charset="0"/>
               <a:buChar char="•"/>
             </a:pPr>
             <a:r>
-              <a:rPr lang="en-US" dirty="0" smtClean="0"/>
-              <a:t>UML</a:t>
+              <a:rPr lang="en-US" sz="2800" dirty="0" smtClean="0"/>
+              <a:t>Pseudo </a:t>
             </a:r>
-            <a:endParaRPr lang="en-US" dirty="0" smtClean="0"/>
+            <a:r>
+              <a:rPr lang="en-US" sz="2800" dirty="0" smtClean="0"/>
+              <a:t>code</a:t>
+            </a:r>
           </a:p>
           <a:p>
-            <a:pPr marL="342900" indent="-342900">
+            <a:pPr marL="457200" indent="-457200">
               <a:buFont typeface="Arial" panose="020B0604020202020204" pitchFamily="34" charset="0"/>
               <a:buChar char="•"/>
             </a:pPr>
             <a:r>
-              <a:rPr lang="en-US" dirty="0" smtClean="0"/>
-              <a:t>Flowchart</a:t>
+              <a:rPr lang="en-US" sz="2800" dirty="0" smtClean="0"/>
+              <a:t>Testing</a:t>
             </a:r>
-            <a:endParaRPr lang="en-US" dirty="0" smtClean="0"/>
           </a:p>
           <a:p>
-            <a:pPr marL="342900" indent="-342900">
+            <a:pPr marL="457200" indent="-457200">
               <a:buFont typeface="Arial" panose="020B0604020202020204" pitchFamily="34" charset="0"/>
               <a:buChar char="•"/>
             </a:pPr>
             <a:r>
-              <a:rPr lang="en-US" dirty="0" smtClean="0"/>
-              <a:t>Pseudo code</a:t>
+              <a:rPr lang="en-US" sz="2800" dirty="0" smtClean="0"/>
+              <a:t>Review/Q&amp;A</a:t>
             </a:r>
-            <a:endParaRPr lang="en-US" dirty="0" smtClean="0"/>
+            <a:endParaRPr lang="en-US" sz="2800" dirty="0" smtClean="0"/>
           </a:p>
           <a:p>
-            <a:pPr marL="342900" indent="-342900">
-              <a:buFont typeface="Arial" panose="020B0604020202020204" pitchFamily="34" charset="0"/>
-              <a:buChar char="•"/>
-            </a:pPr>
-            <a:r>
-              <a:rPr lang="en-US" dirty="0" smtClean="0"/>
-              <a:t>Testing</a:t>
-            </a:r>
-          </a:p>
-          <a:p>
-            <a:pPr marL="342900" indent="-342900">
-              <a:buFont typeface="Arial" panose="020B0604020202020204" pitchFamily="34" charset="0"/>
-              <a:buChar char="•"/>
-            </a:pPr>
-            <a:r>
-              <a:rPr lang="en-US" dirty="0" smtClean="0"/>
-              <a:t>Future Work</a:t>
-            </a:r>
-            <a:endParaRPr lang="en-US" dirty="0" smtClean="0"/>
-          </a:p>
-          <a:p>
-            <a:endParaRPr lang="en-US" dirty="0"/>
+            <a:endParaRPr lang="en-US" sz="2800" dirty="0"/>
           </a:p>
         </p:txBody>
       </p:sp>
@@ -46859,25 +46275,6 @@
               <a:t>2</a:t>
             </a:fld>
             <a:endParaRPr lang="en-US" dirty="0"/>
-          </a:p>
-        </p:txBody>
-      </p:sp>
-      <p:sp>
-        <p:nvSpPr>
-          <p:cNvPr id="4" name="Content Placeholder 3"/>
-          <p:cNvSpPr>
-            <a:spLocks noGrp="1"/>
-          </p:cNvSpPr>
-          <p:nvPr>
-            <p:ph sz="quarter" idx="23"/>
-          </p:nvPr>
-        </p:nvSpPr>
-        <p:spPr/>
-        <p:txBody>
-          <a:bodyPr/>
-          <a:lstStyle/>
-          <a:p>
-            <a:endParaRPr lang="en-US"/>
           </a:p>
         </p:txBody>
       </p:sp>
@@ -46920,6 +46317,272 @@
             <a:spLocks noGrp="1"/>
           </p:cNvSpPr>
           <p:nvPr>
+            <p:ph type="title"/>
+          </p:nvPr>
+        </p:nvSpPr>
+        <p:spPr/>
+        <p:txBody>
+          <a:bodyPr>
+            <a:normAutofit/>
+          </a:bodyPr>
+          <a:lstStyle/>
+          <a:p>
+            <a:r>
+              <a:rPr lang="en-US" sz="4400" dirty="0"/>
+              <a:t>Objective</a:t>
+            </a:r>
+            <a:endParaRPr lang="en-US" sz="4400" dirty="0"/>
+          </a:p>
+        </p:txBody>
+      </p:sp>
+      <p:sp>
+        <p:nvSpPr>
+          <p:cNvPr id="3" name="Slide Number Placeholder 2"/>
+          <p:cNvSpPr>
+            <a:spLocks noGrp="1"/>
+          </p:cNvSpPr>
+          <p:nvPr>
+            <p:ph type="sldNum" sz="quarter" idx="12"/>
+          </p:nvPr>
+        </p:nvSpPr>
+        <p:spPr/>
+        <p:txBody>
+          <a:bodyPr/>
+          <a:lstStyle/>
+          <a:p>
+            <a:fld id="{525A3C56-E491-49B2-93F3-63532DF516BC}" type="slidenum">
+              <a:rPr lang="en-US" smtClean="0"/>
+              <a:pPr/>
+              <a:t>3</a:t>
+            </a:fld>
+            <a:endParaRPr lang="en-US" dirty="0"/>
+          </a:p>
+        </p:txBody>
+      </p:sp>
+      <p:sp>
+        <p:nvSpPr>
+          <p:cNvPr id="5" name="TextBox 4"/>
+          <p:cNvSpPr txBox="1"/>
+          <p:nvPr/>
+        </p:nvSpPr>
+        <p:spPr bwMode="auto">
+          <a:xfrm>
+            <a:off x="871670" y="1469877"/>
+            <a:ext cx="7845040" cy="861774"/>
+          </a:xfrm>
+          <a:prstGeom prst="rect">
+            <a:avLst/>
+          </a:prstGeom>
+          <a:noFill/>
+          <a:ln w="9525" algn="ctr">
+            <a:noFill/>
+            <a:miter lim="800000"/>
+            <a:headEnd/>
+            <a:tailEnd/>
+          </a:ln>
+          <a:effectLst/>
+        </p:spPr>
+        <p:txBody>
+          <a:bodyPr wrap="square" lIns="0" tIns="0" rIns="0" bIns="0" rtlCol="0">
+            <a:spAutoFit/>
+          </a:bodyPr>
+          <a:lstStyle/>
+          <a:p>
+            <a:pPr marL="285750" indent="-285750">
+              <a:buClr>
+                <a:schemeClr val="accent1"/>
+              </a:buClr>
+              <a:buFont typeface="Arial" panose="020B0604020202020204" pitchFamily="34" charset="0"/>
+              <a:buChar char="•"/>
+            </a:pPr>
+            <a:r>
+              <a:rPr lang="en-US" sz="2800" dirty="0" smtClean="0">
+                <a:cs typeface="Arial" pitchFamily="34" charset="0"/>
+              </a:rPr>
+              <a:t>Design, Develop, and Deploy</a:t>
+            </a:r>
+          </a:p>
+          <a:p>
+            <a:pPr marL="285750" indent="-285750">
+              <a:buClr>
+                <a:schemeClr val="accent1"/>
+              </a:buClr>
+              <a:buFont typeface="Arial" panose="020B0604020202020204" pitchFamily="34" charset="0"/>
+              <a:buChar char="•"/>
+            </a:pPr>
+            <a:r>
+              <a:rPr lang="en-US" sz="2800" dirty="0" smtClean="0">
+                <a:cs typeface="Arial" pitchFamily="34" charset="0"/>
+              </a:rPr>
+              <a:t>Align with Green Initiative</a:t>
+            </a:r>
+            <a:endParaRPr lang="en-US" sz="2800" dirty="0" smtClean="0">
+              <a:cs typeface="Arial" pitchFamily="34" charset="0"/>
+            </a:endParaRPr>
+          </a:p>
+        </p:txBody>
+      </p:sp>
+      <p:sp>
+        <p:nvSpPr>
+          <p:cNvPr id="6" name="Rectangle 5"/>
+          <p:cNvSpPr/>
+          <p:nvPr/>
+        </p:nvSpPr>
+        <p:spPr>
+          <a:xfrm>
+            <a:off x="367466" y="2806636"/>
+            <a:ext cx="3573414" cy="769441"/>
+          </a:xfrm>
+          <a:prstGeom prst="rect">
+            <a:avLst/>
+          </a:prstGeom>
+        </p:spPr>
+        <p:txBody>
+          <a:bodyPr wrap="none">
+            <a:spAutoFit/>
+          </a:bodyPr>
+          <a:lstStyle/>
+          <a:p>
+            <a:r>
+              <a:rPr lang="en-US" sz="4400" dirty="0" smtClean="0">
+                <a:solidFill>
+                  <a:schemeClr val="tx2"/>
+                </a:solidFill>
+                <a:latin typeface="+mj-lt"/>
+              </a:rPr>
+              <a:t>Design Goals</a:t>
+            </a:r>
+            <a:endParaRPr lang="en-US" sz="4400" dirty="0">
+              <a:solidFill>
+                <a:schemeClr val="tx2"/>
+              </a:solidFill>
+              <a:latin typeface="+mj-lt"/>
+            </a:endParaRPr>
+          </a:p>
+        </p:txBody>
+      </p:sp>
+      <p:sp>
+        <p:nvSpPr>
+          <p:cNvPr id="7" name="Rectangle 6"/>
+          <p:cNvSpPr/>
+          <p:nvPr/>
+        </p:nvSpPr>
+        <p:spPr>
+          <a:xfrm>
+            <a:off x="871670" y="3636236"/>
+            <a:ext cx="4572000" cy="1815882"/>
+          </a:xfrm>
+          <a:prstGeom prst="rect">
+            <a:avLst/>
+          </a:prstGeom>
+        </p:spPr>
+        <p:txBody>
+          <a:bodyPr>
+            <a:spAutoFit/>
+          </a:bodyPr>
+          <a:lstStyle/>
+          <a:p>
+            <a:pPr marL="285750" indent="-285750">
+              <a:buClr>
+                <a:schemeClr val="accent1"/>
+              </a:buClr>
+              <a:buFont typeface="Arial" panose="020B0604020202020204" pitchFamily="34" charset="0"/>
+              <a:buChar char="•"/>
+            </a:pPr>
+            <a:r>
+              <a:rPr lang="en-US" sz="2800" dirty="0" smtClean="0">
+                <a:cs typeface="Arial" pitchFamily="34" charset="0"/>
+              </a:rPr>
+              <a:t>User-Friendly</a:t>
+            </a:r>
+          </a:p>
+          <a:p>
+            <a:pPr marL="742950" lvl="1" indent="-285750">
+              <a:buClr>
+                <a:schemeClr val="accent1"/>
+              </a:buClr>
+              <a:buFont typeface="Arial" panose="020B0604020202020204" pitchFamily="34" charset="0"/>
+              <a:buChar char="•"/>
+            </a:pPr>
+            <a:r>
+              <a:rPr lang="en-US" sz="2800" dirty="0" smtClean="0">
+                <a:cs typeface="Arial" pitchFamily="34" charset="0"/>
+              </a:rPr>
+              <a:t>Simple Interface</a:t>
+            </a:r>
+          </a:p>
+          <a:p>
+            <a:pPr marL="742950" lvl="1" indent="-285750">
+              <a:buClr>
+                <a:schemeClr val="accent1"/>
+              </a:buClr>
+              <a:buFont typeface="Arial" panose="020B0604020202020204" pitchFamily="34" charset="0"/>
+              <a:buChar char="•"/>
+            </a:pPr>
+            <a:r>
+              <a:rPr lang="en-US" sz="2800" dirty="0" smtClean="0">
+                <a:cs typeface="Arial" pitchFamily="34" charset="0"/>
+              </a:rPr>
+              <a:t>Easy to Learn</a:t>
+            </a:r>
+          </a:p>
+          <a:p>
+            <a:pPr marL="285750" indent="-285750">
+              <a:buClr>
+                <a:schemeClr val="accent1"/>
+              </a:buClr>
+              <a:buFont typeface="Arial" panose="020B0604020202020204" pitchFamily="34" charset="0"/>
+              <a:buChar char="•"/>
+            </a:pPr>
+            <a:r>
+              <a:rPr lang="en-US" sz="2800" dirty="0" smtClean="0">
+                <a:cs typeface="Arial" pitchFamily="34" charset="0"/>
+              </a:rPr>
+              <a:t>Clean Look and Feel</a:t>
+            </a:r>
+            <a:endParaRPr lang="en-US" sz="2800" dirty="0">
+              <a:cs typeface="Arial" pitchFamily="34" charset="0"/>
+            </a:endParaRPr>
+          </a:p>
+        </p:txBody>
+      </p:sp>
+    </p:spTree>
+    <p:extLst>
+      <p:ext uri="{BB962C8B-B14F-4D97-AF65-F5344CB8AC3E}">
+        <p14:creationId xmlns:p14="http://schemas.microsoft.com/office/powerpoint/2010/main" val="3904269661"/>
+      </p:ext>
+    </p:extLst>
+  </p:cSld>
+  <p:clrMapOvr>
+    <a:masterClrMapping/>
+  </p:clrMapOvr>
+</p:sld>
+</file>
+
+<file path=ppt/slides/slide4.xml><?xml version="1.0" encoding="utf-8"?>
+<p:sld xmlns:a="http://schemas.openxmlformats.org/drawingml/2006/main" xmlns:r="http://schemas.openxmlformats.org/officeDocument/2006/relationships" xmlns:p="http://schemas.openxmlformats.org/presentationml/2006/main">
+  <p:cSld>
+    <p:spTree>
+      <p:nvGrpSpPr>
+        <p:cNvPr id="1" name=""/>
+        <p:cNvGrpSpPr/>
+        <p:nvPr/>
+      </p:nvGrpSpPr>
+      <p:grpSpPr>
+        <a:xfrm>
+          <a:off x="0" y="0"/>
+          <a:ext cx="0" cy="0"/>
+          <a:chOff x="0" y="0"/>
+          <a:chExt cx="0" cy="0"/>
+        </a:xfrm>
+      </p:grpSpPr>
+      <p:sp>
+        <p:nvSpPr>
+          <p:cNvPr id="2" name="Title 1"/>
+          <p:cNvSpPr>
+            <a:spLocks noGrp="1"/>
+          </p:cNvSpPr>
+          <p:nvPr>
             <p:ph type="ctrTitle"/>
           </p:nvPr>
         </p:nvSpPr>
@@ -46930,32 +46593,9 @@
           <a:p>
             <a:r>
               <a:rPr lang="en-US" dirty="0" smtClean="0"/>
-              <a:t>App Design</a:t>
+              <a:t>High-Level Requirements</a:t>
             </a:r>
             <a:endParaRPr lang="en-US" dirty="0"/>
-          </a:p>
-        </p:txBody>
-      </p:sp>
-      <p:sp>
-        <p:nvSpPr>
-          <p:cNvPr id="16" name="Subtitle 15"/>
-          <p:cNvSpPr>
-            <a:spLocks noGrp="1"/>
-          </p:cNvSpPr>
-          <p:nvPr>
-            <p:ph type="subTitle" idx="1"/>
-          </p:nvPr>
-        </p:nvSpPr>
-        <p:spPr/>
-        <p:txBody>
-          <a:bodyPr/>
-          <a:lstStyle/>
-          <a:p>
-            <a:r>
-              <a:rPr lang="en-US" sz="1200" dirty="0" smtClean="0"/>
-              <a:t>Overview, Login, Create New Account, Home Page, Search Menu, Create Pickup group, Notifications</a:t>
-            </a:r>
-            <a:endParaRPr lang="en-US" sz="1200" dirty="0"/>
           </a:p>
         </p:txBody>
       </p:sp>
@@ -46974,7 +46614,7 @@
 </p:sld>
 </file>
 
-<file path=ppt/slides/slide4.xml><?xml version="1.0" encoding="utf-8"?>
+<file path=ppt/slides/slide5.xml><?xml version="1.0" encoding="utf-8"?>
 <p:sld xmlns:a="http://schemas.openxmlformats.org/drawingml/2006/main" xmlns:r="http://schemas.openxmlformats.org/officeDocument/2006/relationships" xmlns:p="http://schemas.openxmlformats.org/presentationml/2006/main">
   <p:cSld>
     <p:spTree>
@@ -47003,14 +46643,16 @@
         </p:nvSpPr>
         <p:spPr/>
         <p:txBody>
-          <a:bodyPr/>
+          <a:bodyPr>
+            <a:normAutofit/>
+          </a:bodyPr>
           <a:lstStyle/>
           <a:p>
             <a:r>
-              <a:rPr lang="en-US" dirty="0" smtClean="0"/>
-              <a:t>Overview</a:t>
+              <a:rPr lang="en-US" sz="4400" dirty="0" smtClean="0"/>
+              <a:t>High-Level Requirements</a:t>
             </a:r>
-            <a:endParaRPr lang="en-US" dirty="0"/>
+            <a:endParaRPr lang="en-US" sz="4400" dirty="0"/>
           </a:p>
         </p:txBody>
       </p:sp>
@@ -47032,46 +46674,219 @@
             <a:fld id="{525A3C56-E491-49B2-93F3-63532DF516BC}" type="slidenum">
               <a:rPr lang="en-US" smtClean="0"/>
               <a:pPr/>
-              <a:t>4</a:t>
+              <a:t>5</a:t>
             </a:fld>
             <a:endParaRPr lang="en-US" dirty="0"/>
           </a:p>
         </p:txBody>
       </p:sp>
-      <p:pic>
-        <p:nvPicPr>
-          <p:cNvPr id="4" name="Picture 3"/>
-          <p:cNvPicPr>
-            <a:picLocks noChangeAspect="1"/>
-          </p:cNvPicPr>
+      <p:sp>
+        <p:nvSpPr>
+          <p:cNvPr id="5" name="TextBox 4"/>
+          <p:cNvSpPr txBox="1"/>
           <p:nvPr/>
-        </p:nvPicPr>
-        <p:blipFill>
-          <a:blip r:embed="rId2" cstate="print">
-            <a:extLst>
-              <a:ext uri="{28A0092B-C50C-407E-A947-70E740481C1C}">
-                <a14:useLocalDpi xmlns:a14="http://schemas.microsoft.com/office/drawing/2010/main" val="0"/>
-              </a:ext>
-            </a:extLst>
-          </a:blip>
-          <a:stretch>
-            <a:fillRect/>
-          </a:stretch>
-        </p:blipFill>
-        <p:spPr>
+        </p:nvSpPr>
+        <p:spPr bwMode="auto">
           <a:xfrm>
-            <a:off x="59821" y="1056600"/>
-            <a:ext cx="9144000" cy="5411372"/>
+            <a:off x="871670" y="1162463"/>
+            <a:ext cx="7845040" cy="6032421"/>
           </a:xfrm>
           <a:prstGeom prst="rect">
             <a:avLst/>
           </a:prstGeom>
+          <a:noFill/>
+          <a:ln w="9525" algn="ctr">
+            <a:noFill/>
+            <a:miter lim="800000"/>
+            <a:headEnd/>
+            <a:tailEnd/>
+          </a:ln>
+          <a:effectLst/>
         </p:spPr>
-      </p:pic>
+        <p:txBody>
+          <a:bodyPr wrap="square" lIns="0" tIns="0" rIns="0" bIns="0" rtlCol="0">
+            <a:spAutoFit/>
+          </a:bodyPr>
+          <a:lstStyle/>
+          <a:p>
+            <a:pPr marL="457200" indent="-457200">
+              <a:buClr>
+                <a:schemeClr val="accent1"/>
+              </a:buClr>
+              <a:buFont typeface="Arial" panose="020B0604020202020204" pitchFamily="34" charset="0"/>
+              <a:buChar char="•"/>
+            </a:pPr>
+            <a:r>
+              <a:rPr lang="en-CA" sz="2800" dirty="0" smtClean="0"/>
+              <a:t>Log </a:t>
+            </a:r>
+            <a:r>
+              <a:rPr lang="en-CA" sz="2800" dirty="0"/>
+              <a:t>In </a:t>
+            </a:r>
+            <a:r>
+              <a:rPr lang="en-CA" sz="2800" dirty="0" smtClean="0"/>
+              <a:t>Interface</a:t>
+            </a:r>
+          </a:p>
+          <a:p>
+            <a:pPr marL="914400" lvl="1" indent="-457200">
+              <a:buClr>
+                <a:schemeClr val="accent1"/>
+              </a:buClr>
+              <a:buFont typeface="Arial" panose="020B0604020202020204" pitchFamily="34" charset="0"/>
+              <a:buChar char="•"/>
+            </a:pPr>
+            <a:r>
+              <a:rPr lang="en-CA" sz="2800" dirty="0" smtClean="0"/>
+              <a:t>Client Credentials</a:t>
+            </a:r>
+          </a:p>
+          <a:p>
+            <a:pPr lvl="1">
+              <a:buClr>
+                <a:schemeClr val="accent1"/>
+              </a:buClr>
+            </a:pPr>
+            <a:endParaRPr lang="en-US" sz="2800" dirty="0"/>
+          </a:p>
+          <a:p>
+            <a:pPr marL="457200" lvl="0" indent="-457200">
+              <a:buClr>
+                <a:schemeClr val="accent1"/>
+              </a:buClr>
+              <a:buFont typeface="Arial" panose="020B0604020202020204" pitchFamily="34" charset="0"/>
+              <a:buChar char="•"/>
+            </a:pPr>
+            <a:r>
+              <a:rPr lang="en-CA" sz="2800" dirty="0"/>
+              <a:t>Member </a:t>
+            </a:r>
+            <a:r>
+              <a:rPr lang="en-CA" sz="2800" dirty="0" smtClean="0"/>
+              <a:t>Profile</a:t>
+            </a:r>
+          </a:p>
+          <a:p>
+            <a:pPr marL="914400" lvl="1" indent="-457200">
+              <a:buClr>
+                <a:schemeClr val="accent1"/>
+              </a:buClr>
+              <a:buFont typeface="Arial" panose="020B0604020202020204" pitchFamily="34" charset="0"/>
+              <a:buChar char="•"/>
+            </a:pPr>
+            <a:r>
+              <a:rPr lang="en-CA" sz="2800" dirty="0" smtClean="0"/>
+              <a:t>Populated Fields</a:t>
+            </a:r>
+          </a:p>
+          <a:p>
+            <a:pPr marL="914400" lvl="1" indent="-457200">
+              <a:buClr>
+                <a:schemeClr val="accent1"/>
+              </a:buClr>
+              <a:buFont typeface="Arial" panose="020B0604020202020204" pitchFamily="34" charset="0"/>
+              <a:buChar char="•"/>
+            </a:pPr>
+            <a:r>
+              <a:rPr lang="en-CA" sz="2800" dirty="0" smtClean="0"/>
+              <a:t>Insert, Edit, Delete</a:t>
+            </a:r>
+          </a:p>
+          <a:p>
+            <a:pPr marL="914400" lvl="1" indent="-457200">
+              <a:buClr>
+                <a:schemeClr val="accent1"/>
+              </a:buClr>
+              <a:buFont typeface="Arial" panose="020B0604020202020204" pitchFamily="34" charset="0"/>
+              <a:buChar char="•"/>
+            </a:pPr>
+            <a:r>
+              <a:rPr lang="en-CA" sz="2800" dirty="0" smtClean="0"/>
+              <a:t>View Members</a:t>
+            </a:r>
+          </a:p>
+          <a:p>
+            <a:pPr lvl="1">
+              <a:buClr>
+                <a:schemeClr val="accent1"/>
+              </a:buClr>
+            </a:pPr>
+            <a:endParaRPr lang="en-US" sz="2800" dirty="0"/>
+          </a:p>
+          <a:p>
+            <a:pPr marL="457200" lvl="0" indent="-457200">
+              <a:buClr>
+                <a:schemeClr val="accent1"/>
+              </a:buClr>
+              <a:buFont typeface="Arial" panose="020B0604020202020204" pitchFamily="34" charset="0"/>
+              <a:buChar char="•"/>
+            </a:pPr>
+            <a:r>
+              <a:rPr lang="en-CA" sz="2800" dirty="0"/>
+              <a:t>“Join </a:t>
+            </a:r>
+            <a:r>
+              <a:rPr lang="en-CA" sz="2800" dirty="0" smtClean="0"/>
+              <a:t>Carpool”</a:t>
+            </a:r>
+          </a:p>
+          <a:p>
+            <a:pPr marL="914400" lvl="1" indent="-457200">
+              <a:buClr>
+                <a:schemeClr val="accent1"/>
+              </a:buClr>
+              <a:buFont typeface="Arial" panose="020B0604020202020204" pitchFamily="34" charset="0"/>
+              <a:buChar char="•"/>
+            </a:pPr>
+            <a:r>
+              <a:rPr lang="en-CA" sz="2800" dirty="0" smtClean="0"/>
+              <a:t>Automated Address Search</a:t>
+            </a:r>
+          </a:p>
+          <a:p>
+            <a:pPr marL="914400" lvl="1" indent="-457200">
+              <a:buClr>
+                <a:schemeClr val="accent1"/>
+              </a:buClr>
+              <a:buFont typeface="Arial" panose="020B0604020202020204" pitchFamily="34" charset="0"/>
+              <a:buChar char="•"/>
+            </a:pPr>
+            <a:r>
+              <a:rPr lang="en-CA" sz="2800" dirty="0" smtClean="0"/>
+              <a:t>Requests to Join</a:t>
+            </a:r>
+          </a:p>
+          <a:p>
+            <a:pPr marL="914400" lvl="1" indent="-457200">
+              <a:buClr>
+                <a:schemeClr val="accent1"/>
+              </a:buClr>
+              <a:buFont typeface="Arial" panose="020B0604020202020204" pitchFamily="34" charset="0"/>
+              <a:buChar char="•"/>
+            </a:pPr>
+            <a:r>
+              <a:rPr lang="en-CA" sz="2800" dirty="0" smtClean="0"/>
+              <a:t>Multiple Carpools</a:t>
+            </a:r>
+          </a:p>
+          <a:p>
+            <a:pPr marL="914400" lvl="1" indent="-457200">
+              <a:buFont typeface="Arial" panose="020B0604020202020204" pitchFamily="34" charset="0"/>
+              <a:buChar char="•"/>
+            </a:pPr>
+            <a:endParaRPr lang="en-CA" sz="2800" dirty="0" smtClean="0"/>
+          </a:p>
+          <a:p>
+            <a:pPr lvl="1"/>
+            <a:endParaRPr lang="en-US" sz="2800" dirty="0"/>
+          </a:p>
+        </p:txBody>
+      </p:sp>
     </p:spTree>
     <p:extLst>
       <p:ext uri="{BB962C8B-B14F-4D97-AF65-F5344CB8AC3E}">
-        <p14:creationId xmlns:p14="http://schemas.microsoft.com/office/powerpoint/2010/main" val="3904269661"/>
+        <p14:creationId xmlns:p14="http://schemas.microsoft.com/office/powerpoint/2010/main" val="474273867"/>
       </p:ext>
     </p:extLst>
   </p:cSld>
@@ -47081,7 +46896,255 @@
 </p:sld>
 </file>
 
-<file path=ppt/slides/slide5.xml><?xml version="1.0" encoding="utf-8"?>
+<file path=ppt/slides/slide6.xml><?xml version="1.0" encoding="utf-8"?>
+<p:sld xmlns:a="http://schemas.openxmlformats.org/drawingml/2006/main" xmlns:r="http://schemas.openxmlformats.org/officeDocument/2006/relationships" xmlns:p="http://schemas.openxmlformats.org/presentationml/2006/main">
+  <p:cSld>
+    <p:spTree>
+      <p:nvGrpSpPr>
+        <p:cNvPr id="1" name=""/>
+        <p:cNvGrpSpPr/>
+        <p:nvPr/>
+      </p:nvGrpSpPr>
+      <p:grpSpPr>
+        <a:xfrm>
+          <a:off x="0" y="0"/>
+          <a:ext cx="0" cy="0"/>
+          <a:chOff x="0" y="0"/>
+          <a:chExt cx="0" cy="0"/>
+        </a:xfrm>
+      </p:grpSpPr>
+      <p:sp>
+        <p:nvSpPr>
+          <p:cNvPr id="2" name="Title 1"/>
+          <p:cNvSpPr>
+            <a:spLocks noGrp="1"/>
+          </p:cNvSpPr>
+          <p:nvPr>
+            <p:ph type="title"/>
+          </p:nvPr>
+        </p:nvSpPr>
+        <p:spPr/>
+        <p:txBody>
+          <a:bodyPr>
+            <a:normAutofit/>
+          </a:bodyPr>
+          <a:lstStyle/>
+          <a:p>
+            <a:r>
+              <a:rPr lang="en-US" sz="4400" dirty="0" smtClean="0"/>
+              <a:t>High-Level Requirements</a:t>
+            </a:r>
+            <a:endParaRPr lang="en-US" sz="4400" dirty="0"/>
+          </a:p>
+        </p:txBody>
+      </p:sp>
+      <p:sp>
+        <p:nvSpPr>
+          <p:cNvPr id="3" name="Slide Number Placeholder 2"/>
+          <p:cNvSpPr>
+            <a:spLocks noGrp="1"/>
+          </p:cNvSpPr>
+          <p:nvPr>
+            <p:ph type="sldNum" sz="quarter" idx="12"/>
+          </p:nvPr>
+        </p:nvSpPr>
+        <p:spPr/>
+        <p:txBody>
+          <a:bodyPr/>
+          <a:lstStyle/>
+          <a:p>
+            <a:fld id="{525A3C56-E491-49B2-93F3-63532DF516BC}" type="slidenum">
+              <a:rPr lang="en-US" smtClean="0"/>
+              <a:pPr/>
+              <a:t>6</a:t>
+            </a:fld>
+            <a:endParaRPr lang="en-US" dirty="0"/>
+          </a:p>
+        </p:txBody>
+      </p:sp>
+      <p:sp>
+        <p:nvSpPr>
+          <p:cNvPr id="5" name="TextBox 4"/>
+          <p:cNvSpPr txBox="1"/>
+          <p:nvPr/>
+        </p:nvSpPr>
+        <p:spPr bwMode="auto">
+          <a:xfrm>
+            <a:off x="897307" y="1341689"/>
+            <a:ext cx="7845040" cy="4739759"/>
+          </a:xfrm>
+          <a:prstGeom prst="rect">
+            <a:avLst/>
+          </a:prstGeom>
+          <a:noFill/>
+          <a:ln w="9525" algn="ctr">
+            <a:noFill/>
+            <a:miter lim="800000"/>
+            <a:headEnd/>
+            <a:tailEnd/>
+          </a:ln>
+          <a:effectLst/>
+        </p:spPr>
+        <p:txBody>
+          <a:bodyPr wrap="square" lIns="0" tIns="0" rIns="0" bIns="0" rtlCol="0">
+            <a:spAutoFit/>
+          </a:bodyPr>
+          <a:lstStyle/>
+          <a:p>
+            <a:pPr marL="457200" lvl="0" indent="-457200">
+              <a:buClr>
+                <a:schemeClr val="accent1"/>
+              </a:buClr>
+              <a:buFont typeface="Arial" panose="020B0604020202020204" pitchFamily="34" charset="0"/>
+              <a:buChar char="•"/>
+            </a:pPr>
+            <a:r>
+              <a:rPr lang="en-CA" sz="2800" dirty="0"/>
+              <a:t>“Create Carpool” </a:t>
+            </a:r>
+            <a:endParaRPr lang="en-CA" sz="2800" dirty="0" smtClean="0"/>
+          </a:p>
+          <a:p>
+            <a:pPr marL="914400" lvl="1" indent="-457200">
+              <a:buClr>
+                <a:schemeClr val="accent1"/>
+              </a:buClr>
+              <a:buFont typeface="Arial" panose="020B0604020202020204" pitchFamily="34" charset="0"/>
+              <a:buChar char="•"/>
+            </a:pPr>
+            <a:r>
+              <a:rPr lang="en-CA" sz="2800" dirty="0" smtClean="0"/>
+              <a:t>Carpool Leader</a:t>
+            </a:r>
+          </a:p>
+          <a:p>
+            <a:pPr marL="914400" lvl="1" indent="-457200">
+              <a:buClr>
+                <a:schemeClr val="accent1"/>
+              </a:buClr>
+              <a:buFont typeface="Arial" panose="020B0604020202020204" pitchFamily="34" charset="0"/>
+              <a:buChar char="•"/>
+            </a:pPr>
+            <a:r>
+              <a:rPr lang="en-CA" sz="2800" dirty="0" smtClean="0"/>
+              <a:t>Requests</a:t>
+            </a:r>
+          </a:p>
+          <a:p>
+            <a:pPr marL="914400" lvl="1" indent="-457200">
+              <a:buClr>
+                <a:schemeClr val="accent1"/>
+              </a:buClr>
+              <a:buFont typeface="Arial" panose="020B0604020202020204" pitchFamily="34" charset="0"/>
+              <a:buChar char="•"/>
+            </a:pPr>
+            <a:r>
+              <a:rPr lang="en-CA" sz="2800" dirty="0" smtClean="0"/>
+              <a:t>Schedule</a:t>
+            </a:r>
+          </a:p>
+          <a:p>
+            <a:pPr marL="457200" lvl="0" indent="-457200">
+              <a:buClr>
+                <a:schemeClr val="accent1"/>
+              </a:buClr>
+              <a:buFont typeface="Arial" panose="020B0604020202020204" pitchFamily="34" charset="0"/>
+              <a:buChar char="•"/>
+            </a:pPr>
+            <a:endParaRPr lang="en-US" sz="2800" dirty="0"/>
+          </a:p>
+          <a:p>
+            <a:pPr marL="457200" lvl="0" indent="-457200">
+              <a:buClr>
+                <a:schemeClr val="accent1"/>
+              </a:buClr>
+              <a:buFont typeface="Arial" panose="020B0604020202020204" pitchFamily="34" charset="0"/>
+              <a:buChar char="•"/>
+            </a:pPr>
+            <a:r>
+              <a:rPr lang="en-CA" sz="2800" dirty="0"/>
+              <a:t>Carpool Messaging </a:t>
+            </a:r>
+            <a:r>
+              <a:rPr lang="en-CA" sz="2800" dirty="0" smtClean="0"/>
+              <a:t>Feature</a:t>
+            </a:r>
+          </a:p>
+          <a:p>
+            <a:pPr marL="914400" lvl="1" indent="-457200">
+              <a:buClr>
+                <a:schemeClr val="accent1"/>
+              </a:buClr>
+              <a:buFont typeface="Arial" panose="020B0604020202020204" pitchFamily="34" charset="0"/>
+              <a:buChar char="•"/>
+            </a:pPr>
+            <a:r>
+              <a:rPr lang="en-CA" sz="2800" dirty="0" smtClean="0"/>
+              <a:t>SMS</a:t>
+            </a:r>
+          </a:p>
+          <a:p>
+            <a:pPr marL="914400" lvl="1" indent="-457200">
+              <a:buClr>
+                <a:schemeClr val="accent1"/>
+              </a:buClr>
+              <a:buFont typeface="Arial" panose="020B0604020202020204" pitchFamily="34" charset="0"/>
+              <a:buChar char="•"/>
+            </a:pPr>
+            <a:endParaRPr lang="en-US" sz="2800" dirty="0"/>
+          </a:p>
+          <a:p>
+            <a:pPr marL="457200" lvl="0" indent="-457200">
+              <a:buClr>
+                <a:schemeClr val="accent1"/>
+              </a:buClr>
+              <a:buFont typeface="Arial" panose="020B0604020202020204" pitchFamily="34" charset="0"/>
+              <a:buChar char="•"/>
+            </a:pPr>
+            <a:r>
+              <a:rPr lang="en-CA" sz="2800" dirty="0" smtClean="0"/>
+              <a:t>Carpool Schedule</a:t>
+            </a:r>
+          </a:p>
+          <a:p>
+            <a:pPr marL="914400" lvl="1" indent="-457200">
+              <a:buClr>
+                <a:schemeClr val="accent1"/>
+              </a:buClr>
+              <a:buFont typeface="Arial" panose="020B0604020202020204" pitchFamily="34" charset="0"/>
+              <a:buChar char="•"/>
+            </a:pPr>
+            <a:r>
+              <a:rPr lang="en-CA" sz="2800" dirty="0" smtClean="0"/>
+              <a:t>Reminder</a:t>
+            </a:r>
+            <a:endParaRPr lang="en-US" sz="2800" dirty="0"/>
+          </a:p>
+          <a:p>
+            <a:pPr marL="285750" indent="-285750">
+              <a:buFont typeface="Arial" panose="020B0604020202020204" pitchFamily="34" charset="0"/>
+              <a:buChar char="•"/>
+            </a:pPr>
+            <a:endParaRPr lang="en-US" sz="2800" dirty="0" smtClean="0">
+              <a:cs typeface="Arial" pitchFamily="34" charset="0"/>
+            </a:endParaRPr>
+          </a:p>
+        </p:txBody>
+      </p:sp>
+    </p:spTree>
+    <p:extLst>
+      <p:ext uri="{BB962C8B-B14F-4D97-AF65-F5344CB8AC3E}">
+        <p14:creationId xmlns:p14="http://schemas.microsoft.com/office/powerpoint/2010/main" val="1647545922"/>
+      </p:ext>
+    </p:extLst>
+  </p:cSld>
+  <p:clrMapOvr>
+    <a:masterClrMapping/>
+  </p:clrMapOvr>
+</p:sld>
+</file>
+
+<file path=ppt/slides/slide7.xml><?xml version="1.0" encoding="utf-8"?>
 <p:sld xmlns:a="http://schemas.openxmlformats.org/drawingml/2006/main" xmlns:r="http://schemas.openxmlformats.org/officeDocument/2006/relationships" xmlns:p="http://schemas.openxmlformats.org/presentationml/2006/main">
   <p:cSld>
     <p:spTree>
@@ -47116,7 +47179,307 @@
             <a:fld id="{525A3C56-E491-49B2-93F3-63532DF516BC}" type="slidenum">
               <a:rPr lang="en-US" smtClean="0"/>
               <a:pPr/>
-              <a:t>5</a:t>
+              <a:t>7</a:t>
+            </a:fld>
+            <a:endParaRPr lang="en-US" dirty="0"/>
+          </a:p>
+        </p:txBody>
+      </p:sp>
+      <p:sp>
+        <p:nvSpPr>
+          <p:cNvPr id="4" name="Rectangle 3"/>
+          <p:cNvSpPr/>
+          <p:nvPr/>
+        </p:nvSpPr>
+        <p:spPr>
+          <a:xfrm>
+            <a:off x="927216" y="1446184"/>
+            <a:ext cx="7208379" cy="4401205"/>
+          </a:xfrm>
+          <a:prstGeom prst="rect">
+            <a:avLst/>
+          </a:prstGeom>
+        </p:spPr>
+        <p:txBody>
+          <a:bodyPr wrap="square">
+            <a:spAutoFit/>
+          </a:bodyPr>
+          <a:lstStyle/>
+          <a:p>
+            <a:pPr marL="457200" lvl="0" indent="-457200">
+              <a:buClr>
+                <a:schemeClr val="accent1"/>
+              </a:buClr>
+              <a:buFont typeface="Arial" panose="020B0604020202020204" pitchFamily="34" charset="0"/>
+              <a:buChar char="•"/>
+            </a:pPr>
+            <a:r>
+              <a:rPr lang="en-CA" sz="2800" dirty="0"/>
+              <a:t>Carpool Calculator </a:t>
+            </a:r>
+            <a:r>
+              <a:rPr lang="en-CA" sz="2800" dirty="0" smtClean="0"/>
+              <a:t>Tool</a:t>
+            </a:r>
+          </a:p>
+          <a:p>
+            <a:pPr marL="457200" lvl="0" indent="-457200">
+              <a:buClr>
+                <a:schemeClr val="accent1"/>
+              </a:buClr>
+              <a:buFont typeface="Arial" panose="020B0604020202020204" pitchFamily="34" charset="0"/>
+              <a:buChar char="•"/>
+            </a:pPr>
+            <a:endParaRPr lang="en-US" sz="2800" dirty="0"/>
+          </a:p>
+          <a:p>
+            <a:pPr marL="457200" lvl="0" indent="-457200">
+              <a:buClr>
+                <a:schemeClr val="accent1"/>
+              </a:buClr>
+              <a:buFont typeface="Arial" panose="020B0604020202020204" pitchFamily="34" charset="0"/>
+              <a:buChar char="•"/>
+            </a:pPr>
+            <a:r>
+              <a:rPr lang="en-CA" sz="2800" dirty="0"/>
+              <a:t>Carpool Route </a:t>
+            </a:r>
+            <a:r>
+              <a:rPr lang="en-CA" sz="2800" dirty="0" smtClean="0"/>
+              <a:t>Functionality</a:t>
+            </a:r>
+          </a:p>
+          <a:p>
+            <a:pPr marL="914400" lvl="1" indent="-457200">
+              <a:buClr>
+                <a:schemeClr val="accent1"/>
+              </a:buClr>
+              <a:buFont typeface="Arial" panose="020B0604020202020204" pitchFamily="34" charset="0"/>
+              <a:buChar char="•"/>
+            </a:pPr>
+            <a:r>
+              <a:rPr lang="en-CA" sz="2800" dirty="0" smtClean="0"/>
+              <a:t>Google Maps API &amp; Apple Maps API</a:t>
+            </a:r>
+          </a:p>
+          <a:p>
+            <a:pPr marL="914400" lvl="1" indent="-457200">
+              <a:buClr>
+                <a:schemeClr val="accent1"/>
+              </a:buClr>
+              <a:buFont typeface="Arial" panose="020B0604020202020204" pitchFamily="34" charset="0"/>
+              <a:buChar char="•"/>
+            </a:pPr>
+            <a:endParaRPr lang="en-US" sz="2800" dirty="0"/>
+          </a:p>
+          <a:p>
+            <a:pPr marL="457200" lvl="0" indent="-457200">
+              <a:buClr>
+                <a:schemeClr val="accent1"/>
+              </a:buClr>
+              <a:buFont typeface="Arial" panose="020B0604020202020204" pitchFamily="34" charset="0"/>
+              <a:buChar char="•"/>
+            </a:pPr>
+            <a:r>
+              <a:rPr lang="en-CA" sz="2800" dirty="0"/>
+              <a:t>“Leaving Now” Notification </a:t>
+            </a:r>
+            <a:r>
+              <a:rPr lang="en-CA" sz="2800" dirty="0" smtClean="0"/>
+              <a:t>Feature</a:t>
+            </a:r>
+          </a:p>
+          <a:p>
+            <a:pPr marL="914400" lvl="1" indent="-457200">
+              <a:buClr>
+                <a:schemeClr val="accent1"/>
+              </a:buClr>
+              <a:buFont typeface="Arial" panose="020B0604020202020204" pitchFamily="34" charset="0"/>
+              <a:buChar char="•"/>
+            </a:pPr>
+            <a:r>
+              <a:rPr lang="en-CA" sz="2800" dirty="0" smtClean="0"/>
+              <a:t>Removes Uncertainty</a:t>
+            </a:r>
+          </a:p>
+          <a:p>
+            <a:pPr marL="914400" lvl="1" indent="-457200">
+              <a:buClr>
+                <a:schemeClr val="accent1"/>
+              </a:buClr>
+              <a:buFont typeface="Arial" panose="020B0604020202020204" pitchFamily="34" charset="0"/>
+              <a:buChar char="•"/>
+            </a:pPr>
+            <a:endParaRPr lang="en-CA" sz="2800" dirty="0"/>
+          </a:p>
+          <a:p>
+            <a:pPr marL="457200" indent="-457200">
+              <a:buClr>
+                <a:schemeClr val="accent1"/>
+              </a:buClr>
+              <a:buFont typeface="Arial" panose="020B0604020202020204" pitchFamily="34" charset="0"/>
+              <a:buChar char="•"/>
+            </a:pPr>
+            <a:r>
+              <a:rPr lang="en-CA" sz="2800" dirty="0" smtClean="0"/>
+              <a:t>Member Data</a:t>
+            </a:r>
+          </a:p>
+          <a:p>
+            <a:pPr marL="914400" lvl="1" indent="-457200">
+              <a:buClr>
+                <a:schemeClr val="accent1"/>
+              </a:buClr>
+              <a:buFont typeface="Arial" panose="020B0604020202020204" pitchFamily="34" charset="0"/>
+              <a:buChar char="•"/>
+            </a:pPr>
+            <a:r>
+              <a:rPr lang="en-CA" sz="2800" dirty="0" smtClean="0"/>
+              <a:t>Hosted and Managed by CGI</a:t>
+            </a:r>
+            <a:endParaRPr lang="en-US" sz="2800" dirty="0"/>
+          </a:p>
+        </p:txBody>
+      </p:sp>
+      <p:sp>
+        <p:nvSpPr>
+          <p:cNvPr id="5" name="Title 1"/>
+          <p:cNvSpPr>
+            <a:spLocks noGrp="1"/>
+          </p:cNvSpPr>
+          <p:nvPr>
+            <p:ph type="title"/>
+          </p:nvPr>
+        </p:nvSpPr>
+        <p:spPr>
+          <a:xfrm>
+            <a:off x="447675" y="185739"/>
+            <a:ext cx="8239125" cy="920750"/>
+          </a:xfrm>
+        </p:spPr>
+        <p:txBody>
+          <a:bodyPr>
+            <a:normAutofit/>
+          </a:bodyPr>
+          <a:lstStyle/>
+          <a:p>
+            <a:r>
+              <a:rPr lang="en-US" sz="4400" dirty="0" smtClean="0"/>
+              <a:t>High-Level Requirements</a:t>
+            </a:r>
+            <a:endParaRPr lang="en-US" sz="4400" dirty="0"/>
+          </a:p>
+        </p:txBody>
+      </p:sp>
+    </p:spTree>
+    <p:extLst>
+      <p:ext uri="{BB962C8B-B14F-4D97-AF65-F5344CB8AC3E}">
+        <p14:creationId xmlns:p14="http://schemas.microsoft.com/office/powerpoint/2010/main" val="311706011"/>
+      </p:ext>
+    </p:extLst>
+  </p:cSld>
+  <p:clrMapOvr>
+    <a:masterClrMapping/>
+  </p:clrMapOvr>
+</p:sld>
+</file>
+
+<file path=ppt/slides/slide8.xml><?xml version="1.0" encoding="utf-8"?>
+<p:sld xmlns:a="http://schemas.openxmlformats.org/drawingml/2006/main" xmlns:r="http://schemas.openxmlformats.org/officeDocument/2006/relationships" xmlns:p="http://schemas.openxmlformats.org/presentationml/2006/main">
+  <p:cSld>
+    <p:spTree>
+      <p:nvGrpSpPr>
+        <p:cNvPr id="1" name=""/>
+        <p:cNvGrpSpPr/>
+        <p:nvPr/>
+      </p:nvGrpSpPr>
+      <p:grpSpPr>
+        <a:xfrm>
+          <a:off x="0" y="0"/>
+          <a:ext cx="0" cy="0"/>
+          <a:chOff x="0" y="0"/>
+          <a:chExt cx="0" cy="0"/>
+        </a:xfrm>
+      </p:grpSpPr>
+      <p:sp>
+        <p:nvSpPr>
+          <p:cNvPr id="2" name="Title 1"/>
+          <p:cNvSpPr>
+            <a:spLocks noGrp="1"/>
+          </p:cNvSpPr>
+          <p:nvPr>
+            <p:ph type="ctrTitle"/>
+          </p:nvPr>
+        </p:nvSpPr>
+        <p:spPr/>
+        <p:txBody>
+          <a:bodyPr/>
+          <a:lstStyle/>
+          <a:p>
+            <a:r>
+              <a:rPr lang="en-US" dirty="0" smtClean="0"/>
+              <a:t>App Design</a:t>
+            </a:r>
+            <a:endParaRPr lang="en-US" dirty="0"/>
+          </a:p>
+        </p:txBody>
+      </p:sp>
+    </p:spTree>
+    <p:extLst>
+      <p:ext uri="{BB962C8B-B14F-4D97-AF65-F5344CB8AC3E}">
+        <p14:creationId xmlns:p14="http://schemas.microsoft.com/office/powerpoint/2010/main" val="2863567284"/>
+      </p:ext>
+    </p:extLst>
+  </p:cSld>
+  <p:clrMapOvr>
+    <a:masterClrMapping/>
+  </p:clrMapOvr>
+  <p:timing>
+    <p:tnLst>
+      <p:par>
+        <p:cTn id="1" dur="indefinite" restart="never" nodeType="tmRoot"/>
+      </p:par>
+    </p:tnLst>
+  </p:timing>
+</p:sld>
+</file>
+
+<file path=ppt/slides/slide9.xml><?xml version="1.0" encoding="utf-8"?>
+<p:sld xmlns:a="http://schemas.openxmlformats.org/drawingml/2006/main" xmlns:r="http://schemas.openxmlformats.org/officeDocument/2006/relationships" xmlns:p="http://schemas.openxmlformats.org/presentationml/2006/main">
+  <p:cSld>
+    <p:spTree>
+      <p:nvGrpSpPr>
+        <p:cNvPr id="1" name=""/>
+        <p:cNvGrpSpPr/>
+        <p:nvPr/>
+      </p:nvGrpSpPr>
+      <p:grpSpPr>
+        <a:xfrm>
+          <a:off x="0" y="0"/>
+          <a:ext cx="0" cy="0"/>
+          <a:chOff x="0" y="0"/>
+          <a:chExt cx="0" cy="0"/>
+        </a:xfrm>
+      </p:grpSpPr>
+      <p:sp>
+        <p:nvSpPr>
+          <p:cNvPr id="3" name="Slide Number Placeholder 2"/>
+          <p:cNvSpPr>
+            <a:spLocks noGrp="1"/>
+          </p:cNvSpPr>
+          <p:nvPr>
+            <p:ph type="sldNum" sz="quarter" idx="12"/>
+          </p:nvPr>
+        </p:nvSpPr>
+        <p:spPr/>
+        <p:txBody>
+          <a:bodyPr/>
+          <a:lstStyle/>
+          <a:p>
+            <a:fld id="{525A3C56-E491-49B2-93F3-63532DF516BC}" type="slidenum">
+              <a:rPr lang="en-US" smtClean="0"/>
+              <a:pPr/>
+              <a:t>9</a:t>
             </a:fld>
             <a:endParaRPr lang="en-US" dirty="0"/>
           </a:p>
@@ -47145,1020 +47508,10 @@
           </a:p>
         </p:txBody>
       </p:sp>
-      <p:sp>
-        <p:nvSpPr>
-          <p:cNvPr id="5" name="Content Placeholder 4"/>
-          <p:cNvSpPr>
-            <a:spLocks noGrp="1"/>
-          </p:cNvSpPr>
-          <p:nvPr>
-            <p:ph sz="quarter" idx="17"/>
-          </p:nvPr>
-        </p:nvSpPr>
-        <p:spPr/>
-        <p:txBody>
-          <a:bodyPr/>
-          <a:lstStyle/>
-          <a:p>
-            <a:endParaRPr lang="en-US" dirty="0"/>
-          </a:p>
-        </p:txBody>
-      </p:sp>
-      <p:sp>
-        <p:nvSpPr>
-          <p:cNvPr id="6" name="Content Placeholder 5"/>
-          <p:cNvSpPr>
-            <a:spLocks noGrp="1"/>
-          </p:cNvSpPr>
-          <p:nvPr>
-            <p:ph sz="quarter" idx="23"/>
-          </p:nvPr>
-        </p:nvSpPr>
-        <p:spPr/>
-        <p:txBody>
-          <a:bodyPr/>
-          <a:lstStyle/>
-          <a:p>
-            <a:endParaRPr lang="en-US"/>
-          </a:p>
-        </p:txBody>
-      </p:sp>
-      <p:pic>
-        <p:nvPicPr>
-          <p:cNvPr id="1026" name="Picture 2"/>
-          <p:cNvPicPr>
-            <a:picLocks noChangeAspect="1" noChangeArrowheads="1"/>
-          </p:cNvPicPr>
-          <p:nvPr/>
-        </p:nvPicPr>
-        <p:blipFill>
-          <a:blip r:embed="rId2">
-            <a:extLst>
-              <a:ext uri="{28A0092B-C50C-407E-A947-70E740481C1C}">
-                <a14:useLocalDpi xmlns:a14="http://schemas.microsoft.com/office/drawing/2010/main" val="0"/>
-              </a:ext>
-            </a:extLst>
-          </a:blip>
-          <a:srcRect/>
-          <a:stretch>
-            <a:fillRect/>
-          </a:stretch>
-        </p:blipFill>
-        <p:spPr bwMode="auto">
-          <a:xfrm>
-            <a:off x="4700011" y="486829"/>
-            <a:ext cx="3162300" cy="6226175"/>
-          </a:xfrm>
-          <a:prstGeom prst="rect">
-            <a:avLst/>
-          </a:prstGeom>
-          <a:noFill/>
-          <a:ln>
-            <a:noFill/>
-          </a:ln>
-          <a:extLst>
-            <a:ext uri="{909E8E84-426E-40DD-AFC4-6F175D3DCCD1}">
-              <a14:hiddenFill xmlns:a14="http://schemas.microsoft.com/office/drawing/2010/main">
-                <a:solidFill>
-                  <a:schemeClr val="accent1"/>
-                </a:solidFill>
-              </a14:hiddenFill>
-            </a:ext>
-            <a:ext uri="{91240B29-F687-4F45-9708-019B960494DF}">
-              <a14:hiddenLine xmlns:a14="http://schemas.microsoft.com/office/drawing/2010/main" w="9525">
-                <a:solidFill>
-                  <a:schemeClr val="tx1"/>
-                </a:solidFill>
-                <a:miter lim="800000"/>
-                <a:headEnd/>
-                <a:tailEnd/>
-              </a14:hiddenLine>
-            </a:ext>
-          </a:extLst>
-        </p:spPr>
-      </p:pic>
     </p:spTree>
     <p:extLst>
       <p:ext uri="{BB962C8B-B14F-4D97-AF65-F5344CB8AC3E}">
         <p14:creationId xmlns:p14="http://schemas.microsoft.com/office/powerpoint/2010/main" val="1383719726"/>
-      </p:ext>
-    </p:extLst>
-  </p:cSld>
-  <p:clrMapOvr>
-    <a:masterClrMapping/>
-  </p:clrMapOvr>
-</p:sld>
-</file>
-
-<file path=ppt/slides/slide6.xml><?xml version="1.0" encoding="utf-8"?>
-<p:sld xmlns:a="http://schemas.openxmlformats.org/drawingml/2006/main" xmlns:r="http://schemas.openxmlformats.org/officeDocument/2006/relationships" xmlns:p="http://schemas.openxmlformats.org/presentationml/2006/main">
-  <p:cSld>
-    <p:spTree>
-      <p:nvGrpSpPr>
-        <p:cNvPr id="1" name=""/>
-        <p:cNvGrpSpPr/>
-        <p:nvPr/>
-      </p:nvGrpSpPr>
-      <p:grpSpPr>
-        <a:xfrm>
-          <a:off x="0" y="0"/>
-          <a:ext cx="0" cy="0"/>
-          <a:chOff x="0" y="0"/>
-          <a:chExt cx="0" cy="0"/>
-        </a:xfrm>
-      </p:grpSpPr>
-      <p:sp>
-        <p:nvSpPr>
-          <p:cNvPr id="2" name="Slide Number Placeholder 1"/>
-          <p:cNvSpPr>
-            <a:spLocks noGrp="1"/>
-          </p:cNvSpPr>
-          <p:nvPr>
-            <p:ph type="sldNum" sz="quarter" idx="12"/>
-          </p:nvPr>
-        </p:nvSpPr>
-        <p:spPr/>
-        <p:txBody>
-          <a:bodyPr/>
-          <a:lstStyle/>
-          <a:p>
-            <a:fld id="{525A3C56-E491-49B2-93F3-63532DF516BC}" type="slidenum">
-              <a:rPr lang="en-US" smtClean="0"/>
-              <a:pPr/>
-              <a:t>6</a:t>
-            </a:fld>
-            <a:endParaRPr lang="en-US" dirty="0"/>
-          </a:p>
-        </p:txBody>
-      </p:sp>
-      <p:sp>
-        <p:nvSpPr>
-          <p:cNvPr id="3" name="Title 2"/>
-          <p:cNvSpPr>
-            <a:spLocks noGrp="1"/>
-          </p:cNvSpPr>
-          <p:nvPr>
-            <p:ph type="title"/>
-          </p:nvPr>
-        </p:nvSpPr>
-        <p:spPr/>
-        <p:txBody>
-          <a:bodyPr/>
-          <a:lstStyle/>
-          <a:p>
-            <a:r>
-              <a:rPr lang="en-US" dirty="0" smtClean="0"/>
-              <a:t>Create New Account</a:t>
-            </a:r>
-            <a:endParaRPr lang="en-US" dirty="0"/>
-          </a:p>
-        </p:txBody>
-      </p:sp>
-      <p:sp>
-        <p:nvSpPr>
-          <p:cNvPr id="4" name="Content Placeholder 3"/>
-          <p:cNvSpPr>
-            <a:spLocks noGrp="1"/>
-          </p:cNvSpPr>
-          <p:nvPr>
-            <p:ph sz="quarter" idx="17"/>
-          </p:nvPr>
-        </p:nvSpPr>
-        <p:spPr/>
-        <p:txBody>
-          <a:bodyPr/>
-          <a:lstStyle/>
-          <a:p>
-            <a:endParaRPr lang="en-US"/>
-          </a:p>
-        </p:txBody>
-      </p:sp>
-      <p:sp>
-        <p:nvSpPr>
-          <p:cNvPr id="5" name="Content Placeholder 4"/>
-          <p:cNvSpPr>
-            <a:spLocks noGrp="1"/>
-          </p:cNvSpPr>
-          <p:nvPr>
-            <p:ph sz="quarter" idx="23"/>
-          </p:nvPr>
-        </p:nvSpPr>
-        <p:spPr/>
-        <p:txBody>
-          <a:bodyPr/>
-          <a:lstStyle/>
-          <a:p>
-            <a:endParaRPr lang="en-US"/>
-          </a:p>
-        </p:txBody>
-      </p:sp>
-      <p:pic>
-        <p:nvPicPr>
-          <p:cNvPr id="2050" name="Picture 2"/>
-          <p:cNvPicPr>
-            <a:picLocks noChangeAspect="1" noChangeArrowheads="1"/>
-          </p:cNvPicPr>
-          <p:nvPr/>
-        </p:nvPicPr>
-        <p:blipFill>
-          <a:blip r:embed="rId2">
-            <a:extLst>
-              <a:ext uri="{BEBA8EAE-BF5A-486C-A8C5-ECC9F3942E4B}">
-                <a14:imgProps xmlns:a14="http://schemas.microsoft.com/office/drawing/2010/main">
-                  <a14:imgLayer r:embed="rId3">
-                    <a14:imgEffect>
-                      <a14:backgroundRemoval t="5131" b="98974" l="0" r="96728">
-                        <a14:foregroundMark x1="7988" y1="9350" x2="7026" y2="89168"/>
-                        <a14:foregroundMark x1="22137" y1="75941" x2="39750" y2="75485"/>
-                        <a14:foregroundMark x1="24639" y1="71038" x2="37921" y2="71038"/>
-                        <a14:foregroundMark x1="41001" y1="56670" x2="23484" y2="56670"/>
-                        <a14:foregroundMark x1="61501" y1="11403" x2="88932" y2="90536"/>
-                        <a14:foregroundMark x1="61694" y1="69783" x2="77093" y2="69555"/>
-                        <a14:foregroundMark x1="59095" y1="11859" x2="87680" y2="9350"/>
-                        <a14:foregroundMark x1="34456" y1="7982" x2="16362" y2="7982"/>
-                        <a14:backgroundMark x1="52069" y1="8666" x2="47931" y2="87685"/>
-                        <a14:backgroundMark x1="49471" y1="87571" x2="55438" y2="7754"/>
-                        <a14:backgroundMark x1="60924" y1="6499" x2="94899" y2="6727"/>
-                        <a14:backgroundMark x1="95765" y1="6271" x2="97979" y2="95895"/>
-                        <a14:backgroundMark x1="93263" y1="97035" x2="61213" y2="99088"/>
-                        <a14:backgroundMark x1="61309" y1="97605" x2="48027" y2="87229"/>
-                        <a14:backgroundMark x1="49278" y1="87913" x2="36959" y2="98404"/>
-                        <a14:backgroundMark x1="6545" y1="97263" x2="1155" y2="79590"/>
-                      </a14:backgroundRemoval>
-                    </a14:imgEffect>
-                  </a14:imgLayer>
-                </a14:imgProps>
-              </a:ext>
-              <a:ext uri="{28A0092B-C50C-407E-A947-70E740481C1C}">
-                <a14:useLocalDpi xmlns:a14="http://schemas.microsoft.com/office/drawing/2010/main" val="0"/>
-              </a:ext>
-            </a:extLst>
-          </a:blip>
-          <a:srcRect/>
-          <a:stretch>
-            <a:fillRect/>
-          </a:stretch>
-        </p:blipFill>
-        <p:spPr bwMode="auto">
-          <a:xfrm>
-            <a:off x="538386" y="478860"/>
-            <a:ext cx="7727920" cy="6522563"/>
-          </a:xfrm>
-          <a:prstGeom prst="rect">
-            <a:avLst/>
-          </a:prstGeom>
-          <a:noFill/>
-          <a:ln>
-            <a:noFill/>
-          </a:ln>
-          <a:extLst>
-            <a:ext uri="{909E8E84-426E-40DD-AFC4-6F175D3DCCD1}">
-              <a14:hiddenFill xmlns:a14="http://schemas.microsoft.com/office/drawing/2010/main">
-                <a:solidFill>
-                  <a:schemeClr val="accent1"/>
-                </a:solidFill>
-              </a14:hiddenFill>
-            </a:ext>
-            <a:ext uri="{91240B29-F687-4F45-9708-019B960494DF}">
-              <a14:hiddenLine xmlns:a14="http://schemas.microsoft.com/office/drawing/2010/main" w="9525">
-                <a:solidFill>
-                  <a:schemeClr val="tx1"/>
-                </a:solidFill>
-                <a:miter lim="800000"/>
-                <a:headEnd/>
-                <a:tailEnd/>
-              </a14:hiddenLine>
-            </a:ext>
-          </a:extLst>
-        </p:spPr>
-      </p:pic>
-    </p:spTree>
-    <p:extLst>
-      <p:ext uri="{BB962C8B-B14F-4D97-AF65-F5344CB8AC3E}">
-        <p14:creationId xmlns:p14="http://schemas.microsoft.com/office/powerpoint/2010/main" val="832622584"/>
-      </p:ext>
-    </p:extLst>
-  </p:cSld>
-  <p:clrMapOvr>
-    <a:masterClrMapping/>
-  </p:clrMapOvr>
-</p:sld>
-</file>
-
-<file path=ppt/slides/slide7.xml><?xml version="1.0" encoding="utf-8"?>
-<p:sld xmlns:a="http://schemas.openxmlformats.org/drawingml/2006/main" xmlns:r="http://schemas.openxmlformats.org/officeDocument/2006/relationships" xmlns:p="http://schemas.openxmlformats.org/presentationml/2006/main">
-  <p:cSld>
-    <p:spTree>
-      <p:nvGrpSpPr>
-        <p:cNvPr id="1" name=""/>
-        <p:cNvGrpSpPr/>
-        <p:nvPr/>
-      </p:nvGrpSpPr>
-      <p:grpSpPr>
-        <a:xfrm>
-          <a:off x="0" y="0"/>
-          <a:ext cx="0" cy="0"/>
-          <a:chOff x="0" y="0"/>
-          <a:chExt cx="0" cy="0"/>
-        </a:xfrm>
-      </p:grpSpPr>
-      <p:sp>
-        <p:nvSpPr>
-          <p:cNvPr id="2" name="Slide Number Placeholder 1"/>
-          <p:cNvSpPr>
-            <a:spLocks noGrp="1"/>
-          </p:cNvSpPr>
-          <p:nvPr>
-            <p:ph type="sldNum" sz="quarter" idx="12"/>
-          </p:nvPr>
-        </p:nvSpPr>
-        <p:spPr/>
-        <p:txBody>
-          <a:bodyPr/>
-          <a:lstStyle/>
-          <a:p>
-            <a:fld id="{525A3C56-E491-49B2-93F3-63532DF516BC}" type="slidenum">
-              <a:rPr lang="en-US" smtClean="0"/>
-              <a:pPr/>
-              <a:t>7</a:t>
-            </a:fld>
-            <a:endParaRPr lang="en-US" dirty="0"/>
-          </a:p>
-        </p:txBody>
-      </p:sp>
-      <p:sp>
-        <p:nvSpPr>
-          <p:cNvPr id="3" name="Title 2"/>
-          <p:cNvSpPr>
-            <a:spLocks noGrp="1"/>
-          </p:cNvSpPr>
-          <p:nvPr>
-            <p:ph type="title"/>
-          </p:nvPr>
-        </p:nvSpPr>
-        <p:spPr/>
-        <p:txBody>
-          <a:bodyPr/>
-          <a:lstStyle/>
-          <a:p>
-            <a:r>
-              <a:rPr lang="en-US" dirty="0" smtClean="0"/>
-              <a:t>Home Page</a:t>
-            </a:r>
-            <a:endParaRPr lang="en-US" dirty="0"/>
-          </a:p>
-        </p:txBody>
-      </p:sp>
-      <p:sp>
-        <p:nvSpPr>
-          <p:cNvPr id="4" name="Content Placeholder 3"/>
-          <p:cNvSpPr>
-            <a:spLocks noGrp="1"/>
-          </p:cNvSpPr>
-          <p:nvPr>
-            <p:ph sz="quarter" idx="17"/>
-          </p:nvPr>
-        </p:nvSpPr>
-        <p:spPr/>
-        <p:txBody>
-          <a:bodyPr/>
-          <a:lstStyle/>
-          <a:p>
-            <a:endParaRPr lang="en-US"/>
-          </a:p>
-        </p:txBody>
-      </p:sp>
-      <p:sp>
-        <p:nvSpPr>
-          <p:cNvPr id="5" name="Content Placeholder 4"/>
-          <p:cNvSpPr>
-            <a:spLocks noGrp="1"/>
-          </p:cNvSpPr>
-          <p:nvPr>
-            <p:ph sz="quarter" idx="23"/>
-          </p:nvPr>
-        </p:nvSpPr>
-        <p:spPr/>
-        <p:txBody>
-          <a:bodyPr/>
-          <a:lstStyle/>
-          <a:p>
-            <a:endParaRPr lang="en-US"/>
-          </a:p>
-        </p:txBody>
-      </p:sp>
-      <p:pic>
-        <p:nvPicPr>
-          <p:cNvPr id="3074" name="Picture 2"/>
-          <p:cNvPicPr>
-            <a:picLocks noChangeAspect="1" noChangeArrowheads="1"/>
-          </p:cNvPicPr>
-          <p:nvPr/>
-        </p:nvPicPr>
-        <p:blipFill>
-          <a:blip r:embed="rId2" cstate="print">
-            <a:extLst>
-              <a:ext uri="{28A0092B-C50C-407E-A947-70E740481C1C}">
-                <a14:useLocalDpi xmlns:a14="http://schemas.microsoft.com/office/drawing/2010/main" val="0"/>
-              </a:ext>
-            </a:extLst>
-          </a:blip>
-          <a:srcRect/>
-          <a:stretch>
-            <a:fillRect/>
-          </a:stretch>
-        </p:blipFill>
-        <p:spPr bwMode="auto">
-          <a:xfrm>
-            <a:off x="2751746" y="391035"/>
-            <a:ext cx="559927" cy="476492"/>
-          </a:xfrm>
-          <a:prstGeom prst="rect">
-            <a:avLst/>
-          </a:prstGeom>
-          <a:noFill/>
-          <a:ln>
-            <a:noFill/>
-          </a:ln>
-          <a:extLst>
-            <a:ext uri="{909E8E84-426E-40DD-AFC4-6F175D3DCCD1}">
-              <a14:hiddenFill xmlns:a14="http://schemas.microsoft.com/office/drawing/2010/main">
-                <a:solidFill>
-                  <a:schemeClr val="accent1"/>
-                </a:solidFill>
-              </a14:hiddenFill>
-            </a:ext>
-            <a:ext uri="{91240B29-F687-4F45-9708-019B960494DF}">
-              <a14:hiddenLine xmlns:a14="http://schemas.microsoft.com/office/drawing/2010/main" w="9525">
-                <a:solidFill>
-                  <a:schemeClr val="tx1"/>
-                </a:solidFill>
-                <a:miter lim="800000"/>
-                <a:headEnd/>
-                <a:tailEnd/>
-              </a14:hiddenLine>
-            </a:ext>
-          </a:extLst>
-        </p:spPr>
-      </p:pic>
-      <p:pic>
-        <p:nvPicPr>
-          <p:cNvPr id="3077" name="Picture 5"/>
-          <p:cNvPicPr>
-            <a:picLocks noChangeAspect="1" noChangeArrowheads="1"/>
-          </p:cNvPicPr>
-          <p:nvPr/>
-        </p:nvPicPr>
-        <p:blipFill>
-          <a:blip r:embed="rId3">
-            <a:extLst>
-              <a:ext uri="{28A0092B-C50C-407E-A947-70E740481C1C}">
-                <a14:useLocalDpi xmlns:a14="http://schemas.microsoft.com/office/drawing/2010/main" val="0"/>
-              </a:ext>
-            </a:extLst>
-          </a:blip>
-          <a:srcRect/>
-          <a:stretch>
-            <a:fillRect/>
-          </a:stretch>
-        </p:blipFill>
-        <p:spPr bwMode="auto">
-          <a:xfrm>
-            <a:off x="314474" y="940720"/>
-            <a:ext cx="3205146" cy="5798321"/>
-          </a:xfrm>
-          <a:prstGeom prst="rect">
-            <a:avLst/>
-          </a:prstGeom>
-          <a:noFill/>
-          <a:ln>
-            <a:noFill/>
-          </a:ln>
-          <a:extLst>
-            <a:ext uri="{909E8E84-426E-40DD-AFC4-6F175D3DCCD1}">
-              <a14:hiddenFill xmlns:a14="http://schemas.microsoft.com/office/drawing/2010/main">
-                <a:solidFill>
-                  <a:schemeClr val="accent1"/>
-                </a:solidFill>
-              </a14:hiddenFill>
-            </a:ext>
-            <a:ext uri="{91240B29-F687-4F45-9708-019B960494DF}">
-              <a14:hiddenLine xmlns:a14="http://schemas.microsoft.com/office/drawing/2010/main" w="9525">
-                <a:solidFill>
-                  <a:schemeClr val="tx1"/>
-                </a:solidFill>
-                <a:miter lim="800000"/>
-                <a:headEnd/>
-                <a:tailEnd/>
-              </a14:hiddenLine>
-            </a:ext>
-          </a:extLst>
-        </p:spPr>
-      </p:pic>
-      <p:pic>
-        <p:nvPicPr>
-          <p:cNvPr id="3078" name="Picture 6"/>
-          <p:cNvPicPr>
-            <a:picLocks noChangeAspect="1" noChangeArrowheads="1"/>
-          </p:cNvPicPr>
-          <p:nvPr/>
-        </p:nvPicPr>
-        <p:blipFill>
-          <a:blip r:embed="rId4">
-            <a:extLst>
-              <a:ext uri="{28A0092B-C50C-407E-A947-70E740481C1C}">
-                <a14:useLocalDpi xmlns:a14="http://schemas.microsoft.com/office/drawing/2010/main" val="0"/>
-              </a:ext>
-            </a:extLst>
-          </a:blip>
-          <a:srcRect/>
-          <a:stretch>
-            <a:fillRect/>
-          </a:stretch>
-        </p:blipFill>
-        <p:spPr bwMode="auto">
-          <a:xfrm>
-            <a:off x="4373995" y="940720"/>
-            <a:ext cx="3576161" cy="5974147"/>
-          </a:xfrm>
-          <a:prstGeom prst="rect">
-            <a:avLst/>
-          </a:prstGeom>
-          <a:noFill/>
-          <a:ln>
-            <a:noFill/>
-          </a:ln>
-          <a:extLst>
-            <a:ext uri="{909E8E84-426E-40DD-AFC4-6F175D3DCCD1}">
-              <a14:hiddenFill xmlns:a14="http://schemas.microsoft.com/office/drawing/2010/main">
-                <a:solidFill>
-                  <a:schemeClr val="accent1"/>
-                </a:solidFill>
-              </a14:hiddenFill>
-            </a:ext>
-            <a:ext uri="{91240B29-F687-4F45-9708-019B960494DF}">
-              <a14:hiddenLine xmlns:a14="http://schemas.microsoft.com/office/drawing/2010/main" w="9525">
-                <a:solidFill>
-                  <a:schemeClr val="tx1"/>
-                </a:solidFill>
-                <a:miter lim="800000"/>
-                <a:headEnd/>
-                <a:tailEnd/>
-              </a14:hiddenLine>
-            </a:ext>
-          </a:extLst>
-        </p:spPr>
-      </p:pic>
-    </p:spTree>
-    <p:extLst>
-      <p:ext uri="{BB962C8B-B14F-4D97-AF65-F5344CB8AC3E}">
-        <p14:creationId xmlns:p14="http://schemas.microsoft.com/office/powerpoint/2010/main" val="3982539623"/>
-      </p:ext>
-    </p:extLst>
-  </p:cSld>
-  <p:clrMapOvr>
-    <a:masterClrMapping/>
-  </p:clrMapOvr>
-</p:sld>
-</file>
-
-<file path=ppt/slides/slide8.xml><?xml version="1.0" encoding="utf-8"?>
-<p:sld xmlns:a="http://schemas.openxmlformats.org/drawingml/2006/main" xmlns:r="http://schemas.openxmlformats.org/officeDocument/2006/relationships" xmlns:p="http://schemas.openxmlformats.org/presentationml/2006/main">
-  <p:cSld>
-    <p:spTree>
-      <p:nvGrpSpPr>
-        <p:cNvPr id="1" name=""/>
-        <p:cNvGrpSpPr/>
-        <p:nvPr/>
-      </p:nvGrpSpPr>
-      <p:grpSpPr>
-        <a:xfrm>
-          <a:off x="0" y="0"/>
-          <a:ext cx="0" cy="0"/>
-          <a:chOff x="0" y="0"/>
-          <a:chExt cx="0" cy="0"/>
-        </a:xfrm>
-      </p:grpSpPr>
-      <p:sp>
-        <p:nvSpPr>
-          <p:cNvPr id="2" name="Slide Number Placeholder 1"/>
-          <p:cNvSpPr>
-            <a:spLocks noGrp="1"/>
-          </p:cNvSpPr>
-          <p:nvPr>
-            <p:ph type="sldNum" sz="quarter" idx="12"/>
-          </p:nvPr>
-        </p:nvSpPr>
-        <p:spPr/>
-        <p:txBody>
-          <a:bodyPr/>
-          <a:lstStyle/>
-          <a:p>
-            <a:fld id="{525A3C56-E491-49B2-93F3-63532DF516BC}" type="slidenum">
-              <a:rPr lang="en-US" smtClean="0"/>
-              <a:pPr/>
-              <a:t>8</a:t>
-            </a:fld>
-            <a:endParaRPr lang="en-US" dirty="0"/>
-          </a:p>
-        </p:txBody>
-      </p:sp>
-      <p:sp>
-        <p:nvSpPr>
-          <p:cNvPr id="3" name="Title 2"/>
-          <p:cNvSpPr>
-            <a:spLocks noGrp="1"/>
-          </p:cNvSpPr>
-          <p:nvPr>
-            <p:ph type="title"/>
-          </p:nvPr>
-        </p:nvSpPr>
-        <p:spPr/>
-        <p:txBody>
-          <a:bodyPr/>
-          <a:lstStyle/>
-          <a:p>
-            <a:r>
-              <a:rPr lang="en-US" dirty="0" smtClean="0"/>
-              <a:t>Home Page Continued</a:t>
-            </a:r>
-            <a:endParaRPr lang="en-US" dirty="0"/>
-          </a:p>
-        </p:txBody>
-      </p:sp>
-      <p:sp>
-        <p:nvSpPr>
-          <p:cNvPr id="4" name="Content Placeholder 3"/>
-          <p:cNvSpPr>
-            <a:spLocks noGrp="1"/>
-          </p:cNvSpPr>
-          <p:nvPr>
-            <p:ph sz="quarter" idx="17"/>
-          </p:nvPr>
-        </p:nvSpPr>
-        <p:spPr/>
-        <p:txBody>
-          <a:bodyPr/>
-          <a:lstStyle/>
-          <a:p>
-            <a:endParaRPr lang="en-US"/>
-          </a:p>
-        </p:txBody>
-      </p:sp>
-      <p:sp>
-        <p:nvSpPr>
-          <p:cNvPr id="5" name="Content Placeholder 4"/>
-          <p:cNvSpPr>
-            <a:spLocks noGrp="1"/>
-          </p:cNvSpPr>
-          <p:nvPr>
-            <p:ph sz="quarter" idx="23"/>
-          </p:nvPr>
-        </p:nvSpPr>
-        <p:spPr/>
-        <p:txBody>
-          <a:bodyPr/>
-          <a:lstStyle/>
-          <a:p>
-            <a:endParaRPr lang="en-US"/>
-          </a:p>
-        </p:txBody>
-      </p:sp>
-      <p:pic>
-        <p:nvPicPr>
-          <p:cNvPr id="4098" name="Picture 2"/>
-          <p:cNvPicPr>
-            <a:picLocks noChangeAspect="1" noChangeArrowheads="1"/>
-          </p:cNvPicPr>
-          <p:nvPr/>
-        </p:nvPicPr>
-        <p:blipFill>
-          <a:blip r:embed="rId2">
-            <a:extLst>
-              <a:ext uri="{28A0092B-C50C-407E-A947-70E740481C1C}">
-                <a14:useLocalDpi xmlns:a14="http://schemas.microsoft.com/office/drawing/2010/main" val="0"/>
-              </a:ext>
-            </a:extLst>
-          </a:blip>
-          <a:srcRect/>
-          <a:stretch>
-            <a:fillRect/>
-          </a:stretch>
-        </p:blipFill>
-        <p:spPr bwMode="auto">
-          <a:xfrm>
-            <a:off x="487110" y="869676"/>
-            <a:ext cx="7068723" cy="5899232"/>
-          </a:xfrm>
-          <a:prstGeom prst="rect">
-            <a:avLst/>
-          </a:prstGeom>
-          <a:noFill/>
-          <a:ln>
-            <a:noFill/>
-          </a:ln>
-          <a:extLst>
-            <a:ext uri="{909E8E84-426E-40DD-AFC4-6F175D3DCCD1}">
-              <a14:hiddenFill xmlns:a14="http://schemas.microsoft.com/office/drawing/2010/main">
-                <a:solidFill>
-                  <a:schemeClr val="accent1"/>
-                </a:solidFill>
-              </a14:hiddenFill>
-            </a:ext>
-            <a:ext uri="{91240B29-F687-4F45-9708-019B960494DF}">
-              <a14:hiddenLine xmlns:a14="http://schemas.microsoft.com/office/drawing/2010/main" w="9525">
-                <a:solidFill>
-                  <a:schemeClr val="tx1"/>
-                </a:solidFill>
-                <a:miter lim="800000"/>
-                <a:headEnd/>
-                <a:tailEnd/>
-              </a14:hiddenLine>
-            </a:ext>
-          </a:extLst>
-        </p:spPr>
-      </p:pic>
-      <p:pic>
-        <p:nvPicPr>
-          <p:cNvPr id="7" name="Picture 2"/>
-          <p:cNvPicPr>
-            <a:picLocks noChangeAspect="1" noChangeArrowheads="1"/>
-          </p:cNvPicPr>
-          <p:nvPr/>
-        </p:nvPicPr>
-        <p:blipFill>
-          <a:blip r:embed="rId3" cstate="print">
-            <a:extLst>
-              <a:ext uri="{28A0092B-C50C-407E-A947-70E740481C1C}">
-                <a14:useLocalDpi xmlns:a14="http://schemas.microsoft.com/office/drawing/2010/main" val="0"/>
-              </a:ext>
-            </a:extLst>
-          </a:blip>
-          <a:srcRect/>
-          <a:stretch>
-            <a:fillRect/>
-          </a:stretch>
-        </p:blipFill>
-        <p:spPr bwMode="auto">
-          <a:xfrm>
-            <a:off x="4469450" y="322669"/>
-            <a:ext cx="559927" cy="476492"/>
-          </a:xfrm>
-          <a:prstGeom prst="rect">
-            <a:avLst/>
-          </a:prstGeom>
-          <a:noFill/>
-          <a:ln>
-            <a:noFill/>
-          </a:ln>
-          <a:extLst>
-            <a:ext uri="{909E8E84-426E-40DD-AFC4-6F175D3DCCD1}">
-              <a14:hiddenFill xmlns:a14="http://schemas.microsoft.com/office/drawing/2010/main">
-                <a:solidFill>
-                  <a:schemeClr val="accent1"/>
-                </a:solidFill>
-              </a14:hiddenFill>
-            </a:ext>
-            <a:ext uri="{91240B29-F687-4F45-9708-019B960494DF}">
-              <a14:hiddenLine xmlns:a14="http://schemas.microsoft.com/office/drawing/2010/main" w="9525">
-                <a:solidFill>
-                  <a:schemeClr val="tx1"/>
-                </a:solidFill>
-                <a:miter lim="800000"/>
-                <a:headEnd/>
-                <a:tailEnd/>
-              </a14:hiddenLine>
-            </a:ext>
-          </a:extLst>
-        </p:spPr>
-      </p:pic>
-    </p:spTree>
-    <p:extLst>
-      <p:ext uri="{BB962C8B-B14F-4D97-AF65-F5344CB8AC3E}">
-        <p14:creationId xmlns:p14="http://schemas.microsoft.com/office/powerpoint/2010/main" val="405539131"/>
-      </p:ext>
-    </p:extLst>
-  </p:cSld>
-  <p:clrMapOvr>
-    <a:masterClrMapping/>
-  </p:clrMapOvr>
-</p:sld>
-</file>
-
-<file path=ppt/slides/slide9.xml><?xml version="1.0" encoding="utf-8"?>
-<p:sld xmlns:a="http://schemas.openxmlformats.org/drawingml/2006/main" xmlns:r="http://schemas.openxmlformats.org/officeDocument/2006/relationships" xmlns:p="http://schemas.openxmlformats.org/presentationml/2006/main">
-  <p:cSld>
-    <p:spTree>
-      <p:nvGrpSpPr>
-        <p:cNvPr id="1" name=""/>
-        <p:cNvGrpSpPr/>
-        <p:nvPr/>
-      </p:nvGrpSpPr>
-      <p:grpSpPr>
-        <a:xfrm>
-          <a:off x="0" y="0"/>
-          <a:ext cx="0" cy="0"/>
-          <a:chOff x="0" y="0"/>
-          <a:chExt cx="0" cy="0"/>
-        </a:xfrm>
-      </p:grpSpPr>
-      <p:sp>
-        <p:nvSpPr>
-          <p:cNvPr id="2" name="Slide Number Placeholder 1"/>
-          <p:cNvSpPr>
-            <a:spLocks noGrp="1"/>
-          </p:cNvSpPr>
-          <p:nvPr>
-            <p:ph type="sldNum" sz="quarter" idx="12"/>
-          </p:nvPr>
-        </p:nvSpPr>
-        <p:spPr/>
-        <p:txBody>
-          <a:bodyPr/>
-          <a:lstStyle/>
-          <a:p>
-            <a:fld id="{525A3C56-E491-49B2-93F3-63532DF516BC}" type="slidenum">
-              <a:rPr lang="en-US" smtClean="0"/>
-              <a:pPr/>
-              <a:t>9</a:t>
-            </a:fld>
-            <a:endParaRPr lang="en-US" dirty="0"/>
-          </a:p>
-        </p:txBody>
-      </p:sp>
-      <p:sp>
-        <p:nvSpPr>
-          <p:cNvPr id="3" name="Title 2"/>
-          <p:cNvSpPr>
-            <a:spLocks noGrp="1"/>
-          </p:cNvSpPr>
-          <p:nvPr>
-            <p:ph type="title"/>
-          </p:nvPr>
-        </p:nvSpPr>
-        <p:spPr/>
-        <p:txBody>
-          <a:bodyPr/>
-          <a:lstStyle/>
-          <a:p>
-            <a:r>
-              <a:rPr lang="en-US" dirty="0" smtClean="0"/>
-              <a:t>Search Menu</a:t>
-            </a:r>
-            <a:endParaRPr lang="en-US" dirty="0"/>
-          </a:p>
-        </p:txBody>
-      </p:sp>
-      <p:sp>
-        <p:nvSpPr>
-          <p:cNvPr id="4" name="Content Placeholder 3"/>
-          <p:cNvSpPr>
-            <a:spLocks noGrp="1"/>
-          </p:cNvSpPr>
-          <p:nvPr>
-            <p:ph sz="quarter" idx="17"/>
-          </p:nvPr>
-        </p:nvSpPr>
-        <p:spPr/>
-        <p:txBody>
-          <a:bodyPr/>
-          <a:lstStyle/>
-          <a:p>
-            <a:endParaRPr lang="en-US"/>
-          </a:p>
-        </p:txBody>
-      </p:sp>
-      <p:sp>
-        <p:nvSpPr>
-          <p:cNvPr id="5" name="Content Placeholder 4"/>
-          <p:cNvSpPr>
-            <a:spLocks noGrp="1"/>
-          </p:cNvSpPr>
-          <p:nvPr>
-            <p:ph sz="quarter" idx="23"/>
-          </p:nvPr>
-        </p:nvSpPr>
-        <p:spPr/>
-        <p:txBody>
-          <a:bodyPr/>
-          <a:lstStyle/>
-          <a:p>
-            <a:endParaRPr lang="en-US"/>
-          </a:p>
-        </p:txBody>
-      </p:sp>
-      <p:pic>
-        <p:nvPicPr>
-          <p:cNvPr id="5122" name="Picture 2"/>
-          <p:cNvPicPr>
-            <a:picLocks noChangeAspect="1" noChangeArrowheads="1"/>
-          </p:cNvPicPr>
-          <p:nvPr/>
-        </p:nvPicPr>
-        <p:blipFill>
-          <a:blip r:embed="rId2">
-            <a:extLst>
-              <a:ext uri="{28A0092B-C50C-407E-A947-70E740481C1C}">
-                <a14:useLocalDpi xmlns:a14="http://schemas.microsoft.com/office/drawing/2010/main" val="0"/>
-              </a:ext>
-            </a:extLst>
-          </a:blip>
-          <a:srcRect/>
-          <a:stretch>
-            <a:fillRect/>
-          </a:stretch>
-        </p:blipFill>
-        <p:spPr bwMode="auto">
-          <a:xfrm>
-            <a:off x="416226" y="1140329"/>
-            <a:ext cx="7367999" cy="5717671"/>
-          </a:xfrm>
-          <a:prstGeom prst="rect">
-            <a:avLst/>
-          </a:prstGeom>
-          <a:noFill/>
-          <a:ln>
-            <a:noFill/>
-          </a:ln>
-          <a:extLst>
-            <a:ext uri="{909E8E84-426E-40DD-AFC4-6F175D3DCCD1}">
-              <a14:hiddenFill xmlns:a14="http://schemas.microsoft.com/office/drawing/2010/main">
-                <a:solidFill>
-                  <a:schemeClr val="accent1"/>
-                </a:solidFill>
-              </a14:hiddenFill>
-            </a:ext>
-            <a:ext uri="{91240B29-F687-4F45-9708-019B960494DF}">
-              <a14:hiddenLine xmlns:a14="http://schemas.microsoft.com/office/drawing/2010/main" w="9525">
-                <a:solidFill>
-                  <a:schemeClr val="tx1"/>
-                </a:solidFill>
-                <a:miter lim="800000"/>
-                <a:headEnd/>
-                <a:tailEnd/>
-              </a14:hiddenLine>
-            </a:ext>
-          </a:extLst>
-        </p:spPr>
-      </p:pic>
-      <p:pic>
-        <p:nvPicPr>
-          <p:cNvPr id="5123" name="Picture 3"/>
-          <p:cNvPicPr>
-            <a:picLocks noChangeAspect="1" noChangeArrowheads="1"/>
-          </p:cNvPicPr>
-          <p:nvPr/>
-        </p:nvPicPr>
-        <p:blipFill>
-          <a:blip r:embed="rId3" cstate="print">
-            <a:extLst>
-              <a:ext uri="{28A0092B-C50C-407E-A947-70E740481C1C}">
-                <a14:useLocalDpi xmlns:a14="http://schemas.microsoft.com/office/drawing/2010/main" val="0"/>
-              </a:ext>
-            </a:extLst>
-          </a:blip>
-          <a:srcRect/>
-          <a:stretch>
-            <a:fillRect/>
-          </a:stretch>
-        </p:blipFill>
-        <p:spPr bwMode="auto">
-          <a:xfrm>
-            <a:off x="2803020" y="264920"/>
-            <a:ext cx="947590" cy="643233"/>
-          </a:xfrm>
-          <a:prstGeom prst="rect">
-            <a:avLst/>
-          </a:prstGeom>
-          <a:noFill/>
-          <a:ln>
-            <a:noFill/>
-          </a:ln>
-          <a:extLst>
-            <a:ext uri="{909E8E84-426E-40DD-AFC4-6F175D3DCCD1}">
-              <a14:hiddenFill xmlns:a14="http://schemas.microsoft.com/office/drawing/2010/main">
-                <a:solidFill>
-                  <a:schemeClr val="accent1"/>
-                </a:solidFill>
-              </a14:hiddenFill>
-            </a:ext>
-            <a:ext uri="{91240B29-F687-4F45-9708-019B960494DF}">
-              <a14:hiddenLine xmlns:a14="http://schemas.microsoft.com/office/drawing/2010/main" w="9525">
-                <a:solidFill>
-                  <a:schemeClr val="tx1"/>
-                </a:solidFill>
-                <a:miter lim="800000"/>
-                <a:headEnd/>
-                <a:tailEnd/>
-              </a14:hiddenLine>
-            </a:ext>
-          </a:extLst>
-        </p:spPr>
-      </p:pic>
-    </p:spTree>
-    <p:extLst>
-      <p:ext uri="{BB962C8B-B14F-4D97-AF65-F5344CB8AC3E}">
-        <p14:creationId xmlns:p14="http://schemas.microsoft.com/office/powerpoint/2010/main" val="3281891727"/>
       </p:ext>
     </p:extLst>
   </p:cSld>
@@ -49087,6 +48440,68 @@
 </file>
 
 <file path=customXml/item1.xml><?xml version="1.0" encoding="utf-8"?>
+<p:properties xmlns:p="http://schemas.microsoft.com/office/2006/metadata/properties" xmlns:xsi="http://www.w3.org/2001/XMLSchema-instance">
+  <documentManagement>
+    <CSMeta2010Field xmlns="http://schemas.microsoft.com/sharepoint/v3">2d31bd1b-46f7-4a6e-a0b6-6fe2b6a3b502;2014-06-11 22:15:45;AUTOCLASSIFIED;Business theme:2014-06-11 22:15:45|False||AUTOCLASSIFIED|2014-06-11 22:15:45|UNDEFINED;Organization:2014-06-11 22:15:45|False||AUTOCLASSIFIED|2014-06-11 22:15:45|UNDEFINED;Sector:2014-06-11 22:15:45|False||AUTOCLASSIFIED|2014-06-11 22:15:45|UNDEFINED;Proposition:2014-06-11 22:15:45|False||AUTOCLASSIFIED|2014-06-11 22:15:45|UNDEFINED;Service line:2014-06-11 22:15:45|False||AUTOCLASSIFIED|2014-06-11 22:15:45|UNDEFINED;True</CSMeta2010Field>
+    <c5aebc35b3e840e5912c276ffe755dcf xmlns="d95a5b16-1b8d-4c7c-9ebf-89c0983b6970">
+      <Terms xmlns="http://schemas.microsoft.com/office/infopath/2007/PartnerControls"/>
+    </c5aebc35b3e840e5912c276ffe755dcf>
+    <c79d12643ffc4d60ab657aaa1718cc32 xmlns="d95a5b16-1b8d-4c7c-9ebf-89c0983b6970">
+      <Terms xmlns="http://schemas.microsoft.com/office/infopath/2007/PartnerControls">
+        <TermInfo xmlns="http://schemas.microsoft.com/office/infopath/2007/PartnerControls">
+          <TermName xmlns="http://schemas.microsoft.com/office/infopath/2007/PartnerControls">Group</TermName>
+          <TermId xmlns="http://schemas.microsoft.com/office/infopath/2007/PartnerControls">43ac7042-3752-4f1b-8a93-43b36e65d3e5</TermId>
+        </TermInfo>
+      </Terms>
+    </c79d12643ffc4d60ab657aaa1718cc32>
+    <p43f7bb208e443c9b50eb304fe6606a3 xmlns="d95a5b16-1b8d-4c7c-9ebf-89c0983b6970">
+      <Terms xmlns="http://schemas.microsoft.com/office/infopath/2007/PartnerControls"/>
+    </p43f7bb208e443c9b50eb304fe6606a3>
+    <TaxCatchAll xmlns="d95a5b16-1b8d-4c7c-9ebf-89c0983b6970">
+      <Value>260</Value>
+    </TaxCatchAll>
+    <h4c66fbf292e4125b0e390af25f11c04 xmlns="d95a5b16-1b8d-4c7c-9ebf-89c0983b6970">
+      <Terms xmlns="http://schemas.microsoft.com/office/infopath/2007/PartnerControls"/>
+    </h4c66fbf292e4125b0e390af25f11c04>
+    <eafb632c3f5c40ba98242be6bbd6bb17 xmlns="d95a5b16-1b8d-4c7c-9ebf-89c0983b6970">
+      <Terms xmlns="http://schemas.microsoft.com/office/infopath/2007/PartnerControls"/>
+    </eafb632c3f5c40ba98242be6bbd6bb17>
+    <Creator xmlns="d95a5b16-1b8d-4c7c-9ebf-89c0983b6970" xsi:nil="true"/>
+    <Language xmlns="http://schemas.microsoft.com/sharepoint/v3">EN</Language>
+    <Proposition xmlns="d95a5b16-1b8d-4c7c-9ebf-89c0983b6970"/>
+    <Abstract xmlns="d95a5b16-1b8d-4c7c-9ebf-89c0983b6970">CGI-pumpkin-option_EN</Abstract>
+    <External_x0020_Use xmlns="d95a5b16-1b8d-4c7c-9ebf-89c0983b6970">No</External_x0020_Use>
+    <Owner_x0020_Organisation xmlns="d95a5b16-1b8d-4c7c-9ebf-89c0983b6970">Group</Owner_x0020_Organisation>
+    <Subjects_x0020_and_x0020_Keywords xmlns="d95a5b16-1b8d-4c7c-9ebf-89c0983b6970" xsi:nil="true"/>
+    <BS_x0020_Document_x0020_Sub_x0020_Type xmlns="d95a5b16-1b8d-4c7c-9ebf-89c0983b6970">Pro Forma</BS_x0020_Document_x0020_Sub_x0020_Type>
+    <Market xmlns="d95a5b16-1b8d-4c7c-9ebf-89c0983b6970"/>
+    <Best_x0020_Before_x0020_Date xmlns="d95a5b16-1b8d-4c7c-9ebf-89c0983b6970">2018-01-09T00:00:00+00:00</Best_x0020_Before_x0020_Date>
+    <Published_x0020_By xmlns="d95a5b16-1b8d-4c7c-9ebf-89c0983b6970">
+      <UserInfo>
+        <DisplayName>Stiller, Regina C</DisplayName>
+        <AccountId>55167</AccountId>
+        <AccountType/>
+      </UserInfo>
+    </Published_x0020_By>
+    <Publication_x0020_Date xmlns="d95a5b16-1b8d-4c7c-9ebf-89c0983b6970">2013-01-09T00:00:00+00:00</Publication_x0020_Date>
+    <Geographic_x0020_Region xmlns="d95a5b16-1b8d-4c7c-9ebf-89c0983b6970"/>
+    <TaxKeywordTaxHTField xmlns="d95a5b16-1b8d-4c7c-9ebf-89c0983b6970">
+      <Terms xmlns="http://schemas.microsoft.com/office/infopath/2007/PartnerControls"/>
+    </TaxKeywordTaxHTField>
+  </documentManagement>
+</p:properties>
+</file>
+
+<file path=customXml/item2.xml><?xml version="1.0" encoding="utf-8"?>
+<?mso-contentType ?>
+<FormTemplates xmlns="http://schemas.microsoft.com/sharepoint/v3/contenttype/forms">
+  <Display>DocumentLibraryForm</Display>
+  <Edit>DocumentLibraryForm</Edit>
+  <New>DocumentLibraryForm</New>
+</FormTemplates>
+</file>
+
+<file path=customXml/item3.xml><?xml version="1.0" encoding="utf-8"?>
 <?mso-contentType ?>
 <spe:Receivers xmlns:spe="http://schemas.microsoft.com/sharepoint/events">
   <Receiver>
@@ -49210,68 +48625,6 @@
     <Filter/>
   </Receiver>
 </spe:Receivers>
-</file>
-
-<file path=customXml/item2.xml><?xml version="1.0" encoding="utf-8"?>
-<?mso-contentType ?>
-<FormTemplates xmlns="http://schemas.microsoft.com/sharepoint/v3/contenttype/forms">
-  <Display>DocumentLibraryForm</Display>
-  <Edit>DocumentLibraryForm</Edit>
-  <New>DocumentLibraryForm</New>
-</FormTemplates>
-</file>
-
-<file path=customXml/item3.xml><?xml version="1.0" encoding="utf-8"?>
-<p:properties xmlns:p="http://schemas.microsoft.com/office/2006/metadata/properties" xmlns:xsi="http://www.w3.org/2001/XMLSchema-instance">
-  <documentManagement>
-    <CSMeta2010Field xmlns="http://schemas.microsoft.com/sharepoint/v3">2d31bd1b-46f7-4a6e-a0b6-6fe2b6a3b502;2014-06-11 22:15:45;AUTOCLASSIFIED;Business theme:2014-06-11 22:15:45|False||AUTOCLASSIFIED|2014-06-11 22:15:45|UNDEFINED;Organization:2014-06-11 22:15:45|False||AUTOCLASSIFIED|2014-06-11 22:15:45|UNDEFINED;Sector:2014-06-11 22:15:45|False||AUTOCLASSIFIED|2014-06-11 22:15:45|UNDEFINED;Proposition:2014-06-11 22:15:45|False||AUTOCLASSIFIED|2014-06-11 22:15:45|UNDEFINED;Service line:2014-06-11 22:15:45|False||AUTOCLASSIFIED|2014-06-11 22:15:45|UNDEFINED;True</CSMeta2010Field>
-    <c5aebc35b3e840e5912c276ffe755dcf xmlns="d95a5b16-1b8d-4c7c-9ebf-89c0983b6970">
-      <Terms xmlns="http://schemas.microsoft.com/office/infopath/2007/PartnerControls"/>
-    </c5aebc35b3e840e5912c276ffe755dcf>
-    <c79d12643ffc4d60ab657aaa1718cc32 xmlns="d95a5b16-1b8d-4c7c-9ebf-89c0983b6970">
-      <Terms xmlns="http://schemas.microsoft.com/office/infopath/2007/PartnerControls">
-        <TermInfo xmlns="http://schemas.microsoft.com/office/infopath/2007/PartnerControls">
-          <TermName xmlns="http://schemas.microsoft.com/office/infopath/2007/PartnerControls">Group</TermName>
-          <TermId xmlns="http://schemas.microsoft.com/office/infopath/2007/PartnerControls">43ac7042-3752-4f1b-8a93-43b36e65d3e5</TermId>
-        </TermInfo>
-      </Terms>
-    </c79d12643ffc4d60ab657aaa1718cc32>
-    <p43f7bb208e443c9b50eb304fe6606a3 xmlns="d95a5b16-1b8d-4c7c-9ebf-89c0983b6970">
-      <Terms xmlns="http://schemas.microsoft.com/office/infopath/2007/PartnerControls"/>
-    </p43f7bb208e443c9b50eb304fe6606a3>
-    <TaxCatchAll xmlns="d95a5b16-1b8d-4c7c-9ebf-89c0983b6970">
-      <Value>260</Value>
-    </TaxCatchAll>
-    <h4c66fbf292e4125b0e390af25f11c04 xmlns="d95a5b16-1b8d-4c7c-9ebf-89c0983b6970">
-      <Terms xmlns="http://schemas.microsoft.com/office/infopath/2007/PartnerControls"/>
-    </h4c66fbf292e4125b0e390af25f11c04>
-    <eafb632c3f5c40ba98242be6bbd6bb17 xmlns="d95a5b16-1b8d-4c7c-9ebf-89c0983b6970">
-      <Terms xmlns="http://schemas.microsoft.com/office/infopath/2007/PartnerControls"/>
-    </eafb632c3f5c40ba98242be6bbd6bb17>
-    <Creator xmlns="d95a5b16-1b8d-4c7c-9ebf-89c0983b6970" xsi:nil="true"/>
-    <Language xmlns="http://schemas.microsoft.com/sharepoint/v3">EN</Language>
-    <Proposition xmlns="d95a5b16-1b8d-4c7c-9ebf-89c0983b6970"/>
-    <Abstract xmlns="d95a5b16-1b8d-4c7c-9ebf-89c0983b6970">CGI-pumpkin-option_EN</Abstract>
-    <External_x0020_Use xmlns="d95a5b16-1b8d-4c7c-9ebf-89c0983b6970">No</External_x0020_Use>
-    <Owner_x0020_Organisation xmlns="d95a5b16-1b8d-4c7c-9ebf-89c0983b6970">Group</Owner_x0020_Organisation>
-    <Subjects_x0020_and_x0020_Keywords xmlns="d95a5b16-1b8d-4c7c-9ebf-89c0983b6970" xsi:nil="true"/>
-    <BS_x0020_Document_x0020_Sub_x0020_Type xmlns="d95a5b16-1b8d-4c7c-9ebf-89c0983b6970">Pro Forma</BS_x0020_Document_x0020_Sub_x0020_Type>
-    <Market xmlns="d95a5b16-1b8d-4c7c-9ebf-89c0983b6970"/>
-    <Best_x0020_Before_x0020_Date xmlns="d95a5b16-1b8d-4c7c-9ebf-89c0983b6970">2018-01-09T00:00:00+00:00</Best_x0020_Before_x0020_Date>
-    <Published_x0020_By xmlns="d95a5b16-1b8d-4c7c-9ebf-89c0983b6970">
-      <UserInfo>
-        <DisplayName>Stiller, Regina C</DisplayName>
-        <AccountId>55167</AccountId>
-        <AccountType/>
-      </UserInfo>
-    </Published_x0020_By>
-    <Publication_x0020_Date xmlns="d95a5b16-1b8d-4c7c-9ebf-89c0983b6970">2013-01-09T00:00:00+00:00</Publication_x0020_Date>
-    <Geographic_x0020_Region xmlns="d95a5b16-1b8d-4c7c-9ebf-89c0983b6970"/>
-    <TaxKeywordTaxHTField xmlns="d95a5b16-1b8d-4c7c-9ebf-89c0983b6970">
-      <Terms xmlns="http://schemas.microsoft.com/office/infopath/2007/PartnerControls"/>
-    </TaxKeywordTaxHTField>
-  </documentManagement>
-</p:properties>
 </file>
 
 <file path=customXml/item4.xml><?xml version="1.0" encoding="utf-8"?>
@@ -49714,9 +49067,18 @@
 </file>
 
 <file path=customXml/itemProps1.xml><?xml version="1.0" encoding="utf-8"?>
-<ds:datastoreItem xmlns:ds="http://schemas.openxmlformats.org/officeDocument/2006/customXml" ds:itemID="{292B128B-852E-4970-B7DA-406C2DC81E71}">
+<ds:datastoreItem xmlns:ds="http://schemas.openxmlformats.org/officeDocument/2006/customXml" ds:itemID="{2F4C4F6A-F6A5-45C8-BAAA-52FB70E387C7}">
   <ds:schemaRefs>
-    <ds:schemaRef ds:uri="http://schemas.microsoft.com/sharepoint/events"/>
+    <ds:schemaRef ds:uri="http://purl.org/dc/terms/"/>
+    <ds:schemaRef ds:uri="http://schemas.microsoft.com/office/infopath/2007/PartnerControls"/>
+    <ds:schemaRef ds:uri="http://purl.org/dc/elements/1.1/"/>
+    <ds:schemaRef ds:uri="http://schemas.microsoft.com/sharepoint/v3"/>
+    <ds:schemaRef ds:uri="http://schemas.microsoft.com/office/2006/documentManagement/types"/>
+    <ds:schemaRef ds:uri="http://schemas.openxmlformats.org/package/2006/metadata/core-properties"/>
+    <ds:schemaRef ds:uri="d95a5b16-1b8d-4c7c-9ebf-89c0983b6970"/>
+    <ds:schemaRef ds:uri="http://schemas.microsoft.com/office/2006/metadata/properties"/>
+    <ds:schemaRef ds:uri="http://www.w3.org/XML/1998/namespace"/>
+    <ds:schemaRef ds:uri="http://purl.org/dc/dcmitype/"/>
   </ds:schemaRefs>
 </ds:datastoreItem>
 </file>
@@ -49730,18 +49092,9 @@
 </file>
 
 <file path=customXml/itemProps3.xml><?xml version="1.0" encoding="utf-8"?>
-<ds:datastoreItem xmlns:ds="http://schemas.openxmlformats.org/officeDocument/2006/customXml" ds:itemID="{2F4C4F6A-F6A5-45C8-BAAA-52FB70E387C7}">
+<ds:datastoreItem xmlns:ds="http://schemas.openxmlformats.org/officeDocument/2006/customXml" ds:itemID="{292B128B-852E-4970-B7DA-406C2DC81E71}">
   <ds:schemaRefs>
-    <ds:schemaRef ds:uri="http://purl.org/dc/terms/"/>
-    <ds:schemaRef ds:uri="http://schemas.microsoft.com/office/infopath/2007/PartnerControls"/>
-    <ds:schemaRef ds:uri="http://purl.org/dc/elements/1.1/"/>
-    <ds:schemaRef ds:uri="http://schemas.microsoft.com/sharepoint/v3"/>
-    <ds:schemaRef ds:uri="http://schemas.microsoft.com/office/2006/documentManagement/types"/>
-    <ds:schemaRef ds:uri="http://schemas.openxmlformats.org/package/2006/metadata/core-properties"/>
-    <ds:schemaRef ds:uri="d95a5b16-1b8d-4c7c-9ebf-89c0983b6970"/>
-    <ds:schemaRef ds:uri="http://schemas.microsoft.com/office/2006/metadata/properties"/>
-    <ds:schemaRef ds:uri="http://www.w3.org/XML/1998/namespace"/>
-    <ds:schemaRef ds:uri="http://purl.org/dc/dcmitype/"/>
+    <ds:schemaRef ds:uri="http://schemas.microsoft.com/sharepoint/events"/>
   </ds:schemaRefs>
 </ds:datastoreItem>
 </file>

--- a/Going Green Presentation.pptx
+++ b/Going Green Presentation.pptx
@@ -46178,7 +46178,6 @@
               <a:rPr lang="en-US" sz="2800" dirty="0" smtClean="0"/>
               <a:t>Objective</a:t>
             </a:r>
-            <a:endParaRPr lang="en-US" sz="2800" dirty="0" smtClean="0"/>
           </a:p>
           <a:p>
             <a:pPr marL="457200" indent="-457200">
@@ -46197,11 +46196,7 @@
             </a:pPr>
             <a:r>
               <a:rPr lang="en-US" sz="2800" dirty="0" smtClean="0"/>
-              <a:t>App </a:t>
-            </a:r>
-            <a:r>
-              <a:rPr lang="en-US" sz="2800" dirty="0" smtClean="0"/>
-              <a:t>Design </a:t>
+              <a:t>App Design </a:t>
             </a:r>
           </a:p>
           <a:p>
@@ -46221,11 +46216,7 @@
             </a:pPr>
             <a:r>
               <a:rPr lang="en-US" sz="2800" dirty="0" smtClean="0"/>
-              <a:t>Pseudo </a:t>
-            </a:r>
-            <a:r>
-              <a:rPr lang="en-US" sz="2800" dirty="0" smtClean="0"/>
-              <a:t>code</a:t>
+              <a:t>Pseudo code</a:t>
             </a:r>
           </a:p>
           <a:p>
@@ -46247,7 +46238,6 @@
               <a:rPr lang="en-US" sz="2800" dirty="0" smtClean="0"/>
               <a:t>Review/Q&amp;A</a:t>
             </a:r>
-            <a:endParaRPr lang="en-US" sz="2800" dirty="0" smtClean="0"/>
           </a:p>
           <a:p>
             <a:endParaRPr lang="en-US" sz="2800" dirty="0"/>
@@ -46331,7 +46321,6 @@
               <a:rPr lang="en-US" sz="4400" dirty="0"/>
               <a:t>Objective</a:t>
             </a:r>
-            <a:endParaRPr lang="en-US" sz="4400" dirty="0"/>
           </a:p>
         </p:txBody>
       </p:sp>
@@ -46416,9 +46405,6 @@
               </a:rPr>
               <a:t>Align with Green Initiative</a:t>
             </a:r>
-            <a:endParaRPr lang="en-US" sz="2800" dirty="0" smtClean="0">
-              <a:cs typeface="Arial" pitchFamily="34" charset="0"/>
-            </a:endParaRPr>
           </a:p>
         </p:txBody>
       </p:sp>
@@ -48440,68 +48426,6 @@
 </file>
 
 <file path=customXml/item1.xml><?xml version="1.0" encoding="utf-8"?>
-<p:properties xmlns:p="http://schemas.microsoft.com/office/2006/metadata/properties" xmlns:xsi="http://www.w3.org/2001/XMLSchema-instance">
-  <documentManagement>
-    <CSMeta2010Field xmlns="http://schemas.microsoft.com/sharepoint/v3">2d31bd1b-46f7-4a6e-a0b6-6fe2b6a3b502;2014-06-11 22:15:45;AUTOCLASSIFIED;Business theme:2014-06-11 22:15:45|False||AUTOCLASSIFIED|2014-06-11 22:15:45|UNDEFINED;Organization:2014-06-11 22:15:45|False||AUTOCLASSIFIED|2014-06-11 22:15:45|UNDEFINED;Sector:2014-06-11 22:15:45|False||AUTOCLASSIFIED|2014-06-11 22:15:45|UNDEFINED;Proposition:2014-06-11 22:15:45|False||AUTOCLASSIFIED|2014-06-11 22:15:45|UNDEFINED;Service line:2014-06-11 22:15:45|False||AUTOCLASSIFIED|2014-06-11 22:15:45|UNDEFINED;True</CSMeta2010Field>
-    <c5aebc35b3e840e5912c276ffe755dcf xmlns="d95a5b16-1b8d-4c7c-9ebf-89c0983b6970">
-      <Terms xmlns="http://schemas.microsoft.com/office/infopath/2007/PartnerControls"/>
-    </c5aebc35b3e840e5912c276ffe755dcf>
-    <c79d12643ffc4d60ab657aaa1718cc32 xmlns="d95a5b16-1b8d-4c7c-9ebf-89c0983b6970">
-      <Terms xmlns="http://schemas.microsoft.com/office/infopath/2007/PartnerControls">
-        <TermInfo xmlns="http://schemas.microsoft.com/office/infopath/2007/PartnerControls">
-          <TermName xmlns="http://schemas.microsoft.com/office/infopath/2007/PartnerControls">Group</TermName>
-          <TermId xmlns="http://schemas.microsoft.com/office/infopath/2007/PartnerControls">43ac7042-3752-4f1b-8a93-43b36e65d3e5</TermId>
-        </TermInfo>
-      </Terms>
-    </c79d12643ffc4d60ab657aaa1718cc32>
-    <p43f7bb208e443c9b50eb304fe6606a3 xmlns="d95a5b16-1b8d-4c7c-9ebf-89c0983b6970">
-      <Terms xmlns="http://schemas.microsoft.com/office/infopath/2007/PartnerControls"/>
-    </p43f7bb208e443c9b50eb304fe6606a3>
-    <TaxCatchAll xmlns="d95a5b16-1b8d-4c7c-9ebf-89c0983b6970">
-      <Value>260</Value>
-    </TaxCatchAll>
-    <h4c66fbf292e4125b0e390af25f11c04 xmlns="d95a5b16-1b8d-4c7c-9ebf-89c0983b6970">
-      <Terms xmlns="http://schemas.microsoft.com/office/infopath/2007/PartnerControls"/>
-    </h4c66fbf292e4125b0e390af25f11c04>
-    <eafb632c3f5c40ba98242be6bbd6bb17 xmlns="d95a5b16-1b8d-4c7c-9ebf-89c0983b6970">
-      <Terms xmlns="http://schemas.microsoft.com/office/infopath/2007/PartnerControls"/>
-    </eafb632c3f5c40ba98242be6bbd6bb17>
-    <Creator xmlns="d95a5b16-1b8d-4c7c-9ebf-89c0983b6970" xsi:nil="true"/>
-    <Language xmlns="http://schemas.microsoft.com/sharepoint/v3">EN</Language>
-    <Proposition xmlns="d95a5b16-1b8d-4c7c-9ebf-89c0983b6970"/>
-    <Abstract xmlns="d95a5b16-1b8d-4c7c-9ebf-89c0983b6970">CGI-pumpkin-option_EN</Abstract>
-    <External_x0020_Use xmlns="d95a5b16-1b8d-4c7c-9ebf-89c0983b6970">No</External_x0020_Use>
-    <Owner_x0020_Organisation xmlns="d95a5b16-1b8d-4c7c-9ebf-89c0983b6970">Group</Owner_x0020_Organisation>
-    <Subjects_x0020_and_x0020_Keywords xmlns="d95a5b16-1b8d-4c7c-9ebf-89c0983b6970" xsi:nil="true"/>
-    <BS_x0020_Document_x0020_Sub_x0020_Type xmlns="d95a5b16-1b8d-4c7c-9ebf-89c0983b6970">Pro Forma</BS_x0020_Document_x0020_Sub_x0020_Type>
-    <Market xmlns="d95a5b16-1b8d-4c7c-9ebf-89c0983b6970"/>
-    <Best_x0020_Before_x0020_Date xmlns="d95a5b16-1b8d-4c7c-9ebf-89c0983b6970">2018-01-09T00:00:00+00:00</Best_x0020_Before_x0020_Date>
-    <Published_x0020_By xmlns="d95a5b16-1b8d-4c7c-9ebf-89c0983b6970">
-      <UserInfo>
-        <DisplayName>Stiller, Regina C</DisplayName>
-        <AccountId>55167</AccountId>
-        <AccountType/>
-      </UserInfo>
-    </Published_x0020_By>
-    <Publication_x0020_Date xmlns="d95a5b16-1b8d-4c7c-9ebf-89c0983b6970">2013-01-09T00:00:00+00:00</Publication_x0020_Date>
-    <Geographic_x0020_Region xmlns="d95a5b16-1b8d-4c7c-9ebf-89c0983b6970"/>
-    <TaxKeywordTaxHTField xmlns="d95a5b16-1b8d-4c7c-9ebf-89c0983b6970">
-      <Terms xmlns="http://schemas.microsoft.com/office/infopath/2007/PartnerControls"/>
-    </TaxKeywordTaxHTField>
-  </documentManagement>
-</p:properties>
-</file>
-
-<file path=customXml/item2.xml><?xml version="1.0" encoding="utf-8"?>
-<?mso-contentType ?>
-<FormTemplates xmlns="http://schemas.microsoft.com/sharepoint/v3/contenttype/forms">
-  <Display>DocumentLibraryForm</Display>
-  <Edit>DocumentLibraryForm</Edit>
-  <New>DocumentLibraryForm</New>
-</FormTemplates>
-</file>
-
-<file path=customXml/item3.xml><?xml version="1.0" encoding="utf-8"?>
 <?mso-contentType ?>
 <spe:Receivers xmlns:spe="http://schemas.microsoft.com/sharepoint/events">
   <Receiver>
@@ -48625,6 +48549,68 @@
     <Filter/>
   </Receiver>
 </spe:Receivers>
+</file>
+
+<file path=customXml/item2.xml><?xml version="1.0" encoding="utf-8"?>
+<?mso-contentType ?>
+<FormTemplates xmlns="http://schemas.microsoft.com/sharepoint/v3/contenttype/forms">
+  <Display>DocumentLibraryForm</Display>
+  <Edit>DocumentLibraryForm</Edit>
+  <New>DocumentLibraryForm</New>
+</FormTemplates>
+</file>
+
+<file path=customXml/item3.xml><?xml version="1.0" encoding="utf-8"?>
+<p:properties xmlns:p="http://schemas.microsoft.com/office/2006/metadata/properties" xmlns:xsi="http://www.w3.org/2001/XMLSchema-instance">
+  <documentManagement>
+    <CSMeta2010Field xmlns="http://schemas.microsoft.com/sharepoint/v3">2d31bd1b-46f7-4a6e-a0b6-6fe2b6a3b502;2014-06-11 22:15:45;AUTOCLASSIFIED;Business theme:2014-06-11 22:15:45|False||AUTOCLASSIFIED|2014-06-11 22:15:45|UNDEFINED;Organization:2014-06-11 22:15:45|False||AUTOCLASSIFIED|2014-06-11 22:15:45|UNDEFINED;Sector:2014-06-11 22:15:45|False||AUTOCLASSIFIED|2014-06-11 22:15:45|UNDEFINED;Proposition:2014-06-11 22:15:45|False||AUTOCLASSIFIED|2014-06-11 22:15:45|UNDEFINED;Service line:2014-06-11 22:15:45|False||AUTOCLASSIFIED|2014-06-11 22:15:45|UNDEFINED;True</CSMeta2010Field>
+    <c5aebc35b3e840e5912c276ffe755dcf xmlns="d95a5b16-1b8d-4c7c-9ebf-89c0983b6970">
+      <Terms xmlns="http://schemas.microsoft.com/office/infopath/2007/PartnerControls"/>
+    </c5aebc35b3e840e5912c276ffe755dcf>
+    <c79d12643ffc4d60ab657aaa1718cc32 xmlns="d95a5b16-1b8d-4c7c-9ebf-89c0983b6970">
+      <Terms xmlns="http://schemas.microsoft.com/office/infopath/2007/PartnerControls">
+        <TermInfo xmlns="http://schemas.microsoft.com/office/infopath/2007/PartnerControls">
+          <TermName xmlns="http://schemas.microsoft.com/office/infopath/2007/PartnerControls">Group</TermName>
+          <TermId xmlns="http://schemas.microsoft.com/office/infopath/2007/PartnerControls">43ac7042-3752-4f1b-8a93-43b36e65d3e5</TermId>
+        </TermInfo>
+      </Terms>
+    </c79d12643ffc4d60ab657aaa1718cc32>
+    <p43f7bb208e443c9b50eb304fe6606a3 xmlns="d95a5b16-1b8d-4c7c-9ebf-89c0983b6970">
+      <Terms xmlns="http://schemas.microsoft.com/office/infopath/2007/PartnerControls"/>
+    </p43f7bb208e443c9b50eb304fe6606a3>
+    <TaxCatchAll xmlns="d95a5b16-1b8d-4c7c-9ebf-89c0983b6970">
+      <Value>260</Value>
+    </TaxCatchAll>
+    <h4c66fbf292e4125b0e390af25f11c04 xmlns="d95a5b16-1b8d-4c7c-9ebf-89c0983b6970">
+      <Terms xmlns="http://schemas.microsoft.com/office/infopath/2007/PartnerControls"/>
+    </h4c66fbf292e4125b0e390af25f11c04>
+    <eafb632c3f5c40ba98242be6bbd6bb17 xmlns="d95a5b16-1b8d-4c7c-9ebf-89c0983b6970">
+      <Terms xmlns="http://schemas.microsoft.com/office/infopath/2007/PartnerControls"/>
+    </eafb632c3f5c40ba98242be6bbd6bb17>
+    <Creator xmlns="d95a5b16-1b8d-4c7c-9ebf-89c0983b6970" xsi:nil="true"/>
+    <Language xmlns="http://schemas.microsoft.com/sharepoint/v3">EN</Language>
+    <Proposition xmlns="d95a5b16-1b8d-4c7c-9ebf-89c0983b6970"/>
+    <Abstract xmlns="d95a5b16-1b8d-4c7c-9ebf-89c0983b6970">CGI-pumpkin-option_EN</Abstract>
+    <External_x0020_Use xmlns="d95a5b16-1b8d-4c7c-9ebf-89c0983b6970">No</External_x0020_Use>
+    <Owner_x0020_Organisation xmlns="d95a5b16-1b8d-4c7c-9ebf-89c0983b6970">Group</Owner_x0020_Organisation>
+    <Subjects_x0020_and_x0020_Keywords xmlns="d95a5b16-1b8d-4c7c-9ebf-89c0983b6970" xsi:nil="true"/>
+    <BS_x0020_Document_x0020_Sub_x0020_Type xmlns="d95a5b16-1b8d-4c7c-9ebf-89c0983b6970">Pro Forma</BS_x0020_Document_x0020_Sub_x0020_Type>
+    <Market xmlns="d95a5b16-1b8d-4c7c-9ebf-89c0983b6970"/>
+    <Best_x0020_Before_x0020_Date xmlns="d95a5b16-1b8d-4c7c-9ebf-89c0983b6970">2018-01-09T00:00:00+00:00</Best_x0020_Before_x0020_Date>
+    <Published_x0020_By xmlns="d95a5b16-1b8d-4c7c-9ebf-89c0983b6970">
+      <UserInfo>
+        <DisplayName>Stiller, Regina C</DisplayName>
+        <AccountId>55167</AccountId>
+        <AccountType/>
+      </UserInfo>
+    </Published_x0020_By>
+    <Publication_x0020_Date xmlns="d95a5b16-1b8d-4c7c-9ebf-89c0983b6970">2013-01-09T00:00:00+00:00</Publication_x0020_Date>
+    <Geographic_x0020_Region xmlns="d95a5b16-1b8d-4c7c-9ebf-89c0983b6970"/>
+    <TaxKeywordTaxHTField xmlns="d95a5b16-1b8d-4c7c-9ebf-89c0983b6970">
+      <Terms xmlns="http://schemas.microsoft.com/office/infopath/2007/PartnerControls"/>
+    </TaxKeywordTaxHTField>
+  </documentManagement>
+</p:properties>
 </file>
 
 <file path=customXml/item4.xml><?xml version="1.0" encoding="utf-8"?>
@@ -49067,18 +49053,9 @@
 </file>
 
 <file path=customXml/itemProps1.xml><?xml version="1.0" encoding="utf-8"?>
-<ds:datastoreItem xmlns:ds="http://schemas.openxmlformats.org/officeDocument/2006/customXml" ds:itemID="{2F4C4F6A-F6A5-45C8-BAAA-52FB70E387C7}">
+<ds:datastoreItem xmlns:ds="http://schemas.openxmlformats.org/officeDocument/2006/customXml" ds:itemID="{292B128B-852E-4970-B7DA-406C2DC81E71}">
   <ds:schemaRefs>
-    <ds:schemaRef ds:uri="http://purl.org/dc/terms/"/>
-    <ds:schemaRef ds:uri="http://schemas.microsoft.com/office/infopath/2007/PartnerControls"/>
-    <ds:schemaRef ds:uri="http://purl.org/dc/elements/1.1/"/>
-    <ds:schemaRef ds:uri="http://schemas.microsoft.com/sharepoint/v3"/>
-    <ds:schemaRef ds:uri="http://schemas.microsoft.com/office/2006/documentManagement/types"/>
-    <ds:schemaRef ds:uri="http://schemas.openxmlformats.org/package/2006/metadata/core-properties"/>
-    <ds:schemaRef ds:uri="d95a5b16-1b8d-4c7c-9ebf-89c0983b6970"/>
-    <ds:schemaRef ds:uri="http://schemas.microsoft.com/office/2006/metadata/properties"/>
-    <ds:schemaRef ds:uri="http://www.w3.org/XML/1998/namespace"/>
-    <ds:schemaRef ds:uri="http://purl.org/dc/dcmitype/"/>
+    <ds:schemaRef ds:uri="http://schemas.microsoft.com/sharepoint/events"/>
   </ds:schemaRefs>
 </ds:datastoreItem>
 </file>
@@ -49092,9 +49069,18 @@
 </file>
 
 <file path=customXml/itemProps3.xml><?xml version="1.0" encoding="utf-8"?>
-<ds:datastoreItem xmlns:ds="http://schemas.openxmlformats.org/officeDocument/2006/customXml" ds:itemID="{292B128B-852E-4970-B7DA-406C2DC81E71}">
+<ds:datastoreItem xmlns:ds="http://schemas.openxmlformats.org/officeDocument/2006/customXml" ds:itemID="{2F4C4F6A-F6A5-45C8-BAAA-52FB70E387C7}">
   <ds:schemaRefs>
-    <ds:schemaRef ds:uri="http://schemas.microsoft.com/sharepoint/events"/>
+    <ds:schemaRef ds:uri="http://purl.org/dc/terms/"/>
+    <ds:schemaRef ds:uri="http://schemas.microsoft.com/office/infopath/2007/PartnerControls"/>
+    <ds:schemaRef ds:uri="http://purl.org/dc/elements/1.1/"/>
+    <ds:schemaRef ds:uri="http://schemas.microsoft.com/sharepoint/v3"/>
+    <ds:schemaRef ds:uri="http://schemas.microsoft.com/office/2006/documentManagement/types"/>
+    <ds:schemaRef ds:uri="http://schemas.openxmlformats.org/package/2006/metadata/core-properties"/>
+    <ds:schemaRef ds:uri="d95a5b16-1b8d-4c7c-9ebf-89c0983b6970"/>
+    <ds:schemaRef ds:uri="http://schemas.microsoft.com/office/2006/metadata/properties"/>
+    <ds:schemaRef ds:uri="http://www.w3.org/XML/1998/namespace"/>
+    <ds:schemaRef ds:uri="http://purl.org/dc/dcmitype/"/>
   </ds:schemaRefs>
 </ds:datastoreItem>
 </file>

--- a/Going Green Presentation.pptx
+++ b/Going Green Presentation.pptx
@@ -5,10 +5,10 @@
     <p:sldMasterId id="2147483648" r:id="rId5"/>
   </p:sldMasterIdLst>
   <p:notesMasterIdLst>
-    <p:notesMasterId r:id="rId21"/>
+    <p:notesMasterId r:id="rId26"/>
   </p:notesMasterIdLst>
   <p:handoutMasterIdLst>
-    <p:handoutMasterId r:id="rId22"/>
+    <p:handoutMasterId r:id="rId27"/>
   </p:handoutMasterIdLst>
   <p:sldIdLst>
     <p:sldId id="315" r:id="rId6"/>
@@ -18,14 +18,19 @@
     <p:sldId id="378" r:id="rId10"/>
     <p:sldId id="379" r:id="rId11"/>
     <p:sldId id="380" r:id="rId12"/>
-    <p:sldId id="381" r:id="rId13"/>
-    <p:sldId id="366" r:id="rId14"/>
-    <p:sldId id="374" r:id="rId15"/>
-    <p:sldId id="375" r:id="rId16"/>
-    <p:sldId id="376" r:id="rId17"/>
-    <p:sldId id="382" r:id="rId18"/>
-    <p:sldId id="377" r:id="rId19"/>
-    <p:sldId id="364" r:id="rId20"/>
+    <p:sldId id="383" r:id="rId13"/>
+    <p:sldId id="381" r:id="rId14"/>
+    <p:sldId id="366" r:id="rId15"/>
+    <p:sldId id="374" r:id="rId16"/>
+    <p:sldId id="375" r:id="rId17"/>
+    <p:sldId id="376" r:id="rId18"/>
+    <p:sldId id="382" r:id="rId19"/>
+    <p:sldId id="384" r:id="rId20"/>
+    <p:sldId id="385" r:id="rId21"/>
+    <p:sldId id="386" r:id="rId22"/>
+    <p:sldId id="387" r:id="rId23"/>
+    <p:sldId id="377" r:id="rId24"/>
+    <p:sldId id="364" r:id="rId25"/>
   </p:sldIdLst>
   <p:sldSz cx="9144000" cy="6858000" type="screen4x3"/>
   <p:notesSz cx="6858000" cy="9144000"/>
@@ -982,7 +987,7 @@
             <a:fld id="{20B9C825-F38E-45BB-92C1-043DE61C9183}" type="slidenum">
               <a:rPr lang="en-US" smtClean="0"/>
               <a:pPr/>
-              <a:t>8</a:t>
+              <a:t>9</a:t>
             </a:fld>
             <a:endParaRPr lang="en-US"/>
           </a:p>
@@ -1064,7 +1069,7 @@
             <a:fld id="{20B9C825-F38E-45BB-92C1-043DE61C9183}" type="slidenum">
               <a:rPr lang="en-US" smtClean="0"/>
               <a:pPr/>
-              <a:t>15</a:t>
+              <a:t>20</a:t>
             </a:fld>
             <a:endParaRPr lang="en-US" dirty="0"/>
           </a:p>
@@ -45743,6 +45748,83 @@
       </p:grpSpPr>
       <p:sp>
         <p:nvSpPr>
+          <p:cNvPr id="3" name="Slide Number Placeholder 2"/>
+          <p:cNvSpPr>
+            <a:spLocks noGrp="1"/>
+          </p:cNvSpPr>
+          <p:nvPr>
+            <p:ph type="sldNum" sz="quarter" idx="12"/>
+          </p:nvPr>
+        </p:nvSpPr>
+        <p:spPr/>
+        <p:txBody>
+          <a:bodyPr/>
+          <a:lstStyle/>
+          <a:p>
+            <a:fld id="{525A3C56-E491-49B2-93F3-63532DF516BC}" type="slidenum">
+              <a:rPr lang="en-US" smtClean="0"/>
+              <a:pPr/>
+              <a:t>10</a:t>
+            </a:fld>
+            <a:endParaRPr lang="en-US" dirty="0"/>
+          </a:p>
+        </p:txBody>
+      </p:sp>
+      <p:sp>
+        <p:nvSpPr>
+          <p:cNvPr id="4" name="Title 3"/>
+          <p:cNvSpPr>
+            <a:spLocks noGrp="1"/>
+          </p:cNvSpPr>
+          <p:nvPr>
+            <p:ph type="title"/>
+          </p:nvPr>
+        </p:nvSpPr>
+        <p:spPr/>
+        <p:txBody>
+          <a:bodyPr/>
+          <a:lstStyle/>
+          <a:p>
+            <a:r>
+              <a:rPr lang="en-US" dirty="0" smtClean="0"/>
+              <a:t>Login </a:t>
+            </a:r>
+            <a:endParaRPr lang="en-US" dirty="0"/>
+          </a:p>
+        </p:txBody>
+      </p:sp>
+    </p:spTree>
+    <p:extLst>
+      <p:ext uri="{BB962C8B-B14F-4D97-AF65-F5344CB8AC3E}">
+        <p14:creationId xmlns:p14="http://schemas.microsoft.com/office/powerpoint/2010/main" val="1383719726"/>
+      </p:ext>
+    </p:extLst>
+  </p:cSld>
+  <p:clrMapOvr>
+    <a:masterClrMapping/>
+  </p:clrMapOvr>
+</p:sld>
+</file>
+
+<file path=ppt/slides/slide11.xml><?xml version="1.0" encoding="utf-8"?>
+<p:sld xmlns:a="http://schemas.openxmlformats.org/drawingml/2006/main" xmlns:r="http://schemas.openxmlformats.org/officeDocument/2006/relationships" xmlns:p="http://schemas.openxmlformats.org/presentationml/2006/main">
+  <p:cSld>
+    <p:spTree>
+      <p:nvGrpSpPr>
+        <p:cNvPr id="1" name=""/>
+        <p:cNvGrpSpPr/>
+        <p:nvPr/>
+      </p:nvGrpSpPr>
+      <p:grpSpPr>
+        <a:xfrm>
+          <a:off x="0" y="0"/>
+          <a:ext cx="0" cy="0"/>
+          <a:chOff x="0" y="0"/>
+          <a:chExt cx="0" cy="0"/>
+        </a:xfrm>
+      </p:grpSpPr>
+      <p:sp>
+        <p:nvSpPr>
           <p:cNvPr id="2" name="Title 1"/>
           <p:cNvSpPr>
             <a:spLocks noGrp="1"/>
@@ -45796,7 +45878,7 @@
 </p:sld>
 </file>
 
-<file path=ppt/slides/slide11.xml><?xml version="1.0" encoding="utf-8"?>
+<file path=ppt/slides/slide12.xml><?xml version="1.0" encoding="utf-8"?>
 <p:sld xmlns:a="http://schemas.openxmlformats.org/drawingml/2006/main" xmlns:r="http://schemas.openxmlformats.org/officeDocument/2006/relationships" xmlns:p="http://schemas.openxmlformats.org/presentationml/2006/main">
   <p:cSld>
     <p:spTree>
@@ -45868,7 +45950,7 @@
 </p:sld>
 </file>
 
-<file path=ppt/slides/slide12.xml><?xml version="1.0" encoding="utf-8"?>
+<file path=ppt/slides/slide13.xml><?xml version="1.0" encoding="utf-8"?>
 <p:sld xmlns:a="http://schemas.openxmlformats.org/drawingml/2006/main" xmlns:r="http://schemas.openxmlformats.org/officeDocument/2006/relationships" xmlns:p="http://schemas.openxmlformats.org/presentationml/2006/main">
   <p:cSld>
     <p:spTree>
@@ -45939,7 +46021,7 @@
 </p:sld>
 </file>
 
-<file path=ppt/slides/slide13.xml><?xml version="1.0" encoding="utf-8"?>
+<file path=ppt/slides/slide14.xml><?xml version="1.0" encoding="utf-8"?>
 <p:sld xmlns:a="http://schemas.openxmlformats.org/drawingml/2006/main" xmlns:r="http://schemas.openxmlformats.org/officeDocument/2006/relationships" xmlns:p="http://schemas.openxmlformats.org/presentationml/2006/main">
   <p:cSld>
     <p:spTree>
@@ -45992,7 +46074,834 @@
 </p:sld>
 </file>
 
-<file path=ppt/slides/slide14.xml><?xml version="1.0" encoding="utf-8"?>
+<file path=ppt/slides/slide15.xml><?xml version="1.0" encoding="utf-8"?>
+<p:sld xmlns:a="http://schemas.openxmlformats.org/drawingml/2006/main" xmlns:r="http://schemas.openxmlformats.org/officeDocument/2006/relationships" xmlns:p="http://schemas.openxmlformats.org/presentationml/2006/main">
+  <p:cSld>
+    <p:spTree>
+      <p:nvGrpSpPr>
+        <p:cNvPr id="1" name=""/>
+        <p:cNvGrpSpPr/>
+        <p:nvPr/>
+      </p:nvGrpSpPr>
+      <p:grpSpPr>
+        <a:xfrm>
+          <a:off x="0" y="0"/>
+          <a:ext cx="0" cy="0"/>
+          <a:chOff x="0" y="0"/>
+          <a:chExt cx="0" cy="0"/>
+        </a:xfrm>
+      </p:grpSpPr>
+      <p:sp>
+        <p:nvSpPr>
+          <p:cNvPr id="3" name="Slide Number Placeholder 2"/>
+          <p:cNvSpPr>
+            <a:spLocks noGrp="1"/>
+          </p:cNvSpPr>
+          <p:nvPr>
+            <p:ph type="sldNum" sz="quarter" idx="12"/>
+          </p:nvPr>
+        </p:nvSpPr>
+        <p:spPr/>
+        <p:txBody>
+          <a:bodyPr/>
+          <a:lstStyle/>
+          <a:p>
+            <a:fld id="{525A3C56-E491-49B2-93F3-63532DF516BC}" type="slidenum">
+              <a:rPr lang="en-US" smtClean="0"/>
+              <a:pPr/>
+              <a:t>15</a:t>
+            </a:fld>
+            <a:endParaRPr lang="en-US" dirty="0"/>
+          </a:p>
+        </p:txBody>
+      </p:sp>
+      <p:sp>
+        <p:nvSpPr>
+          <p:cNvPr id="4" name="Rectangle 3"/>
+          <p:cNvSpPr/>
+          <p:nvPr/>
+        </p:nvSpPr>
+        <p:spPr>
+          <a:xfrm>
+            <a:off x="528034" y="1439583"/>
+            <a:ext cx="8822028" cy="5262979"/>
+          </a:xfrm>
+          <a:prstGeom prst="rect">
+            <a:avLst/>
+          </a:prstGeom>
+        </p:spPr>
+        <p:txBody>
+          <a:bodyPr wrap="square">
+            <a:spAutoFit/>
+          </a:bodyPr>
+          <a:lstStyle/>
+          <a:p>
+            <a:pPr marL="457200" lvl="0" indent="-457200">
+              <a:buClr>
+                <a:schemeClr val="accent1"/>
+              </a:buClr>
+              <a:buFont typeface="Arial" panose="020B0604020202020204" pitchFamily="34" charset="0"/>
+              <a:buChar char="•"/>
+            </a:pPr>
+            <a:r>
+              <a:rPr lang="en-CA" sz="2800" dirty="0" smtClean="0"/>
+              <a:t>Maximum 3 weeks of testing</a:t>
+            </a:r>
+          </a:p>
+          <a:p>
+            <a:pPr marL="914400" lvl="1" indent="-457200">
+              <a:buClr>
+                <a:schemeClr val="accent1"/>
+              </a:buClr>
+              <a:buFont typeface="Arial" panose="020B0604020202020204" pitchFamily="34" charset="0"/>
+              <a:buChar char="•"/>
+            </a:pPr>
+            <a:r>
+              <a:rPr lang="en-CA" sz="2800" dirty="0" smtClean="0"/>
+              <a:t>Completed by August 8, 2014</a:t>
+            </a:r>
+            <a:endParaRPr lang="en-CA" sz="2800" dirty="0" smtClean="0"/>
+          </a:p>
+          <a:p>
+            <a:pPr marL="457200" lvl="0" indent="-457200">
+              <a:buClr>
+                <a:schemeClr val="accent1"/>
+              </a:buClr>
+              <a:buFont typeface="Arial" panose="020B0604020202020204" pitchFamily="34" charset="0"/>
+              <a:buChar char="•"/>
+            </a:pPr>
+            <a:endParaRPr lang="en-CA" sz="2800" dirty="0"/>
+          </a:p>
+          <a:p>
+            <a:pPr marL="457200" indent="-457200">
+              <a:buClr>
+                <a:schemeClr val="accent1"/>
+              </a:buClr>
+              <a:buFont typeface="Arial" panose="020B0604020202020204" pitchFamily="34" charset="0"/>
+              <a:buChar char="•"/>
+            </a:pPr>
+            <a:r>
+              <a:rPr lang="en-CA" sz="2800" dirty="0" smtClean="0"/>
+              <a:t>2 working days for following phases:</a:t>
+            </a:r>
+          </a:p>
+          <a:p>
+            <a:pPr marL="914400" lvl="1" indent="-457200">
+              <a:buClr>
+                <a:schemeClr val="accent1"/>
+              </a:buClr>
+              <a:buFont typeface="Arial" panose="020B0604020202020204" pitchFamily="34" charset="0"/>
+              <a:buChar char="•"/>
+            </a:pPr>
+            <a:r>
+              <a:rPr lang="en-CA" sz="2800" dirty="0" smtClean="0"/>
+              <a:t>Unit Testing</a:t>
+            </a:r>
+          </a:p>
+          <a:p>
+            <a:pPr marL="914400" lvl="1" indent="-457200">
+              <a:buClr>
+                <a:schemeClr val="accent1"/>
+              </a:buClr>
+              <a:buFont typeface="Arial" panose="020B0604020202020204" pitchFamily="34" charset="0"/>
+              <a:buChar char="•"/>
+            </a:pPr>
+            <a:r>
+              <a:rPr lang="en-CA" sz="2800" dirty="0" smtClean="0"/>
+              <a:t>Integration Testing</a:t>
+            </a:r>
+          </a:p>
+          <a:p>
+            <a:pPr marL="914400" lvl="1" indent="-457200">
+              <a:buClr>
+                <a:schemeClr val="accent1"/>
+              </a:buClr>
+              <a:buFont typeface="Arial" panose="020B0604020202020204" pitchFamily="34" charset="0"/>
+              <a:buChar char="•"/>
+            </a:pPr>
+            <a:r>
+              <a:rPr lang="en-CA" sz="2800" dirty="0" smtClean="0"/>
+              <a:t>Data Foundation Testing</a:t>
+            </a:r>
+          </a:p>
+          <a:p>
+            <a:pPr marL="914400" lvl="1" indent="-457200">
+              <a:buClr>
+                <a:schemeClr val="accent1"/>
+              </a:buClr>
+              <a:buFont typeface="Arial" panose="020B0604020202020204" pitchFamily="34" charset="0"/>
+              <a:buChar char="•"/>
+            </a:pPr>
+            <a:r>
+              <a:rPr lang="en-CA" sz="2800" dirty="0" smtClean="0"/>
+              <a:t>System Testing</a:t>
+            </a:r>
+          </a:p>
+          <a:p>
+            <a:pPr marL="914400" lvl="1" indent="-457200">
+              <a:buClr>
+                <a:schemeClr val="accent1"/>
+              </a:buClr>
+              <a:buFont typeface="Arial" panose="020B0604020202020204" pitchFamily="34" charset="0"/>
+              <a:buChar char="•"/>
+            </a:pPr>
+            <a:r>
+              <a:rPr lang="en-CA" sz="2800" dirty="0" smtClean="0"/>
+              <a:t>User Acceptance Testing</a:t>
+            </a:r>
+          </a:p>
+          <a:p>
+            <a:pPr marL="914400" lvl="1" indent="-457200">
+              <a:buClr>
+                <a:schemeClr val="accent1"/>
+              </a:buClr>
+              <a:buFont typeface="Arial" panose="020B0604020202020204" pitchFamily="34" charset="0"/>
+              <a:buChar char="•"/>
+            </a:pPr>
+            <a:endParaRPr lang="en-CA" sz="2800" dirty="0" smtClean="0"/>
+          </a:p>
+          <a:p>
+            <a:pPr marL="457200" indent="-457200">
+              <a:buClr>
+                <a:schemeClr val="accent1"/>
+              </a:buClr>
+              <a:buFont typeface="Arial" panose="020B0604020202020204" pitchFamily="34" charset="0"/>
+              <a:buChar char="•"/>
+            </a:pPr>
+            <a:r>
+              <a:rPr lang="en-CA" sz="2800" dirty="0" smtClean="0"/>
+              <a:t>5 working days for Client Acceptance Testing</a:t>
+            </a:r>
+            <a:endParaRPr lang="en-US" sz="2800" dirty="0" smtClean="0"/>
+          </a:p>
+          <a:p>
+            <a:pPr marL="457200" lvl="0" indent="-457200">
+              <a:buClr>
+                <a:schemeClr val="accent1"/>
+              </a:buClr>
+              <a:buFont typeface="Arial" panose="020B0604020202020204" pitchFamily="34" charset="0"/>
+              <a:buChar char="•"/>
+            </a:pPr>
+            <a:endParaRPr lang="en-US" sz="2800" dirty="0" smtClean="0"/>
+          </a:p>
+        </p:txBody>
+      </p:sp>
+      <p:sp>
+        <p:nvSpPr>
+          <p:cNvPr id="5" name="Title 1"/>
+          <p:cNvSpPr>
+            <a:spLocks noGrp="1"/>
+          </p:cNvSpPr>
+          <p:nvPr>
+            <p:ph type="title"/>
+          </p:nvPr>
+        </p:nvSpPr>
+        <p:spPr>
+          <a:xfrm>
+            <a:off x="447675" y="185739"/>
+            <a:ext cx="8239125" cy="920750"/>
+          </a:xfrm>
+        </p:spPr>
+        <p:txBody>
+          <a:bodyPr>
+            <a:normAutofit/>
+          </a:bodyPr>
+          <a:lstStyle/>
+          <a:p>
+            <a:r>
+              <a:rPr lang="en-US" sz="4400" dirty="0" smtClean="0"/>
+              <a:t>Testing</a:t>
+            </a:r>
+            <a:endParaRPr lang="en-US" sz="4400" dirty="0"/>
+          </a:p>
+        </p:txBody>
+      </p:sp>
+    </p:spTree>
+    <p:extLst>
+      <p:ext uri="{BB962C8B-B14F-4D97-AF65-F5344CB8AC3E}">
+        <p14:creationId xmlns:p14="http://schemas.microsoft.com/office/powerpoint/2010/main" val="3513126100"/>
+      </p:ext>
+    </p:extLst>
+  </p:cSld>
+  <p:clrMapOvr>
+    <a:masterClrMapping/>
+  </p:clrMapOvr>
+</p:sld>
+</file>
+
+<file path=ppt/slides/slide16.xml><?xml version="1.0" encoding="utf-8"?>
+<p:sld xmlns:a="http://schemas.openxmlformats.org/drawingml/2006/main" xmlns:r="http://schemas.openxmlformats.org/officeDocument/2006/relationships" xmlns:p="http://schemas.openxmlformats.org/presentationml/2006/main">
+  <p:cSld>
+    <p:spTree>
+      <p:nvGrpSpPr>
+        <p:cNvPr id="1" name=""/>
+        <p:cNvGrpSpPr/>
+        <p:nvPr/>
+      </p:nvGrpSpPr>
+      <p:grpSpPr>
+        <a:xfrm>
+          <a:off x="0" y="0"/>
+          <a:ext cx="0" cy="0"/>
+          <a:chOff x="0" y="0"/>
+          <a:chExt cx="0" cy="0"/>
+        </a:xfrm>
+      </p:grpSpPr>
+      <p:sp>
+        <p:nvSpPr>
+          <p:cNvPr id="3" name="Slide Number Placeholder 2"/>
+          <p:cNvSpPr>
+            <a:spLocks noGrp="1"/>
+          </p:cNvSpPr>
+          <p:nvPr>
+            <p:ph type="sldNum" sz="quarter" idx="12"/>
+          </p:nvPr>
+        </p:nvSpPr>
+        <p:spPr/>
+        <p:txBody>
+          <a:bodyPr/>
+          <a:lstStyle/>
+          <a:p>
+            <a:fld id="{525A3C56-E491-49B2-93F3-63532DF516BC}" type="slidenum">
+              <a:rPr lang="en-US" smtClean="0"/>
+              <a:pPr/>
+              <a:t>16</a:t>
+            </a:fld>
+            <a:endParaRPr lang="en-US" dirty="0"/>
+          </a:p>
+        </p:txBody>
+      </p:sp>
+      <p:sp>
+        <p:nvSpPr>
+          <p:cNvPr id="4" name="Rectangle 3"/>
+          <p:cNvSpPr/>
+          <p:nvPr/>
+        </p:nvSpPr>
+        <p:spPr>
+          <a:xfrm>
+            <a:off x="528034" y="1439583"/>
+            <a:ext cx="8822028" cy="3108543"/>
+          </a:xfrm>
+          <a:prstGeom prst="rect">
+            <a:avLst/>
+          </a:prstGeom>
+        </p:spPr>
+        <p:txBody>
+          <a:bodyPr wrap="square">
+            <a:spAutoFit/>
+          </a:bodyPr>
+          <a:lstStyle/>
+          <a:p>
+            <a:pPr lvl="0">
+              <a:buClr>
+                <a:schemeClr val="accent1"/>
+              </a:buClr>
+            </a:pPr>
+            <a:r>
+              <a:rPr lang="en-CA" sz="2800" dirty="0" smtClean="0"/>
+              <a:t>General Dependencies</a:t>
+            </a:r>
+          </a:p>
+          <a:p>
+            <a:pPr lvl="0">
+              <a:buClr>
+                <a:schemeClr val="accent1"/>
+              </a:buClr>
+            </a:pPr>
+            <a:endParaRPr lang="en-CA" sz="2800" dirty="0"/>
+          </a:p>
+          <a:p>
+            <a:pPr marL="457200" lvl="0" indent="-457200">
+              <a:buClr>
+                <a:schemeClr val="accent1"/>
+              </a:buClr>
+              <a:buFont typeface="Arial" panose="020B0604020202020204" pitchFamily="34" charset="0"/>
+              <a:buChar char="•"/>
+            </a:pPr>
+            <a:r>
+              <a:rPr lang="en-CA" sz="2800" dirty="0" smtClean="0"/>
+              <a:t>Database integration complete before any testing</a:t>
+            </a:r>
+            <a:endParaRPr lang="en-CA" sz="2800" dirty="0" smtClean="0"/>
+          </a:p>
+          <a:p>
+            <a:pPr marL="457200" lvl="0" indent="-457200">
+              <a:buClr>
+                <a:schemeClr val="accent1"/>
+              </a:buClr>
+              <a:buFont typeface="Arial" panose="020B0604020202020204" pitchFamily="34" charset="0"/>
+              <a:buChar char="•"/>
+            </a:pPr>
+            <a:endParaRPr lang="en-CA" sz="2800" dirty="0"/>
+          </a:p>
+          <a:p>
+            <a:pPr marL="457200" indent="-457200">
+              <a:buClr>
+                <a:schemeClr val="accent1"/>
+              </a:buClr>
+              <a:buFont typeface="Arial" panose="020B0604020202020204" pitchFamily="34" charset="0"/>
+              <a:buChar char="•"/>
+            </a:pPr>
+            <a:r>
+              <a:rPr lang="en-CA" sz="2800" dirty="0" smtClean="0"/>
+              <a:t>All phases completed on both Android and </a:t>
+            </a:r>
+            <a:r>
+              <a:rPr lang="en-CA" sz="2800" dirty="0" err="1" smtClean="0"/>
+              <a:t>iOS</a:t>
+            </a:r>
+            <a:endParaRPr lang="en-CA" sz="2800" dirty="0" smtClean="0"/>
+          </a:p>
+          <a:p>
+            <a:pPr marL="914400" lvl="1" indent="-457200">
+              <a:buClr>
+                <a:schemeClr val="accent1"/>
+              </a:buClr>
+              <a:buFont typeface="Arial" panose="020B0604020202020204" pitchFamily="34" charset="0"/>
+              <a:buChar char="•"/>
+            </a:pPr>
+            <a:endParaRPr lang="en-CA" sz="2800" dirty="0" smtClean="0"/>
+          </a:p>
+          <a:p>
+            <a:pPr marL="457200" lvl="0" indent="-457200">
+              <a:buClr>
+                <a:schemeClr val="accent1"/>
+              </a:buClr>
+              <a:buFont typeface="Arial" panose="020B0604020202020204" pitchFamily="34" charset="0"/>
+              <a:buChar char="•"/>
+            </a:pPr>
+            <a:endParaRPr lang="en-US" sz="2800" dirty="0" smtClean="0"/>
+          </a:p>
+        </p:txBody>
+      </p:sp>
+      <p:sp>
+        <p:nvSpPr>
+          <p:cNvPr id="5" name="Title 1"/>
+          <p:cNvSpPr>
+            <a:spLocks noGrp="1"/>
+          </p:cNvSpPr>
+          <p:nvPr>
+            <p:ph type="title"/>
+          </p:nvPr>
+        </p:nvSpPr>
+        <p:spPr>
+          <a:xfrm>
+            <a:off x="447675" y="185739"/>
+            <a:ext cx="8239125" cy="920750"/>
+          </a:xfrm>
+        </p:spPr>
+        <p:txBody>
+          <a:bodyPr>
+            <a:normAutofit/>
+          </a:bodyPr>
+          <a:lstStyle/>
+          <a:p>
+            <a:r>
+              <a:rPr lang="en-US" sz="4400" dirty="0" smtClean="0"/>
+              <a:t>Testing</a:t>
+            </a:r>
+            <a:endParaRPr lang="en-US" sz="4400" dirty="0"/>
+          </a:p>
+        </p:txBody>
+      </p:sp>
+    </p:spTree>
+    <p:extLst>
+      <p:ext uri="{BB962C8B-B14F-4D97-AF65-F5344CB8AC3E}">
+        <p14:creationId xmlns:p14="http://schemas.microsoft.com/office/powerpoint/2010/main" val="3465160592"/>
+      </p:ext>
+    </p:extLst>
+  </p:cSld>
+  <p:clrMapOvr>
+    <a:masterClrMapping/>
+  </p:clrMapOvr>
+</p:sld>
+</file>
+
+<file path=ppt/slides/slide17.xml><?xml version="1.0" encoding="utf-8"?>
+<p:sld xmlns:a="http://schemas.openxmlformats.org/drawingml/2006/main" xmlns:r="http://schemas.openxmlformats.org/officeDocument/2006/relationships" xmlns:p="http://schemas.openxmlformats.org/presentationml/2006/main">
+  <p:cSld>
+    <p:spTree>
+      <p:nvGrpSpPr>
+        <p:cNvPr id="1" name=""/>
+        <p:cNvGrpSpPr/>
+        <p:nvPr/>
+      </p:nvGrpSpPr>
+      <p:grpSpPr>
+        <a:xfrm>
+          <a:off x="0" y="0"/>
+          <a:ext cx="0" cy="0"/>
+          <a:chOff x="0" y="0"/>
+          <a:chExt cx="0" cy="0"/>
+        </a:xfrm>
+      </p:grpSpPr>
+      <p:sp>
+        <p:nvSpPr>
+          <p:cNvPr id="3" name="Slide Number Placeholder 2"/>
+          <p:cNvSpPr>
+            <a:spLocks noGrp="1"/>
+          </p:cNvSpPr>
+          <p:nvPr>
+            <p:ph type="sldNum" sz="quarter" idx="12"/>
+          </p:nvPr>
+        </p:nvSpPr>
+        <p:spPr/>
+        <p:txBody>
+          <a:bodyPr/>
+          <a:lstStyle/>
+          <a:p>
+            <a:fld id="{525A3C56-E491-49B2-93F3-63532DF516BC}" type="slidenum">
+              <a:rPr lang="en-US" smtClean="0"/>
+              <a:pPr/>
+              <a:t>17</a:t>
+            </a:fld>
+            <a:endParaRPr lang="en-US" dirty="0"/>
+          </a:p>
+        </p:txBody>
+      </p:sp>
+      <p:sp>
+        <p:nvSpPr>
+          <p:cNvPr id="4" name="Rectangle 3"/>
+          <p:cNvSpPr/>
+          <p:nvPr/>
+        </p:nvSpPr>
+        <p:spPr>
+          <a:xfrm>
+            <a:off x="528034" y="1439583"/>
+            <a:ext cx="8822028" cy="4401205"/>
+          </a:xfrm>
+          <a:prstGeom prst="rect">
+            <a:avLst/>
+          </a:prstGeom>
+        </p:spPr>
+        <p:txBody>
+          <a:bodyPr wrap="square">
+            <a:spAutoFit/>
+          </a:bodyPr>
+          <a:lstStyle/>
+          <a:p>
+            <a:pPr lvl="0">
+              <a:buClr>
+                <a:schemeClr val="accent1"/>
+              </a:buClr>
+            </a:pPr>
+            <a:r>
+              <a:rPr lang="en-CA" sz="2800" dirty="0" smtClean="0"/>
+              <a:t>Testing Phase Dependencies</a:t>
+            </a:r>
+          </a:p>
+          <a:p>
+            <a:pPr lvl="0">
+              <a:buClr>
+                <a:schemeClr val="accent1"/>
+              </a:buClr>
+            </a:pPr>
+            <a:endParaRPr lang="en-CA" sz="2800" dirty="0"/>
+          </a:p>
+          <a:p>
+            <a:pPr marL="457200" lvl="0" indent="-457200">
+              <a:buClr>
+                <a:schemeClr val="accent1"/>
+              </a:buClr>
+              <a:buFont typeface="Arial" panose="020B0604020202020204" pitchFamily="34" charset="0"/>
+              <a:buChar char="•"/>
+            </a:pPr>
+            <a:r>
+              <a:rPr lang="en-CA" sz="2800" dirty="0" smtClean="0"/>
+              <a:t>Data Foundation bugs resolved prior to System Testing</a:t>
+            </a:r>
+            <a:endParaRPr lang="en-CA" sz="2800" dirty="0" smtClean="0"/>
+          </a:p>
+          <a:p>
+            <a:pPr marL="457200" lvl="0" indent="-457200">
+              <a:buClr>
+                <a:schemeClr val="accent1"/>
+              </a:buClr>
+              <a:buFont typeface="Arial" panose="020B0604020202020204" pitchFamily="34" charset="0"/>
+              <a:buChar char="•"/>
+            </a:pPr>
+            <a:endParaRPr lang="en-CA" sz="2800" dirty="0"/>
+          </a:p>
+          <a:p>
+            <a:pPr marL="457200" indent="-457200">
+              <a:buClr>
+                <a:schemeClr val="accent1"/>
+              </a:buClr>
+              <a:buFont typeface="Arial" panose="020B0604020202020204" pitchFamily="34" charset="0"/>
+              <a:buChar char="•"/>
+            </a:pPr>
+            <a:r>
+              <a:rPr lang="en-CA" sz="2800" dirty="0" smtClean="0"/>
+              <a:t>Prior to UAT:</a:t>
+            </a:r>
+          </a:p>
+          <a:p>
+            <a:pPr marL="914400" lvl="1" indent="-457200">
+              <a:buClr>
+                <a:schemeClr val="accent1"/>
+              </a:buClr>
+              <a:buFont typeface="Arial" panose="020B0604020202020204" pitchFamily="34" charset="0"/>
+              <a:buChar char="•"/>
+            </a:pPr>
+            <a:r>
+              <a:rPr lang="en-CA" sz="2800" dirty="0" smtClean="0"/>
+              <a:t>100% of critical bugs resolved</a:t>
+            </a:r>
+          </a:p>
+          <a:p>
+            <a:pPr marL="914400" lvl="1" indent="-457200">
+              <a:buClr>
+                <a:schemeClr val="accent1"/>
+              </a:buClr>
+              <a:buFont typeface="Arial" panose="020B0604020202020204" pitchFamily="34" charset="0"/>
+              <a:buChar char="•"/>
+            </a:pPr>
+            <a:r>
+              <a:rPr lang="en-CA" sz="2800" dirty="0" smtClean="0"/>
+              <a:t>50% of medium and low bugs resolved</a:t>
+            </a:r>
+          </a:p>
+          <a:p>
+            <a:pPr lvl="1">
+              <a:buClr>
+                <a:schemeClr val="accent1"/>
+              </a:buClr>
+            </a:pPr>
+            <a:endParaRPr lang="en-CA" sz="2800" dirty="0" smtClean="0"/>
+          </a:p>
+          <a:p>
+            <a:pPr marL="457200" lvl="0" indent="-457200">
+              <a:buClr>
+                <a:schemeClr val="accent1"/>
+              </a:buClr>
+              <a:buFont typeface="Arial" panose="020B0604020202020204" pitchFamily="34" charset="0"/>
+              <a:buChar char="•"/>
+            </a:pPr>
+            <a:endParaRPr lang="en-US" sz="2800" dirty="0" smtClean="0"/>
+          </a:p>
+        </p:txBody>
+      </p:sp>
+      <p:sp>
+        <p:nvSpPr>
+          <p:cNvPr id="5" name="Title 1"/>
+          <p:cNvSpPr>
+            <a:spLocks noGrp="1"/>
+          </p:cNvSpPr>
+          <p:nvPr>
+            <p:ph type="title"/>
+          </p:nvPr>
+        </p:nvSpPr>
+        <p:spPr>
+          <a:xfrm>
+            <a:off x="447675" y="185739"/>
+            <a:ext cx="8239125" cy="920750"/>
+          </a:xfrm>
+        </p:spPr>
+        <p:txBody>
+          <a:bodyPr>
+            <a:normAutofit/>
+          </a:bodyPr>
+          <a:lstStyle/>
+          <a:p>
+            <a:r>
+              <a:rPr lang="en-US" sz="4400" dirty="0" smtClean="0"/>
+              <a:t>Testing</a:t>
+            </a:r>
+            <a:endParaRPr lang="en-US" sz="4400" dirty="0"/>
+          </a:p>
+        </p:txBody>
+      </p:sp>
+    </p:spTree>
+    <p:extLst>
+      <p:ext uri="{BB962C8B-B14F-4D97-AF65-F5344CB8AC3E}">
+        <p14:creationId xmlns:p14="http://schemas.microsoft.com/office/powerpoint/2010/main" val="274755586"/>
+      </p:ext>
+    </p:extLst>
+  </p:cSld>
+  <p:clrMapOvr>
+    <a:masterClrMapping/>
+  </p:clrMapOvr>
+</p:sld>
+</file>
+
+<file path=ppt/slides/slide18.xml><?xml version="1.0" encoding="utf-8"?>
+<p:sld xmlns:a="http://schemas.openxmlformats.org/drawingml/2006/main" xmlns:r="http://schemas.openxmlformats.org/officeDocument/2006/relationships" xmlns:p="http://schemas.openxmlformats.org/presentationml/2006/main">
+  <p:cSld>
+    <p:spTree>
+      <p:nvGrpSpPr>
+        <p:cNvPr id="1" name=""/>
+        <p:cNvGrpSpPr/>
+        <p:nvPr/>
+      </p:nvGrpSpPr>
+      <p:grpSpPr>
+        <a:xfrm>
+          <a:off x="0" y="0"/>
+          <a:ext cx="0" cy="0"/>
+          <a:chOff x="0" y="0"/>
+          <a:chExt cx="0" cy="0"/>
+        </a:xfrm>
+      </p:grpSpPr>
+      <p:sp>
+        <p:nvSpPr>
+          <p:cNvPr id="3" name="Slide Number Placeholder 2"/>
+          <p:cNvSpPr>
+            <a:spLocks noGrp="1"/>
+          </p:cNvSpPr>
+          <p:nvPr>
+            <p:ph type="sldNum" sz="quarter" idx="12"/>
+          </p:nvPr>
+        </p:nvSpPr>
+        <p:spPr/>
+        <p:txBody>
+          <a:bodyPr/>
+          <a:lstStyle/>
+          <a:p>
+            <a:fld id="{525A3C56-E491-49B2-93F3-63532DF516BC}" type="slidenum">
+              <a:rPr lang="en-US" smtClean="0"/>
+              <a:pPr/>
+              <a:t>18</a:t>
+            </a:fld>
+            <a:endParaRPr lang="en-US" dirty="0"/>
+          </a:p>
+        </p:txBody>
+      </p:sp>
+      <p:sp>
+        <p:nvSpPr>
+          <p:cNvPr id="4" name="Rectangle 3"/>
+          <p:cNvSpPr/>
+          <p:nvPr/>
+        </p:nvSpPr>
+        <p:spPr>
+          <a:xfrm>
+            <a:off x="528034" y="1439583"/>
+            <a:ext cx="8822028" cy="3970318"/>
+          </a:xfrm>
+          <a:prstGeom prst="rect">
+            <a:avLst/>
+          </a:prstGeom>
+        </p:spPr>
+        <p:txBody>
+          <a:bodyPr wrap="square">
+            <a:spAutoFit/>
+          </a:bodyPr>
+          <a:lstStyle/>
+          <a:p>
+            <a:pPr lvl="0">
+              <a:buClr>
+                <a:schemeClr val="accent1"/>
+              </a:buClr>
+            </a:pPr>
+            <a:r>
+              <a:rPr lang="en-CA" sz="2800" dirty="0" smtClean="0"/>
+              <a:t>Production Promotion Dependencies</a:t>
+            </a:r>
+          </a:p>
+          <a:p>
+            <a:pPr lvl="0">
+              <a:buClr>
+                <a:schemeClr val="accent1"/>
+              </a:buClr>
+            </a:pPr>
+            <a:endParaRPr lang="en-CA" sz="2800" dirty="0"/>
+          </a:p>
+          <a:p>
+            <a:pPr marL="457200" lvl="0" indent="-457200">
+              <a:buClr>
+                <a:schemeClr val="accent1"/>
+              </a:buClr>
+              <a:buFont typeface="Arial" panose="020B0604020202020204" pitchFamily="34" charset="0"/>
+              <a:buChar char="•"/>
+            </a:pPr>
+            <a:r>
+              <a:rPr lang="en-CA" sz="2800" dirty="0" smtClean="0"/>
+              <a:t>All critical bugs preventing implementation into production have been resolved</a:t>
+            </a:r>
+          </a:p>
+          <a:p>
+            <a:pPr marL="457200" lvl="0" indent="-457200">
+              <a:buClr>
+                <a:schemeClr val="accent1"/>
+              </a:buClr>
+              <a:buFont typeface="Arial" panose="020B0604020202020204" pitchFamily="34" charset="0"/>
+              <a:buChar char="•"/>
+            </a:pPr>
+            <a:endParaRPr lang="en-CA" sz="2800" dirty="0"/>
+          </a:p>
+          <a:p>
+            <a:pPr marL="457200" lvl="0" indent="-457200">
+              <a:buClr>
+                <a:schemeClr val="accent1"/>
+              </a:buClr>
+              <a:buFont typeface="Arial" panose="020B0604020202020204" pitchFamily="34" charset="0"/>
+              <a:buChar char="•"/>
+            </a:pPr>
+            <a:r>
+              <a:rPr lang="en-CA" sz="2800" dirty="0" smtClean="0"/>
+              <a:t>75% of medium and low priority bugs have been resolved.</a:t>
+            </a:r>
+          </a:p>
+          <a:p>
+            <a:pPr lvl="1">
+              <a:buClr>
+                <a:schemeClr val="accent1"/>
+              </a:buClr>
+            </a:pPr>
+            <a:endParaRPr lang="en-CA" sz="2800" dirty="0" smtClean="0"/>
+          </a:p>
+          <a:p>
+            <a:pPr marL="457200" lvl="0" indent="-457200">
+              <a:buClr>
+                <a:schemeClr val="accent1"/>
+              </a:buClr>
+              <a:buFont typeface="Arial" panose="020B0604020202020204" pitchFamily="34" charset="0"/>
+              <a:buChar char="•"/>
+            </a:pPr>
+            <a:endParaRPr lang="en-US" sz="2800" dirty="0" smtClean="0"/>
+          </a:p>
+        </p:txBody>
+      </p:sp>
+      <p:sp>
+        <p:nvSpPr>
+          <p:cNvPr id="5" name="Title 1"/>
+          <p:cNvSpPr>
+            <a:spLocks noGrp="1"/>
+          </p:cNvSpPr>
+          <p:nvPr>
+            <p:ph type="title"/>
+          </p:nvPr>
+        </p:nvSpPr>
+        <p:spPr>
+          <a:xfrm>
+            <a:off x="447675" y="185739"/>
+            <a:ext cx="8239125" cy="920750"/>
+          </a:xfrm>
+        </p:spPr>
+        <p:txBody>
+          <a:bodyPr>
+            <a:normAutofit/>
+          </a:bodyPr>
+          <a:lstStyle/>
+          <a:p>
+            <a:r>
+              <a:rPr lang="en-US" sz="4400" dirty="0" smtClean="0"/>
+              <a:t>Testing</a:t>
+            </a:r>
+            <a:endParaRPr lang="en-US" sz="4400" dirty="0"/>
+          </a:p>
+        </p:txBody>
+      </p:sp>
+    </p:spTree>
+    <p:extLst>
+      <p:ext uri="{BB962C8B-B14F-4D97-AF65-F5344CB8AC3E}">
+        <p14:creationId xmlns:p14="http://schemas.microsoft.com/office/powerpoint/2010/main" val="1419357263"/>
+      </p:ext>
+    </p:extLst>
+  </p:cSld>
+  <p:clrMapOvr>
+    <a:masterClrMapping/>
+  </p:clrMapOvr>
+</p:sld>
+</file>
+
+<file path=ppt/slides/slide19.xml><?xml version="1.0" encoding="utf-8"?>
 <p:sld xmlns:a="http://schemas.openxmlformats.org/drawingml/2006/main" xmlns:r="http://schemas.openxmlformats.org/officeDocument/2006/relationships" xmlns:p="http://schemas.openxmlformats.org/presentationml/2006/main">
   <p:cSld>
     <p:spTree>
@@ -46042,67 +46951,6 @@
   <p:clrMapOvr>
     <a:masterClrMapping/>
   </p:clrMapOvr>
-</p:sld>
-</file>
-
-<file path=ppt/slides/slide15.xml><?xml version="1.0" encoding="utf-8"?>
-<p:sld xmlns:a="http://schemas.openxmlformats.org/drawingml/2006/main" xmlns:r="http://schemas.openxmlformats.org/officeDocument/2006/relationships" xmlns:p="http://schemas.openxmlformats.org/presentationml/2006/main">
-  <p:cSld>
-    <p:spTree>
-      <p:nvGrpSpPr>
-        <p:cNvPr id="1" name=""/>
-        <p:cNvGrpSpPr/>
-        <p:nvPr/>
-      </p:nvGrpSpPr>
-      <p:grpSpPr>
-        <a:xfrm>
-          <a:off x="0" y="0"/>
-          <a:ext cx="0" cy="0"/>
-          <a:chOff x="0" y="0"/>
-          <a:chExt cx="0" cy="0"/>
-        </a:xfrm>
-      </p:grpSpPr>
-      <p:sp>
-        <p:nvSpPr>
-          <p:cNvPr id="2" name="Title 1"/>
-          <p:cNvSpPr>
-            <a:spLocks noGrp="1"/>
-          </p:cNvSpPr>
-          <p:nvPr>
-            <p:ph type="ctrTitle"/>
-          </p:nvPr>
-        </p:nvSpPr>
-        <p:spPr/>
-        <p:txBody>
-          <a:bodyPr>
-            <a:normAutofit/>
-          </a:bodyPr>
-          <a:lstStyle/>
-          <a:p>
-            <a:r>
-              <a:rPr lang="en-US" dirty="0" smtClean="0"/>
-              <a:t>Questions?</a:t>
-            </a:r>
-            <a:endParaRPr lang="en-US" sz="2800" dirty="0">
-              <a:solidFill>
-                <a:schemeClr val="tx1"/>
-              </a:solidFill>
-            </a:endParaRPr>
-          </a:p>
-        </p:txBody>
-      </p:sp>
-    </p:spTree>
-  </p:cSld>
-  <p:clrMapOvr>
-    <a:masterClrMapping/>
-  </p:clrMapOvr>
-  <p:timing>
-    <p:tnLst>
-      <p:par>
-        <p:cTn id="1" dur="indefinite" restart="never" nodeType="tmRoot"/>
-      </p:par>
-    </p:tnLst>
-  </p:timing>
 </p:sld>
 </file>
 
@@ -46186,8 +47034,23 @@
             </a:pPr>
             <a:r>
               <a:rPr lang="en-US" sz="2800" dirty="0" smtClean="0"/>
-              <a:t>Requirements </a:t>
+              <a:t>Requirements</a:t>
             </a:r>
+          </a:p>
+          <a:p>
+            <a:pPr marL="457200" indent="-457200">
+              <a:buFont typeface="Arial" panose="020B0604020202020204" pitchFamily="34" charset="0"/>
+              <a:buChar char="•"/>
+            </a:pPr>
+            <a:r>
+              <a:rPr lang="en-US" sz="2800" dirty="0" smtClean="0"/>
+              <a:t>Limitations</a:t>
+            </a:r>
+            <a:r>
+              <a:rPr lang="en-US" sz="2800" dirty="0" smtClean="0"/>
+              <a:t> </a:t>
+            </a:r>
+            <a:endParaRPr lang="en-US" sz="2800" dirty="0" smtClean="0"/>
           </a:p>
           <a:p>
             <a:pPr marL="457200" indent="-457200">
@@ -46265,6 +47128,67 @@
               <a:t>2</a:t>
             </a:fld>
             <a:endParaRPr lang="en-US" dirty="0"/>
+          </a:p>
+        </p:txBody>
+      </p:sp>
+    </p:spTree>
+  </p:cSld>
+  <p:clrMapOvr>
+    <a:masterClrMapping/>
+  </p:clrMapOvr>
+  <p:timing>
+    <p:tnLst>
+      <p:par>
+        <p:cTn id="1" dur="indefinite" restart="never" nodeType="tmRoot"/>
+      </p:par>
+    </p:tnLst>
+  </p:timing>
+</p:sld>
+</file>
+
+<file path=ppt/slides/slide20.xml><?xml version="1.0" encoding="utf-8"?>
+<p:sld xmlns:a="http://schemas.openxmlformats.org/drawingml/2006/main" xmlns:r="http://schemas.openxmlformats.org/officeDocument/2006/relationships" xmlns:p="http://schemas.openxmlformats.org/presentationml/2006/main">
+  <p:cSld>
+    <p:spTree>
+      <p:nvGrpSpPr>
+        <p:cNvPr id="1" name=""/>
+        <p:cNvGrpSpPr/>
+        <p:nvPr/>
+      </p:nvGrpSpPr>
+      <p:grpSpPr>
+        <a:xfrm>
+          <a:off x="0" y="0"/>
+          <a:ext cx="0" cy="0"/>
+          <a:chOff x="0" y="0"/>
+          <a:chExt cx="0" cy="0"/>
+        </a:xfrm>
+      </p:grpSpPr>
+      <p:sp>
+        <p:nvSpPr>
+          <p:cNvPr id="2" name="Title 1"/>
+          <p:cNvSpPr>
+            <a:spLocks noGrp="1"/>
+          </p:cNvSpPr>
+          <p:nvPr>
+            <p:ph type="ctrTitle"/>
+          </p:nvPr>
+        </p:nvSpPr>
+        <p:spPr/>
+        <p:txBody>
+          <a:bodyPr>
+            <a:normAutofit/>
+          </a:bodyPr>
+          <a:lstStyle/>
+          <a:p>
+            <a:r>
+              <a:rPr lang="en-US" dirty="0" smtClean="0"/>
+              <a:t>Questions?</a:t>
+            </a:r>
+            <a:endParaRPr lang="en-US" sz="2800" dirty="0">
+              <a:solidFill>
+                <a:schemeClr val="tx1"/>
+              </a:solidFill>
+            </a:endParaRPr>
           </a:p>
         </p:txBody>
       </p:sp>
@@ -47389,6 +48313,219 @@
       </p:grpSpPr>
       <p:sp>
         <p:nvSpPr>
+          <p:cNvPr id="3" name="Slide Number Placeholder 2"/>
+          <p:cNvSpPr>
+            <a:spLocks noGrp="1"/>
+          </p:cNvSpPr>
+          <p:nvPr>
+            <p:ph type="sldNum" sz="quarter" idx="12"/>
+          </p:nvPr>
+        </p:nvSpPr>
+        <p:spPr/>
+        <p:txBody>
+          <a:bodyPr/>
+          <a:lstStyle/>
+          <a:p>
+            <a:fld id="{525A3C56-E491-49B2-93F3-63532DF516BC}" type="slidenum">
+              <a:rPr lang="en-US" smtClean="0"/>
+              <a:pPr/>
+              <a:t>8</a:t>
+            </a:fld>
+            <a:endParaRPr lang="en-US" dirty="0"/>
+          </a:p>
+        </p:txBody>
+      </p:sp>
+      <p:sp>
+        <p:nvSpPr>
+          <p:cNvPr id="4" name="Rectangle 3"/>
+          <p:cNvSpPr/>
+          <p:nvPr/>
+        </p:nvSpPr>
+        <p:spPr>
+          <a:xfrm>
+            <a:off x="927216" y="1439583"/>
+            <a:ext cx="7208379" cy="3539430"/>
+          </a:xfrm>
+          <a:prstGeom prst="rect">
+            <a:avLst/>
+          </a:prstGeom>
+        </p:spPr>
+        <p:txBody>
+          <a:bodyPr wrap="square">
+            <a:spAutoFit/>
+          </a:bodyPr>
+          <a:lstStyle/>
+          <a:p>
+            <a:pPr marL="457200" lvl="0" indent="-457200">
+              <a:buClr>
+                <a:schemeClr val="accent1"/>
+              </a:buClr>
+              <a:buFont typeface="Arial" panose="020B0604020202020204" pitchFamily="34" charset="0"/>
+              <a:buChar char="•"/>
+            </a:pPr>
+            <a:r>
+              <a:rPr lang="en-CA" sz="2800" dirty="0" smtClean="0"/>
+              <a:t>Dedicated Mobile Application</a:t>
+            </a:r>
+          </a:p>
+          <a:p>
+            <a:pPr marL="914400" lvl="1" indent="-457200">
+              <a:buClr>
+                <a:schemeClr val="accent1"/>
+              </a:buClr>
+              <a:buFont typeface="Arial" panose="020B0604020202020204" pitchFamily="34" charset="0"/>
+              <a:buChar char="•"/>
+            </a:pPr>
+            <a:r>
+              <a:rPr lang="en-CA" sz="2800" dirty="0" smtClean="0"/>
+              <a:t>Requires Android or </a:t>
+            </a:r>
+            <a:r>
+              <a:rPr lang="en-CA" sz="2800" dirty="0" err="1" smtClean="0"/>
+              <a:t>iOS</a:t>
+            </a:r>
+            <a:r>
+              <a:rPr lang="en-CA" sz="2800" dirty="0" smtClean="0"/>
+              <a:t> device</a:t>
+            </a:r>
+            <a:endParaRPr lang="en-CA" sz="2800" dirty="0" smtClean="0"/>
+          </a:p>
+          <a:p>
+            <a:pPr marL="457200" lvl="0" indent="-457200">
+              <a:buClr>
+                <a:schemeClr val="accent1"/>
+              </a:buClr>
+              <a:buFont typeface="Arial" panose="020B0604020202020204" pitchFamily="34" charset="0"/>
+              <a:buChar char="•"/>
+            </a:pPr>
+            <a:endParaRPr lang="en-US" sz="2800" dirty="0"/>
+          </a:p>
+          <a:p>
+            <a:pPr marL="457200" lvl="0" indent="-457200">
+              <a:buClr>
+                <a:schemeClr val="accent1"/>
+              </a:buClr>
+              <a:buFont typeface="Arial" panose="020B0604020202020204" pitchFamily="34" charset="0"/>
+              <a:buChar char="•"/>
+            </a:pPr>
+            <a:r>
+              <a:rPr lang="en-US" sz="2800" dirty="0" smtClean="0"/>
+              <a:t>$25,000 Budget</a:t>
+            </a:r>
+          </a:p>
+          <a:p>
+            <a:pPr marL="914400" lvl="1" indent="-457200">
+              <a:buClr>
+                <a:schemeClr val="accent1"/>
+              </a:buClr>
+              <a:buFont typeface="Arial" panose="020B0604020202020204" pitchFamily="34" charset="0"/>
+              <a:buChar char="•"/>
+            </a:pPr>
+            <a:r>
+              <a:rPr lang="en-US" sz="2800" dirty="0" smtClean="0"/>
+              <a:t>6 weeks – Total Project Time</a:t>
+            </a:r>
+          </a:p>
+          <a:p>
+            <a:pPr marL="914400" lvl="1" indent="-457200">
+              <a:buClr>
+                <a:schemeClr val="accent1"/>
+              </a:buClr>
+              <a:buFont typeface="Arial" panose="020B0604020202020204" pitchFamily="34" charset="0"/>
+              <a:buChar char="•"/>
+            </a:pPr>
+            <a:r>
+              <a:rPr lang="en-US" sz="2800" dirty="0" smtClean="0"/>
+              <a:t>3 weeks – Development </a:t>
+            </a:r>
+          </a:p>
+          <a:p>
+            <a:pPr marL="914400" lvl="1" indent="-457200">
+              <a:buClr>
+                <a:schemeClr val="accent1"/>
+              </a:buClr>
+              <a:buFont typeface="Arial" panose="020B0604020202020204" pitchFamily="34" charset="0"/>
+              <a:buChar char="•"/>
+            </a:pPr>
+            <a:r>
+              <a:rPr lang="en-US" sz="2800" dirty="0" smtClean="0"/>
+              <a:t>3 weeks – Testing</a:t>
+            </a:r>
+          </a:p>
+          <a:p>
+            <a:pPr marL="914400" lvl="1" indent="-457200">
+              <a:buClr>
+                <a:schemeClr val="accent1"/>
+              </a:buClr>
+              <a:buFont typeface="Arial" panose="020B0604020202020204" pitchFamily="34" charset="0"/>
+              <a:buChar char="•"/>
+            </a:pPr>
+            <a:endParaRPr lang="en-US" sz="2800" dirty="0"/>
+          </a:p>
+        </p:txBody>
+      </p:sp>
+      <p:sp>
+        <p:nvSpPr>
+          <p:cNvPr id="5" name="Title 1"/>
+          <p:cNvSpPr>
+            <a:spLocks noGrp="1"/>
+          </p:cNvSpPr>
+          <p:nvPr>
+            <p:ph type="title"/>
+          </p:nvPr>
+        </p:nvSpPr>
+        <p:spPr>
+          <a:xfrm>
+            <a:off x="447675" y="185739"/>
+            <a:ext cx="8239125" cy="920750"/>
+          </a:xfrm>
+        </p:spPr>
+        <p:txBody>
+          <a:bodyPr>
+            <a:normAutofit/>
+          </a:bodyPr>
+          <a:lstStyle/>
+          <a:p>
+            <a:r>
+              <a:rPr lang="en-US" sz="4400" dirty="0" smtClean="0"/>
+              <a:t>Limitations</a:t>
+            </a:r>
+            <a:endParaRPr lang="en-US" sz="4400" dirty="0"/>
+          </a:p>
+        </p:txBody>
+      </p:sp>
+    </p:spTree>
+    <p:extLst>
+      <p:ext uri="{BB962C8B-B14F-4D97-AF65-F5344CB8AC3E}">
+        <p14:creationId xmlns:p14="http://schemas.microsoft.com/office/powerpoint/2010/main" val="3645847462"/>
+      </p:ext>
+    </p:extLst>
+  </p:cSld>
+  <p:clrMapOvr>
+    <a:masterClrMapping/>
+  </p:clrMapOvr>
+</p:sld>
+</file>
+
+<file path=ppt/slides/slide9.xml><?xml version="1.0" encoding="utf-8"?>
+<p:sld xmlns:a="http://schemas.openxmlformats.org/drawingml/2006/main" xmlns:r="http://schemas.openxmlformats.org/officeDocument/2006/relationships" xmlns:p="http://schemas.openxmlformats.org/presentationml/2006/main">
+  <p:cSld>
+    <p:spTree>
+      <p:nvGrpSpPr>
+        <p:cNvPr id="1" name=""/>
+        <p:cNvGrpSpPr/>
+        <p:nvPr/>
+      </p:nvGrpSpPr>
+      <p:grpSpPr>
+        <a:xfrm>
+          <a:off x="0" y="0"/>
+          <a:ext cx="0" cy="0"/>
+          <a:chOff x="0" y="0"/>
+          <a:chExt cx="0" cy="0"/>
+        </a:xfrm>
+      </p:grpSpPr>
+      <p:sp>
+        <p:nvSpPr>
           <p:cNvPr id="2" name="Title 1"/>
           <p:cNvSpPr>
             <a:spLocks noGrp="1"/>
@@ -47427,83 +48564,6 @@
       </p:par>
     </p:tnLst>
   </p:timing>
-</p:sld>
-</file>
-
-<file path=ppt/slides/slide9.xml><?xml version="1.0" encoding="utf-8"?>
-<p:sld xmlns:a="http://schemas.openxmlformats.org/drawingml/2006/main" xmlns:r="http://schemas.openxmlformats.org/officeDocument/2006/relationships" xmlns:p="http://schemas.openxmlformats.org/presentationml/2006/main">
-  <p:cSld>
-    <p:spTree>
-      <p:nvGrpSpPr>
-        <p:cNvPr id="1" name=""/>
-        <p:cNvGrpSpPr/>
-        <p:nvPr/>
-      </p:nvGrpSpPr>
-      <p:grpSpPr>
-        <a:xfrm>
-          <a:off x="0" y="0"/>
-          <a:ext cx="0" cy="0"/>
-          <a:chOff x="0" y="0"/>
-          <a:chExt cx="0" cy="0"/>
-        </a:xfrm>
-      </p:grpSpPr>
-      <p:sp>
-        <p:nvSpPr>
-          <p:cNvPr id="3" name="Slide Number Placeholder 2"/>
-          <p:cNvSpPr>
-            <a:spLocks noGrp="1"/>
-          </p:cNvSpPr>
-          <p:nvPr>
-            <p:ph type="sldNum" sz="quarter" idx="12"/>
-          </p:nvPr>
-        </p:nvSpPr>
-        <p:spPr/>
-        <p:txBody>
-          <a:bodyPr/>
-          <a:lstStyle/>
-          <a:p>
-            <a:fld id="{525A3C56-E491-49B2-93F3-63532DF516BC}" type="slidenum">
-              <a:rPr lang="en-US" smtClean="0"/>
-              <a:pPr/>
-              <a:t>9</a:t>
-            </a:fld>
-            <a:endParaRPr lang="en-US" dirty="0"/>
-          </a:p>
-        </p:txBody>
-      </p:sp>
-      <p:sp>
-        <p:nvSpPr>
-          <p:cNvPr id="4" name="Title 3"/>
-          <p:cNvSpPr>
-            <a:spLocks noGrp="1"/>
-          </p:cNvSpPr>
-          <p:nvPr>
-            <p:ph type="title"/>
-          </p:nvPr>
-        </p:nvSpPr>
-        <p:spPr/>
-        <p:txBody>
-          <a:bodyPr/>
-          <a:lstStyle/>
-          <a:p>
-            <a:r>
-              <a:rPr lang="en-US" dirty="0" smtClean="0"/>
-              <a:t>Login </a:t>
-            </a:r>
-            <a:endParaRPr lang="en-US" dirty="0"/>
-          </a:p>
-        </p:txBody>
-      </p:sp>
-    </p:spTree>
-    <p:extLst>
-      <p:ext uri="{BB962C8B-B14F-4D97-AF65-F5344CB8AC3E}">
-        <p14:creationId xmlns:p14="http://schemas.microsoft.com/office/powerpoint/2010/main" val="1383719726"/>
-      </p:ext>
-    </p:extLst>
-  </p:cSld>
-  <p:clrMapOvr>
-    <a:masterClrMapping/>
-  </p:clrMapOvr>
 </p:sld>
 </file>
 
@@ -48426,6 +49486,68 @@
 </file>
 
 <file path=customXml/item1.xml><?xml version="1.0" encoding="utf-8"?>
+<p:properties xmlns:p="http://schemas.microsoft.com/office/2006/metadata/properties" xmlns:xsi="http://www.w3.org/2001/XMLSchema-instance">
+  <documentManagement>
+    <CSMeta2010Field xmlns="http://schemas.microsoft.com/sharepoint/v3">2d31bd1b-46f7-4a6e-a0b6-6fe2b6a3b502;2014-06-11 22:15:45;AUTOCLASSIFIED;Business theme:2014-06-11 22:15:45|False||AUTOCLASSIFIED|2014-06-11 22:15:45|UNDEFINED;Organization:2014-06-11 22:15:45|False||AUTOCLASSIFIED|2014-06-11 22:15:45|UNDEFINED;Sector:2014-06-11 22:15:45|False||AUTOCLASSIFIED|2014-06-11 22:15:45|UNDEFINED;Proposition:2014-06-11 22:15:45|False||AUTOCLASSIFIED|2014-06-11 22:15:45|UNDEFINED;Service line:2014-06-11 22:15:45|False||AUTOCLASSIFIED|2014-06-11 22:15:45|UNDEFINED;True</CSMeta2010Field>
+    <c5aebc35b3e840e5912c276ffe755dcf xmlns="d95a5b16-1b8d-4c7c-9ebf-89c0983b6970">
+      <Terms xmlns="http://schemas.microsoft.com/office/infopath/2007/PartnerControls"/>
+    </c5aebc35b3e840e5912c276ffe755dcf>
+    <c79d12643ffc4d60ab657aaa1718cc32 xmlns="d95a5b16-1b8d-4c7c-9ebf-89c0983b6970">
+      <Terms xmlns="http://schemas.microsoft.com/office/infopath/2007/PartnerControls">
+        <TermInfo xmlns="http://schemas.microsoft.com/office/infopath/2007/PartnerControls">
+          <TermName xmlns="http://schemas.microsoft.com/office/infopath/2007/PartnerControls">Group</TermName>
+          <TermId xmlns="http://schemas.microsoft.com/office/infopath/2007/PartnerControls">43ac7042-3752-4f1b-8a93-43b36e65d3e5</TermId>
+        </TermInfo>
+      </Terms>
+    </c79d12643ffc4d60ab657aaa1718cc32>
+    <p43f7bb208e443c9b50eb304fe6606a3 xmlns="d95a5b16-1b8d-4c7c-9ebf-89c0983b6970">
+      <Terms xmlns="http://schemas.microsoft.com/office/infopath/2007/PartnerControls"/>
+    </p43f7bb208e443c9b50eb304fe6606a3>
+    <TaxCatchAll xmlns="d95a5b16-1b8d-4c7c-9ebf-89c0983b6970">
+      <Value>260</Value>
+    </TaxCatchAll>
+    <h4c66fbf292e4125b0e390af25f11c04 xmlns="d95a5b16-1b8d-4c7c-9ebf-89c0983b6970">
+      <Terms xmlns="http://schemas.microsoft.com/office/infopath/2007/PartnerControls"/>
+    </h4c66fbf292e4125b0e390af25f11c04>
+    <eafb632c3f5c40ba98242be6bbd6bb17 xmlns="d95a5b16-1b8d-4c7c-9ebf-89c0983b6970">
+      <Terms xmlns="http://schemas.microsoft.com/office/infopath/2007/PartnerControls"/>
+    </eafb632c3f5c40ba98242be6bbd6bb17>
+    <Creator xmlns="d95a5b16-1b8d-4c7c-9ebf-89c0983b6970" xsi:nil="true"/>
+    <Language xmlns="http://schemas.microsoft.com/sharepoint/v3">EN</Language>
+    <Proposition xmlns="d95a5b16-1b8d-4c7c-9ebf-89c0983b6970"/>
+    <Abstract xmlns="d95a5b16-1b8d-4c7c-9ebf-89c0983b6970">CGI-pumpkin-option_EN</Abstract>
+    <External_x0020_Use xmlns="d95a5b16-1b8d-4c7c-9ebf-89c0983b6970">No</External_x0020_Use>
+    <Owner_x0020_Organisation xmlns="d95a5b16-1b8d-4c7c-9ebf-89c0983b6970">Group</Owner_x0020_Organisation>
+    <Subjects_x0020_and_x0020_Keywords xmlns="d95a5b16-1b8d-4c7c-9ebf-89c0983b6970" xsi:nil="true"/>
+    <BS_x0020_Document_x0020_Sub_x0020_Type xmlns="d95a5b16-1b8d-4c7c-9ebf-89c0983b6970">Pro Forma</BS_x0020_Document_x0020_Sub_x0020_Type>
+    <Market xmlns="d95a5b16-1b8d-4c7c-9ebf-89c0983b6970"/>
+    <Best_x0020_Before_x0020_Date xmlns="d95a5b16-1b8d-4c7c-9ebf-89c0983b6970">2018-01-09T00:00:00+00:00</Best_x0020_Before_x0020_Date>
+    <Published_x0020_By xmlns="d95a5b16-1b8d-4c7c-9ebf-89c0983b6970">
+      <UserInfo>
+        <DisplayName>Stiller, Regina C</DisplayName>
+        <AccountId>55167</AccountId>
+        <AccountType/>
+      </UserInfo>
+    </Published_x0020_By>
+    <Publication_x0020_Date xmlns="d95a5b16-1b8d-4c7c-9ebf-89c0983b6970">2013-01-09T00:00:00+00:00</Publication_x0020_Date>
+    <Geographic_x0020_Region xmlns="d95a5b16-1b8d-4c7c-9ebf-89c0983b6970"/>
+    <TaxKeywordTaxHTField xmlns="d95a5b16-1b8d-4c7c-9ebf-89c0983b6970">
+      <Terms xmlns="http://schemas.microsoft.com/office/infopath/2007/PartnerControls"/>
+    </TaxKeywordTaxHTField>
+  </documentManagement>
+</p:properties>
+</file>
+
+<file path=customXml/item2.xml><?xml version="1.0" encoding="utf-8"?>
+<?mso-contentType ?>
+<FormTemplates xmlns="http://schemas.microsoft.com/sharepoint/v3/contenttype/forms">
+  <Display>DocumentLibraryForm</Display>
+  <Edit>DocumentLibraryForm</Edit>
+  <New>DocumentLibraryForm</New>
+</FormTemplates>
+</file>
+
+<file path=customXml/item3.xml><?xml version="1.0" encoding="utf-8"?>
 <?mso-contentType ?>
 <spe:Receivers xmlns:spe="http://schemas.microsoft.com/sharepoint/events">
   <Receiver>
@@ -48549,68 +49671,6 @@
     <Filter/>
   </Receiver>
 </spe:Receivers>
-</file>
-
-<file path=customXml/item2.xml><?xml version="1.0" encoding="utf-8"?>
-<?mso-contentType ?>
-<FormTemplates xmlns="http://schemas.microsoft.com/sharepoint/v3/contenttype/forms">
-  <Display>DocumentLibraryForm</Display>
-  <Edit>DocumentLibraryForm</Edit>
-  <New>DocumentLibraryForm</New>
-</FormTemplates>
-</file>
-
-<file path=customXml/item3.xml><?xml version="1.0" encoding="utf-8"?>
-<p:properties xmlns:p="http://schemas.microsoft.com/office/2006/metadata/properties" xmlns:xsi="http://www.w3.org/2001/XMLSchema-instance">
-  <documentManagement>
-    <CSMeta2010Field xmlns="http://schemas.microsoft.com/sharepoint/v3">2d31bd1b-46f7-4a6e-a0b6-6fe2b6a3b502;2014-06-11 22:15:45;AUTOCLASSIFIED;Business theme:2014-06-11 22:15:45|False||AUTOCLASSIFIED|2014-06-11 22:15:45|UNDEFINED;Organization:2014-06-11 22:15:45|False||AUTOCLASSIFIED|2014-06-11 22:15:45|UNDEFINED;Sector:2014-06-11 22:15:45|False||AUTOCLASSIFIED|2014-06-11 22:15:45|UNDEFINED;Proposition:2014-06-11 22:15:45|False||AUTOCLASSIFIED|2014-06-11 22:15:45|UNDEFINED;Service line:2014-06-11 22:15:45|False||AUTOCLASSIFIED|2014-06-11 22:15:45|UNDEFINED;True</CSMeta2010Field>
-    <c5aebc35b3e840e5912c276ffe755dcf xmlns="d95a5b16-1b8d-4c7c-9ebf-89c0983b6970">
-      <Terms xmlns="http://schemas.microsoft.com/office/infopath/2007/PartnerControls"/>
-    </c5aebc35b3e840e5912c276ffe755dcf>
-    <c79d12643ffc4d60ab657aaa1718cc32 xmlns="d95a5b16-1b8d-4c7c-9ebf-89c0983b6970">
-      <Terms xmlns="http://schemas.microsoft.com/office/infopath/2007/PartnerControls">
-        <TermInfo xmlns="http://schemas.microsoft.com/office/infopath/2007/PartnerControls">
-          <TermName xmlns="http://schemas.microsoft.com/office/infopath/2007/PartnerControls">Group</TermName>
-          <TermId xmlns="http://schemas.microsoft.com/office/infopath/2007/PartnerControls">43ac7042-3752-4f1b-8a93-43b36e65d3e5</TermId>
-        </TermInfo>
-      </Terms>
-    </c79d12643ffc4d60ab657aaa1718cc32>
-    <p43f7bb208e443c9b50eb304fe6606a3 xmlns="d95a5b16-1b8d-4c7c-9ebf-89c0983b6970">
-      <Terms xmlns="http://schemas.microsoft.com/office/infopath/2007/PartnerControls"/>
-    </p43f7bb208e443c9b50eb304fe6606a3>
-    <TaxCatchAll xmlns="d95a5b16-1b8d-4c7c-9ebf-89c0983b6970">
-      <Value>260</Value>
-    </TaxCatchAll>
-    <h4c66fbf292e4125b0e390af25f11c04 xmlns="d95a5b16-1b8d-4c7c-9ebf-89c0983b6970">
-      <Terms xmlns="http://schemas.microsoft.com/office/infopath/2007/PartnerControls"/>
-    </h4c66fbf292e4125b0e390af25f11c04>
-    <eafb632c3f5c40ba98242be6bbd6bb17 xmlns="d95a5b16-1b8d-4c7c-9ebf-89c0983b6970">
-      <Terms xmlns="http://schemas.microsoft.com/office/infopath/2007/PartnerControls"/>
-    </eafb632c3f5c40ba98242be6bbd6bb17>
-    <Creator xmlns="d95a5b16-1b8d-4c7c-9ebf-89c0983b6970" xsi:nil="true"/>
-    <Language xmlns="http://schemas.microsoft.com/sharepoint/v3">EN</Language>
-    <Proposition xmlns="d95a5b16-1b8d-4c7c-9ebf-89c0983b6970"/>
-    <Abstract xmlns="d95a5b16-1b8d-4c7c-9ebf-89c0983b6970">CGI-pumpkin-option_EN</Abstract>
-    <External_x0020_Use xmlns="d95a5b16-1b8d-4c7c-9ebf-89c0983b6970">No</External_x0020_Use>
-    <Owner_x0020_Organisation xmlns="d95a5b16-1b8d-4c7c-9ebf-89c0983b6970">Group</Owner_x0020_Organisation>
-    <Subjects_x0020_and_x0020_Keywords xmlns="d95a5b16-1b8d-4c7c-9ebf-89c0983b6970" xsi:nil="true"/>
-    <BS_x0020_Document_x0020_Sub_x0020_Type xmlns="d95a5b16-1b8d-4c7c-9ebf-89c0983b6970">Pro Forma</BS_x0020_Document_x0020_Sub_x0020_Type>
-    <Market xmlns="d95a5b16-1b8d-4c7c-9ebf-89c0983b6970"/>
-    <Best_x0020_Before_x0020_Date xmlns="d95a5b16-1b8d-4c7c-9ebf-89c0983b6970">2018-01-09T00:00:00+00:00</Best_x0020_Before_x0020_Date>
-    <Published_x0020_By xmlns="d95a5b16-1b8d-4c7c-9ebf-89c0983b6970">
-      <UserInfo>
-        <DisplayName>Stiller, Regina C</DisplayName>
-        <AccountId>55167</AccountId>
-        <AccountType/>
-      </UserInfo>
-    </Published_x0020_By>
-    <Publication_x0020_Date xmlns="d95a5b16-1b8d-4c7c-9ebf-89c0983b6970">2013-01-09T00:00:00+00:00</Publication_x0020_Date>
-    <Geographic_x0020_Region xmlns="d95a5b16-1b8d-4c7c-9ebf-89c0983b6970"/>
-    <TaxKeywordTaxHTField xmlns="d95a5b16-1b8d-4c7c-9ebf-89c0983b6970">
-      <Terms xmlns="http://schemas.microsoft.com/office/infopath/2007/PartnerControls"/>
-    </TaxKeywordTaxHTField>
-  </documentManagement>
-</p:properties>
 </file>
 
 <file path=customXml/item4.xml><?xml version="1.0" encoding="utf-8"?>
@@ -49053,9 +50113,18 @@
 </file>
 
 <file path=customXml/itemProps1.xml><?xml version="1.0" encoding="utf-8"?>
-<ds:datastoreItem xmlns:ds="http://schemas.openxmlformats.org/officeDocument/2006/customXml" ds:itemID="{292B128B-852E-4970-B7DA-406C2DC81E71}">
+<ds:datastoreItem xmlns:ds="http://schemas.openxmlformats.org/officeDocument/2006/customXml" ds:itemID="{2F4C4F6A-F6A5-45C8-BAAA-52FB70E387C7}">
   <ds:schemaRefs>
-    <ds:schemaRef ds:uri="http://schemas.microsoft.com/sharepoint/events"/>
+    <ds:schemaRef ds:uri="http://purl.org/dc/terms/"/>
+    <ds:schemaRef ds:uri="http://schemas.microsoft.com/office/infopath/2007/PartnerControls"/>
+    <ds:schemaRef ds:uri="http://purl.org/dc/elements/1.1/"/>
+    <ds:schemaRef ds:uri="http://schemas.microsoft.com/sharepoint/v3"/>
+    <ds:schemaRef ds:uri="http://schemas.microsoft.com/office/2006/documentManagement/types"/>
+    <ds:schemaRef ds:uri="http://schemas.openxmlformats.org/package/2006/metadata/core-properties"/>
+    <ds:schemaRef ds:uri="d95a5b16-1b8d-4c7c-9ebf-89c0983b6970"/>
+    <ds:schemaRef ds:uri="http://schemas.microsoft.com/office/2006/metadata/properties"/>
+    <ds:schemaRef ds:uri="http://www.w3.org/XML/1998/namespace"/>
+    <ds:schemaRef ds:uri="http://purl.org/dc/dcmitype/"/>
   </ds:schemaRefs>
 </ds:datastoreItem>
 </file>
@@ -49069,18 +50138,9 @@
 </file>
 
 <file path=customXml/itemProps3.xml><?xml version="1.0" encoding="utf-8"?>
-<ds:datastoreItem xmlns:ds="http://schemas.openxmlformats.org/officeDocument/2006/customXml" ds:itemID="{2F4C4F6A-F6A5-45C8-BAAA-52FB70E387C7}">
+<ds:datastoreItem xmlns:ds="http://schemas.openxmlformats.org/officeDocument/2006/customXml" ds:itemID="{292B128B-852E-4970-B7DA-406C2DC81E71}">
   <ds:schemaRefs>
-    <ds:schemaRef ds:uri="http://purl.org/dc/terms/"/>
-    <ds:schemaRef ds:uri="http://schemas.microsoft.com/office/infopath/2007/PartnerControls"/>
-    <ds:schemaRef ds:uri="http://purl.org/dc/elements/1.1/"/>
-    <ds:schemaRef ds:uri="http://schemas.microsoft.com/sharepoint/v3"/>
-    <ds:schemaRef ds:uri="http://schemas.microsoft.com/office/2006/documentManagement/types"/>
-    <ds:schemaRef ds:uri="http://schemas.openxmlformats.org/package/2006/metadata/core-properties"/>
-    <ds:schemaRef ds:uri="d95a5b16-1b8d-4c7c-9ebf-89c0983b6970"/>
-    <ds:schemaRef ds:uri="http://schemas.microsoft.com/office/2006/metadata/properties"/>
-    <ds:schemaRef ds:uri="http://www.w3.org/XML/1998/namespace"/>
-    <ds:schemaRef ds:uri="http://purl.org/dc/dcmitype/"/>
+    <ds:schemaRef ds:uri="http://schemas.microsoft.com/sharepoint/events"/>
   </ds:schemaRefs>
 </ds:datastoreItem>
 </file>
